--- a/c_07_camera_calibration/camera calibration.pptx
+++ b/c_07_camera_calibration/camera calibration.pptx
@@ -5,13 +5,26 @@
     <p:sldMasterId id="2147483660" r:id="rId1"/>
   </p:sldMasterIdLst>
   <p:notesMasterIdLst>
-    <p:notesMasterId r:id="rId6"/>
+    <p:notesMasterId r:id="rId19"/>
   </p:notesMasterIdLst>
   <p:sldIdLst>
     <p:sldId id="256" r:id="rId2"/>
     <p:sldId id="2348" r:id="rId3"/>
     <p:sldId id="303" r:id="rId4"/>
-    <p:sldId id="305" r:id="rId5"/>
+    <p:sldId id="2356" r:id="rId5"/>
+    <p:sldId id="2360" r:id="rId6"/>
+    <p:sldId id="2361" r:id="rId7"/>
+    <p:sldId id="2362" r:id="rId8"/>
+    <p:sldId id="2349" r:id="rId9"/>
+    <p:sldId id="2350" r:id="rId10"/>
+    <p:sldId id="2358" r:id="rId11"/>
+    <p:sldId id="2352" r:id="rId12"/>
+    <p:sldId id="2359" r:id="rId13"/>
+    <p:sldId id="305" r:id="rId14"/>
+    <p:sldId id="2357" r:id="rId15"/>
+    <p:sldId id="2353" r:id="rId16"/>
+    <p:sldId id="2354" r:id="rId17"/>
+    <p:sldId id="2355" r:id="rId18"/>
   </p:sldIdLst>
   <p:sldSz cx="9144000" cy="6858000" type="screen4x3"/>
   <p:notesSz cx="6858000" cy="9144000"/>
@@ -112,7 +125,7 @@
   </p:defaultTextStyle>
   <p:extLst>
     <p:ext uri="{EFAFB233-063F-42B5-8137-9DF3F51BA10A}">
-      <p15:sldGuideLst xmlns:p15="http://schemas.microsoft.com/office/powerpoint/2012/main">
+      <p15:sldGuideLst xmlns="" xmlns:p15="http://schemas.microsoft.com/office/powerpoint/2012/main">
         <p15:guide id="1" orient="horz" pos="2160">
           <p15:clr>
             <a:srgbClr val="A4A3A4"/>
@@ -527,8 +540,745 @@
           <a:bodyPr/>
           <a:lstStyle/>
           <a:p>
+            <a:r>
+              <a:rPr lang="en-US" dirty="0" smtClean="0"/>
+              <a:t>\\</a:t>
+            </a:r>
+          </a:p>
+          <a:p>
+            <a:r>
+              <a:rPr lang="en-US" dirty="0" smtClean="0"/>
+              <a:t>P = </a:t>
+            </a:r>
+          </a:p>
+          <a:p>
+            <a:r>
+              <a:rPr lang="en-US" dirty="0" smtClean="0"/>
+              <a:t>\begin{</a:t>
+            </a:r>
+            <a:r>
+              <a:rPr lang="en-US" dirty="0" err="1" smtClean="0"/>
+              <a:t>bmatrix</a:t>
+            </a:r>
+            <a:r>
+              <a:rPr lang="en-US" dirty="0" smtClean="0"/>
+              <a:t>}a_{11} &amp; a_{12}&amp;a_{13}&amp;a_{14}</a:t>
+            </a:r>
+          </a:p>
+          <a:p>
+            <a:r>
+              <a:rPr lang="en-US" dirty="0" smtClean="0"/>
+              <a:t>\\ a_{21}&amp;a_{22} &amp;a_{23}&amp;a_{24}</a:t>
+            </a:r>
+          </a:p>
+          <a:p>
+            <a:r>
+              <a:rPr lang="en-US" dirty="0" smtClean="0"/>
+              <a:t>\\a_{31}&amp;a_{32}&amp;a_{33}&amp;a_{34}</a:t>
+            </a:r>
+          </a:p>
+          <a:p>
+            <a:r>
+              <a:rPr lang="en-US" dirty="0" smtClean="0"/>
+              <a:t>\end{</a:t>
+            </a:r>
+            <a:r>
+              <a:rPr lang="en-US" dirty="0" err="1" smtClean="0"/>
+              <a:t>bmatrix</a:t>
+            </a:r>
+            <a:r>
+              <a:rPr lang="en-US" dirty="0" smtClean="0"/>
+              <a:t>}</a:t>
+            </a:r>
+          </a:p>
+          <a:p>
+            <a:endParaRPr lang="en-US" dirty="0" smtClean="0"/>
+          </a:p>
+          <a:p>
+            <a:r>
+              <a:rPr lang="en-US" dirty="0" smtClean="0"/>
+              <a:t>\\</a:t>
+            </a:r>
+          </a:p>
+          <a:p>
+            <a:r>
+              <a:rPr lang="en-US" dirty="0" smtClean="0"/>
+              <a:t>P</a:t>
+            </a:r>
+          </a:p>
+          <a:p>
+            <a:r>
+              <a:rPr lang="en-US" dirty="0" smtClean="0"/>
+              <a:t>\begin{</a:t>
+            </a:r>
+            <a:r>
+              <a:rPr lang="en-US" dirty="0" err="1" smtClean="0"/>
+              <a:t>bmatrix</a:t>
+            </a:r>
+            <a:r>
+              <a:rPr lang="en-US" dirty="0" smtClean="0"/>
+              <a:t>}x</a:t>
+            </a:r>
+          </a:p>
+          <a:p>
+            <a:r>
+              <a:rPr lang="en-US" dirty="0" smtClean="0"/>
+              <a:t>\\ y</a:t>
+            </a:r>
+          </a:p>
+          <a:p>
+            <a:r>
+              <a:rPr lang="en-US" dirty="0" smtClean="0"/>
+              <a:t>\\z</a:t>
+            </a:r>
+          </a:p>
+          <a:p>
+            <a:r>
+              <a:rPr lang="en-US" dirty="0" smtClean="0"/>
+              <a:t>\\1</a:t>
+            </a:r>
+          </a:p>
+          <a:p>
+            <a:r>
+              <a:rPr lang="en-US" dirty="0" smtClean="0"/>
+              <a:t>\end{</a:t>
+            </a:r>
+            <a:r>
+              <a:rPr lang="en-US" dirty="0" err="1" smtClean="0"/>
+              <a:t>bmatrix</a:t>
+            </a:r>
+            <a:r>
+              <a:rPr lang="en-US" dirty="0" smtClean="0"/>
+              <a:t>}</a:t>
+            </a:r>
+          </a:p>
+          <a:p>
+            <a:endParaRPr lang="en-US" dirty="0" smtClean="0"/>
+          </a:p>
+          <a:p>
+            <a:r>
+              <a:rPr lang="en-US" dirty="0" smtClean="0"/>
+              <a:t>=</a:t>
+            </a:r>
+          </a:p>
+          <a:p>
+            <a:endParaRPr lang="en-US" dirty="0" smtClean="0"/>
+          </a:p>
+          <a:p>
+            <a:r>
+              <a:rPr lang="en-US" dirty="0" smtClean="0"/>
+              <a:t>\begin{</a:t>
+            </a:r>
+            <a:r>
+              <a:rPr lang="en-US" dirty="0" err="1" smtClean="0"/>
+              <a:t>bmatrix</a:t>
+            </a:r>
+            <a:r>
+              <a:rPr lang="en-US" dirty="0" smtClean="0"/>
+              <a:t>}u</a:t>
+            </a:r>
+          </a:p>
+          <a:p>
+            <a:r>
+              <a:rPr lang="en-US" dirty="0" smtClean="0"/>
+              <a:t>\\ v</a:t>
+            </a:r>
+          </a:p>
+          <a:p>
+            <a:r>
+              <a:rPr lang="en-US" dirty="0" smtClean="0"/>
+              <a:t>\\w</a:t>
+            </a:r>
+          </a:p>
+          <a:p>
+            <a:r>
+              <a:rPr lang="en-US" dirty="0" smtClean="0"/>
+              <a:t>\end{</a:t>
+            </a:r>
+            <a:r>
+              <a:rPr lang="en-US" dirty="0" err="1" smtClean="0"/>
+              <a:t>bmatrix</a:t>
+            </a:r>
+            <a:r>
+              <a:rPr lang="en-US" dirty="0" smtClean="0"/>
+              <a:t>}</a:t>
+            </a:r>
+          </a:p>
+          <a:p>
+            <a:endParaRPr lang="en-US" dirty="0" smtClean="0"/>
+          </a:p>
+          <a:p>
+            <a:r>
+              <a:rPr lang="en-US" dirty="0" smtClean="0"/>
+              <a:t>\</a:t>
+            </a:r>
+            <a:r>
+              <a:rPr lang="en-US" dirty="0" err="1" smtClean="0"/>
+              <a:t>mapsto</a:t>
+            </a:r>
+            <a:r>
+              <a:rPr lang="en-US" dirty="0" smtClean="0"/>
+              <a:t> </a:t>
+            </a:r>
+          </a:p>
+          <a:p>
+            <a:endParaRPr lang="en-US" dirty="0" smtClean="0"/>
+          </a:p>
+          <a:p>
+            <a:r>
+              <a:rPr lang="en-US" dirty="0" smtClean="0"/>
+              <a:t>\begin{</a:t>
+            </a:r>
+            <a:r>
+              <a:rPr lang="en-US" dirty="0" err="1" smtClean="0"/>
+              <a:t>bmatrix</a:t>
+            </a:r>
+            <a:r>
+              <a:rPr lang="en-US" dirty="0" smtClean="0"/>
+              <a:t>}\</a:t>
+            </a:r>
+            <a:r>
+              <a:rPr lang="en-US" dirty="0" err="1" smtClean="0"/>
+              <a:t>frac</a:t>
+            </a:r>
+            <a:r>
+              <a:rPr lang="en-US" dirty="0" smtClean="0"/>
+              <a:t>{u}{w}</a:t>
+            </a:r>
+          </a:p>
+          <a:p>
+            <a:r>
+              <a:rPr lang="en-US" dirty="0" smtClean="0"/>
+              <a:t>\\ \</a:t>
+            </a:r>
+            <a:r>
+              <a:rPr lang="en-US" dirty="0" err="1" smtClean="0"/>
+              <a:t>frac</a:t>
+            </a:r>
+            <a:r>
+              <a:rPr lang="en-US" dirty="0" smtClean="0"/>
+              <a:t>{v}{w}</a:t>
+            </a:r>
+          </a:p>
+          <a:p>
+            <a:r>
+              <a:rPr lang="en-US" dirty="0" smtClean="0"/>
+              <a:t>\end{</a:t>
+            </a:r>
+            <a:r>
+              <a:rPr lang="en-US" dirty="0" err="1" smtClean="0"/>
+              <a:t>bmatrix</a:t>
+            </a:r>
+            <a:r>
+              <a:rPr lang="en-US" dirty="0" smtClean="0"/>
+              <a:t>}</a:t>
+            </a:r>
+          </a:p>
+          <a:p>
+            <a:endParaRPr lang="en-US" dirty="0" smtClean="0"/>
+          </a:p>
+          <a:p>
+            <a:endParaRPr lang="en-US" dirty="0" smtClean="0"/>
+          </a:p>
+          <a:p>
             <a:endParaRPr lang="en-US" dirty="0"/>
           </a:p>
+        </p:txBody>
+      </p:sp>
+      <p:sp>
+        <p:nvSpPr>
+          <p:cNvPr id="4" name="Slide Number Placeholder 3"/>
+          <p:cNvSpPr>
+            <a:spLocks noGrp="1"/>
+          </p:cNvSpPr>
+          <p:nvPr>
+            <p:ph type="sldNum" sz="quarter" idx="10"/>
+          </p:nvPr>
+        </p:nvSpPr>
+        <p:spPr/>
+        <p:txBody>
+          <a:bodyPr/>
+          <a:lstStyle/>
+          <a:p>
+            <a:fld id="{52D509E6-240D-427B-9F3C-01CA969AA59D}" type="slidenum">
+              <a:rPr lang="en-US" smtClean="0"/>
+              <a:t>5</a:t>
+            </a:fld>
+            <a:endParaRPr lang="en-US"/>
+          </a:p>
+        </p:txBody>
+      </p:sp>
+    </p:spTree>
+    <p:extLst>
+      <p:ext uri="{BB962C8B-B14F-4D97-AF65-F5344CB8AC3E}">
+        <p14:creationId xmlns:p14="http://schemas.microsoft.com/office/powerpoint/2010/main" val="50101519"/>
+      </p:ext>
+    </p:extLst>
+  </p:cSld>
+  <p:clrMapOvr>
+    <a:masterClrMapping/>
+  </p:clrMapOvr>
+</p:notes>
+</file>
+
+<file path=ppt/notesSlides/notesSlide2.xml><?xml version="1.0" encoding="utf-8"?>
+<p:notes xmlns:a="http://schemas.openxmlformats.org/drawingml/2006/main" xmlns:r="http://schemas.openxmlformats.org/officeDocument/2006/relationships" xmlns:p="http://schemas.openxmlformats.org/presentationml/2006/main">
+  <p:cSld>
+    <p:spTree>
+      <p:nvGrpSpPr>
+        <p:cNvPr id="1" name=""/>
+        <p:cNvGrpSpPr/>
+        <p:nvPr/>
+      </p:nvGrpSpPr>
+      <p:grpSpPr>
+        <a:xfrm>
+          <a:off x="0" y="0"/>
+          <a:ext cx="0" cy="0"/>
+          <a:chOff x="0" y="0"/>
+          <a:chExt cx="0" cy="0"/>
+        </a:xfrm>
+      </p:grpSpPr>
+      <p:sp>
+        <p:nvSpPr>
+          <p:cNvPr id="2" name="Slide Image Placeholder 1"/>
+          <p:cNvSpPr>
+            <a:spLocks noGrp="1" noRot="1" noChangeAspect="1"/>
+          </p:cNvSpPr>
+          <p:nvPr>
+            <p:ph type="sldImg"/>
+          </p:nvPr>
+        </p:nvSpPr>
+        <p:spPr/>
+      </p:sp>
+      <p:sp>
+        <p:nvSpPr>
+          <p:cNvPr id="3" name="Notes Placeholder 2"/>
+          <p:cNvSpPr>
+            <a:spLocks noGrp="1"/>
+          </p:cNvSpPr>
+          <p:nvPr>
+            <p:ph type="body" idx="1"/>
+          </p:nvPr>
+        </p:nvSpPr>
+        <p:spPr/>
+        <p:txBody>
+          <a:bodyPr/>
+          <a:lstStyle/>
+          <a:p>
+            <a:r>
+              <a:rPr lang="en-US" dirty="0" smtClean="0"/>
+              <a:t>\\</a:t>
+            </a:r>
+          </a:p>
+          <a:p>
+            <a:r>
+              <a:rPr lang="en-US" dirty="0" smtClean="0"/>
+              <a:t>P = </a:t>
+            </a:r>
+          </a:p>
+          <a:p>
+            <a:r>
+              <a:rPr lang="en-US" dirty="0" smtClean="0"/>
+              <a:t>\begin{</a:t>
+            </a:r>
+            <a:r>
+              <a:rPr lang="en-US" dirty="0" err="1" smtClean="0"/>
+              <a:t>bmatrix</a:t>
+            </a:r>
+            <a:r>
+              <a:rPr lang="en-US" dirty="0" smtClean="0"/>
+              <a:t>}a_{11} &amp; a_{12}&amp;a_{13}&amp;a_{14}</a:t>
+            </a:r>
+          </a:p>
+          <a:p>
+            <a:r>
+              <a:rPr lang="en-US" dirty="0" smtClean="0"/>
+              <a:t>\\ a_{21}&amp;a_{22} &amp;a_{23}&amp;a_{24}</a:t>
+            </a:r>
+          </a:p>
+          <a:p>
+            <a:r>
+              <a:rPr lang="en-US" dirty="0" smtClean="0"/>
+              <a:t>\\a_{31}&amp;a_{32}&amp;a_{33}&amp;a_{34}</a:t>
+            </a:r>
+          </a:p>
+          <a:p>
+            <a:r>
+              <a:rPr lang="en-US" dirty="0" smtClean="0"/>
+              <a:t>\end{</a:t>
+            </a:r>
+            <a:r>
+              <a:rPr lang="en-US" dirty="0" err="1" smtClean="0"/>
+              <a:t>bmatrix</a:t>
+            </a:r>
+            <a:r>
+              <a:rPr lang="en-US" dirty="0" smtClean="0"/>
+              <a:t>}</a:t>
+            </a:r>
+          </a:p>
+          <a:p>
+            <a:endParaRPr lang="en-US" dirty="0" smtClean="0"/>
+          </a:p>
+          <a:p>
+            <a:r>
+              <a:rPr lang="en-US" dirty="0" smtClean="0"/>
+              <a:t>\\</a:t>
+            </a:r>
+          </a:p>
+          <a:p>
+            <a:r>
+              <a:rPr lang="en-US" dirty="0" smtClean="0"/>
+              <a:t>P</a:t>
+            </a:r>
+          </a:p>
+          <a:p>
+            <a:r>
+              <a:rPr lang="en-US" dirty="0" smtClean="0"/>
+              <a:t>\begin{</a:t>
+            </a:r>
+            <a:r>
+              <a:rPr lang="en-US" dirty="0" err="1" smtClean="0"/>
+              <a:t>bmatrix</a:t>
+            </a:r>
+            <a:r>
+              <a:rPr lang="en-US" dirty="0" smtClean="0"/>
+              <a:t>}x</a:t>
+            </a:r>
+          </a:p>
+          <a:p>
+            <a:r>
+              <a:rPr lang="en-US" dirty="0" smtClean="0"/>
+              <a:t>\\ y</a:t>
+            </a:r>
+          </a:p>
+          <a:p>
+            <a:r>
+              <a:rPr lang="en-US" dirty="0" smtClean="0"/>
+              <a:t>\\z</a:t>
+            </a:r>
+          </a:p>
+          <a:p>
+            <a:r>
+              <a:rPr lang="en-US" dirty="0" smtClean="0"/>
+              <a:t>\\1</a:t>
+            </a:r>
+          </a:p>
+          <a:p>
+            <a:r>
+              <a:rPr lang="en-US" dirty="0" smtClean="0"/>
+              <a:t>\end{</a:t>
+            </a:r>
+            <a:r>
+              <a:rPr lang="en-US" dirty="0" err="1" smtClean="0"/>
+              <a:t>bmatrix</a:t>
+            </a:r>
+            <a:r>
+              <a:rPr lang="en-US" dirty="0" smtClean="0"/>
+              <a:t>}</a:t>
+            </a:r>
+          </a:p>
+          <a:p>
+            <a:endParaRPr lang="en-US" dirty="0" smtClean="0"/>
+          </a:p>
+          <a:p>
+            <a:r>
+              <a:rPr lang="en-US" dirty="0" smtClean="0"/>
+              <a:t>=</a:t>
+            </a:r>
+          </a:p>
+          <a:p>
+            <a:endParaRPr lang="en-US" dirty="0" smtClean="0"/>
+          </a:p>
+          <a:p>
+            <a:r>
+              <a:rPr lang="en-US" dirty="0" smtClean="0"/>
+              <a:t>\begin{</a:t>
+            </a:r>
+            <a:r>
+              <a:rPr lang="en-US" dirty="0" err="1" smtClean="0"/>
+              <a:t>bmatrix</a:t>
+            </a:r>
+            <a:r>
+              <a:rPr lang="en-US" dirty="0" smtClean="0"/>
+              <a:t>}u</a:t>
+            </a:r>
+          </a:p>
+          <a:p>
+            <a:r>
+              <a:rPr lang="en-US" dirty="0" smtClean="0"/>
+              <a:t>\\ v</a:t>
+            </a:r>
+          </a:p>
+          <a:p>
+            <a:r>
+              <a:rPr lang="en-US" dirty="0" smtClean="0"/>
+              <a:t>\\w</a:t>
+            </a:r>
+          </a:p>
+          <a:p>
+            <a:r>
+              <a:rPr lang="en-US" dirty="0" smtClean="0"/>
+              <a:t>\end{</a:t>
+            </a:r>
+            <a:r>
+              <a:rPr lang="en-US" dirty="0" err="1" smtClean="0"/>
+              <a:t>bmatrix</a:t>
+            </a:r>
+            <a:r>
+              <a:rPr lang="en-US" dirty="0" smtClean="0"/>
+              <a:t>}</a:t>
+            </a:r>
+          </a:p>
+          <a:p>
+            <a:endParaRPr lang="en-US" dirty="0" smtClean="0"/>
+          </a:p>
+          <a:p>
+            <a:r>
+              <a:rPr lang="en-US" dirty="0" smtClean="0"/>
+              <a:t>\</a:t>
+            </a:r>
+            <a:r>
+              <a:rPr lang="en-US" dirty="0" err="1" smtClean="0"/>
+              <a:t>mapsto</a:t>
+            </a:r>
+            <a:r>
+              <a:rPr lang="en-US" dirty="0" smtClean="0"/>
+              <a:t> </a:t>
+            </a:r>
+          </a:p>
+          <a:p>
+            <a:endParaRPr lang="en-US" dirty="0" smtClean="0"/>
+          </a:p>
+          <a:p>
+            <a:r>
+              <a:rPr lang="en-US" dirty="0" smtClean="0"/>
+              <a:t>\begin{</a:t>
+            </a:r>
+            <a:r>
+              <a:rPr lang="en-US" dirty="0" err="1" smtClean="0"/>
+              <a:t>bmatrix</a:t>
+            </a:r>
+            <a:r>
+              <a:rPr lang="en-US" dirty="0" smtClean="0"/>
+              <a:t>}\</a:t>
+            </a:r>
+            <a:r>
+              <a:rPr lang="en-US" dirty="0" err="1" smtClean="0"/>
+              <a:t>frac</a:t>
+            </a:r>
+            <a:r>
+              <a:rPr lang="en-US" dirty="0" smtClean="0"/>
+              <a:t>{u}{w}</a:t>
+            </a:r>
+          </a:p>
+          <a:p>
+            <a:r>
+              <a:rPr lang="en-US" dirty="0" smtClean="0"/>
+              <a:t>\\ \</a:t>
+            </a:r>
+            <a:r>
+              <a:rPr lang="en-US" dirty="0" err="1" smtClean="0"/>
+              <a:t>frac</a:t>
+            </a:r>
+            <a:r>
+              <a:rPr lang="en-US" dirty="0" smtClean="0"/>
+              <a:t>{v}{w}</a:t>
+            </a:r>
+          </a:p>
+          <a:p>
+            <a:r>
+              <a:rPr lang="en-US" dirty="0" smtClean="0"/>
+              <a:t>\end{</a:t>
+            </a:r>
+            <a:r>
+              <a:rPr lang="en-US" dirty="0" err="1" smtClean="0"/>
+              <a:t>bmatrix</a:t>
+            </a:r>
+            <a:r>
+              <a:rPr lang="en-US" dirty="0" smtClean="0"/>
+              <a:t>}</a:t>
+            </a:r>
+          </a:p>
+          <a:p>
+            <a:endParaRPr lang="en-US" dirty="0" smtClean="0"/>
+          </a:p>
+          <a:p>
+            <a:endParaRPr lang="en-US" smtClean="0"/>
+          </a:p>
+          <a:p>
+            <a:endParaRPr lang="en-US"/>
+          </a:p>
+        </p:txBody>
+      </p:sp>
+      <p:sp>
+        <p:nvSpPr>
+          <p:cNvPr id="4" name="Slide Number Placeholder 3"/>
+          <p:cNvSpPr>
+            <a:spLocks noGrp="1"/>
+          </p:cNvSpPr>
+          <p:nvPr>
+            <p:ph type="sldNum" sz="quarter" idx="10"/>
+          </p:nvPr>
+        </p:nvSpPr>
+        <p:spPr/>
+        <p:txBody>
+          <a:bodyPr/>
+          <a:lstStyle/>
+          <a:p>
+            <a:fld id="{52D509E6-240D-427B-9F3C-01CA969AA59D}" type="slidenum">
+              <a:rPr lang="en-US" smtClean="0"/>
+              <a:t>6</a:t>
+            </a:fld>
+            <a:endParaRPr lang="en-US"/>
+          </a:p>
+        </p:txBody>
+      </p:sp>
+    </p:spTree>
+    <p:extLst>
+      <p:ext uri="{BB962C8B-B14F-4D97-AF65-F5344CB8AC3E}">
+        <p14:creationId xmlns:p14="http://schemas.microsoft.com/office/powerpoint/2010/main" val="50101519"/>
+      </p:ext>
+    </p:extLst>
+  </p:cSld>
+  <p:clrMapOvr>
+    <a:masterClrMapping/>
+  </p:clrMapOvr>
+</p:notes>
+</file>
+
+<file path=ppt/notesSlides/notesSlide3.xml><?xml version="1.0" encoding="utf-8"?>
+<p:notes xmlns:a="http://schemas.openxmlformats.org/drawingml/2006/main" xmlns:r="http://schemas.openxmlformats.org/officeDocument/2006/relationships" xmlns:p="http://schemas.openxmlformats.org/presentationml/2006/main">
+  <p:cSld>
+    <p:spTree>
+      <p:nvGrpSpPr>
+        <p:cNvPr id="1" name=""/>
+        <p:cNvGrpSpPr/>
+        <p:nvPr/>
+      </p:nvGrpSpPr>
+      <p:grpSpPr>
+        <a:xfrm>
+          <a:off x="0" y="0"/>
+          <a:ext cx="0" cy="0"/>
+          <a:chOff x="0" y="0"/>
+          <a:chExt cx="0" cy="0"/>
+        </a:xfrm>
+      </p:grpSpPr>
+      <p:sp>
+        <p:nvSpPr>
+          <p:cNvPr id="2" name="Slide Image Placeholder 1"/>
+          <p:cNvSpPr>
+            <a:spLocks noGrp="1" noRot="1" noChangeAspect="1"/>
+          </p:cNvSpPr>
+          <p:nvPr>
+            <p:ph type="sldImg"/>
+          </p:nvPr>
+        </p:nvSpPr>
+        <p:spPr/>
+      </p:sp>
+      <p:sp>
+        <p:nvSpPr>
+          <p:cNvPr id="3" name="Notes Placeholder 2"/>
+          <p:cNvSpPr>
+            <a:spLocks noGrp="1"/>
+          </p:cNvSpPr>
+          <p:nvPr>
+            <p:ph type="body" idx="1"/>
+          </p:nvPr>
+        </p:nvSpPr>
+        <p:spPr/>
+        <p:txBody>
+          <a:bodyPr/>
+          <a:lstStyle/>
+          <a:p>
+            <a:r>
+              <a:rPr lang="en-US" smtClean="0"/>
+              <a:t>P_{3X4} = K_{3X3}[I|0]_{3X4}\Pi_{4X4}</a:t>
+            </a:r>
+          </a:p>
+          <a:p>
+            <a:endParaRPr lang="en-US"/>
+          </a:p>
+        </p:txBody>
+      </p:sp>
+      <p:sp>
+        <p:nvSpPr>
+          <p:cNvPr id="4" name="Slide Number Placeholder 3"/>
+          <p:cNvSpPr>
+            <a:spLocks noGrp="1"/>
+          </p:cNvSpPr>
+          <p:nvPr>
+            <p:ph type="sldNum" sz="quarter" idx="10"/>
+          </p:nvPr>
+        </p:nvSpPr>
+        <p:spPr/>
+        <p:txBody>
+          <a:bodyPr/>
+          <a:lstStyle/>
+          <a:p>
+            <a:fld id="{52D509E6-240D-427B-9F3C-01CA969AA59D}" type="slidenum">
+              <a:rPr lang="en-US" smtClean="0"/>
+              <a:t>7</a:t>
+            </a:fld>
+            <a:endParaRPr lang="en-US"/>
+          </a:p>
+        </p:txBody>
+      </p:sp>
+    </p:spTree>
+    <p:extLst>
+      <p:ext uri="{BB962C8B-B14F-4D97-AF65-F5344CB8AC3E}">
+        <p14:creationId xmlns:p14="http://schemas.microsoft.com/office/powerpoint/2010/main" val="787575225"/>
+      </p:ext>
+    </p:extLst>
+  </p:cSld>
+  <p:clrMapOvr>
+    <a:masterClrMapping/>
+  </p:clrMapOvr>
+</p:notes>
+</file>
+
+<file path=ppt/notesSlides/notesSlide4.xml><?xml version="1.0" encoding="utf-8"?>
+<p:notes xmlns:a="http://schemas.openxmlformats.org/drawingml/2006/main" xmlns:r="http://schemas.openxmlformats.org/officeDocument/2006/relationships" xmlns:p="http://schemas.openxmlformats.org/presentationml/2006/main">
+  <p:cSld>
+    <p:spTree>
+      <p:nvGrpSpPr>
+        <p:cNvPr id="1" name=""/>
+        <p:cNvGrpSpPr/>
+        <p:nvPr/>
+      </p:nvGrpSpPr>
+      <p:grpSpPr>
+        <a:xfrm>
+          <a:off x="0" y="0"/>
+          <a:ext cx="0" cy="0"/>
+          <a:chOff x="0" y="0"/>
+          <a:chExt cx="0" cy="0"/>
+        </a:xfrm>
+      </p:grpSpPr>
+      <p:sp>
+        <p:nvSpPr>
+          <p:cNvPr id="2" name="Slide Image Placeholder 1"/>
+          <p:cNvSpPr>
+            <a:spLocks noGrp="1" noRot="1" noChangeAspect="1"/>
+          </p:cNvSpPr>
+          <p:nvPr>
+            <p:ph type="sldImg"/>
+          </p:nvPr>
+        </p:nvSpPr>
+        <p:spPr/>
+      </p:sp>
+      <p:sp>
+        <p:nvSpPr>
+          <p:cNvPr id="3" name="Notes Placeholder 2"/>
+          <p:cNvSpPr>
+            <a:spLocks noGrp="1"/>
+          </p:cNvSpPr>
+          <p:nvPr>
+            <p:ph type="body" idx="1"/>
+          </p:nvPr>
+        </p:nvSpPr>
+        <p:spPr/>
+        <p:txBody>
+          <a:bodyPr/>
+          <a:lstStyle/>
           <a:p>
             <a:r>
               <a:rPr lang="en-US" dirty="0"/>
@@ -540,27 +1290,19 @@
             </a:r>
             <a:r>
               <a:rPr lang="en-US" dirty="0"/>
-              <a:t>}</a:t>
-            </a:r>
-            <a:r>
-              <a:rPr lang="en-US" dirty="0" err="1"/>
-              <a:t>f_x</a:t>
-            </a:r>
-            <a:r>
-              <a:rPr lang="en-US" dirty="0"/>
-              <a:t> &amp; 0&amp;0</a:t>
-            </a:r>
-          </a:p>
-          <a:p>
-            <a:r>
-              <a:rPr lang="en-US" dirty="0"/>
-              <a:t>\\ 0&amp;f_y &amp;0</a:t>
-            </a:r>
-          </a:p>
-          <a:p>
-            <a:r>
-              <a:rPr lang="en-US" dirty="0"/>
-              <a:t>\\0&amp;0&amp;1</a:t>
+              <a:t>}x</a:t>
+            </a:r>
+          </a:p>
+          <a:p>
+            <a:r>
+              <a:rPr lang="en-US" dirty="0"/>
+              <a:t>\\ y</a:t>
+            </a:r>
+          </a:p>
+          <a:p>
+            <a:r>
+              <a:rPr lang="en-US" dirty="0"/>
+              <a:t>\\ z</a:t>
             </a:r>
           </a:p>
           <a:p>
@@ -594,19 +1336,13 @@
             </a:r>
             <a:r>
               <a:rPr lang="en-US" dirty="0"/>
-              <a:t>}x</a:t>
-            </a:r>
-          </a:p>
-          <a:p>
-            <a:r>
-              <a:rPr lang="en-US" dirty="0"/>
-              <a:t>\\ y</a:t>
-            </a:r>
-          </a:p>
-          <a:p>
-            <a:r>
-              <a:rPr lang="en-US" dirty="0"/>
-              <a:t>\\z</a:t>
+              <a:t>}u</a:t>
+            </a:r>
+          </a:p>
+          <a:p>
+            <a:r>
+              <a:rPr lang="en-US" dirty="0"/>
+              <a:t>\\ v</a:t>
             </a:r>
           </a:p>
           <a:p>
@@ -623,18 +1359,87 @@
               <a:t>}</a:t>
             </a:r>
           </a:p>
-          <a:p>
-            <a:endParaRPr lang="en-US" dirty="0"/>
-          </a:p>
-          <a:p>
-            <a:r>
-              <a:rPr lang="en-US" dirty="0"/>
-              <a:t>=</a:t>
-            </a:r>
-          </a:p>
-          <a:p>
-            <a:endParaRPr lang="en-US" dirty="0"/>
-          </a:p>
+        </p:txBody>
+      </p:sp>
+      <p:sp>
+        <p:nvSpPr>
+          <p:cNvPr id="4" name="Slide Number Placeholder 3"/>
+          <p:cNvSpPr>
+            <a:spLocks noGrp="1"/>
+          </p:cNvSpPr>
+          <p:nvPr>
+            <p:ph type="sldNum" sz="quarter" idx="10"/>
+          </p:nvPr>
+        </p:nvSpPr>
+        <p:spPr/>
+        <p:txBody>
+          <a:bodyPr/>
+          <a:lstStyle/>
+          <a:p>
+            <a:fld id="{52D509E6-240D-427B-9F3C-01CA969AA59D}" type="slidenum">
+              <a:rPr lang="en-US" smtClean="0"/>
+              <a:t>8</a:t>
+            </a:fld>
+            <a:endParaRPr lang="en-US"/>
+          </a:p>
+        </p:txBody>
+      </p:sp>
+    </p:spTree>
+    <p:extLst>
+      <p:ext uri="{BB962C8B-B14F-4D97-AF65-F5344CB8AC3E}">
+        <p14:creationId xmlns:p14="http://schemas.microsoft.com/office/powerpoint/2010/main" val="3379583631"/>
+      </p:ext>
+    </p:extLst>
+  </p:cSld>
+  <p:clrMapOvr>
+    <a:masterClrMapping/>
+  </p:clrMapOvr>
+</p:notes>
+</file>
+
+<file path=ppt/notesSlides/notesSlide5.xml><?xml version="1.0" encoding="utf-8"?>
+<p:notes xmlns:a="http://schemas.openxmlformats.org/drawingml/2006/main" xmlns:r="http://schemas.openxmlformats.org/officeDocument/2006/relationships" xmlns:p="http://schemas.openxmlformats.org/presentationml/2006/main">
+  <p:cSld>
+    <p:spTree>
+      <p:nvGrpSpPr>
+        <p:cNvPr id="1" name=""/>
+        <p:cNvGrpSpPr/>
+        <p:nvPr/>
+      </p:nvGrpSpPr>
+      <p:grpSpPr>
+        <a:xfrm>
+          <a:off x="0" y="0"/>
+          <a:ext cx="0" cy="0"/>
+          <a:chOff x="0" y="0"/>
+          <a:chExt cx="0" cy="0"/>
+        </a:xfrm>
+      </p:grpSpPr>
+      <p:sp>
+        <p:nvSpPr>
+          <p:cNvPr id="2" name="Slide Image Placeholder 1"/>
+          <p:cNvSpPr>
+            <a:spLocks noGrp="1" noRot="1" noChangeAspect="1"/>
+          </p:cNvSpPr>
+          <p:nvPr>
+            <p:ph type="sldImg"/>
+          </p:nvPr>
+        </p:nvSpPr>
+        <p:spPr/>
+      </p:sp>
+      <p:sp>
+        <p:nvSpPr>
+          <p:cNvPr id="3" name="Notes Placeholder 2"/>
+          <p:cNvSpPr>
+            <a:spLocks noGrp="1"/>
+          </p:cNvSpPr>
+          <p:nvPr>
+            <p:ph type="body" idx="1"/>
+          </p:nvPr>
+        </p:nvSpPr>
+        <p:spPr/>
+        <p:txBody>
+          <a:bodyPr/>
+          <a:lstStyle/>
           <a:p>
             <a:r>
               <a:rPr lang="en-US" dirty="0"/>
@@ -646,29 +1451,19 @@
             </a:r>
             <a:r>
               <a:rPr lang="en-US" dirty="0"/>
-              <a:t>}</a:t>
-            </a:r>
-            <a:r>
-              <a:rPr lang="en-US" dirty="0" err="1"/>
-              <a:t>f_xx</a:t>
-            </a:r>
-            <a:endParaRPr lang="en-US" dirty="0"/>
-          </a:p>
-          <a:p>
-            <a:r>
-              <a:rPr lang="en-US" dirty="0"/>
-              <a:t>\\ </a:t>
-            </a:r>
-            <a:r>
-              <a:rPr lang="en-US" dirty="0" err="1"/>
-              <a:t>f_yy</a:t>
-            </a:r>
-            <a:endParaRPr lang="en-US" dirty="0"/>
-          </a:p>
-          <a:p>
-            <a:r>
-              <a:rPr lang="en-US" dirty="0"/>
-              <a:t>\\z</a:t>
+              <a:t>}x</a:t>
+            </a:r>
+          </a:p>
+          <a:p>
+            <a:r>
+              <a:rPr lang="en-US" dirty="0"/>
+              <a:t>\\ y</a:t>
+            </a:r>
+          </a:p>
+          <a:p>
+            <a:r>
+              <a:rPr lang="en-US" dirty="0"/>
+              <a:t>\\ z</a:t>
             </a:r>
           </a:p>
           <a:p>
@@ -686,32 +1481,18 @@
             </a:r>
           </a:p>
           <a:p>
-            <a:endParaRPr lang="en-US" dirty="0"/>
-          </a:p>
-          <a:p>
             <a:r>
               <a:rPr lang="en-US" dirty="0"/>
               <a:t>\</a:t>
             </a:r>
             <a:r>
               <a:rPr lang="en-US" dirty="0" err="1"/>
-              <a:t>stackrel</a:t>
-            </a:r>
-            <a:r>
-              <a:rPr lang="en-US" dirty="0"/>
-              <a:t>{</a:t>
-            </a:r>
-            <a:r>
-              <a:rPr lang="en-US" dirty="0" err="1"/>
-              <a:t>hom</a:t>
-            </a:r>
-            <a:r>
-              <a:rPr lang="en-US" dirty="0"/>
-              <a:t>.\:  coo.}{=}</a:t>
-            </a:r>
-          </a:p>
-          <a:p>
-            <a:endParaRPr lang="en-US" dirty="0"/>
+              <a:t>mapsto</a:t>
+            </a:r>
+            <a:r>
+              <a:rPr lang="en-US" dirty="0"/>
+              <a:t> </a:t>
+            </a:r>
           </a:p>
           <a:p>
             <a:r>
@@ -724,35 +1505,13 @@
             </a:r>
             <a:r>
               <a:rPr lang="en-US" dirty="0"/>
-              <a:t>}</a:t>
-            </a:r>
-            <a:r>
-              <a:rPr lang="en-US" dirty="0" err="1"/>
-              <a:t>f_x</a:t>
-            </a:r>
-            <a:r>
-              <a:rPr lang="en-US" dirty="0"/>
-              <a:t>\frac{x}{z}</a:t>
-            </a:r>
-          </a:p>
-          <a:p>
-            <a:r>
-              <a:rPr lang="en-US" dirty="0"/>
-              <a:t>\\ </a:t>
-            </a:r>
-            <a:r>
-              <a:rPr lang="en-US" dirty="0" err="1"/>
-              <a:t>f_y</a:t>
-            </a:r>
-            <a:r>
-              <a:rPr lang="en-US" dirty="0"/>
-              <a:t>\frac{y}{z}</a:t>
-            </a:r>
-          </a:p>
-          <a:p>
-            <a:r>
-              <a:rPr lang="en-US" dirty="0"/>
-              <a:t>\\1</a:t>
+              <a:t>}u</a:t>
+            </a:r>
+          </a:p>
+          <a:p>
+            <a:r>
+              <a:rPr lang="en-US" dirty="0"/>
+              <a:t>\\ v</a:t>
             </a:r>
           </a:p>
           <a:p>
@@ -770,16 +1529,10 @@
             </a:r>
           </a:p>
           <a:p>
-            <a:endParaRPr lang="en-US" dirty="0"/>
-          </a:p>
-          <a:p>
             <a:r>
               <a:rPr lang="en-US" dirty="0"/>
               <a:t>=</a:t>
             </a:r>
-          </a:p>
-          <a:p>
-            <a:endParaRPr lang="en-US" dirty="0"/>
           </a:p>
           <a:p>
             <a:r>
@@ -792,19 +1545,29 @@
             </a:r>
             <a:r>
               <a:rPr lang="en-US" dirty="0"/>
-              <a:t>}u</a:t>
-            </a:r>
-          </a:p>
-          <a:p>
-            <a:r>
-              <a:rPr lang="en-US" dirty="0"/>
-              <a:t>\\ v</a:t>
-            </a:r>
-          </a:p>
-          <a:p>
-            <a:r>
-              <a:rPr lang="en-US" dirty="0"/>
-              <a:t>\\1</a:t>
+              <a:t>}f\</a:t>
+            </a:r>
+            <a:r>
+              <a:rPr lang="en-US" dirty="0" err="1"/>
+              <a:t>frac</a:t>
+            </a:r>
+            <a:r>
+              <a:rPr lang="en-US" dirty="0"/>
+              <a:t>{x}{z}</a:t>
+            </a:r>
+          </a:p>
+          <a:p>
+            <a:r>
+              <a:rPr lang="en-US" dirty="0"/>
+              <a:t>\\ f\</a:t>
+            </a:r>
+            <a:r>
+              <a:rPr lang="en-US" dirty="0" err="1"/>
+              <a:t>frac</a:t>
+            </a:r>
+            <a:r>
+              <a:rPr lang="en-US" dirty="0"/>
+              <a:t>{y}{z}</a:t>
             </a:r>
           </a:p>
           <a:p>
@@ -820,6 +1583,320 @@
               <a:rPr lang="en-US" dirty="0"/>
               <a:t>}</a:t>
             </a:r>
+          </a:p>
+        </p:txBody>
+      </p:sp>
+      <p:sp>
+        <p:nvSpPr>
+          <p:cNvPr id="4" name="Slide Number Placeholder 3"/>
+          <p:cNvSpPr>
+            <a:spLocks noGrp="1"/>
+          </p:cNvSpPr>
+          <p:nvPr>
+            <p:ph type="sldNum" sz="quarter" idx="10"/>
+          </p:nvPr>
+        </p:nvSpPr>
+        <p:spPr/>
+        <p:txBody>
+          <a:bodyPr/>
+          <a:lstStyle/>
+          <a:p>
+            <a:fld id="{52D509E6-240D-427B-9F3C-01CA969AA59D}" type="slidenum">
+              <a:rPr lang="en-US" smtClean="0"/>
+              <a:t>9</a:t>
+            </a:fld>
+            <a:endParaRPr lang="en-US"/>
+          </a:p>
+        </p:txBody>
+      </p:sp>
+    </p:spTree>
+    <p:extLst>
+      <p:ext uri="{BB962C8B-B14F-4D97-AF65-F5344CB8AC3E}">
+        <p14:creationId xmlns:p14="http://schemas.microsoft.com/office/powerpoint/2010/main" val="2433752701"/>
+      </p:ext>
+    </p:extLst>
+  </p:cSld>
+  <p:clrMapOvr>
+    <a:masterClrMapping/>
+  </p:clrMapOvr>
+</p:notes>
+</file>
+
+<file path=ppt/notesSlides/notesSlide6.xml><?xml version="1.0" encoding="utf-8"?>
+<p:notes xmlns:a="http://schemas.openxmlformats.org/drawingml/2006/main" xmlns:r="http://schemas.openxmlformats.org/officeDocument/2006/relationships" xmlns:p="http://schemas.openxmlformats.org/presentationml/2006/main">
+  <p:cSld>
+    <p:spTree>
+      <p:nvGrpSpPr>
+        <p:cNvPr id="1" name=""/>
+        <p:cNvGrpSpPr/>
+        <p:nvPr/>
+      </p:nvGrpSpPr>
+      <p:grpSpPr>
+        <a:xfrm>
+          <a:off x="0" y="0"/>
+          <a:ext cx="0" cy="0"/>
+          <a:chOff x="0" y="0"/>
+          <a:chExt cx="0" cy="0"/>
+        </a:xfrm>
+      </p:grpSpPr>
+      <p:sp>
+        <p:nvSpPr>
+          <p:cNvPr id="2" name="Slide Image Placeholder 1"/>
+          <p:cNvSpPr>
+            <a:spLocks noGrp="1" noRot="1" noChangeAspect="1"/>
+          </p:cNvSpPr>
+          <p:nvPr>
+            <p:ph type="sldImg"/>
+          </p:nvPr>
+        </p:nvSpPr>
+        <p:spPr/>
+      </p:sp>
+      <p:sp>
+        <p:nvSpPr>
+          <p:cNvPr id="3" name="Notes Placeholder 2"/>
+          <p:cNvSpPr>
+            <a:spLocks noGrp="1"/>
+          </p:cNvSpPr>
+          <p:nvPr>
+            <p:ph type="body" idx="1"/>
+          </p:nvPr>
+        </p:nvSpPr>
+        <p:spPr/>
+        <p:txBody>
+          <a:bodyPr/>
+          <a:lstStyle/>
+          <a:p>
+            <a:endParaRPr lang="en-US" dirty="0" smtClean="0"/>
+          </a:p>
+          <a:p>
+            <a:r>
+              <a:rPr lang="en-US" dirty="0" smtClean="0"/>
+              <a:t>\begin{</a:t>
+            </a:r>
+            <a:r>
+              <a:rPr lang="en-US" dirty="0" err="1" smtClean="0"/>
+              <a:t>bmatrix</a:t>
+            </a:r>
+            <a:r>
+              <a:rPr lang="en-US" dirty="0" smtClean="0"/>
+              <a:t>}f &amp; 0&amp;0&amp;0</a:t>
+            </a:r>
+          </a:p>
+          <a:p>
+            <a:r>
+              <a:rPr lang="en-US" dirty="0" smtClean="0"/>
+              <a:t>\\ 0&amp;f &amp;0&amp;0</a:t>
+            </a:r>
+          </a:p>
+          <a:p>
+            <a:r>
+              <a:rPr lang="en-US" dirty="0" smtClean="0"/>
+              <a:t>\\0&amp;0&amp;1&amp;0</a:t>
+            </a:r>
+          </a:p>
+          <a:p>
+            <a:r>
+              <a:rPr lang="en-US" dirty="0" smtClean="0"/>
+              <a:t>\end{</a:t>
+            </a:r>
+            <a:r>
+              <a:rPr lang="en-US" dirty="0" err="1" smtClean="0"/>
+              <a:t>bmatrix</a:t>
+            </a:r>
+            <a:r>
+              <a:rPr lang="en-US" dirty="0" smtClean="0"/>
+              <a:t>}</a:t>
+            </a:r>
+          </a:p>
+          <a:p>
+            <a:endParaRPr lang="en-US" dirty="0" smtClean="0"/>
+          </a:p>
+          <a:p>
+            <a:endParaRPr lang="en-US" dirty="0" smtClean="0"/>
+          </a:p>
+          <a:p>
+            <a:r>
+              <a:rPr lang="en-US" dirty="0" smtClean="0"/>
+              <a:t>\begin{</a:t>
+            </a:r>
+            <a:r>
+              <a:rPr lang="en-US" dirty="0" err="1" smtClean="0"/>
+              <a:t>bmatrix</a:t>
+            </a:r>
+            <a:r>
+              <a:rPr lang="en-US" dirty="0" smtClean="0"/>
+              <a:t>}x</a:t>
+            </a:r>
+          </a:p>
+          <a:p>
+            <a:r>
+              <a:rPr lang="en-US" dirty="0" smtClean="0"/>
+              <a:t>\\ y</a:t>
+            </a:r>
+          </a:p>
+          <a:p>
+            <a:r>
+              <a:rPr lang="en-US" dirty="0" smtClean="0"/>
+              <a:t>\\z</a:t>
+            </a:r>
+          </a:p>
+          <a:p>
+            <a:r>
+              <a:rPr lang="en-US" dirty="0" smtClean="0"/>
+              <a:t>\\1</a:t>
+            </a:r>
+          </a:p>
+          <a:p>
+            <a:r>
+              <a:rPr lang="en-US" dirty="0" smtClean="0"/>
+              <a:t>\end{</a:t>
+            </a:r>
+            <a:r>
+              <a:rPr lang="en-US" dirty="0" err="1" smtClean="0"/>
+              <a:t>bmatrix</a:t>
+            </a:r>
+            <a:r>
+              <a:rPr lang="en-US" dirty="0" smtClean="0"/>
+              <a:t>}</a:t>
+            </a:r>
+          </a:p>
+          <a:p>
+            <a:endParaRPr lang="en-US" dirty="0" smtClean="0"/>
+          </a:p>
+          <a:p>
+            <a:r>
+              <a:rPr lang="en-US" dirty="0" smtClean="0"/>
+              <a:t>=</a:t>
+            </a:r>
+          </a:p>
+          <a:p>
+            <a:endParaRPr lang="en-US" dirty="0" smtClean="0"/>
+          </a:p>
+          <a:p>
+            <a:r>
+              <a:rPr lang="en-US" dirty="0" smtClean="0"/>
+              <a:t>\begin{</a:t>
+            </a:r>
+            <a:r>
+              <a:rPr lang="en-US" dirty="0" err="1" smtClean="0"/>
+              <a:t>bmatrix</a:t>
+            </a:r>
+            <a:r>
+              <a:rPr lang="en-US" dirty="0" smtClean="0"/>
+              <a:t>}</a:t>
+            </a:r>
+            <a:r>
+              <a:rPr lang="en-US" dirty="0" err="1" smtClean="0"/>
+              <a:t>fx</a:t>
+            </a:r>
+            <a:endParaRPr lang="en-US" dirty="0" smtClean="0"/>
+          </a:p>
+          <a:p>
+            <a:r>
+              <a:rPr lang="en-US" dirty="0" smtClean="0"/>
+              <a:t>\\ </a:t>
+            </a:r>
+            <a:r>
+              <a:rPr lang="en-US" dirty="0" err="1" smtClean="0"/>
+              <a:t>fy</a:t>
+            </a:r>
+            <a:endParaRPr lang="en-US" dirty="0" smtClean="0"/>
+          </a:p>
+          <a:p>
+            <a:r>
+              <a:rPr lang="en-US" dirty="0" smtClean="0"/>
+              <a:t>\\z</a:t>
+            </a:r>
+          </a:p>
+          <a:p>
+            <a:r>
+              <a:rPr lang="en-US" dirty="0" smtClean="0"/>
+              <a:t>\end{</a:t>
+            </a:r>
+            <a:r>
+              <a:rPr lang="en-US" dirty="0" err="1" smtClean="0"/>
+              <a:t>bmatrix</a:t>
+            </a:r>
+            <a:r>
+              <a:rPr lang="en-US" dirty="0" smtClean="0"/>
+              <a:t>}</a:t>
+            </a:r>
+          </a:p>
+          <a:p>
+            <a:endParaRPr lang="en-US" dirty="0" smtClean="0"/>
+          </a:p>
+          <a:p>
+            <a:r>
+              <a:rPr lang="en-US" dirty="0" smtClean="0"/>
+              <a:t>\</a:t>
+            </a:r>
+            <a:r>
+              <a:rPr lang="en-US" dirty="0" err="1" smtClean="0"/>
+              <a:t>mapsto</a:t>
+            </a:r>
+            <a:r>
+              <a:rPr lang="en-US" dirty="0" smtClean="0"/>
+              <a:t> </a:t>
+            </a:r>
+          </a:p>
+          <a:p>
+            <a:endParaRPr lang="en-US" dirty="0" smtClean="0"/>
+          </a:p>
+          <a:p>
+            <a:r>
+              <a:rPr lang="en-US" dirty="0" smtClean="0"/>
+              <a:t>\begin{</a:t>
+            </a:r>
+            <a:r>
+              <a:rPr lang="en-US" dirty="0" err="1" smtClean="0"/>
+              <a:t>bmatrix</a:t>
+            </a:r>
+            <a:r>
+              <a:rPr lang="en-US" dirty="0" smtClean="0"/>
+              <a:t>}f\</a:t>
+            </a:r>
+            <a:r>
+              <a:rPr lang="en-US" dirty="0" err="1" smtClean="0"/>
+              <a:t>frac</a:t>
+            </a:r>
+            <a:r>
+              <a:rPr lang="en-US" dirty="0" smtClean="0"/>
+              <a:t>{x}{z}</a:t>
+            </a:r>
+          </a:p>
+          <a:p>
+            <a:r>
+              <a:rPr lang="en-US" dirty="0" smtClean="0"/>
+              <a:t>\\ f\</a:t>
+            </a:r>
+            <a:r>
+              <a:rPr lang="en-US" dirty="0" err="1" smtClean="0"/>
+              <a:t>frac</a:t>
+            </a:r>
+            <a:r>
+              <a:rPr lang="en-US" dirty="0" smtClean="0"/>
+              <a:t>{y}{z}</a:t>
+            </a:r>
+          </a:p>
+          <a:p>
+            <a:r>
+              <a:rPr lang="en-US" dirty="0" smtClean="0"/>
+              <a:t>\end{</a:t>
+            </a:r>
+            <a:r>
+              <a:rPr lang="en-US" dirty="0" err="1" smtClean="0"/>
+              <a:t>bmatrix</a:t>
+            </a:r>
+            <a:r>
+              <a:rPr lang="en-US" dirty="0" smtClean="0"/>
+              <a:t>}</a:t>
+            </a:r>
+          </a:p>
+          <a:p>
+            <a:endParaRPr lang="en-US" dirty="0" smtClean="0"/>
+          </a:p>
+          <a:p>
+            <a:endParaRPr lang="en-US" dirty="0"/>
           </a:p>
         </p:txBody>
       </p:sp>
@@ -840,7 +1917,727 @@
           <a:p>
             <a:fld id="{52D509E6-240D-427B-9F3C-01CA969AA59D}" type="slidenum">
               <a:rPr lang="en-US" smtClean="0"/>
-              <a:t>4</a:t>
+              <a:t>10</a:t>
+            </a:fld>
+            <a:endParaRPr lang="en-US"/>
+          </a:p>
+        </p:txBody>
+      </p:sp>
+    </p:spTree>
+    <p:extLst>
+      <p:ext uri="{BB962C8B-B14F-4D97-AF65-F5344CB8AC3E}">
+        <p14:creationId xmlns:p14="http://schemas.microsoft.com/office/powerpoint/2010/main" val="2651352248"/>
+      </p:ext>
+    </p:extLst>
+  </p:cSld>
+  <p:clrMapOvr>
+    <a:masterClrMapping/>
+  </p:clrMapOvr>
+</p:notes>
+</file>
+
+<file path=ppt/notesSlides/notesSlide7.xml><?xml version="1.0" encoding="utf-8"?>
+<p:notes xmlns:a="http://schemas.openxmlformats.org/drawingml/2006/main" xmlns:r="http://schemas.openxmlformats.org/officeDocument/2006/relationships" xmlns:p="http://schemas.openxmlformats.org/presentationml/2006/main">
+  <p:cSld>
+    <p:spTree>
+      <p:nvGrpSpPr>
+        <p:cNvPr id="1" name=""/>
+        <p:cNvGrpSpPr/>
+        <p:nvPr/>
+      </p:nvGrpSpPr>
+      <p:grpSpPr>
+        <a:xfrm>
+          <a:off x="0" y="0"/>
+          <a:ext cx="0" cy="0"/>
+          <a:chOff x="0" y="0"/>
+          <a:chExt cx="0" cy="0"/>
+        </a:xfrm>
+      </p:grpSpPr>
+      <p:sp>
+        <p:nvSpPr>
+          <p:cNvPr id="2" name="Slide Image Placeholder 1"/>
+          <p:cNvSpPr>
+            <a:spLocks noGrp="1" noRot="1" noChangeAspect="1"/>
+          </p:cNvSpPr>
+          <p:nvPr>
+            <p:ph type="sldImg"/>
+          </p:nvPr>
+        </p:nvSpPr>
+        <p:spPr/>
+      </p:sp>
+      <p:sp>
+        <p:nvSpPr>
+          <p:cNvPr id="3" name="Notes Placeholder 2"/>
+          <p:cNvSpPr>
+            <a:spLocks noGrp="1"/>
+          </p:cNvSpPr>
+          <p:nvPr>
+            <p:ph type="body" idx="1"/>
+          </p:nvPr>
+        </p:nvSpPr>
+        <p:spPr/>
+        <p:txBody>
+          <a:bodyPr/>
+          <a:lstStyle/>
+          <a:p>
+            <a:endParaRPr lang="en-US" dirty="0"/>
+          </a:p>
+          <a:p>
+            <a:r>
+              <a:rPr lang="en-US" dirty="0"/>
+              <a:t>\begin{</a:t>
+            </a:r>
+            <a:r>
+              <a:rPr lang="en-US" dirty="0" err="1"/>
+              <a:t>bmatrix</a:t>
+            </a:r>
+            <a:r>
+              <a:rPr lang="en-US" dirty="0"/>
+              <a:t>}f &amp; 0&amp;0</a:t>
+            </a:r>
+          </a:p>
+          <a:p>
+            <a:r>
+              <a:rPr lang="en-US" dirty="0"/>
+              <a:t>\\ 0&amp;f &amp;0</a:t>
+            </a:r>
+          </a:p>
+          <a:p>
+            <a:r>
+              <a:rPr lang="en-US" dirty="0"/>
+              <a:t>\\0&amp;0&amp;1</a:t>
+            </a:r>
+          </a:p>
+          <a:p>
+            <a:r>
+              <a:rPr lang="en-US" dirty="0"/>
+              <a:t>\end{</a:t>
+            </a:r>
+            <a:r>
+              <a:rPr lang="en-US" dirty="0" err="1"/>
+              <a:t>bmatrix</a:t>
+            </a:r>
+            <a:r>
+              <a:rPr lang="en-US" dirty="0"/>
+              <a:t>}</a:t>
+            </a:r>
+          </a:p>
+          <a:p>
+            <a:endParaRPr lang="en-US" dirty="0"/>
+          </a:p>
+          <a:p>
+            <a:endParaRPr lang="en-US" dirty="0"/>
+          </a:p>
+          <a:p>
+            <a:r>
+              <a:rPr lang="en-US" dirty="0"/>
+              <a:t>\begin{</a:t>
+            </a:r>
+            <a:r>
+              <a:rPr lang="en-US" dirty="0" err="1"/>
+              <a:t>bmatrix</a:t>
+            </a:r>
+            <a:r>
+              <a:rPr lang="en-US" dirty="0"/>
+              <a:t>}1 &amp; 0&amp;0&amp;0</a:t>
+            </a:r>
+          </a:p>
+          <a:p>
+            <a:r>
+              <a:rPr lang="en-US" dirty="0"/>
+              <a:t>\\ 0&amp;1 &amp;0&amp;0</a:t>
+            </a:r>
+          </a:p>
+          <a:p>
+            <a:r>
+              <a:rPr lang="en-US" dirty="0"/>
+              <a:t>\\0&amp;0&amp;1&amp;0</a:t>
+            </a:r>
+          </a:p>
+          <a:p>
+            <a:endParaRPr lang="en-US" dirty="0"/>
+          </a:p>
+          <a:p>
+            <a:r>
+              <a:rPr lang="en-US" dirty="0"/>
+              <a:t>\end{</a:t>
+            </a:r>
+            <a:r>
+              <a:rPr lang="en-US" dirty="0" err="1"/>
+              <a:t>bmatrix</a:t>
+            </a:r>
+            <a:r>
+              <a:rPr lang="en-US" dirty="0"/>
+              <a:t>}</a:t>
+            </a:r>
+          </a:p>
+          <a:p>
+            <a:endParaRPr lang="en-US" dirty="0"/>
+          </a:p>
+          <a:p>
+            <a:endParaRPr lang="en-US" dirty="0"/>
+          </a:p>
+          <a:p>
+            <a:r>
+              <a:rPr lang="en-US" dirty="0"/>
+              <a:t>\begin{</a:t>
+            </a:r>
+            <a:r>
+              <a:rPr lang="en-US" dirty="0" err="1"/>
+              <a:t>bmatrix</a:t>
+            </a:r>
+            <a:r>
+              <a:rPr lang="en-US" dirty="0"/>
+              <a:t>}x</a:t>
+            </a:r>
+          </a:p>
+          <a:p>
+            <a:r>
+              <a:rPr lang="en-US" dirty="0"/>
+              <a:t>\\ y</a:t>
+            </a:r>
+          </a:p>
+          <a:p>
+            <a:r>
+              <a:rPr lang="en-US" dirty="0"/>
+              <a:t>\\z</a:t>
+            </a:r>
+          </a:p>
+          <a:p>
+            <a:r>
+              <a:rPr lang="en-US" dirty="0"/>
+              <a:t>\\1</a:t>
+            </a:r>
+          </a:p>
+          <a:p>
+            <a:r>
+              <a:rPr lang="en-US" dirty="0"/>
+              <a:t>\end{</a:t>
+            </a:r>
+            <a:r>
+              <a:rPr lang="en-US" dirty="0" err="1"/>
+              <a:t>bmatrix</a:t>
+            </a:r>
+            <a:r>
+              <a:rPr lang="en-US" dirty="0"/>
+              <a:t>}</a:t>
+            </a:r>
+          </a:p>
+          <a:p>
+            <a:endParaRPr lang="en-US" dirty="0"/>
+          </a:p>
+          <a:p>
+            <a:r>
+              <a:rPr lang="en-US" dirty="0"/>
+              <a:t>=</a:t>
+            </a:r>
+          </a:p>
+          <a:p>
+            <a:endParaRPr lang="en-US" dirty="0"/>
+          </a:p>
+          <a:p>
+            <a:r>
+              <a:rPr lang="en-US" dirty="0"/>
+              <a:t>\begin{</a:t>
+            </a:r>
+            <a:r>
+              <a:rPr lang="en-US" dirty="0" err="1"/>
+              <a:t>bmatrix</a:t>
+            </a:r>
+            <a:r>
+              <a:rPr lang="en-US" dirty="0"/>
+              <a:t>}</a:t>
+            </a:r>
+            <a:r>
+              <a:rPr lang="en-US" dirty="0" err="1"/>
+              <a:t>fx</a:t>
+            </a:r>
+            <a:endParaRPr lang="en-US" dirty="0"/>
+          </a:p>
+          <a:p>
+            <a:r>
+              <a:rPr lang="en-US" dirty="0"/>
+              <a:t>\\ </a:t>
+            </a:r>
+            <a:r>
+              <a:rPr lang="en-US" dirty="0" err="1"/>
+              <a:t>fy</a:t>
+            </a:r>
+            <a:endParaRPr lang="en-US" dirty="0"/>
+          </a:p>
+          <a:p>
+            <a:r>
+              <a:rPr lang="en-US" dirty="0"/>
+              <a:t>\\z</a:t>
+            </a:r>
+          </a:p>
+          <a:p>
+            <a:r>
+              <a:rPr lang="en-US" dirty="0"/>
+              <a:t>\end{</a:t>
+            </a:r>
+            <a:r>
+              <a:rPr lang="en-US" dirty="0" err="1"/>
+              <a:t>bmatrix</a:t>
+            </a:r>
+            <a:r>
+              <a:rPr lang="en-US" dirty="0"/>
+              <a:t>}</a:t>
+            </a:r>
+          </a:p>
+          <a:p>
+            <a:endParaRPr lang="en-US" dirty="0"/>
+          </a:p>
+          <a:p>
+            <a:r>
+              <a:rPr lang="en-US" dirty="0"/>
+              <a:t>\</a:t>
+            </a:r>
+            <a:r>
+              <a:rPr lang="en-US" dirty="0" err="1"/>
+              <a:t>mapsto</a:t>
+            </a:r>
+            <a:r>
+              <a:rPr lang="en-US" dirty="0"/>
+              <a:t> </a:t>
+            </a:r>
+          </a:p>
+          <a:p>
+            <a:endParaRPr lang="en-US" dirty="0"/>
+          </a:p>
+          <a:p>
+            <a:r>
+              <a:rPr lang="en-US" dirty="0"/>
+              <a:t>\begin{</a:t>
+            </a:r>
+            <a:r>
+              <a:rPr lang="en-US" dirty="0" err="1"/>
+              <a:t>bmatrix</a:t>
+            </a:r>
+            <a:r>
+              <a:rPr lang="en-US" dirty="0"/>
+              <a:t>}f\frac{x}{z}</a:t>
+            </a:r>
+          </a:p>
+          <a:p>
+            <a:r>
+              <a:rPr lang="en-US" dirty="0"/>
+              <a:t>\\ f\frac{y}{z}</a:t>
+            </a:r>
+          </a:p>
+          <a:p>
+            <a:r>
+              <a:rPr lang="en-US" dirty="0"/>
+              <a:t>\end{</a:t>
+            </a:r>
+            <a:r>
+              <a:rPr lang="en-US" dirty="0" err="1"/>
+              <a:t>bmatrix</a:t>
+            </a:r>
+            <a:r>
+              <a:rPr lang="en-US" dirty="0"/>
+              <a:t>}</a:t>
+            </a:r>
+          </a:p>
+          <a:p>
+            <a:endParaRPr lang="en-US" dirty="0"/>
+          </a:p>
+        </p:txBody>
+      </p:sp>
+      <p:sp>
+        <p:nvSpPr>
+          <p:cNvPr id="4" name="Slide Number Placeholder 3"/>
+          <p:cNvSpPr>
+            <a:spLocks noGrp="1"/>
+          </p:cNvSpPr>
+          <p:nvPr>
+            <p:ph type="sldNum" sz="quarter" idx="5"/>
+          </p:nvPr>
+        </p:nvSpPr>
+        <p:spPr/>
+        <p:txBody>
+          <a:bodyPr/>
+          <a:lstStyle/>
+          <a:p>
+            <a:fld id="{52D509E6-240D-427B-9F3C-01CA969AA59D}" type="slidenum">
+              <a:rPr lang="en-US" smtClean="0"/>
+              <a:t>11</a:t>
+            </a:fld>
+            <a:endParaRPr lang="en-US"/>
+          </a:p>
+        </p:txBody>
+      </p:sp>
+    </p:spTree>
+    <p:extLst>
+      <p:ext uri="{BB962C8B-B14F-4D97-AF65-F5344CB8AC3E}">
+        <p14:creationId xmlns:p14="http://schemas.microsoft.com/office/powerpoint/2010/main" val="1155684015"/>
+      </p:ext>
+    </p:extLst>
+  </p:cSld>
+  <p:clrMapOvr>
+    <a:masterClrMapping/>
+  </p:clrMapOvr>
+</p:notes>
+</file>
+
+<file path=ppt/notesSlides/notesSlide8.xml><?xml version="1.0" encoding="utf-8"?>
+<p:notes xmlns:a="http://schemas.openxmlformats.org/drawingml/2006/main" xmlns:r="http://schemas.openxmlformats.org/officeDocument/2006/relationships" xmlns:p="http://schemas.openxmlformats.org/presentationml/2006/main">
+  <p:cSld>
+    <p:spTree>
+      <p:nvGrpSpPr>
+        <p:cNvPr id="1" name=""/>
+        <p:cNvGrpSpPr/>
+        <p:nvPr/>
+      </p:nvGrpSpPr>
+      <p:grpSpPr>
+        <a:xfrm>
+          <a:off x="0" y="0"/>
+          <a:ext cx="0" cy="0"/>
+          <a:chOff x="0" y="0"/>
+          <a:chExt cx="0" cy="0"/>
+        </a:xfrm>
+      </p:grpSpPr>
+      <p:sp>
+        <p:nvSpPr>
+          <p:cNvPr id="2" name="Slide Image Placeholder 1"/>
+          <p:cNvSpPr>
+            <a:spLocks noGrp="1" noRot="1" noChangeAspect="1"/>
+          </p:cNvSpPr>
+          <p:nvPr>
+            <p:ph type="sldImg"/>
+          </p:nvPr>
+        </p:nvSpPr>
+        <p:spPr/>
+      </p:sp>
+      <p:sp>
+        <p:nvSpPr>
+          <p:cNvPr id="3" name="Notes Placeholder 2"/>
+          <p:cNvSpPr>
+            <a:spLocks noGrp="1"/>
+          </p:cNvSpPr>
+          <p:nvPr>
+            <p:ph type="body" idx="1"/>
+          </p:nvPr>
+        </p:nvSpPr>
+        <p:spPr/>
+        <p:txBody>
+          <a:bodyPr/>
+          <a:lstStyle/>
+          <a:p>
+            <a:endParaRPr lang="en-US" dirty="0"/>
+          </a:p>
+          <a:p>
+            <a:r>
+              <a:rPr lang="en-US" dirty="0"/>
+              <a:t>\begin{</a:t>
+            </a:r>
+            <a:r>
+              <a:rPr lang="en-US" dirty="0" err="1"/>
+              <a:t>bmatrix</a:t>
+            </a:r>
+            <a:r>
+              <a:rPr lang="en-US" dirty="0"/>
+              <a:t>}</a:t>
+            </a:r>
+            <a:r>
+              <a:rPr lang="en-US" dirty="0" err="1"/>
+              <a:t>f_x</a:t>
+            </a:r>
+            <a:r>
+              <a:rPr lang="en-US" dirty="0"/>
+              <a:t> &amp; 0&amp;0</a:t>
+            </a:r>
+          </a:p>
+          <a:p>
+            <a:r>
+              <a:rPr lang="en-US" dirty="0"/>
+              <a:t>\\ 0&amp;f_y &amp;0</a:t>
+            </a:r>
+          </a:p>
+          <a:p>
+            <a:r>
+              <a:rPr lang="en-US" dirty="0"/>
+              <a:t>\\0&amp;0&amp;1</a:t>
+            </a:r>
+          </a:p>
+          <a:p>
+            <a:r>
+              <a:rPr lang="en-US" dirty="0"/>
+              <a:t>\end{</a:t>
+            </a:r>
+            <a:r>
+              <a:rPr lang="en-US" dirty="0" err="1"/>
+              <a:t>bmatrix</a:t>
+            </a:r>
+            <a:r>
+              <a:rPr lang="en-US" dirty="0"/>
+              <a:t>}</a:t>
+            </a:r>
+          </a:p>
+          <a:p>
+            <a:endParaRPr lang="en-US" dirty="0"/>
+          </a:p>
+          <a:p>
+            <a:endParaRPr lang="en-US" dirty="0"/>
+          </a:p>
+          <a:p>
+            <a:r>
+              <a:rPr lang="en-US" dirty="0"/>
+              <a:t>\begin{</a:t>
+            </a:r>
+            <a:r>
+              <a:rPr lang="en-US" dirty="0" err="1"/>
+              <a:t>bmatrix</a:t>
+            </a:r>
+            <a:r>
+              <a:rPr lang="en-US" dirty="0"/>
+              <a:t>}x</a:t>
+            </a:r>
+          </a:p>
+          <a:p>
+            <a:r>
+              <a:rPr lang="en-US" dirty="0"/>
+              <a:t>\\ y</a:t>
+            </a:r>
+          </a:p>
+          <a:p>
+            <a:r>
+              <a:rPr lang="en-US" dirty="0"/>
+              <a:t>\\z</a:t>
+            </a:r>
+          </a:p>
+          <a:p>
+            <a:r>
+              <a:rPr lang="en-US" dirty="0"/>
+              <a:t>\end{</a:t>
+            </a:r>
+            <a:r>
+              <a:rPr lang="en-US" dirty="0" err="1"/>
+              <a:t>bmatrix</a:t>
+            </a:r>
+            <a:r>
+              <a:rPr lang="en-US" dirty="0"/>
+              <a:t>}</a:t>
+            </a:r>
+          </a:p>
+          <a:p>
+            <a:endParaRPr lang="en-US" dirty="0"/>
+          </a:p>
+          <a:p>
+            <a:r>
+              <a:rPr lang="en-US" dirty="0"/>
+              <a:t>=</a:t>
+            </a:r>
+          </a:p>
+          <a:p>
+            <a:endParaRPr lang="en-US" dirty="0"/>
+          </a:p>
+          <a:p>
+            <a:r>
+              <a:rPr lang="en-US" dirty="0"/>
+              <a:t>\begin{</a:t>
+            </a:r>
+            <a:r>
+              <a:rPr lang="en-US" dirty="0" err="1"/>
+              <a:t>bmatrix</a:t>
+            </a:r>
+            <a:r>
+              <a:rPr lang="en-US" dirty="0"/>
+              <a:t>}</a:t>
+            </a:r>
+            <a:r>
+              <a:rPr lang="en-US" dirty="0" err="1"/>
+              <a:t>f_xx</a:t>
+            </a:r>
+            <a:endParaRPr lang="en-US" dirty="0"/>
+          </a:p>
+          <a:p>
+            <a:r>
+              <a:rPr lang="en-US" dirty="0"/>
+              <a:t>\\ </a:t>
+            </a:r>
+            <a:r>
+              <a:rPr lang="en-US" dirty="0" err="1"/>
+              <a:t>f_yy</a:t>
+            </a:r>
+            <a:endParaRPr lang="en-US" dirty="0"/>
+          </a:p>
+          <a:p>
+            <a:r>
+              <a:rPr lang="en-US" dirty="0"/>
+              <a:t>\\z</a:t>
+            </a:r>
+          </a:p>
+          <a:p>
+            <a:r>
+              <a:rPr lang="en-US" dirty="0"/>
+              <a:t>\end{</a:t>
+            </a:r>
+            <a:r>
+              <a:rPr lang="en-US" dirty="0" err="1"/>
+              <a:t>bmatrix</a:t>
+            </a:r>
+            <a:r>
+              <a:rPr lang="en-US" dirty="0"/>
+              <a:t>}</a:t>
+            </a:r>
+          </a:p>
+          <a:p>
+            <a:endParaRPr lang="en-US" dirty="0"/>
+          </a:p>
+          <a:p>
+            <a:r>
+              <a:rPr lang="en-US" dirty="0"/>
+              <a:t>\</a:t>
+            </a:r>
+            <a:r>
+              <a:rPr lang="en-US" dirty="0" err="1"/>
+              <a:t>stackrel</a:t>
+            </a:r>
+            <a:r>
+              <a:rPr lang="en-US" dirty="0"/>
+              <a:t>{</a:t>
+            </a:r>
+            <a:r>
+              <a:rPr lang="en-US" dirty="0" err="1"/>
+              <a:t>hom</a:t>
+            </a:r>
+            <a:r>
+              <a:rPr lang="en-US" dirty="0"/>
+              <a:t>.\:  coo.}{=}</a:t>
+            </a:r>
+          </a:p>
+          <a:p>
+            <a:endParaRPr lang="en-US" dirty="0"/>
+          </a:p>
+          <a:p>
+            <a:r>
+              <a:rPr lang="en-US" dirty="0"/>
+              <a:t>\begin{</a:t>
+            </a:r>
+            <a:r>
+              <a:rPr lang="en-US" dirty="0" err="1"/>
+              <a:t>bmatrix</a:t>
+            </a:r>
+            <a:r>
+              <a:rPr lang="en-US" dirty="0"/>
+              <a:t>}</a:t>
+            </a:r>
+            <a:r>
+              <a:rPr lang="en-US" dirty="0" err="1"/>
+              <a:t>f_x</a:t>
+            </a:r>
+            <a:r>
+              <a:rPr lang="en-US" dirty="0"/>
+              <a:t>\frac{x}{z}</a:t>
+            </a:r>
+          </a:p>
+          <a:p>
+            <a:r>
+              <a:rPr lang="en-US" dirty="0"/>
+              <a:t>\\ </a:t>
+            </a:r>
+            <a:r>
+              <a:rPr lang="en-US" dirty="0" err="1"/>
+              <a:t>f_y</a:t>
+            </a:r>
+            <a:r>
+              <a:rPr lang="en-US" dirty="0"/>
+              <a:t>\frac{y}{z}</a:t>
+            </a:r>
+          </a:p>
+          <a:p>
+            <a:r>
+              <a:rPr lang="en-US" dirty="0"/>
+              <a:t>\\1</a:t>
+            </a:r>
+          </a:p>
+          <a:p>
+            <a:r>
+              <a:rPr lang="en-US" dirty="0"/>
+              <a:t>\end{</a:t>
+            </a:r>
+            <a:r>
+              <a:rPr lang="en-US" dirty="0" err="1"/>
+              <a:t>bmatrix</a:t>
+            </a:r>
+            <a:r>
+              <a:rPr lang="en-US" dirty="0"/>
+              <a:t>}</a:t>
+            </a:r>
+          </a:p>
+          <a:p>
+            <a:endParaRPr lang="en-US" dirty="0"/>
+          </a:p>
+          <a:p>
+            <a:r>
+              <a:rPr lang="en-US" dirty="0"/>
+              <a:t>=</a:t>
+            </a:r>
+          </a:p>
+          <a:p>
+            <a:endParaRPr lang="en-US" dirty="0"/>
+          </a:p>
+          <a:p>
+            <a:r>
+              <a:rPr lang="en-US" dirty="0"/>
+              <a:t>\begin{</a:t>
+            </a:r>
+            <a:r>
+              <a:rPr lang="en-US" dirty="0" err="1"/>
+              <a:t>bmatrix</a:t>
+            </a:r>
+            <a:r>
+              <a:rPr lang="en-US" dirty="0"/>
+              <a:t>}u</a:t>
+            </a:r>
+          </a:p>
+          <a:p>
+            <a:r>
+              <a:rPr lang="en-US" dirty="0"/>
+              <a:t>\\ v</a:t>
+            </a:r>
+          </a:p>
+          <a:p>
+            <a:r>
+              <a:rPr lang="en-US" dirty="0"/>
+              <a:t>\\1</a:t>
+            </a:r>
+          </a:p>
+          <a:p>
+            <a:r>
+              <a:rPr lang="en-US" dirty="0"/>
+              <a:t>\end{</a:t>
+            </a:r>
+            <a:r>
+              <a:rPr lang="en-US" dirty="0" err="1"/>
+              <a:t>bmatrix</a:t>
+            </a:r>
+            <a:r>
+              <a:rPr lang="en-US" dirty="0"/>
+              <a:t>}</a:t>
+            </a:r>
+          </a:p>
+        </p:txBody>
+      </p:sp>
+      <p:sp>
+        <p:nvSpPr>
+          <p:cNvPr id="4" name="Slide Number Placeholder 3"/>
+          <p:cNvSpPr>
+            <a:spLocks noGrp="1"/>
+          </p:cNvSpPr>
+          <p:nvPr>
+            <p:ph type="sldNum" sz="quarter" idx="5"/>
+          </p:nvPr>
+        </p:nvSpPr>
+        <p:spPr/>
+        <p:txBody>
+          <a:bodyPr/>
+          <a:lstStyle/>
+          <a:p>
+            <a:fld id="{52D509E6-240D-427B-9F3C-01CA969AA59D}" type="slidenum">
+              <a:rPr lang="en-US" smtClean="0"/>
+              <a:t>13</a:t>
             </a:fld>
             <a:endParaRPr lang="en-US"/>
           </a:p>
@@ -3957,7 +5754,7 @@
 </p:sld>
 </file>
 
-<file path=ppt/slides/slide2.xml><?xml version="1.0" encoding="utf-8"?>
+<file path=ppt/slides/slide10.xml><?xml version="1.0" encoding="utf-8"?>
 <p:sld xmlns:a="http://schemas.openxmlformats.org/drawingml/2006/main" xmlns:r="http://schemas.openxmlformats.org/officeDocument/2006/relationships" xmlns:p="http://schemas.openxmlformats.org/presentationml/2006/main">
   <p:cSld>
     <p:spTree>
@@ -3976,7 +5773,13 @@
       </p:grpSpPr>
       <p:sp>
         <p:nvSpPr>
-          <p:cNvPr id="2" name="Title 1"/>
+          <p:cNvPr id="2" name="Title 1">
+            <a:extLst>
+              <a:ext uri="{FF2B5EF4-FFF2-40B4-BE49-F238E27FC236}">
+                <a16:creationId xmlns="" xmlns:a16="http://schemas.microsoft.com/office/drawing/2014/main" id="{6333806E-716B-4127-8FAD-9BE6143871BE}"/>
+              </a:ext>
+            </a:extLst>
+          </p:cNvPr>
           <p:cNvSpPr>
             <a:spLocks noGrp="1"/>
           </p:cNvSpPr>
@@ -3984,65 +5787,194 @@
             <p:ph type="title"/>
           </p:nvPr>
         </p:nvSpPr>
-        <p:spPr/>
+        <p:spPr>
+          <a:xfrm>
+            <a:off x="152400" y="0"/>
+            <a:ext cx="8839200" cy="762000"/>
+          </a:xfrm>
+        </p:spPr>
         <p:txBody>
           <a:bodyPr/>
           <a:lstStyle/>
           <a:p>
             <a:r>
               <a:rPr lang="en-US" dirty="0"/>
-              <a:t>References</a:t>
-            </a:r>
-          </a:p>
-        </p:txBody>
-      </p:sp>
-      <p:sp>
-        <p:nvSpPr>
-          <p:cNvPr id="3" name="Content Placeholder 2"/>
-          <p:cNvSpPr>
-            <a:spLocks noGrp="1"/>
-          </p:cNvSpPr>
-          <p:nvPr>
-            <p:ph idx="1"/>
-          </p:nvPr>
-        </p:nvSpPr>
-        <p:spPr/>
-        <p:txBody>
-          <a:bodyPr/>
-          <a:lstStyle/>
-          <a:p>
-            <a:r>
-              <a:rPr lang="en-US" dirty="0">
-                <a:hlinkClick r:id="rId2"/>
-              </a:rPr>
-              <a:t>http://szeliski.org/Book/</a:t>
+              <a:t>Recap: perspective projection</a:t>
             </a:r>
             <a:endParaRPr lang="en-US" dirty="0"/>
           </a:p>
-          <a:p>
-            <a:r>
-              <a:rPr lang="en-US" dirty="0">
-                <a:hlinkClick r:id="rId3"/>
-              </a:rPr>
-              <a:t>http://www.cs.cornell.edu/courses/cs5670/2019sp/lectures/lectures.html</a:t>
-            </a:r>
-            <a:endParaRPr lang="en-US" dirty="0"/>
-          </a:p>
-          <a:p>
-            <a:r>
-              <a:rPr lang="en-US" dirty="0">
-                <a:hlinkClick r:id="rId4"/>
-              </a:rPr>
-              <a:t>http://www.cs.cmu.edu/~16385/</a:t>
-            </a:r>
-            <a:endParaRPr lang="en-US" dirty="0"/>
-          </a:p>
-        </p:txBody>
-      </p:sp>
+        </p:txBody>
+      </p:sp>
+      <mc:AlternateContent xmlns:mc="http://schemas.openxmlformats.org/markup-compatibility/2006" xmlns:a14="http://schemas.microsoft.com/office/drawing/2010/main">
+        <mc:Choice Requires="a14">
+          <p:sp>
+            <p:nvSpPr>
+              <p:cNvPr id="3" name="Content Placeholder 2">
+                <a:extLst>
+                  <a:ext uri="{FF2B5EF4-FFF2-40B4-BE49-F238E27FC236}">
+                    <a16:creationId xmlns="" xmlns:a16="http://schemas.microsoft.com/office/drawing/2014/main" id="{02B38623-BB64-452B-B8AF-A84D9DA18C6F}"/>
+                  </a:ext>
+                </a:extLst>
+              </p:cNvPr>
+              <p:cNvSpPr>
+                <a:spLocks noGrp="1"/>
+              </p:cNvSpPr>
+              <p:nvPr>
+                <p:ph idx="1"/>
+              </p:nvPr>
+            </p:nvSpPr>
+            <p:spPr>
+              <a:xfrm>
+                <a:off x="152400" y="762000"/>
+                <a:ext cx="8839200" cy="5715000"/>
+              </a:xfrm>
+            </p:spPr>
+            <p:txBody>
+              <a:bodyPr/>
+              <a:lstStyle/>
+              <a:p>
+                <a:r>
+                  <a:rPr lang="en-US" dirty="0"/>
+                  <a:t>Let’s use the homogeneous coordinates:</a:t>
+                </a:r>
+              </a:p>
+              <a:p>
+                <a:endParaRPr lang="en-US" dirty="0"/>
+              </a:p>
+              <a:p>
+                <a:endParaRPr lang="en-US" dirty="0"/>
+              </a:p>
+              <a:p>
+                <a:endParaRPr lang="en-US" dirty="0"/>
+              </a:p>
+              <a:p>
+                <a:endParaRPr lang="en-US" dirty="0"/>
+              </a:p>
+              <a:p>
+                <a:endParaRPr lang="en-US" dirty="0"/>
+              </a:p>
+              <a:p>
+                <a:pPr lvl="1"/>
+                <a:r>
+                  <a:rPr lang="en-US" dirty="0"/>
+                  <a:t>Units of </a:t>
+                </a:r>
+                <a14:m>
+                  <m:oMath xmlns:m="http://schemas.openxmlformats.org/officeDocument/2006/math">
+                    <m:r>
+                      <a:rPr lang="en-US" i="1" dirty="0" smtClean="0">
+                        <a:latin typeface="Cambria Math" panose="02040503050406030204" pitchFamily="18" charset="0"/>
+                      </a:rPr>
+                      <m:t>[</m:t>
+                    </m:r>
+                    <m:r>
+                      <a:rPr lang="en-US" i="1" dirty="0" smtClean="0">
+                        <a:latin typeface="Cambria Math" panose="02040503050406030204" pitchFamily="18" charset="0"/>
+                      </a:rPr>
+                      <m:t>𝑚</m:t>
+                    </m:r>
+                    <m:r>
+                      <a:rPr lang="en-US" i="1" dirty="0" smtClean="0">
+                        <a:latin typeface="Cambria Math" panose="02040503050406030204" pitchFamily="18" charset="0"/>
+                      </a:rPr>
+                      <m:t>]</m:t>
+                    </m:r>
+                  </m:oMath>
+                </a14:m>
+                <a:endParaRPr lang="en-US" dirty="0"/>
+              </a:p>
+            </p:txBody>
+          </p:sp>
+        </mc:Choice>
+        <mc:Fallback xmlns="">
+          <p:sp>
+            <p:nvSpPr>
+              <p:cNvPr id="3" name="Content Placeholder 2">
+                <a:extLst>
+                  <a:ext uri="{FF2B5EF4-FFF2-40B4-BE49-F238E27FC236}">
+                    <a16:creationId xmlns:a16="http://schemas.microsoft.com/office/drawing/2014/main" id="{02B38623-BB64-452B-B8AF-A84D9DA18C6F}"/>
+                  </a:ext>
+                </a:extLst>
+              </p:cNvPr>
+              <p:cNvSpPr>
+                <a:spLocks noGrp="1" noRot="1" noChangeAspect="1" noMove="1" noResize="1" noEditPoints="1" noAdjustHandles="1" noChangeArrowheads="1" noChangeShapeType="1" noTextEdit="1"/>
+              </p:cNvSpPr>
+              <p:nvPr>
+                <p:ph idx="1"/>
+              </p:nvPr>
+            </p:nvSpPr>
+            <p:spPr>
+              <a:xfrm>
+                <a:off x="152400" y="762000"/>
+                <a:ext cx="8839200" cy="5715000"/>
+              </a:xfrm>
+              <a:blipFill>
+                <a:blip r:embed="rId3"/>
+                <a:stretch>
+                  <a:fillRect l="-1241" t="-959"/>
+                </a:stretch>
+              </a:blipFill>
+            </p:spPr>
+            <p:txBody>
+              <a:bodyPr/>
+              <a:lstStyle/>
+              <a:p>
+                <a:r>
+                  <a:rPr lang="en-US">
+                    <a:noFill/>
+                  </a:rPr>
+                  <a:t> </a:t>
+                </a:r>
+              </a:p>
+            </p:txBody>
+          </p:sp>
+        </mc:Fallback>
+      </mc:AlternateContent>
+      <p:pic>
+        <p:nvPicPr>
+          <p:cNvPr id="1026" name="Picture 2" descr="https://latex.codecogs.com/gif.latex?%5Cdpi%7B300%7D%20%5Cbegin%7Bbmatrix%7Df%20%26%200%260%260%20%5C%5C%200%26f%20%260%260%20%5C%5C0%260%261%260%20%5Cend%7Bbmatrix%7D%20%5Cbegin%7Bbmatrix%7Dx%20%5C%5C%20y%20%5C%5Cz%20%5C%5C1%20%5Cend%7Bbmatrix%7D%20%3D%20%5Cbegin%7Bbmatrix%7Dfx%20%5C%5C%20fy%20%5C%5Cz%20%5Cend%7Bbmatrix%7D%20%5Cmapsto%20%5Cbegin%7Bbmatrix%7Df%5Cfrac%7Bx%7D%7Bz%7D%20%5C%5C%20f%5Cfrac%7By%7D%7Bz%7D%20%5Cend%7Bbmatrix%7D"/>
+          <p:cNvPicPr>
+            <a:picLocks noChangeAspect="1" noChangeArrowheads="1"/>
+          </p:cNvPicPr>
+          <p:nvPr/>
+        </p:nvPicPr>
+        <p:blipFill>
+          <a:blip r:embed="rId4">
+            <a:extLst>
+              <a:ext uri="{28A0092B-C50C-407E-A947-70E740481C1C}">
+                <a14:useLocalDpi xmlns:a14="http://schemas.microsoft.com/office/drawing/2010/main" val="0"/>
+              </a:ext>
+            </a:extLst>
+          </a:blip>
+          <a:srcRect/>
+          <a:stretch>
+            <a:fillRect/>
+          </a:stretch>
+        </p:blipFill>
+        <p:spPr bwMode="auto">
+          <a:xfrm>
+            <a:off x="977900" y="1447800"/>
+            <a:ext cx="7153275" cy="2276475"/>
+          </a:xfrm>
+          <a:prstGeom prst="rect">
+            <a:avLst/>
+          </a:prstGeom>
+          <a:noFill/>
+          <a:extLst>
+            <a:ext uri="{909E8E84-426E-40DD-AFC4-6F175D3DCCD1}">
+              <a14:hiddenFill xmlns:a14="http://schemas.microsoft.com/office/drawing/2010/main">
+                <a:solidFill>
+                  <a:srgbClr val="FFFFFF"/>
+                </a:solidFill>
+              </a14:hiddenFill>
+            </a:ext>
+          </a:extLst>
+        </p:spPr>
+      </p:pic>
     </p:spTree>
     <p:extLst>
       <p:ext uri="{BB962C8B-B14F-4D97-AF65-F5344CB8AC3E}">
-        <p14:creationId xmlns:p14="http://schemas.microsoft.com/office/powerpoint/2010/main" val="786292865"/>
+        <p14:creationId xmlns:p14="http://schemas.microsoft.com/office/powerpoint/2010/main" val="465600864"/>
       </p:ext>
     </p:extLst>
   </p:cSld>
@@ -4052,7 +5984,7 @@
 </p:sld>
 </file>
 
-<file path=ppt/slides/slide3.xml><?xml version="1.0" encoding="utf-8"?>
+<file path=ppt/slides/slide11.xml><?xml version="1.0" encoding="utf-8"?>
 <p:sld xmlns:a="http://schemas.openxmlformats.org/drawingml/2006/main" xmlns:r="http://schemas.openxmlformats.org/officeDocument/2006/relationships" xmlns:p="http://schemas.openxmlformats.org/presentationml/2006/main">
   <p:cSld>
     <p:spTree>
@@ -4074,7 +6006,7 @@
           <p:cNvPr id="2" name="Title 1">
             <a:extLst>
               <a:ext uri="{FF2B5EF4-FFF2-40B4-BE49-F238E27FC236}">
-                <a16:creationId xmlns:a16="http://schemas.microsoft.com/office/drawing/2014/main" id="{9363781F-CC71-4E67-8BB3-360B1E695B18}"/>
+                <a16:creationId xmlns="" xmlns:a16="http://schemas.microsoft.com/office/drawing/2014/main" id="{F0B3FC4F-094F-41A7-858A-7CE33938451F}"/>
               </a:ext>
             </a:extLst>
           </p:cNvPr>
@@ -4090,7 +6022,10 @@
           <a:bodyPr/>
           <a:lstStyle/>
           <a:p>
-            <a:endParaRPr lang="en-US"/>
+            <a:r>
+              <a:rPr lang="en-US" dirty="0"/>
+              <a:t>Recap: perspective projection</a:t>
+            </a:r>
           </a:p>
         </p:txBody>
       </p:sp>
@@ -4099,7 +6034,7 @@
           <p:cNvPr id="3" name="Content Placeholder 2">
             <a:extLst>
               <a:ext uri="{FF2B5EF4-FFF2-40B4-BE49-F238E27FC236}">
-                <a16:creationId xmlns:a16="http://schemas.microsoft.com/office/drawing/2014/main" id="{B5EA0CAE-A067-4025-846B-8D11836FE5FC}"/>
+                <a16:creationId xmlns="" xmlns:a16="http://schemas.microsoft.com/office/drawing/2014/main" id="{74F2D7F0-21D8-4DEB-95F5-BA5D3D1DE7CA}"/>
               </a:ext>
             </a:extLst>
           </p:cNvPr>
@@ -4117,40 +6052,226 @@
           <a:p>
             <a:r>
               <a:rPr lang="en-US" dirty="0"/>
-              <a:t>Camera </a:t>
-            </a:r>
-            <a:r>
-              <a:rPr lang="en-US" dirty="0" err="1"/>
-              <a:t>intrinsics</a:t>
+              <a:t>Let’s split into 2 matrices and use 3D-&gt;2D homogenous coordinates:</a:t>
+            </a:r>
+          </a:p>
+        </p:txBody>
+      </p:sp>
+      <p:sp>
+        <p:nvSpPr>
+          <p:cNvPr id="4" name="Left Brace 3">
+            <a:extLst>
+              <a:ext uri="{FF2B5EF4-FFF2-40B4-BE49-F238E27FC236}">
+                <a16:creationId xmlns="" xmlns:a16="http://schemas.microsoft.com/office/drawing/2014/main" id="{5C3831E8-107A-4F59-84BC-EF2C3B2F5D85}"/>
+              </a:ext>
+            </a:extLst>
+          </p:cNvPr>
+          <p:cNvSpPr/>
+          <p:nvPr/>
+        </p:nvSpPr>
+        <p:spPr>
+          <a:xfrm rot="16200000">
+            <a:off x="762000" y="3886200"/>
+            <a:ext cx="533400" cy="1600200"/>
+          </a:xfrm>
+          <a:prstGeom prst="leftBrace">
+            <a:avLst/>
+          </a:prstGeom>
+        </p:spPr>
+        <p:style>
+          <a:lnRef idx="1">
+            <a:schemeClr val="accent1"/>
+          </a:lnRef>
+          <a:fillRef idx="0">
+            <a:schemeClr val="accent1"/>
+          </a:fillRef>
+          <a:effectRef idx="0">
+            <a:schemeClr val="accent1"/>
+          </a:effectRef>
+          <a:fontRef idx="minor">
+            <a:schemeClr val="tx1"/>
+          </a:fontRef>
+        </p:style>
+        <p:txBody>
+          <a:bodyPr rtlCol="0" anchor="ctr"/>
+          <a:lstStyle/>
+          <a:p>
+            <a:pPr algn="ctr"/>
+            <a:endParaRPr lang="en-US"/>
+          </a:p>
+        </p:txBody>
+      </p:sp>
+      <p:sp>
+        <p:nvSpPr>
+          <p:cNvPr id="6" name="Left Brace 5">
+            <a:extLst>
+              <a:ext uri="{FF2B5EF4-FFF2-40B4-BE49-F238E27FC236}">
+                <a16:creationId xmlns="" xmlns:a16="http://schemas.microsoft.com/office/drawing/2014/main" id="{0CEFB6C2-9B44-4BC4-87CC-5F1E6374DA21}"/>
+              </a:ext>
+            </a:extLst>
+          </p:cNvPr>
+          <p:cNvSpPr/>
+          <p:nvPr/>
+        </p:nvSpPr>
+        <p:spPr>
+          <a:xfrm rot="16200000">
+            <a:off x="3086100" y="3714935"/>
+            <a:ext cx="533400" cy="1981200"/>
+          </a:xfrm>
+          <a:prstGeom prst="leftBrace">
+            <a:avLst/>
+          </a:prstGeom>
+        </p:spPr>
+        <p:style>
+          <a:lnRef idx="1">
+            <a:schemeClr val="accent1"/>
+          </a:lnRef>
+          <a:fillRef idx="0">
+            <a:schemeClr val="accent1"/>
+          </a:fillRef>
+          <a:effectRef idx="0">
+            <a:schemeClr val="accent1"/>
+          </a:effectRef>
+          <a:fontRef idx="minor">
+            <a:schemeClr val="tx1"/>
+          </a:fontRef>
+        </p:style>
+        <p:txBody>
+          <a:bodyPr rtlCol="0" anchor="ctr"/>
+          <a:lstStyle/>
+          <a:p>
+            <a:pPr algn="ctr"/>
+            <a:endParaRPr lang="en-US"/>
+          </a:p>
+        </p:txBody>
+      </p:sp>
+      <p:sp>
+        <p:nvSpPr>
+          <p:cNvPr id="5" name="TextBox 4">
+            <a:extLst>
+              <a:ext uri="{FF2B5EF4-FFF2-40B4-BE49-F238E27FC236}">
+                <a16:creationId xmlns="" xmlns:a16="http://schemas.microsoft.com/office/drawing/2014/main" id="{67391E26-DC38-4D60-8331-E7FC22F9AB1B}"/>
+              </a:ext>
+            </a:extLst>
+          </p:cNvPr>
+          <p:cNvSpPr txBox="1"/>
+          <p:nvPr/>
+        </p:nvSpPr>
+        <p:spPr>
+          <a:xfrm>
+            <a:off x="228600" y="4972235"/>
+            <a:ext cx="1600201" cy="646331"/>
+          </a:xfrm>
+          <a:prstGeom prst="rect">
+            <a:avLst/>
+          </a:prstGeom>
+          <a:noFill/>
+        </p:spPr>
+        <p:txBody>
+          <a:bodyPr wrap="square" rtlCol="0">
+            <a:spAutoFit/>
+          </a:bodyPr>
+          <a:lstStyle/>
+          <a:p>
+            <a:pPr algn="ctr"/>
+            <a:r>
+              <a:rPr lang="en-US" dirty="0"/>
+              <a:t>Intrinsic </a:t>
+            </a:r>
+            <a:r>
+              <a:rPr lang="en-US" dirty="0" smtClean="0"/>
+              <a:t>camera matrix</a:t>
             </a:r>
             <a:endParaRPr lang="en-US" dirty="0"/>
           </a:p>
-          <a:p>
-            <a:r>
-              <a:rPr lang="en-US" dirty="0"/>
-              <a:t>Camera </a:t>
-            </a:r>
-            <a:r>
-              <a:rPr lang="en-US" dirty="0" err="1"/>
-              <a:t>extinsics</a:t>
-            </a:r>
-            <a:endParaRPr lang="en-US" dirty="0"/>
-          </a:p>
-          <a:p>
-            <a:r>
-              <a:rPr lang="en-US" dirty="0"/>
-              <a:t>Radial distortion</a:t>
-            </a:r>
-          </a:p>
-          <a:p>
-            <a:endParaRPr lang="en-US" dirty="0"/>
-          </a:p>
-        </p:txBody>
-      </p:sp>
+        </p:txBody>
+      </p:sp>
+      <p:sp>
+        <p:nvSpPr>
+          <p:cNvPr id="8" name="TextBox 7">
+            <a:extLst>
+              <a:ext uri="{FF2B5EF4-FFF2-40B4-BE49-F238E27FC236}">
+                <a16:creationId xmlns="" xmlns:a16="http://schemas.microsoft.com/office/drawing/2014/main" id="{75DFCE4A-F52E-4888-A2AE-AA27B9D0D18F}"/>
+              </a:ext>
+            </a:extLst>
+          </p:cNvPr>
+          <p:cNvSpPr txBox="1"/>
+          <p:nvPr/>
+        </p:nvSpPr>
+        <p:spPr>
+          <a:xfrm>
+            <a:off x="2438400" y="4953000"/>
+            <a:ext cx="1981200" cy="369332"/>
+          </a:xfrm>
+          <a:prstGeom prst="rect">
+            <a:avLst/>
+          </a:prstGeom>
+          <a:noFill/>
+        </p:spPr>
+        <p:txBody>
+          <a:bodyPr wrap="square" rtlCol="0">
+            <a:spAutoFit/>
+          </a:bodyPr>
+          <a:lstStyle/>
+          <a:p>
+            <a:r>
+              <a:rPr lang="en-US" dirty="0"/>
+              <a:t>Projection matrix</a:t>
+            </a:r>
+          </a:p>
+        </p:txBody>
+      </p:sp>
+      <p:pic>
+        <p:nvPicPr>
+          <p:cNvPr id="1028" name="Picture 4">
+            <a:extLst>
+              <a:ext uri="{FF2B5EF4-FFF2-40B4-BE49-F238E27FC236}">
+                <a16:creationId xmlns="" xmlns:a16="http://schemas.microsoft.com/office/drawing/2014/main" id="{69EAF67A-A04D-4B2A-9816-87A3AACFE37F}"/>
+              </a:ext>
+            </a:extLst>
+          </p:cNvPr>
+          <p:cNvPicPr>
+            <a:picLocks noChangeAspect="1" noChangeArrowheads="1"/>
+          </p:cNvPicPr>
+          <p:nvPr/>
+        </p:nvPicPr>
+        <p:blipFill>
+          <a:blip r:embed="rId3">
+            <a:extLst>
+              <a:ext uri="{28A0092B-C50C-407E-A947-70E740481C1C}">
+                <a14:useLocalDpi xmlns:a14="http://schemas.microsoft.com/office/drawing/2010/main" val="0"/>
+              </a:ext>
+            </a:extLst>
+          </a:blip>
+          <a:srcRect/>
+          <a:stretch>
+            <a:fillRect/>
+          </a:stretch>
+        </p:blipFill>
+        <p:spPr bwMode="auto">
+          <a:xfrm>
+            <a:off x="152400" y="2553031"/>
+            <a:ext cx="8458200" cy="2058749"/>
+          </a:xfrm>
+          <a:prstGeom prst="rect">
+            <a:avLst/>
+          </a:prstGeom>
+          <a:noFill/>
+          <a:extLst>
+            <a:ext uri="{909E8E84-426E-40DD-AFC4-6F175D3DCCD1}">
+              <a14:hiddenFill xmlns:a14="http://schemas.microsoft.com/office/drawing/2010/main">
+                <a:solidFill>
+                  <a:srgbClr val="FFFFFF"/>
+                </a:solidFill>
+              </a14:hiddenFill>
+            </a:ext>
+          </a:extLst>
+        </p:spPr>
+      </p:pic>
     </p:spTree>
     <p:extLst>
       <p:ext uri="{BB962C8B-B14F-4D97-AF65-F5344CB8AC3E}">
-        <p14:creationId xmlns:p14="http://schemas.microsoft.com/office/powerpoint/2010/main" val="2114819052"/>
+        <p14:creationId xmlns:p14="http://schemas.microsoft.com/office/powerpoint/2010/main" val="2633147968"/>
       </p:ext>
     </p:extLst>
   </p:cSld>
@@ -4160,7 +6281,7 @@
 </p:sld>
 </file>
 
-<file path=ppt/slides/slide4.xml><?xml version="1.0" encoding="utf-8"?>
+<file path=ppt/slides/slide12.xml><?xml version="1.0" encoding="utf-8"?>
 <p:sld xmlns:a="http://schemas.openxmlformats.org/drawingml/2006/main" xmlns:r="http://schemas.openxmlformats.org/officeDocument/2006/relationships" xmlns:p="http://schemas.openxmlformats.org/presentationml/2006/main">
   <p:cSld>
     <p:spTree>
@@ -4179,10 +6300,176 @@
       </p:grpSpPr>
       <p:sp>
         <p:nvSpPr>
+          <p:cNvPr id="2" name="Title 1"/>
+          <p:cNvSpPr>
+            <a:spLocks noGrp="1"/>
+          </p:cNvSpPr>
+          <p:nvPr>
+            <p:ph type="title"/>
+          </p:nvPr>
+        </p:nvSpPr>
+        <p:spPr/>
+        <p:txBody>
+          <a:bodyPr/>
+          <a:lstStyle/>
+          <a:p>
+            <a:r>
+              <a:rPr lang="en-US" dirty="0"/>
+              <a:t>Intrinsic </a:t>
+            </a:r>
+            <a:r>
+              <a:rPr lang="en-US" dirty="0" smtClean="0"/>
+              <a:t>camera matrix</a:t>
+            </a:r>
+            <a:endParaRPr lang="en-US" dirty="0"/>
+          </a:p>
+        </p:txBody>
+      </p:sp>
+      <mc:AlternateContent xmlns:mc="http://schemas.openxmlformats.org/markup-compatibility/2006">
+        <mc:Choice xmlns:a14="http://schemas.microsoft.com/office/drawing/2010/main" Requires="a14">
+          <p:sp>
+            <p:nvSpPr>
+              <p:cNvPr id="3" name="Content Placeholder 2"/>
+              <p:cNvSpPr>
+                <a:spLocks noGrp="1"/>
+              </p:cNvSpPr>
+              <p:nvPr>
+                <p:ph idx="1"/>
+              </p:nvPr>
+            </p:nvSpPr>
+            <p:spPr/>
+            <p:txBody>
+              <a:bodyPr/>
+              <a:lstStyle/>
+              <a:p>
+                <a:endParaRPr lang="en-US" dirty="0" smtClean="0"/>
+              </a:p>
+              <a:p>
+                <a:r>
+                  <a:rPr lang="en-US" dirty="0" smtClean="0"/>
+                  <a:t>The intrinsic matrix </a:t>
+                </a:r>
+                <a14:m>
+                  <m:oMath xmlns:m="http://schemas.openxmlformats.org/officeDocument/2006/math">
+                    <m:r>
+                      <a:rPr lang="en-US" b="1" i="1" dirty="0" smtClean="0">
+                        <a:latin typeface="Cambria Math"/>
+                      </a:rPr>
+                      <m:t>𝑲</m:t>
+                    </m:r>
+                  </m:oMath>
+                </a14:m>
+                <a:r>
+                  <a:rPr lang="en-US" dirty="0"/>
+                  <a:t> contains 5 intrinsic parameters. These parameters encompass </a:t>
+                </a:r>
+                <a:endParaRPr lang="en-US" dirty="0" smtClean="0"/>
+              </a:p>
+              <a:p>
+                <a:pPr lvl="1"/>
+                <a:r>
+                  <a:rPr lang="en-US" dirty="0" smtClean="0"/>
+                  <a:t>Scaled x &amp; y focal </a:t>
+                </a:r>
+                <a:r>
+                  <a:rPr lang="en-US" dirty="0"/>
+                  <a:t>length, </a:t>
+                </a:r>
+                <a:r>
+                  <a:rPr lang="en-US" dirty="0">
+                    <a:hlinkClick r:id="rId2" tooltip="Image sensor size"/>
+                  </a:rPr>
+                  <a:t>image sensor format</a:t>
+                </a:r>
+                <a:r>
+                  <a:rPr lang="en-US" dirty="0"/>
+                  <a:t>, and </a:t>
+                </a:r>
+                <a:r>
+                  <a:rPr lang="en-US" dirty="0">
+                    <a:hlinkClick r:id="rId3" tooltip="Pinhole camera model"/>
+                  </a:rPr>
+                  <a:t>principal point</a:t>
+                </a:r>
+                <a:r>
+                  <a:rPr lang="en-US" dirty="0"/>
+                  <a:t>.</a:t>
+                </a:r>
+                <a:endParaRPr lang="en-US" dirty="0"/>
+              </a:p>
+            </p:txBody>
+          </p:sp>
+        </mc:Choice>
+        <mc:Fallback>
+          <p:sp>
+            <p:nvSpPr>
+              <p:cNvPr id="3" name="Content Placeholder 2"/>
+              <p:cNvSpPr>
+                <a:spLocks noGrp="1" noRot="1" noChangeAspect="1" noMove="1" noResize="1" noEditPoints="1" noAdjustHandles="1" noChangeArrowheads="1" noChangeShapeType="1" noTextEdit="1"/>
+              </p:cNvSpPr>
+              <p:nvPr>
+                <p:ph idx="1"/>
+              </p:nvPr>
+            </p:nvSpPr>
+            <p:spPr>
+              <a:blipFill rotWithShape="1">
+                <a:blip r:embed="rId4"/>
+                <a:stretch>
+                  <a:fillRect l="-1172"/>
+                </a:stretch>
+              </a:blipFill>
+            </p:spPr>
+            <p:txBody>
+              <a:bodyPr/>
+              <a:lstStyle/>
+              <a:p>
+                <a:r>
+                  <a:rPr lang="en-US">
+                    <a:noFill/>
+                  </a:rPr>
+                  <a:t> </a:t>
+                </a:r>
+              </a:p>
+            </p:txBody>
+          </p:sp>
+        </mc:Fallback>
+      </mc:AlternateContent>
+    </p:spTree>
+    <p:extLst>
+      <p:ext uri="{BB962C8B-B14F-4D97-AF65-F5344CB8AC3E}">
+        <p14:creationId xmlns:p14="http://schemas.microsoft.com/office/powerpoint/2010/main" val="547587126"/>
+      </p:ext>
+    </p:extLst>
+  </p:cSld>
+  <p:clrMapOvr>
+    <a:masterClrMapping/>
+  </p:clrMapOvr>
+</p:sld>
+</file>
+
+<file path=ppt/slides/slide13.xml><?xml version="1.0" encoding="utf-8"?>
+<p:sld xmlns:a="http://schemas.openxmlformats.org/drawingml/2006/main" xmlns:r="http://schemas.openxmlformats.org/officeDocument/2006/relationships" xmlns:p="http://schemas.openxmlformats.org/presentationml/2006/main">
+  <p:cSld>
+    <p:spTree>
+      <p:nvGrpSpPr>
+        <p:cNvPr id="1" name=""/>
+        <p:cNvGrpSpPr/>
+        <p:nvPr/>
+      </p:nvGrpSpPr>
+      <p:grpSpPr>
+        <a:xfrm>
+          <a:off x="0" y="0"/>
+          <a:ext cx="0" cy="0"/>
+          <a:chOff x="0" y="0"/>
+          <a:chExt cx="0" cy="0"/>
+        </a:xfrm>
+      </p:grpSpPr>
+      <p:sp>
+        <p:nvSpPr>
           <p:cNvPr id="2" name="Title 1">
             <a:extLst>
               <a:ext uri="{FF2B5EF4-FFF2-40B4-BE49-F238E27FC236}">
-                <a16:creationId xmlns:a16="http://schemas.microsoft.com/office/drawing/2014/main" id="{0A583F5E-01D2-4984-9AB7-4A078BB540A6}"/>
+                <a16:creationId xmlns="" xmlns:a16="http://schemas.microsoft.com/office/drawing/2014/main" id="{0A583F5E-01D2-4984-9AB7-4A078BB540A6}"/>
               </a:ext>
             </a:extLst>
           </p:cNvPr>
@@ -4199,20 +6486,21 @@
           <a:lstStyle/>
           <a:p>
             <a:r>
-              <a:rPr lang="en-US" dirty="0"/>
-              <a:t>Perspective projection</a:t>
-            </a:r>
-          </a:p>
-        </p:txBody>
-      </p:sp>
-      <mc:AlternateContent xmlns:mc="http://schemas.openxmlformats.org/markup-compatibility/2006">
-        <mc:Choice xmlns:a14="http://schemas.microsoft.com/office/drawing/2010/main" Requires="a14">
+              <a:rPr lang="en-US" dirty="0" smtClean="0"/>
+              <a:t>Intrinsic calibration matrix</a:t>
+            </a:r>
+            <a:endParaRPr lang="en-US" dirty="0"/>
+          </a:p>
+        </p:txBody>
+      </p:sp>
+      <mc:AlternateContent xmlns:mc="http://schemas.openxmlformats.org/markup-compatibility/2006" xmlns:a14="http://schemas.microsoft.com/office/drawing/2010/main">
+        <mc:Choice Requires="a14">
           <p:sp>
             <p:nvSpPr>
               <p:cNvPr id="3" name="Content Placeholder 2">
                 <a:extLst>
                   <a:ext uri="{FF2B5EF4-FFF2-40B4-BE49-F238E27FC236}">
-                    <a16:creationId xmlns:a16="http://schemas.microsoft.com/office/drawing/2014/main" id="{8E221B64-F9ED-4EB4-97FC-EB8CE243081B}"/>
+                    <a16:creationId xmlns="" xmlns:a16="http://schemas.microsoft.com/office/drawing/2014/main" id="{8E221B64-F9ED-4EB4-97FC-EB8CE243081B}"/>
                   </a:ext>
                 </a:extLst>
               </p:cNvPr>
@@ -4245,7 +6533,7 @@
                       <m:sSubPr>
                         <m:ctrlPr>
                           <a:rPr lang="en-US" b="0" i="1" smtClean="0">
-                            <a:latin typeface="Cambria Math" panose="02040503050406030204" pitchFamily="18" charset="0"/>
+                            <a:latin typeface="Cambria Math"/>
                           </a:rPr>
                         </m:ctrlPr>
                       </m:sSubPr>
@@ -4278,7 +6566,7 @@
                       <m:sSubPr>
                         <m:ctrlPr>
                           <a:rPr lang="en-US" b="0" i="1" smtClean="0">
-                            <a:latin typeface="Cambria Math" panose="02040503050406030204" pitchFamily="18" charset="0"/>
+                            <a:latin typeface="Cambria Math"/>
                           </a:rPr>
                         </m:ctrlPr>
                       </m:sSubPr>
@@ -4323,7 +6611,7 @@
                         <m:sSubPr>
                           <m:ctrlPr>
                             <a:rPr lang="en-US" b="0" i="1" smtClean="0">
-                              <a:latin typeface="Cambria Math" panose="02040503050406030204" pitchFamily="18" charset="0"/>
+                              <a:latin typeface="Cambria Math"/>
                             </a:rPr>
                           </m:ctrlPr>
                         </m:sSubPr>
@@ -4354,7 +6642,7 @@
                         <m:fPr>
                           <m:ctrlPr>
                             <a:rPr lang="en-US" b="0" i="1" smtClean="0">
-                              <a:latin typeface="Cambria Math" panose="02040503050406030204" pitchFamily="18" charset="0"/>
+                              <a:latin typeface="Cambria Math"/>
                             </a:rPr>
                           </m:ctrlPr>
                         </m:fPr>
@@ -4371,7 +6659,7 @@
                             <m:sSubPr>
                               <m:ctrlPr>
                                 <a:rPr lang="en-US" b="0" i="1" smtClean="0">
-                                  <a:latin typeface="Cambria Math" panose="02040503050406030204" pitchFamily="18" charset="0"/>
+                                  <a:latin typeface="Cambria Math"/>
                                 </a:rPr>
                               </m:ctrlPr>
                             </m:sSubPr>
@@ -4404,7 +6692,7 @@
                         <m:sSubPr>
                           <m:ctrlPr>
                             <a:rPr lang="en-US" i="1">
-                              <a:latin typeface="Cambria Math" panose="02040503050406030204" pitchFamily="18" charset="0"/>
+                              <a:latin typeface="Cambria Math"/>
                             </a:rPr>
                           </m:ctrlPr>
                         </m:sSubPr>
@@ -4441,7 +6729,7 @@
                         <m:fPr>
                           <m:ctrlPr>
                             <a:rPr lang="en-US" i="1">
-                              <a:latin typeface="Cambria Math" panose="02040503050406030204" pitchFamily="18" charset="0"/>
+                              <a:latin typeface="Cambria Math"/>
                             </a:rPr>
                           </m:ctrlPr>
                         </m:fPr>
@@ -4458,7 +6746,7 @@
                             <m:sSubPr>
                               <m:ctrlPr>
                                 <a:rPr lang="en-US" i="1">
-                                  <a:latin typeface="Cambria Math" panose="02040503050406030204" pitchFamily="18" charset="0"/>
+                                  <a:latin typeface="Cambria Math"/>
                                 </a:rPr>
                               </m:ctrlPr>
                             </m:sSubPr>
@@ -4489,7 +6777,7 @@
             </p:txBody>
           </p:sp>
         </mc:Choice>
-        <mc:Fallback>
+        <mc:Fallback xmlns="">
           <p:sp>
             <p:nvSpPr>
               <p:cNvPr id="3" name="Content Placeholder 2">
@@ -4534,7 +6822,7 @@
           <p:cNvPr id="17410" name="Picture 2">
             <a:extLst>
               <a:ext uri="{FF2B5EF4-FFF2-40B4-BE49-F238E27FC236}">
-                <a16:creationId xmlns:a16="http://schemas.microsoft.com/office/drawing/2014/main" id="{B34454B1-59B8-4F4E-82B9-B1F7833FD4FE}"/>
+                <a16:creationId xmlns="" xmlns:a16="http://schemas.microsoft.com/office/drawing/2014/main" id="{B34454B1-59B8-4F4E-82B9-B1F7833FD4FE}"/>
               </a:ext>
             </a:extLst>
           </p:cNvPr>
@@ -4580,6 +6868,5352 @@
     <p:extLst>
       <p:ext uri="{BB962C8B-B14F-4D97-AF65-F5344CB8AC3E}">
         <p14:creationId xmlns:p14="http://schemas.microsoft.com/office/powerpoint/2010/main" val="3919309182"/>
+      </p:ext>
+    </p:extLst>
+  </p:cSld>
+  <p:clrMapOvr>
+    <a:masterClrMapping/>
+  </p:clrMapOvr>
+</p:sld>
+</file>
+
+<file path=ppt/slides/slide14.xml><?xml version="1.0" encoding="utf-8"?>
+<p:sld xmlns:a="http://schemas.openxmlformats.org/drawingml/2006/main" xmlns:r="http://schemas.openxmlformats.org/officeDocument/2006/relationships" xmlns:p="http://schemas.openxmlformats.org/presentationml/2006/main">
+  <p:cSld>
+    <p:spTree>
+      <p:nvGrpSpPr>
+        <p:cNvPr id="1" name=""/>
+        <p:cNvGrpSpPr/>
+        <p:nvPr/>
+      </p:nvGrpSpPr>
+      <p:grpSpPr>
+        <a:xfrm>
+          <a:off x="0" y="0"/>
+          <a:ext cx="0" cy="0"/>
+          <a:chOff x="0" y="0"/>
+          <a:chExt cx="0" cy="0"/>
+        </a:xfrm>
+      </p:grpSpPr>
+      <p:sp>
+        <p:nvSpPr>
+          <p:cNvPr id="2" name="Title 1"/>
+          <p:cNvSpPr>
+            <a:spLocks noGrp="1"/>
+          </p:cNvSpPr>
+          <p:nvPr>
+            <p:ph type="title"/>
+          </p:nvPr>
+        </p:nvSpPr>
+        <p:spPr/>
+        <p:txBody>
+          <a:bodyPr/>
+          <a:lstStyle/>
+          <a:p>
+            <a:endParaRPr lang="en-US"/>
+          </a:p>
+        </p:txBody>
+      </p:sp>
+      <p:sp>
+        <p:nvSpPr>
+          <p:cNvPr id="3" name="Content Placeholder 2"/>
+          <p:cNvSpPr>
+            <a:spLocks noGrp="1"/>
+          </p:cNvSpPr>
+          <p:nvPr>
+            <p:ph idx="1"/>
+          </p:nvPr>
+        </p:nvSpPr>
+        <p:spPr/>
+        <p:txBody>
+          <a:bodyPr/>
+          <a:lstStyle/>
+          <a:p>
+            <a:endParaRPr lang="en-US"/>
+          </a:p>
+        </p:txBody>
+      </p:sp>
+    </p:spTree>
+    <p:extLst>
+      <p:ext uri="{BB962C8B-B14F-4D97-AF65-F5344CB8AC3E}">
+        <p14:creationId xmlns:p14="http://schemas.microsoft.com/office/powerpoint/2010/main" val="1230445528"/>
+      </p:ext>
+    </p:extLst>
+  </p:cSld>
+  <p:clrMapOvr>
+    <a:masterClrMapping/>
+  </p:clrMapOvr>
+</p:sld>
+</file>
+
+<file path=ppt/slides/slide15.xml><?xml version="1.0" encoding="utf-8"?>
+<p:sld xmlns:a="http://schemas.openxmlformats.org/drawingml/2006/main" xmlns:r="http://schemas.openxmlformats.org/officeDocument/2006/relationships" xmlns:p="http://schemas.openxmlformats.org/presentationml/2006/main">
+  <p:cSld>
+    <p:spTree>
+      <p:nvGrpSpPr>
+        <p:cNvPr id="1" name=""/>
+        <p:cNvGrpSpPr/>
+        <p:nvPr/>
+      </p:nvGrpSpPr>
+      <p:grpSpPr>
+        <a:xfrm>
+          <a:off x="0" y="0"/>
+          <a:ext cx="0" cy="0"/>
+          <a:chOff x="0" y="0"/>
+          <a:chExt cx="0" cy="0"/>
+        </a:xfrm>
+      </p:grpSpPr>
+      <p:sp>
+        <p:nvSpPr>
+          <p:cNvPr id="667" name="Shape 667"/>
+          <p:cNvSpPr>
+            <a:spLocks noGrp="1"/>
+          </p:cNvSpPr>
+          <p:nvPr>
+            <p:ph type="title"/>
+          </p:nvPr>
+        </p:nvSpPr>
+        <p:spPr>
+          <a:xfrm>
+            <a:off x="0" y="1"/>
+            <a:ext cx="9144000" cy="1325563"/>
+          </a:xfrm>
+          <a:prstGeom prst="rect">
+            <a:avLst/>
+          </a:prstGeom>
+        </p:spPr>
+        <p:txBody>
+          <a:bodyPr/>
+          <a:lstStyle/>
+          <a:p>
+            <a:pPr algn="ctr"/>
+            <a:r>
+              <a:rPr lang="en-US" dirty="0"/>
+              <a:t>Generalizing the camera matrix</a:t>
+            </a:r>
+            <a:endParaRPr dirty="0"/>
+          </a:p>
+        </p:txBody>
+      </p:sp>
+      <p:sp>
+        <p:nvSpPr>
+          <p:cNvPr id="9" name="Camera origin and image origin might be different">
+            <a:extLst>
+              <a:ext uri="{FF2B5EF4-FFF2-40B4-BE49-F238E27FC236}">
+                <a16:creationId xmlns:a16="http://schemas.microsoft.com/office/drawing/2014/main" xmlns="" id="{FFE1E2EC-D734-4234-BE82-91D261E942FC}"/>
+              </a:ext>
+            </a:extLst>
+          </p:cNvPr>
+          <p:cNvSpPr txBox="1"/>
+          <p:nvPr/>
+        </p:nvSpPr>
+        <p:spPr>
+          <a:xfrm>
+            <a:off x="884445" y="1064239"/>
+            <a:ext cx="8154926" cy="441468"/>
+          </a:xfrm>
+          <a:prstGeom prst="rect">
+            <a:avLst/>
+          </a:prstGeom>
+          <a:ln w="12700">
+            <a:miter lim="400000"/>
+          </a:ln>
+          <a:extLst>
+            <a:ext uri="{C572A759-6A51-4108-AA02-DFA0A04FC94B}">
+              <ma14:wrappingTextBoxFlag xmlns="" xmlns:ma14="http://schemas.microsoft.com/office/mac/drawingml/2011/main" val="1"/>
+            </a:ext>
+          </a:extLst>
+        </p:spPr>
+        <p:txBody>
+          <a:bodyPr wrap="none" lIns="35719" tIns="35719" rIns="35719" bIns="35719" anchor="ctr">
+            <a:spAutoFit/>
+          </a:bodyPr>
+          <a:lstStyle/>
+          <a:p>
+            <a:pPr marL="0" marR="0" lvl="0" indent="0" algn="l" defTabSz="914400" rtl="0" eaLnBrk="1" fontAlgn="auto" latinLnBrk="0" hangingPunct="1">
+              <a:lnSpc>
+                <a:spcPct val="100000"/>
+              </a:lnSpc>
+              <a:spcBef>
+                <a:spcPts val="0"/>
+              </a:spcBef>
+              <a:spcAft>
+                <a:spcPts val="0"/>
+              </a:spcAft>
+              <a:buClrTx/>
+              <a:buSzTx/>
+              <a:buFontTx/>
+              <a:buNone/>
+              <a:tabLst/>
+              <a:defRPr/>
+            </a:pPr>
+            <a:r>
+              <a:rPr kumimoji="0" lang="en-US" sz="2400" b="0" i="0" u="none" strike="noStrike" kern="1200" cap="none" spc="0" normalizeH="0" baseline="0" noProof="0" dirty="0">
+                <a:ln>
+                  <a:noFill/>
+                </a:ln>
+                <a:solidFill>
+                  <a:prstClr val="black"/>
+                </a:solidFill>
+                <a:effectLst/>
+                <a:uLnTx/>
+                <a:uFillTx/>
+                <a:latin typeface="Calibri Light" panose="020F0302020204030204"/>
+                <a:ea typeface="+mn-ea"/>
+                <a:cs typeface="+mn-cs"/>
+              </a:rPr>
+              <a:t>In particular, the c</a:t>
+            </a:r>
+            <a:r>
+              <a:rPr kumimoji="0" sz="2400" b="0" i="0" u="none" strike="noStrike" kern="1200" cap="none" spc="0" normalizeH="0" baseline="0" noProof="0" dirty="0">
+                <a:ln>
+                  <a:noFill/>
+                </a:ln>
+                <a:solidFill>
+                  <a:prstClr val="black"/>
+                </a:solidFill>
+                <a:effectLst/>
+                <a:uLnTx/>
+                <a:uFillTx/>
+                <a:latin typeface="Calibri Light" panose="020F0302020204030204"/>
+                <a:ea typeface="+mn-ea"/>
+                <a:cs typeface="+mn-cs"/>
+              </a:rPr>
+              <a:t>amera origin and image origin </a:t>
+            </a:r>
+            <a:r>
+              <a:rPr kumimoji="0" lang="en-US" sz="2400" b="0" i="0" u="none" strike="noStrike" kern="1200" cap="none" spc="0" normalizeH="0" baseline="0" noProof="0" dirty="0">
+                <a:ln>
+                  <a:noFill/>
+                </a:ln>
+                <a:solidFill>
+                  <a:prstClr val="black"/>
+                </a:solidFill>
+                <a:effectLst/>
+                <a:uLnTx/>
+                <a:uFillTx/>
+                <a:latin typeface="Calibri Light" panose="020F0302020204030204"/>
+                <a:ea typeface="+mn-ea"/>
+                <a:cs typeface="+mn-cs"/>
+              </a:rPr>
+              <a:t>may</a:t>
+            </a:r>
+            <a:r>
+              <a:rPr kumimoji="0" sz="2400" b="0" i="0" u="none" strike="noStrike" kern="1200" cap="none" spc="0" normalizeH="0" baseline="0" noProof="0" dirty="0">
+                <a:ln>
+                  <a:noFill/>
+                </a:ln>
+                <a:solidFill>
+                  <a:prstClr val="black"/>
+                </a:solidFill>
+                <a:effectLst/>
+                <a:uLnTx/>
+                <a:uFillTx/>
+                <a:latin typeface="Calibri Light" panose="020F0302020204030204"/>
+                <a:ea typeface="+mn-ea"/>
+                <a:cs typeface="+mn-cs"/>
+              </a:rPr>
+              <a:t> be different</a:t>
+            </a:r>
+            <a:r>
+              <a:rPr kumimoji="0" lang="en-US" sz="2400" b="0" i="0" u="none" strike="noStrike" kern="1200" cap="none" spc="0" normalizeH="0" baseline="0" noProof="0" dirty="0">
+                <a:ln>
+                  <a:noFill/>
+                </a:ln>
+                <a:solidFill>
+                  <a:prstClr val="black"/>
+                </a:solidFill>
+                <a:effectLst/>
+                <a:uLnTx/>
+                <a:uFillTx/>
+                <a:latin typeface="Calibri Light" panose="020F0302020204030204"/>
+                <a:ea typeface="+mn-ea"/>
+                <a:cs typeface="+mn-cs"/>
+              </a:rPr>
+              <a:t>:</a:t>
+            </a:r>
+            <a:endParaRPr kumimoji="0" sz="2400" b="0" i="0" u="none" strike="noStrike" kern="1200" cap="none" spc="0" normalizeH="0" baseline="0" noProof="0" dirty="0">
+              <a:ln>
+                <a:noFill/>
+              </a:ln>
+              <a:solidFill>
+                <a:prstClr val="black"/>
+              </a:solidFill>
+              <a:effectLst/>
+              <a:uLnTx/>
+              <a:uFillTx/>
+              <a:latin typeface="Calibri Light" panose="020F0302020204030204"/>
+              <a:ea typeface="+mn-ea"/>
+              <a:cs typeface="+mn-cs"/>
+            </a:endParaRPr>
+          </a:p>
+        </p:txBody>
+      </p:sp>
+      <p:sp>
+        <p:nvSpPr>
+          <p:cNvPr id="10" name="Rectangle">
+            <a:extLst>
+              <a:ext uri="{FF2B5EF4-FFF2-40B4-BE49-F238E27FC236}">
+                <a16:creationId xmlns:a16="http://schemas.microsoft.com/office/drawing/2014/main" xmlns="" id="{EF771DA6-7328-45EC-9A17-1A766F258E10}"/>
+              </a:ext>
+            </a:extLst>
+          </p:cNvPr>
+          <p:cNvSpPr/>
+          <p:nvPr/>
+        </p:nvSpPr>
+        <p:spPr>
+          <a:xfrm>
+            <a:off x="3272844" y="1688902"/>
+            <a:ext cx="2424410" cy="2206086"/>
+          </a:xfrm>
+          <a:prstGeom prst="rect">
+            <a:avLst/>
+          </a:prstGeom>
+          <a:solidFill>
+            <a:srgbClr val="FFFF00"/>
+          </a:solidFill>
+          <a:ln w="25400">
+            <a:solidFill>
+              <a:srgbClr val="85888D"/>
+            </a:solidFill>
+            <a:miter lim="400000"/>
+          </a:ln>
+        </p:spPr>
+        <p:txBody>
+          <a:bodyPr lIns="35719" tIns="35719" rIns="35719" bIns="35719" anchor="ctr"/>
+          <a:lstStyle/>
+          <a:p>
+            <a:pPr marL="0" marR="0" lvl="0" indent="0" algn="l" defTabSz="914400" rtl="0" eaLnBrk="1" fontAlgn="auto" latinLnBrk="0" hangingPunct="1">
+              <a:lnSpc>
+                <a:spcPct val="100000"/>
+              </a:lnSpc>
+              <a:spcBef>
+                <a:spcPts val="0"/>
+              </a:spcBef>
+              <a:spcAft>
+                <a:spcPts val="0"/>
+              </a:spcAft>
+              <a:buClrTx/>
+              <a:buSzTx/>
+              <a:buFontTx/>
+              <a:buNone/>
+              <a:tabLst/>
+              <a:defRPr sz="2400"/>
+            </a:pPr>
+            <a:endParaRPr kumimoji="0" sz="2400" b="0" i="0" u="none" strike="noStrike" kern="1200" cap="none" spc="0" normalizeH="0" baseline="0" noProof="0">
+              <a:ln>
+                <a:noFill/>
+              </a:ln>
+              <a:solidFill>
+                <a:prstClr val="black"/>
+              </a:solidFill>
+              <a:effectLst/>
+              <a:uLnTx/>
+              <a:uFillTx/>
+              <a:latin typeface="Calibri Light" panose="020F0302020204030204"/>
+              <a:ea typeface="+mn-ea"/>
+              <a:cs typeface="+mn-cs"/>
+            </a:endParaRPr>
+          </a:p>
+        </p:txBody>
+      </p:sp>
+      <p:sp>
+        <p:nvSpPr>
+          <p:cNvPr id="12" name="Line">
+            <a:extLst>
+              <a:ext uri="{FF2B5EF4-FFF2-40B4-BE49-F238E27FC236}">
+                <a16:creationId xmlns:a16="http://schemas.microsoft.com/office/drawing/2014/main" xmlns="" id="{E7E042AF-FB5A-4EE1-A300-E2E509BEC9CE}"/>
+              </a:ext>
+            </a:extLst>
+          </p:cNvPr>
+          <p:cNvSpPr/>
+          <p:nvPr/>
+        </p:nvSpPr>
+        <p:spPr>
+          <a:xfrm>
+            <a:off x="4444865" y="2800875"/>
+            <a:ext cx="1101723" cy="0"/>
+          </a:xfrm>
+          <a:prstGeom prst="line">
+            <a:avLst/>
+          </a:prstGeom>
+          <a:ln w="25400">
+            <a:solidFill>
+              <a:srgbClr val="000000"/>
+            </a:solidFill>
+            <a:miter lim="400000"/>
+            <a:headEnd type="oval"/>
+            <a:tailEnd type="triangle"/>
+          </a:ln>
+        </p:spPr>
+        <p:txBody>
+          <a:bodyPr lIns="35719" tIns="35719" rIns="35719" bIns="35719" anchor="ctr"/>
+          <a:lstStyle/>
+          <a:p>
+            <a:pPr marL="0" marR="0" lvl="0" indent="0" algn="l" defTabSz="914400" rtl="0" eaLnBrk="1" fontAlgn="auto" latinLnBrk="0" hangingPunct="1">
+              <a:lnSpc>
+                <a:spcPct val="100000"/>
+              </a:lnSpc>
+              <a:spcBef>
+                <a:spcPts val="0"/>
+              </a:spcBef>
+              <a:spcAft>
+                <a:spcPts val="0"/>
+              </a:spcAft>
+              <a:buClrTx/>
+              <a:buSzTx/>
+              <a:buFontTx/>
+              <a:buNone/>
+              <a:tabLst/>
+              <a:defRPr sz="2400"/>
+            </a:pPr>
+            <a:endParaRPr kumimoji="0" sz="2400" b="0" i="0" u="none" strike="noStrike" kern="1200" cap="none" spc="0" normalizeH="0" baseline="0" noProof="0">
+              <a:ln>
+                <a:noFill/>
+              </a:ln>
+              <a:solidFill>
+                <a:prstClr val="black"/>
+              </a:solidFill>
+              <a:effectLst/>
+              <a:uLnTx/>
+              <a:uFillTx/>
+              <a:latin typeface="Calibri Light" panose="020F0302020204030204"/>
+              <a:ea typeface="+mn-ea"/>
+              <a:cs typeface="+mn-cs"/>
+            </a:endParaRPr>
+          </a:p>
+        </p:txBody>
+      </p:sp>
+      <p:sp>
+        <p:nvSpPr>
+          <p:cNvPr id="13" name="Line">
+            <a:extLst>
+              <a:ext uri="{FF2B5EF4-FFF2-40B4-BE49-F238E27FC236}">
+                <a16:creationId xmlns:a16="http://schemas.microsoft.com/office/drawing/2014/main" xmlns="" id="{587F99AC-DCB9-4139-BC72-4316F6369602}"/>
+              </a:ext>
+            </a:extLst>
+          </p:cNvPr>
+          <p:cNvSpPr/>
+          <p:nvPr/>
+        </p:nvSpPr>
+        <p:spPr>
+          <a:xfrm flipV="1">
+            <a:off x="4451562" y="1873947"/>
+            <a:ext cx="1" cy="935859"/>
+          </a:xfrm>
+          <a:prstGeom prst="line">
+            <a:avLst/>
+          </a:prstGeom>
+          <a:ln w="25400">
+            <a:solidFill>
+              <a:srgbClr val="000000"/>
+            </a:solidFill>
+            <a:miter lim="400000"/>
+            <a:headEnd type="oval"/>
+            <a:tailEnd type="triangle"/>
+          </a:ln>
+        </p:spPr>
+        <p:txBody>
+          <a:bodyPr lIns="35719" tIns="35719" rIns="35719" bIns="35719" anchor="ctr"/>
+          <a:lstStyle/>
+          <a:p>
+            <a:pPr marL="0" marR="0" lvl="0" indent="0" algn="l" defTabSz="914400" rtl="0" eaLnBrk="1" fontAlgn="auto" latinLnBrk="0" hangingPunct="1">
+              <a:lnSpc>
+                <a:spcPct val="100000"/>
+              </a:lnSpc>
+              <a:spcBef>
+                <a:spcPts val="0"/>
+              </a:spcBef>
+              <a:spcAft>
+                <a:spcPts val="0"/>
+              </a:spcAft>
+              <a:buClrTx/>
+              <a:buSzTx/>
+              <a:buFontTx/>
+              <a:buNone/>
+              <a:tabLst/>
+              <a:defRPr sz="2400"/>
+            </a:pPr>
+            <a:endParaRPr kumimoji="0" sz="2400" b="0" i="0" u="none" strike="noStrike" kern="1200" cap="none" spc="0" normalizeH="0" baseline="0" noProof="0">
+              <a:ln>
+                <a:noFill/>
+              </a:ln>
+              <a:solidFill>
+                <a:prstClr val="black"/>
+              </a:solidFill>
+              <a:effectLst/>
+              <a:uLnTx/>
+              <a:uFillTx/>
+              <a:latin typeface="Calibri Light" panose="020F0302020204030204"/>
+              <a:ea typeface="+mn-ea"/>
+              <a:cs typeface="+mn-cs"/>
+            </a:endParaRPr>
+          </a:p>
+        </p:txBody>
+      </p:sp>
+      <p:sp>
+        <p:nvSpPr>
+          <p:cNvPr id="14" name="Line">
+            <a:extLst>
+              <a:ext uri="{FF2B5EF4-FFF2-40B4-BE49-F238E27FC236}">
+                <a16:creationId xmlns:a16="http://schemas.microsoft.com/office/drawing/2014/main" xmlns="" id="{F5789BAC-A4A7-41F3-B15E-A66F471D65A3}"/>
+              </a:ext>
+            </a:extLst>
+          </p:cNvPr>
+          <p:cNvSpPr/>
+          <p:nvPr/>
+        </p:nvSpPr>
+        <p:spPr>
+          <a:xfrm>
+            <a:off x="3266146" y="3899227"/>
+            <a:ext cx="1070742" cy="1"/>
+          </a:xfrm>
+          <a:prstGeom prst="line">
+            <a:avLst/>
+          </a:prstGeom>
+          <a:ln w="25400">
+            <a:solidFill>
+              <a:srgbClr val="000000"/>
+            </a:solidFill>
+            <a:miter lim="400000"/>
+            <a:headEnd type="oval"/>
+            <a:tailEnd type="triangle"/>
+          </a:ln>
+        </p:spPr>
+        <p:txBody>
+          <a:bodyPr lIns="35719" tIns="35719" rIns="35719" bIns="35719" anchor="ctr"/>
+          <a:lstStyle/>
+          <a:p>
+            <a:pPr marL="0" marR="0" lvl="0" indent="0" algn="l" defTabSz="914400" rtl="0" eaLnBrk="1" fontAlgn="auto" latinLnBrk="0" hangingPunct="1">
+              <a:lnSpc>
+                <a:spcPct val="100000"/>
+              </a:lnSpc>
+              <a:spcBef>
+                <a:spcPts val="0"/>
+              </a:spcBef>
+              <a:spcAft>
+                <a:spcPts val="0"/>
+              </a:spcAft>
+              <a:buClrTx/>
+              <a:buSzTx/>
+              <a:buFontTx/>
+              <a:buNone/>
+              <a:tabLst/>
+              <a:defRPr sz="2400"/>
+            </a:pPr>
+            <a:endParaRPr kumimoji="0" sz="2400" b="0" i="0" u="none" strike="noStrike" kern="1200" cap="none" spc="0" normalizeH="0" baseline="0" noProof="0">
+              <a:ln>
+                <a:noFill/>
+              </a:ln>
+              <a:solidFill>
+                <a:prstClr val="black"/>
+              </a:solidFill>
+              <a:effectLst/>
+              <a:uLnTx/>
+              <a:uFillTx/>
+              <a:latin typeface="Calibri Light" panose="020F0302020204030204"/>
+              <a:ea typeface="+mn-ea"/>
+              <a:cs typeface="+mn-cs"/>
+            </a:endParaRPr>
+          </a:p>
+        </p:txBody>
+      </p:sp>
+      <p:sp>
+        <p:nvSpPr>
+          <p:cNvPr id="15" name="Line">
+            <a:extLst>
+              <a:ext uri="{FF2B5EF4-FFF2-40B4-BE49-F238E27FC236}">
+                <a16:creationId xmlns:a16="http://schemas.microsoft.com/office/drawing/2014/main" xmlns="" id="{CCF7F079-294F-40E7-8105-0B2B11FCADE2}"/>
+              </a:ext>
+            </a:extLst>
+          </p:cNvPr>
+          <p:cNvSpPr/>
+          <p:nvPr/>
+        </p:nvSpPr>
+        <p:spPr>
+          <a:xfrm flipV="1">
+            <a:off x="3272844" y="2972299"/>
+            <a:ext cx="1" cy="935859"/>
+          </a:xfrm>
+          <a:prstGeom prst="line">
+            <a:avLst/>
+          </a:prstGeom>
+          <a:ln w="25400">
+            <a:solidFill>
+              <a:srgbClr val="000000"/>
+            </a:solidFill>
+            <a:miter lim="400000"/>
+            <a:headEnd type="oval"/>
+            <a:tailEnd type="triangle"/>
+          </a:ln>
+        </p:spPr>
+        <p:txBody>
+          <a:bodyPr lIns="35719" tIns="35719" rIns="35719" bIns="35719" anchor="ctr"/>
+          <a:lstStyle/>
+          <a:p>
+            <a:pPr marL="0" marR="0" lvl="0" indent="0" algn="l" defTabSz="914400" rtl="0" eaLnBrk="1" fontAlgn="auto" latinLnBrk="0" hangingPunct="1">
+              <a:lnSpc>
+                <a:spcPct val="100000"/>
+              </a:lnSpc>
+              <a:spcBef>
+                <a:spcPts val="0"/>
+              </a:spcBef>
+              <a:spcAft>
+                <a:spcPts val="0"/>
+              </a:spcAft>
+              <a:buClrTx/>
+              <a:buSzTx/>
+              <a:buFontTx/>
+              <a:buNone/>
+              <a:tabLst/>
+              <a:defRPr sz="2400"/>
+            </a:pPr>
+            <a:endParaRPr kumimoji="0" sz="2400" b="0" i="0" u="none" strike="noStrike" kern="1200" cap="none" spc="0" normalizeH="0" baseline="0" noProof="0">
+              <a:ln>
+                <a:noFill/>
+              </a:ln>
+              <a:solidFill>
+                <a:prstClr val="black"/>
+              </a:solidFill>
+              <a:effectLst/>
+              <a:uLnTx/>
+              <a:uFillTx/>
+              <a:latin typeface="Calibri Light" panose="020F0302020204030204"/>
+              <a:ea typeface="+mn-ea"/>
+              <a:cs typeface="+mn-cs"/>
+            </a:endParaRPr>
+          </a:p>
+        </p:txBody>
+      </p:sp>
+      <p:sp>
+        <p:nvSpPr>
+          <p:cNvPr id="16" name="camera coordinate system">
+            <a:extLst>
+              <a:ext uri="{FF2B5EF4-FFF2-40B4-BE49-F238E27FC236}">
+                <a16:creationId xmlns:a16="http://schemas.microsoft.com/office/drawing/2014/main" xmlns="" id="{8E7D8BCD-C9CC-47BF-BDF3-7BFB7378DC64}"/>
+              </a:ext>
+            </a:extLst>
+          </p:cNvPr>
+          <p:cNvSpPr txBox="1"/>
+          <p:nvPr/>
+        </p:nvSpPr>
+        <p:spPr>
+          <a:xfrm>
+            <a:off x="4099878" y="2809806"/>
+            <a:ext cx="2605722" cy="810799"/>
+          </a:xfrm>
+          <a:prstGeom prst="rect">
+            <a:avLst/>
+          </a:prstGeom>
+          <a:ln w="12700">
+            <a:miter lim="400000"/>
+          </a:ln>
+          <a:extLst>
+            <a:ext uri="{C572A759-6A51-4108-AA02-DFA0A04FC94B}">
+              <ma14:wrappingTextBoxFlag xmlns="" xmlns:ma14="http://schemas.microsoft.com/office/mac/drawingml/2011/main" val="1"/>
+            </a:ext>
+          </a:extLst>
+        </p:spPr>
+        <p:txBody>
+          <a:bodyPr wrap="square" lIns="35719" tIns="35719" rIns="35719" bIns="35719" anchor="ctr">
+            <a:spAutoFit/>
+          </a:bodyPr>
+          <a:lstStyle>
+            <a:lvl1pPr>
+              <a:defRPr sz="1800"/>
+            </a:lvl1pPr>
+          </a:lstStyle>
+          <a:p>
+            <a:pPr marL="0" marR="0" lvl="0" indent="0" algn="ctr" defTabSz="914400" rtl="0" eaLnBrk="1" fontAlgn="auto" latinLnBrk="0" hangingPunct="1">
+              <a:lnSpc>
+                <a:spcPct val="100000"/>
+              </a:lnSpc>
+              <a:spcBef>
+                <a:spcPts val="0"/>
+              </a:spcBef>
+              <a:spcAft>
+                <a:spcPts val="0"/>
+              </a:spcAft>
+              <a:buClrTx/>
+              <a:buSzTx/>
+              <a:buFontTx/>
+              <a:buNone/>
+              <a:tabLst/>
+              <a:defRPr/>
+            </a:pPr>
+            <a:r>
+              <a:rPr kumimoji="0" sz="2400" b="0" i="0" u="none" strike="noStrike" kern="1200" cap="none" spc="0" normalizeH="0" baseline="0" noProof="0" dirty="0">
+                <a:ln>
+                  <a:noFill/>
+                </a:ln>
+                <a:solidFill>
+                  <a:prstClr val="black"/>
+                </a:solidFill>
+                <a:effectLst/>
+                <a:uLnTx/>
+                <a:uFillTx/>
+                <a:latin typeface="Calibri Light" panose="020F0302020204030204"/>
+                <a:ea typeface="+mn-ea"/>
+                <a:cs typeface="+mn-cs"/>
+              </a:rPr>
+              <a:t>camera coordinate system</a:t>
+            </a:r>
+          </a:p>
+        </p:txBody>
+      </p:sp>
+      <p:sp>
+        <p:nvSpPr>
+          <p:cNvPr id="17" name="image coordinate system">
+            <a:extLst>
+              <a:ext uri="{FF2B5EF4-FFF2-40B4-BE49-F238E27FC236}">
+                <a16:creationId xmlns:a16="http://schemas.microsoft.com/office/drawing/2014/main" xmlns="" id="{B1C9475A-CB0A-4867-B710-686ED1934745}"/>
+              </a:ext>
+            </a:extLst>
+          </p:cNvPr>
+          <p:cNvSpPr txBox="1"/>
+          <p:nvPr/>
+        </p:nvSpPr>
+        <p:spPr>
+          <a:xfrm>
+            <a:off x="2042800" y="3923671"/>
+            <a:ext cx="2294088" cy="810799"/>
+          </a:xfrm>
+          <a:prstGeom prst="rect">
+            <a:avLst/>
+          </a:prstGeom>
+          <a:ln w="12700">
+            <a:miter lim="400000"/>
+          </a:ln>
+          <a:extLst>
+            <a:ext uri="{C572A759-6A51-4108-AA02-DFA0A04FC94B}">
+              <ma14:wrappingTextBoxFlag xmlns="" xmlns:ma14="http://schemas.microsoft.com/office/mac/drawingml/2011/main" val="1"/>
+            </a:ext>
+          </a:extLst>
+        </p:spPr>
+        <p:txBody>
+          <a:bodyPr wrap="square" lIns="35719" tIns="35719" rIns="35719" bIns="35719" anchor="ctr">
+            <a:spAutoFit/>
+          </a:bodyPr>
+          <a:lstStyle>
+            <a:lvl1pPr>
+              <a:defRPr sz="1800"/>
+            </a:lvl1pPr>
+          </a:lstStyle>
+          <a:p>
+            <a:pPr marL="0" marR="0" lvl="0" indent="0" algn="ctr" defTabSz="914400" rtl="0" eaLnBrk="1" fontAlgn="auto" latinLnBrk="0" hangingPunct="1">
+              <a:lnSpc>
+                <a:spcPct val="100000"/>
+              </a:lnSpc>
+              <a:spcBef>
+                <a:spcPts val="0"/>
+              </a:spcBef>
+              <a:spcAft>
+                <a:spcPts val="0"/>
+              </a:spcAft>
+              <a:buClrTx/>
+              <a:buSzTx/>
+              <a:buFontTx/>
+              <a:buNone/>
+              <a:tabLst/>
+              <a:defRPr/>
+            </a:pPr>
+            <a:r>
+              <a:rPr kumimoji="0" sz="2400" b="0" i="0" u="none" strike="noStrike" kern="1200" cap="none" spc="0" normalizeH="0" baseline="0" noProof="0" dirty="0">
+                <a:ln>
+                  <a:noFill/>
+                </a:ln>
+                <a:solidFill>
+                  <a:prstClr val="black"/>
+                </a:solidFill>
+                <a:effectLst/>
+                <a:uLnTx/>
+                <a:uFillTx/>
+                <a:latin typeface="Calibri Light" panose="020F0302020204030204"/>
+                <a:ea typeface="+mn-ea"/>
+                <a:cs typeface="+mn-cs"/>
+              </a:rPr>
+              <a:t>image coordinate system</a:t>
+            </a:r>
+          </a:p>
+        </p:txBody>
+      </p:sp>
+      <p:sp>
+        <p:nvSpPr>
+          <p:cNvPr id="18" name="CCD array">
+            <a:extLst>
+              <a:ext uri="{FF2B5EF4-FFF2-40B4-BE49-F238E27FC236}">
+                <a16:creationId xmlns:a16="http://schemas.microsoft.com/office/drawing/2014/main" xmlns="" id="{ED6D98F1-265E-4456-9603-250BCCF28542}"/>
+              </a:ext>
+            </a:extLst>
+          </p:cNvPr>
+          <p:cNvSpPr txBox="1"/>
+          <p:nvPr/>
+        </p:nvSpPr>
+        <p:spPr>
+          <a:xfrm>
+            <a:off x="3272843" y="1668299"/>
+            <a:ext cx="918157" cy="810799"/>
+          </a:xfrm>
+          <a:prstGeom prst="rect">
+            <a:avLst/>
+          </a:prstGeom>
+          <a:ln w="12700">
+            <a:miter lim="400000"/>
+          </a:ln>
+          <a:extLst>
+            <a:ext uri="{C572A759-6A51-4108-AA02-DFA0A04FC94B}">
+              <ma14:wrappingTextBoxFlag xmlns="" xmlns:ma14="http://schemas.microsoft.com/office/mac/drawingml/2011/main" val="1"/>
+            </a:ext>
+          </a:extLst>
+        </p:spPr>
+        <p:txBody>
+          <a:bodyPr wrap="square" lIns="35719" tIns="35719" rIns="35719" bIns="35719" anchor="ctr">
+            <a:spAutoFit/>
+          </a:bodyPr>
+          <a:lstStyle>
+            <a:lvl1pPr>
+              <a:defRPr sz="1800"/>
+            </a:lvl1pPr>
+          </a:lstStyle>
+          <a:p>
+            <a:pPr marL="0" marR="0" lvl="0" indent="0" algn="ctr" defTabSz="914400" rtl="0" eaLnBrk="1" fontAlgn="auto" latinLnBrk="0" hangingPunct="1">
+              <a:lnSpc>
+                <a:spcPct val="100000"/>
+              </a:lnSpc>
+              <a:spcBef>
+                <a:spcPts val="0"/>
+              </a:spcBef>
+              <a:spcAft>
+                <a:spcPts val="0"/>
+              </a:spcAft>
+              <a:buClrTx/>
+              <a:buSzTx/>
+              <a:buFontTx/>
+              <a:buNone/>
+              <a:tabLst/>
+              <a:defRPr/>
+            </a:pPr>
+            <a:r>
+              <a:rPr kumimoji="0" lang="en-US" sz="2400" b="0" i="0" u="none" strike="noStrike" kern="1200" cap="none" spc="0" normalizeH="0" baseline="0" noProof="0" dirty="0">
+                <a:ln>
+                  <a:noFill/>
+                </a:ln>
+                <a:solidFill>
+                  <a:prstClr val="black"/>
+                </a:solidFill>
+                <a:effectLst/>
+                <a:uLnTx/>
+                <a:uFillTx/>
+                <a:latin typeface="Calibri Light" panose="020F0302020204030204"/>
+                <a:ea typeface="+mn-ea"/>
+                <a:cs typeface="+mn-cs"/>
+              </a:rPr>
+              <a:t>image plane</a:t>
+            </a:r>
+            <a:endParaRPr kumimoji="0" sz="2400" b="0" i="0" u="none" strike="noStrike" kern="1200" cap="none" spc="0" normalizeH="0" baseline="0" noProof="0" dirty="0">
+              <a:ln>
+                <a:noFill/>
+              </a:ln>
+              <a:solidFill>
+                <a:prstClr val="black"/>
+              </a:solidFill>
+              <a:effectLst/>
+              <a:uLnTx/>
+              <a:uFillTx/>
+              <a:latin typeface="Calibri Light" panose="020F0302020204030204"/>
+              <a:ea typeface="+mn-ea"/>
+              <a:cs typeface="+mn-cs"/>
+            </a:endParaRPr>
+          </a:p>
+        </p:txBody>
+      </p:sp>
+      <p:sp>
+        <p:nvSpPr>
+          <p:cNvPr id="19" name="Line">
+            <a:extLst>
+              <a:ext uri="{FF2B5EF4-FFF2-40B4-BE49-F238E27FC236}">
+                <a16:creationId xmlns:a16="http://schemas.microsoft.com/office/drawing/2014/main" xmlns="" id="{F1572784-636B-407E-98E2-EC5144DFD233}"/>
+              </a:ext>
+            </a:extLst>
+          </p:cNvPr>
+          <p:cNvSpPr/>
+          <p:nvPr/>
+        </p:nvSpPr>
+        <p:spPr>
+          <a:xfrm flipH="1">
+            <a:off x="3340971" y="2842437"/>
+            <a:ext cx="1070345" cy="969849"/>
+          </a:xfrm>
+          <a:prstGeom prst="line">
+            <a:avLst/>
+          </a:prstGeom>
+          <a:ln w="12700">
+            <a:solidFill>
+              <a:srgbClr val="000000"/>
+            </a:solidFill>
+            <a:custDash>
+              <a:ds d="200000" sp="200000"/>
+            </a:custDash>
+            <a:miter lim="400000"/>
+            <a:tailEnd type="stealth"/>
+          </a:ln>
+        </p:spPr>
+        <p:txBody>
+          <a:bodyPr lIns="35719" tIns="35719" rIns="35719" bIns="35719" anchor="ctr"/>
+          <a:lstStyle/>
+          <a:p>
+            <a:pPr marL="0" marR="0" lvl="0" indent="0" algn="l" defTabSz="914400" rtl="0" eaLnBrk="1" fontAlgn="auto" latinLnBrk="0" hangingPunct="1">
+              <a:lnSpc>
+                <a:spcPct val="100000"/>
+              </a:lnSpc>
+              <a:spcBef>
+                <a:spcPts val="0"/>
+              </a:spcBef>
+              <a:spcAft>
+                <a:spcPts val="0"/>
+              </a:spcAft>
+              <a:buClrTx/>
+              <a:buSzTx/>
+              <a:buFontTx/>
+              <a:buNone/>
+              <a:tabLst/>
+              <a:defRPr sz="2400"/>
+            </a:pPr>
+            <a:endParaRPr kumimoji="0" sz="2400" b="0" i="0" u="none" strike="noStrike" kern="1200" cap="none" spc="0" normalizeH="0" baseline="0" noProof="0">
+              <a:ln>
+                <a:noFill/>
+              </a:ln>
+              <a:solidFill>
+                <a:prstClr val="black"/>
+              </a:solidFill>
+              <a:effectLst/>
+              <a:uLnTx/>
+              <a:uFillTx/>
+              <a:latin typeface="Calibri Light" panose="020F0302020204030204"/>
+              <a:ea typeface="+mn-ea"/>
+              <a:cs typeface="+mn-cs"/>
+            </a:endParaRPr>
+          </a:p>
+        </p:txBody>
+      </p:sp>
+      <p:pic>
+        <p:nvPicPr>
+          <p:cNvPr id="20" name="pasted-image.pdf" descr="pasted-image.pdf">
+            <a:extLst>
+              <a:ext uri="{FF2B5EF4-FFF2-40B4-BE49-F238E27FC236}">
+                <a16:creationId xmlns:a16="http://schemas.microsoft.com/office/drawing/2014/main" xmlns="" id="{FF15D042-0452-40DD-84A2-C3632B25CDBD}"/>
+              </a:ext>
+            </a:extLst>
+          </p:cNvPr>
+          <p:cNvPicPr>
+            <a:picLocks noChangeAspect="1"/>
+          </p:cNvPicPr>
+          <p:nvPr/>
+        </p:nvPicPr>
+        <p:blipFill>
+          <a:blip r:embed="rId2">
+            <a:extLst/>
+          </a:blip>
+          <a:stretch>
+            <a:fillRect/>
+          </a:stretch>
+        </p:blipFill>
+        <p:spPr>
+          <a:xfrm>
+            <a:off x="3800065" y="2992637"/>
+            <a:ext cx="154038" cy="214313"/>
+          </a:xfrm>
+          <a:prstGeom prst="rect">
+            <a:avLst/>
+          </a:prstGeom>
+          <a:ln w="12700">
+            <a:miter lim="400000"/>
+          </a:ln>
+        </p:spPr>
+      </p:pic>
+    </p:spTree>
+    <p:extLst>
+      <p:ext uri="{BB962C8B-B14F-4D97-AF65-F5344CB8AC3E}">
+        <p14:creationId xmlns:p14="http://schemas.microsoft.com/office/powerpoint/2010/main" val="3418778326"/>
+      </p:ext>
+    </p:extLst>
+  </p:cSld>
+  <p:clrMapOvr>
+    <a:masterClrMapping/>
+  </p:clrMapOvr>
+  <mc:AlternateContent xmlns:mc="http://schemas.openxmlformats.org/markup-compatibility/2006" xmlns:p14="http://schemas.microsoft.com/office/powerpoint/2010/main">
+    <mc:Choice Requires="p14">
+      <p:transition p14:dur="0"/>
+    </mc:Choice>
+    <mc:Fallback xmlns="">
+      <p:transition/>
+    </mc:Fallback>
+  </mc:AlternateContent>
+</p:sld>
+</file>
+
+<file path=ppt/slides/slide16.xml><?xml version="1.0" encoding="utf-8"?>
+<p:sld xmlns:a="http://schemas.openxmlformats.org/drawingml/2006/main" xmlns:r="http://schemas.openxmlformats.org/officeDocument/2006/relationships" xmlns:p="http://schemas.openxmlformats.org/presentationml/2006/main">
+  <p:cSld>
+    <p:spTree>
+      <p:nvGrpSpPr>
+        <p:cNvPr id="1" name=""/>
+        <p:cNvGrpSpPr/>
+        <p:nvPr/>
+      </p:nvGrpSpPr>
+      <p:grpSpPr>
+        <a:xfrm>
+          <a:off x="0" y="0"/>
+          <a:ext cx="0" cy="0"/>
+          <a:chOff x="0" y="0"/>
+          <a:chExt cx="0" cy="0"/>
+        </a:xfrm>
+      </p:grpSpPr>
+      <p:sp>
+        <p:nvSpPr>
+          <p:cNvPr id="667" name="Shape 667"/>
+          <p:cNvSpPr>
+            <a:spLocks noGrp="1"/>
+          </p:cNvSpPr>
+          <p:nvPr>
+            <p:ph type="title"/>
+          </p:nvPr>
+        </p:nvSpPr>
+        <p:spPr>
+          <a:xfrm>
+            <a:off x="0" y="1"/>
+            <a:ext cx="9144000" cy="1325563"/>
+          </a:xfrm>
+          <a:prstGeom prst="rect">
+            <a:avLst/>
+          </a:prstGeom>
+        </p:spPr>
+        <p:txBody>
+          <a:bodyPr/>
+          <a:lstStyle/>
+          <a:p>
+            <a:pPr algn="ctr"/>
+            <a:r>
+              <a:rPr lang="en-US" dirty="0"/>
+              <a:t>Generalizing the camera matrix</a:t>
+            </a:r>
+            <a:endParaRPr dirty="0"/>
+          </a:p>
+        </p:txBody>
+      </p:sp>
+      <p:sp>
+        <p:nvSpPr>
+          <p:cNvPr id="27" name="What does the pinhole camera projection look like?">
+            <a:extLst>
+              <a:ext uri="{FF2B5EF4-FFF2-40B4-BE49-F238E27FC236}">
+                <a16:creationId xmlns:a16="http://schemas.microsoft.com/office/drawing/2014/main" xmlns="" id="{84D51AAC-DB16-49A6-8EAA-88778406D7DA}"/>
+              </a:ext>
+            </a:extLst>
+          </p:cNvPr>
+          <p:cNvSpPr txBox="1"/>
+          <p:nvPr/>
+        </p:nvSpPr>
+        <p:spPr>
+          <a:xfrm>
+            <a:off x="884445" y="4394079"/>
+            <a:ext cx="4719498" cy="441468"/>
+          </a:xfrm>
+          <a:prstGeom prst="rect">
+            <a:avLst/>
+          </a:prstGeom>
+          <a:ln w="12700">
+            <a:miter lim="400000"/>
+          </a:ln>
+          <a:extLst>
+            <a:ext uri="{C572A759-6A51-4108-AA02-DFA0A04FC94B}">
+              <ma14:wrappingTextBoxFlag xmlns="" xmlns:ma14="http://schemas.microsoft.com/office/mac/drawingml/2011/main" val="1"/>
+            </a:ext>
+          </a:extLst>
+        </p:spPr>
+        <p:txBody>
+          <a:bodyPr wrap="none" lIns="35719" tIns="35719" rIns="35719" bIns="35719" anchor="ctr">
+            <a:spAutoFit/>
+          </a:bodyPr>
+          <a:lstStyle>
+            <a:lvl1pPr>
+              <a:defRPr i="1">
+                <a:solidFill>
+                  <a:schemeClr val="accent1"/>
+                </a:solidFill>
+                <a:latin typeface="Helvetica"/>
+                <a:ea typeface="Helvetica"/>
+                <a:cs typeface="Helvetica"/>
+                <a:sym typeface="Helvetica"/>
+              </a:defRPr>
+            </a:lvl1pPr>
+          </a:lstStyle>
+          <a:p>
+            <a:pPr marL="0" marR="0" lvl="0" indent="0" algn="l" defTabSz="914400" rtl="0" eaLnBrk="1" fontAlgn="auto" latinLnBrk="0" hangingPunct="1">
+              <a:lnSpc>
+                <a:spcPct val="100000"/>
+              </a:lnSpc>
+              <a:spcBef>
+                <a:spcPts val="0"/>
+              </a:spcBef>
+              <a:spcAft>
+                <a:spcPts val="0"/>
+              </a:spcAft>
+              <a:buClrTx/>
+              <a:buSzTx/>
+              <a:buFontTx/>
+              <a:buNone/>
+              <a:tabLst/>
+              <a:defRPr/>
+            </a:pPr>
+            <a:r>
+              <a:rPr kumimoji="0" lang="en-US" sz="2400" b="0" i="0" u="none" strike="noStrike" kern="1200" cap="none" spc="0" normalizeH="0" baseline="0" noProof="0" dirty="0">
+                <a:ln>
+                  <a:noFill/>
+                </a:ln>
+                <a:solidFill>
+                  <a:prstClr val="black"/>
+                </a:solidFill>
+                <a:effectLst/>
+                <a:uLnTx/>
+                <a:uFillTx/>
+                <a:latin typeface="Calibri Light" panose="020F0302020204030204"/>
+                <a:cs typeface="Helvetica"/>
+                <a:sym typeface="Helvetica"/>
+              </a:rPr>
+              <a:t>How does the camera matrix change?</a:t>
+            </a:r>
+            <a:endParaRPr kumimoji="0" sz="2400" b="0" i="0" u="none" strike="noStrike" kern="1200" cap="none" spc="0" normalizeH="0" baseline="0" noProof="0" dirty="0">
+              <a:ln>
+                <a:noFill/>
+              </a:ln>
+              <a:solidFill>
+                <a:prstClr val="black"/>
+              </a:solidFill>
+              <a:effectLst/>
+              <a:uLnTx/>
+              <a:uFillTx/>
+              <a:latin typeface="Calibri Light" panose="020F0302020204030204"/>
+              <a:cs typeface="Helvetica"/>
+              <a:sym typeface="Helvetica"/>
+            </a:endParaRPr>
+          </a:p>
+        </p:txBody>
+      </p:sp>
+      <p:sp>
+        <p:nvSpPr>
+          <p:cNvPr id="10" name="Rectangle">
+            <a:extLst>
+              <a:ext uri="{FF2B5EF4-FFF2-40B4-BE49-F238E27FC236}">
+                <a16:creationId xmlns:a16="http://schemas.microsoft.com/office/drawing/2014/main" xmlns="" id="{EF771DA6-7328-45EC-9A17-1A766F258E10}"/>
+              </a:ext>
+            </a:extLst>
+          </p:cNvPr>
+          <p:cNvSpPr/>
+          <p:nvPr/>
+        </p:nvSpPr>
+        <p:spPr>
+          <a:xfrm>
+            <a:off x="3272844" y="1688902"/>
+            <a:ext cx="2424410" cy="2206086"/>
+          </a:xfrm>
+          <a:prstGeom prst="rect">
+            <a:avLst/>
+          </a:prstGeom>
+          <a:solidFill>
+            <a:schemeClr val="accent4">
+              <a:hueOff val="384618"/>
+              <a:satOff val="3869"/>
+              <a:lumOff val="5802"/>
+            </a:schemeClr>
+          </a:solidFill>
+          <a:ln w="25400">
+            <a:solidFill>
+              <a:srgbClr val="85888D"/>
+            </a:solidFill>
+            <a:miter lim="400000"/>
+          </a:ln>
+        </p:spPr>
+        <p:txBody>
+          <a:bodyPr lIns="35719" tIns="35719" rIns="35719" bIns="35719" anchor="ctr"/>
+          <a:lstStyle/>
+          <a:p>
+            <a:pPr marL="0" marR="0" lvl="0" indent="0" algn="l" defTabSz="914400" rtl="0" eaLnBrk="1" fontAlgn="auto" latinLnBrk="0" hangingPunct="1">
+              <a:lnSpc>
+                <a:spcPct val="100000"/>
+              </a:lnSpc>
+              <a:spcBef>
+                <a:spcPts val="0"/>
+              </a:spcBef>
+              <a:spcAft>
+                <a:spcPts val="0"/>
+              </a:spcAft>
+              <a:buClrTx/>
+              <a:buSzTx/>
+              <a:buFontTx/>
+              <a:buNone/>
+              <a:tabLst/>
+              <a:defRPr sz="2400"/>
+            </a:pPr>
+            <a:endParaRPr kumimoji="0" sz="2400" b="0" i="0" u="none" strike="noStrike" kern="1200" cap="none" spc="0" normalizeH="0" baseline="0" noProof="0">
+              <a:ln>
+                <a:noFill/>
+              </a:ln>
+              <a:solidFill>
+                <a:prstClr val="black"/>
+              </a:solidFill>
+              <a:effectLst/>
+              <a:uLnTx/>
+              <a:uFillTx/>
+              <a:latin typeface="Calibri Light" panose="020F0302020204030204"/>
+              <a:ea typeface="+mn-ea"/>
+              <a:cs typeface="+mn-cs"/>
+            </a:endParaRPr>
+          </a:p>
+        </p:txBody>
+      </p:sp>
+      <p:sp>
+        <p:nvSpPr>
+          <p:cNvPr id="12" name="Line">
+            <a:extLst>
+              <a:ext uri="{FF2B5EF4-FFF2-40B4-BE49-F238E27FC236}">
+                <a16:creationId xmlns:a16="http://schemas.microsoft.com/office/drawing/2014/main" xmlns="" id="{E7E042AF-FB5A-4EE1-A300-E2E509BEC9CE}"/>
+              </a:ext>
+            </a:extLst>
+          </p:cNvPr>
+          <p:cNvSpPr/>
+          <p:nvPr/>
+        </p:nvSpPr>
+        <p:spPr>
+          <a:xfrm>
+            <a:off x="4444865" y="2800875"/>
+            <a:ext cx="1101723" cy="0"/>
+          </a:xfrm>
+          <a:prstGeom prst="line">
+            <a:avLst/>
+          </a:prstGeom>
+          <a:ln w="25400">
+            <a:solidFill>
+              <a:srgbClr val="000000"/>
+            </a:solidFill>
+            <a:miter lim="400000"/>
+            <a:headEnd type="oval"/>
+            <a:tailEnd type="triangle"/>
+          </a:ln>
+        </p:spPr>
+        <p:txBody>
+          <a:bodyPr lIns="35719" tIns="35719" rIns="35719" bIns="35719" anchor="ctr"/>
+          <a:lstStyle/>
+          <a:p>
+            <a:pPr marL="0" marR="0" lvl="0" indent="0" algn="l" defTabSz="914400" rtl="0" eaLnBrk="1" fontAlgn="auto" latinLnBrk="0" hangingPunct="1">
+              <a:lnSpc>
+                <a:spcPct val="100000"/>
+              </a:lnSpc>
+              <a:spcBef>
+                <a:spcPts val="0"/>
+              </a:spcBef>
+              <a:spcAft>
+                <a:spcPts val="0"/>
+              </a:spcAft>
+              <a:buClrTx/>
+              <a:buSzTx/>
+              <a:buFontTx/>
+              <a:buNone/>
+              <a:tabLst/>
+              <a:defRPr sz="2400"/>
+            </a:pPr>
+            <a:endParaRPr kumimoji="0" sz="2400" b="0" i="0" u="none" strike="noStrike" kern="1200" cap="none" spc="0" normalizeH="0" baseline="0" noProof="0">
+              <a:ln>
+                <a:noFill/>
+              </a:ln>
+              <a:solidFill>
+                <a:prstClr val="black"/>
+              </a:solidFill>
+              <a:effectLst/>
+              <a:uLnTx/>
+              <a:uFillTx/>
+              <a:latin typeface="Calibri Light" panose="020F0302020204030204"/>
+              <a:ea typeface="+mn-ea"/>
+              <a:cs typeface="+mn-cs"/>
+            </a:endParaRPr>
+          </a:p>
+        </p:txBody>
+      </p:sp>
+      <p:sp>
+        <p:nvSpPr>
+          <p:cNvPr id="13" name="Line">
+            <a:extLst>
+              <a:ext uri="{FF2B5EF4-FFF2-40B4-BE49-F238E27FC236}">
+                <a16:creationId xmlns:a16="http://schemas.microsoft.com/office/drawing/2014/main" xmlns="" id="{587F99AC-DCB9-4139-BC72-4316F6369602}"/>
+              </a:ext>
+            </a:extLst>
+          </p:cNvPr>
+          <p:cNvSpPr/>
+          <p:nvPr/>
+        </p:nvSpPr>
+        <p:spPr>
+          <a:xfrm flipV="1">
+            <a:off x="4451562" y="1873947"/>
+            <a:ext cx="1" cy="935859"/>
+          </a:xfrm>
+          <a:prstGeom prst="line">
+            <a:avLst/>
+          </a:prstGeom>
+          <a:ln w="25400">
+            <a:solidFill>
+              <a:srgbClr val="000000"/>
+            </a:solidFill>
+            <a:miter lim="400000"/>
+            <a:headEnd type="oval"/>
+            <a:tailEnd type="triangle"/>
+          </a:ln>
+        </p:spPr>
+        <p:txBody>
+          <a:bodyPr lIns="35719" tIns="35719" rIns="35719" bIns="35719" anchor="ctr"/>
+          <a:lstStyle/>
+          <a:p>
+            <a:pPr marL="0" marR="0" lvl="0" indent="0" algn="l" defTabSz="914400" rtl="0" eaLnBrk="1" fontAlgn="auto" latinLnBrk="0" hangingPunct="1">
+              <a:lnSpc>
+                <a:spcPct val="100000"/>
+              </a:lnSpc>
+              <a:spcBef>
+                <a:spcPts val="0"/>
+              </a:spcBef>
+              <a:spcAft>
+                <a:spcPts val="0"/>
+              </a:spcAft>
+              <a:buClrTx/>
+              <a:buSzTx/>
+              <a:buFontTx/>
+              <a:buNone/>
+              <a:tabLst/>
+              <a:defRPr sz="2400"/>
+            </a:pPr>
+            <a:endParaRPr kumimoji="0" sz="2400" b="0" i="0" u="none" strike="noStrike" kern="1200" cap="none" spc="0" normalizeH="0" baseline="0" noProof="0">
+              <a:ln>
+                <a:noFill/>
+              </a:ln>
+              <a:solidFill>
+                <a:prstClr val="black"/>
+              </a:solidFill>
+              <a:effectLst/>
+              <a:uLnTx/>
+              <a:uFillTx/>
+              <a:latin typeface="Calibri Light" panose="020F0302020204030204"/>
+              <a:ea typeface="+mn-ea"/>
+              <a:cs typeface="+mn-cs"/>
+            </a:endParaRPr>
+          </a:p>
+        </p:txBody>
+      </p:sp>
+      <p:sp>
+        <p:nvSpPr>
+          <p:cNvPr id="14" name="Line">
+            <a:extLst>
+              <a:ext uri="{FF2B5EF4-FFF2-40B4-BE49-F238E27FC236}">
+                <a16:creationId xmlns:a16="http://schemas.microsoft.com/office/drawing/2014/main" xmlns="" id="{F5789BAC-A4A7-41F3-B15E-A66F471D65A3}"/>
+              </a:ext>
+            </a:extLst>
+          </p:cNvPr>
+          <p:cNvSpPr/>
+          <p:nvPr/>
+        </p:nvSpPr>
+        <p:spPr>
+          <a:xfrm>
+            <a:off x="3266146" y="3899227"/>
+            <a:ext cx="1070742" cy="1"/>
+          </a:xfrm>
+          <a:prstGeom prst="line">
+            <a:avLst/>
+          </a:prstGeom>
+          <a:ln w="25400">
+            <a:solidFill>
+              <a:srgbClr val="000000"/>
+            </a:solidFill>
+            <a:miter lim="400000"/>
+            <a:headEnd type="oval"/>
+            <a:tailEnd type="triangle"/>
+          </a:ln>
+        </p:spPr>
+        <p:txBody>
+          <a:bodyPr lIns="35719" tIns="35719" rIns="35719" bIns="35719" anchor="ctr"/>
+          <a:lstStyle/>
+          <a:p>
+            <a:pPr marL="0" marR="0" lvl="0" indent="0" algn="l" defTabSz="914400" rtl="0" eaLnBrk="1" fontAlgn="auto" latinLnBrk="0" hangingPunct="1">
+              <a:lnSpc>
+                <a:spcPct val="100000"/>
+              </a:lnSpc>
+              <a:spcBef>
+                <a:spcPts val="0"/>
+              </a:spcBef>
+              <a:spcAft>
+                <a:spcPts val="0"/>
+              </a:spcAft>
+              <a:buClrTx/>
+              <a:buSzTx/>
+              <a:buFontTx/>
+              <a:buNone/>
+              <a:tabLst/>
+              <a:defRPr sz="2400"/>
+            </a:pPr>
+            <a:endParaRPr kumimoji="0" sz="2400" b="0" i="0" u="none" strike="noStrike" kern="1200" cap="none" spc="0" normalizeH="0" baseline="0" noProof="0">
+              <a:ln>
+                <a:noFill/>
+              </a:ln>
+              <a:solidFill>
+                <a:prstClr val="black"/>
+              </a:solidFill>
+              <a:effectLst/>
+              <a:uLnTx/>
+              <a:uFillTx/>
+              <a:latin typeface="Calibri Light" panose="020F0302020204030204"/>
+              <a:ea typeface="+mn-ea"/>
+              <a:cs typeface="+mn-cs"/>
+            </a:endParaRPr>
+          </a:p>
+        </p:txBody>
+      </p:sp>
+      <p:sp>
+        <p:nvSpPr>
+          <p:cNvPr id="15" name="Line">
+            <a:extLst>
+              <a:ext uri="{FF2B5EF4-FFF2-40B4-BE49-F238E27FC236}">
+                <a16:creationId xmlns:a16="http://schemas.microsoft.com/office/drawing/2014/main" xmlns="" id="{CCF7F079-294F-40E7-8105-0B2B11FCADE2}"/>
+              </a:ext>
+            </a:extLst>
+          </p:cNvPr>
+          <p:cNvSpPr/>
+          <p:nvPr/>
+        </p:nvSpPr>
+        <p:spPr>
+          <a:xfrm flipV="1">
+            <a:off x="3272844" y="2972299"/>
+            <a:ext cx="1" cy="935859"/>
+          </a:xfrm>
+          <a:prstGeom prst="line">
+            <a:avLst/>
+          </a:prstGeom>
+          <a:ln w="25400">
+            <a:solidFill>
+              <a:srgbClr val="000000"/>
+            </a:solidFill>
+            <a:miter lim="400000"/>
+            <a:headEnd type="oval"/>
+            <a:tailEnd type="triangle"/>
+          </a:ln>
+        </p:spPr>
+        <p:txBody>
+          <a:bodyPr lIns="35719" tIns="35719" rIns="35719" bIns="35719" anchor="ctr"/>
+          <a:lstStyle/>
+          <a:p>
+            <a:pPr marL="0" marR="0" lvl="0" indent="0" algn="l" defTabSz="914400" rtl="0" eaLnBrk="1" fontAlgn="auto" latinLnBrk="0" hangingPunct="1">
+              <a:lnSpc>
+                <a:spcPct val="100000"/>
+              </a:lnSpc>
+              <a:spcBef>
+                <a:spcPts val="0"/>
+              </a:spcBef>
+              <a:spcAft>
+                <a:spcPts val="0"/>
+              </a:spcAft>
+              <a:buClrTx/>
+              <a:buSzTx/>
+              <a:buFontTx/>
+              <a:buNone/>
+              <a:tabLst/>
+              <a:defRPr sz="2400"/>
+            </a:pPr>
+            <a:endParaRPr kumimoji="0" sz="2400" b="0" i="0" u="none" strike="noStrike" kern="1200" cap="none" spc="0" normalizeH="0" baseline="0" noProof="0">
+              <a:ln>
+                <a:noFill/>
+              </a:ln>
+              <a:solidFill>
+                <a:prstClr val="black"/>
+              </a:solidFill>
+              <a:effectLst/>
+              <a:uLnTx/>
+              <a:uFillTx/>
+              <a:latin typeface="Calibri Light" panose="020F0302020204030204"/>
+              <a:ea typeface="+mn-ea"/>
+              <a:cs typeface="+mn-cs"/>
+            </a:endParaRPr>
+          </a:p>
+        </p:txBody>
+      </p:sp>
+      <p:sp>
+        <p:nvSpPr>
+          <p:cNvPr id="16" name="camera coordinate system">
+            <a:extLst>
+              <a:ext uri="{FF2B5EF4-FFF2-40B4-BE49-F238E27FC236}">
+                <a16:creationId xmlns:a16="http://schemas.microsoft.com/office/drawing/2014/main" xmlns="" id="{8E7D8BCD-C9CC-47BF-BDF3-7BFB7378DC64}"/>
+              </a:ext>
+            </a:extLst>
+          </p:cNvPr>
+          <p:cNvSpPr txBox="1"/>
+          <p:nvPr/>
+        </p:nvSpPr>
+        <p:spPr>
+          <a:xfrm>
+            <a:off x="4401090" y="2616209"/>
+            <a:ext cx="2605722" cy="810799"/>
+          </a:xfrm>
+          <a:prstGeom prst="rect">
+            <a:avLst/>
+          </a:prstGeom>
+          <a:ln w="12700">
+            <a:miter lim="400000"/>
+          </a:ln>
+          <a:extLst>
+            <a:ext uri="{C572A759-6A51-4108-AA02-DFA0A04FC94B}">
+              <ma14:wrappingTextBoxFlag xmlns="" xmlns:ma14="http://schemas.microsoft.com/office/mac/drawingml/2011/main" val="1"/>
+            </a:ext>
+          </a:extLst>
+        </p:spPr>
+        <p:txBody>
+          <a:bodyPr wrap="square" lIns="35719" tIns="35719" rIns="35719" bIns="35719" anchor="ctr">
+            <a:spAutoFit/>
+          </a:bodyPr>
+          <a:lstStyle>
+            <a:lvl1pPr>
+              <a:defRPr sz="1800"/>
+            </a:lvl1pPr>
+          </a:lstStyle>
+          <a:p>
+            <a:pPr marL="0" marR="0" lvl="0" indent="0" algn="l" defTabSz="914400" rtl="0" eaLnBrk="1" fontAlgn="auto" latinLnBrk="0" hangingPunct="1">
+              <a:lnSpc>
+                <a:spcPct val="100000"/>
+              </a:lnSpc>
+              <a:spcBef>
+                <a:spcPts val="0"/>
+              </a:spcBef>
+              <a:spcAft>
+                <a:spcPts val="0"/>
+              </a:spcAft>
+              <a:buClrTx/>
+              <a:buSzTx/>
+              <a:buFontTx/>
+              <a:buNone/>
+              <a:tabLst/>
+              <a:defRPr/>
+            </a:pPr>
+            <a:r>
+              <a:rPr kumimoji="0" sz="2400" b="0" i="0" u="none" strike="noStrike" kern="1200" cap="none" spc="0" normalizeH="0" baseline="0" noProof="0" dirty="0">
+                <a:ln>
+                  <a:noFill/>
+                </a:ln>
+                <a:solidFill>
+                  <a:prstClr val="black"/>
+                </a:solidFill>
+                <a:effectLst/>
+                <a:uLnTx/>
+                <a:uFillTx/>
+                <a:latin typeface="Calibri Light" panose="020F0302020204030204"/>
+                <a:ea typeface="+mn-ea"/>
+                <a:cs typeface="+mn-cs"/>
+              </a:rPr>
+              <a:t>camera coordinate system</a:t>
+            </a:r>
+          </a:p>
+        </p:txBody>
+      </p:sp>
+      <p:sp>
+        <p:nvSpPr>
+          <p:cNvPr id="17" name="image coordinate system">
+            <a:extLst>
+              <a:ext uri="{FF2B5EF4-FFF2-40B4-BE49-F238E27FC236}">
+                <a16:creationId xmlns:a16="http://schemas.microsoft.com/office/drawing/2014/main" xmlns="" id="{B1C9475A-CB0A-4867-B710-686ED1934745}"/>
+              </a:ext>
+            </a:extLst>
+          </p:cNvPr>
+          <p:cNvSpPr txBox="1"/>
+          <p:nvPr/>
+        </p:nvSpPr>
+        <p:spPr>
+          <a:xfrm>
+            <a:off x="3253642" y="3870255"/>
+            <a:ext cx="3143169" cy="441468"/>
+          </a:xfrm>
+          <a:prstGeom prst="rect">
+            <a:avLst/>
+          </a:prstGeom>
+          <a:ln w="12700">
+            <a:miter lim="400000"/>
+          </a:ln>
+          <a:extLst>
+            <a:ext uri="{C572A759-6A51-4108-AA02-DFA0A04FC94B}">
+              <ma14:wrappingTextBoxFlag xmlns="" xmlns:ma14="http://schemas.microsoft.com/office/mac/drawingml/2011/main" val="1"/>
+            </a:ext>
+          </a:extLst>
+        </p:spPr>
+        <p:txBody>
+          <a:bodyPr wrap="none" lIns="35719" tIns="35719" rIns="35719" bIns="35719" anchor="ctr">
+            <a:spAutoFit/>
+          </a:bodyPr>
+          <a:lstStyle>
+            <a:lvl1pPr>
+              <a:defRPr sz="1800"/>
+            </a:lvl1pPr>
+          </a:lstStyle>
+          <a:p>
+            <a:pPr marL="0" marR="0" lvl="0" indent="0" algn="l" defTabSz="914400" rtl="0" eaLnBrk="1" fontAlgn="auto" latinLnBrk="0" hangingPunct="1">
+              <a:lnSpc>
+                <a:spcPct val="100000"/>
+              </a:lnSpc>
+              <a:spcBef>
+                <a:spcPts val="0"/>
+              </a:spcBef>
+              <a:spcAft>
+                <a:spcPts val="0"/>
+              </a:spcAft>
+              <a:buClrTx/>
+              <a:buSzTx/>
+              <a:buFontTx/>
+              <a:buNone/>
+              <a:tabLst/>
+              <a:defRPr/>
+            </a:pPr>
+            <a:r>
+              <a:rPr kumimoji="0" sz="2400" b="0" i="0" u="none" strike="noStrike" kern="1200" cap="none" spc="0" normalizeH="0" baseline="0" noProof="0">
+                <a:ln>
+                  <a:noFill/>
+                </a:ln>
+                <a:solidFill>
+                  <a:prstClr val="black"/>
+                </a:solidFill>
+                <a:effectLst/>
+                <a:uLnTx/>
+                <a:uFillTx/>
+                <a:latin typeface="Calibri Light" panose="020F0302020204030204"/>
+                <a:ea typeface="+mn-ea"/>
+                <a:cs typeface="+mn-cs"/>
+              </a:rPr>
+              <a:t>image coordinate system</a:t>
+            </a:r>
+          </a:p>
+        </p:txBody>
+      </p:sp>
+      <p:sp>
+        <p:nvSpPr>
+          <p:cNvPr id="18" name="CCD array">
+            <a:extLst>
+              <a:ext uri="{FF2B5EF4-FFF2-40B4-BE49-F238E27FC236}">
+                <a16:creationId xmlns:a16="http://schemas.microsoft.com/office/drawing/2014/main" xmlns="" id="{ED6D98F1-265E-4456-9603-250BCCF28542}"/>
+              </a:ext>
+            </a:extLst>
+          </p:cNvPr>
+          <p:cNvSpPr txBox="1"/>
+          <p:nvPr/>
+        </p:nvSpPr>
+        <p:spPr>
+          <a:xfrm>
+            <a:off x="3272843" y="1483633"/>
+            <a:ext cx="776643" cy="1180131"/>
+          </a:xfrm>
+          <a:prstGeom prst="rect">
+            <a:avLst/>
+          </a:prstGeom>
+          <a:ln w="12700">
+            <a:miter lim="400000"/>
+          </a:ln>
+          <a:extLst>
+            <a:ext uri="{C572A759-6A51-4108-AA02-DFA0A04FC94B}">
+              <ma14:wrappingTextBoxFlag xmlns="" xmlns:ma14="http://schemas.microsoft.com/office/mac/drawingml/2011/main" val="1"/>
+            </a:ext>
+          </a:extLst>
+        </p:spPr>
+        <p:txBody>
+          <a:bodyPr wrap="square" lIns="35719" tIns="35719" rIns="35719" bIns="35719" anchor="ctr">
+            <a:spAutoFit/>
+          </a:bodyPr>
+          <a:lstStyle>
+            <a:lvl1pPr>
+              <a:defRPr sz="1800"/>
+            </a:lvl1pPr>
+          </a:lstStyle>
+          <a:p>
+            <a:pPr marL="0" marR="0" lvl="0" indent="0" algn="ctr" defTabSz="914400" rtl="0" eaLnBrk="1" fontAlgn="auto" latinLnBrk="0" hangingPunct="1">
+              <a:lnSpc>
+                <a:spcPct val="100000"/>
+              </a:lnSpc>
+              <a:spcBef>
+                <a:spcPts val="0"/>
+              </a:spcBef>
+              <a:spcAft>
+                <a:spcPts val="0"/>
+              </a:spcAft>
+              <a:buClrTx/>
+              <a:buSzTx/>
+              <a:buFontTx/>
+              <a:buNone/>
+              <a:tabLst/>
+              <a:defRPr/>
+            </a:pPr>
+            <a:r>
+              <a:rPr kumimoji="0" lang="en-US" sz="2400" b="0" i="0" u="none" strike="noStrike" kern="1200" cap="none" spc="0" normalizeH="0" baseline="0" noProof="0" dirty="0">
+                <a:ln>
+                  <a:noFill/>
+                </a:ln>
+                <a:solidFill>
+                  <a:prstClr val="black"/>
+                </a:solidFill>
+                <a:effectLst/>
+                <a:uLnTx/>
+                <a:uFillTx/>
+                <a:latin typeface="Calibri Light" panose="020F0302020204030204"/>
+                <a:ea typeface="+mn-ea"/>
+                <a:cs typeface="+mn-cs"/>
+              </a:rPr>
+              <a:t>image plane</a:t>
+            </a:r>
+            <a:endParaRPr kumimoji="0" sz="2400" b="0" i="0" u="none" strike="noStrike" kern="1200" cap="none" spc="0" normalizeH="0" baseline="0" noProof="0" dirty="0">
+              <a:ln>
+                <a:noFill/>
+              </a:ln>
+              <a:solidFill>
+                <a:prstClr val="black"/>
+              </a:solidFill>
+              <a:effectLst/>
+              <a:uLnTx/>
+              <a:uFillTx/>
+              <a:latin typeface="Calibri Light" panose="020F0302020204030204"/>
+              <a:ea typeface="+mn-ea"/>
+              <a:cs typeface="+mn-cs"/>
+            </a:endParaRPr>
+          </a:p>
+        </p:txBody>
+      </p:sp>
+      <p:sp>
+        <p:nvSpPr>
+          <p:cNvPr id="19" name="Line">
+            <a:extLst>
+              <a:ext uri="{FF2B5EF4-FFF2-40B4-BE49-F238E27FC236}">
+                <a16:creationId xmlns:a16="http://schemas.microsoft.com/office/drawing/2014/main" xmlns="" id="{F1572784-636B-407E-98E2-EC5144DFD233}"/>
+              </a:ext>
+            </a:extLst>
+          </p:cNvPr>
+          <p:cNvSpPr/>
+          <p:nvPr/>
+        </p:nvSpPr>
+        <p:spPr>
+          <a:xfrm flipH="1">
+            <a:off x="3340971" y="2842437"/>
+            <a:ext cx="1070345" cy="969849"/>
+          </a:xfrm>
+          <a:prstGeom prst="line">
+            <a:avLst/>
+          </a:prstGeom>
+          <a:ln w="12700">
+            <a:solidFill>
+              <a:srgbClr val="000000"/>
+            </a:solidFill>
+            <a:custDash>
+              <a:ds d="200000" sp="200000"/>
+            </a:custDash>
+            <a:miter lim="400000"/>
+            <a:tailEnd type="stealth"/>
+          </a:ln>
+        </p:spPr>
+        <p:txBody>
+          <a:bodyPr lIns="35719" tIns="35719" rIns="35719" bIns="35719" anchor="ctr"/>
+          <a:lstStyle/>
+          <a:p>
+            <a:pPr marL="0" marR="0" lvl="0" indent="0" algn="l" defTabSz="914400" rtl="0" eaLnBrk="1" fontAlgn="auto" latinLnBrk="0" hangingPunct="1">
+              <a:lnSpc>
+                <a:spcPct val="100000"/>
+              </a:lnSpc>
+              <a:spcBef>
+                <a:spcPts val="0"/>
+              </a:spcBef>
+              <a:spcAft>
+                <a:spcPts val="0"/>
+              </a:spcAft>
+              <a:buClrTx/>
+              <a:buSzTx/>
+              <a:buFontTx/>
+              <a:buNone/>
+              <a:tabLst/>
+              <a:defRPr sz="2400"/>
+            </a:pPr>
+            <a:endParaRPr kumimoji="0" sz="2400" b="0" i="0" u="none" strike="noStrike" kern="1200" cap="none" spc="0" normalizeH="0" baseline="0" noProof="0">
+              <a:ln>
+                <a:noFill/>
+              </a:ln>
+              <a:solidFill>
+                <a:prstClr val="black"/>
+              </a:solidFill>
+              <a:effectLst/>
+              <a:uLnTx/>
+              <a:uFillTx/>
+              <a:latin typeface="Calibri Light" panose="020F0302020204030204"/>
+              <a:ea typeface="+mn-ea"/>
+              <a:cs typeface="+mn-cs"/>
+            </a:endParaRPr>
+          </a:p>
+        </p:txBody>
+      </p:sp>
+      <p:pic>
+        <p:nvPicPr>
+          <p:cNvPr id="20" name="pasted-image.pdf" descr="pasted-image.pdf">
+            <a:extLst>
+              <a:ext uri="{FF2B5EF4-FFF2-40B4-BE49-F238E27FC236}">
+                <a16:creationId xmlns:a16="http://schemas.microsoft.com/office/drawing/2014/main" xmlns="" id="{FF15D042-0452-40DD-84A2-C3632B25CDBD}"/>
+              </a:ext>
+            </a:extLst>
+          </p:cNvPr>
+          <p:cNvPicPr>
+            <a:picLocks noChangeAspect="1"/>
+          </p:cNvPicPr>
+          <p:nvPr/>
+        </p:nvPicPr>
+        <p:blipFill>
+          <a:blip r:embed="rId2">
+            <a:extLst/>
+          </a:blip>
+          <a:stretch>
+            <a:fillRect/>
+          </a:stretch>
+        </p:blipFill>
+        <p:spPr>
+          <a:xfrm>
+            <a:off x="3800065" y="2992637"/>
+            <a:ext cx="154038" cy="214313"/>
+          </a:xfrm>
+          <a:prstGeom prst="rect">
+            <a:avLst/>
+          </a:prstGeom>
+          <a:ln w="12700">
+            <a:miter lim="400000"/>
+          </a:ln>
+        </p:spPr>
+      </p:pic>
+      <p:pic>
+        <p:nvPicPr>
+          <p:cNvPr id="22" name="latex-image-21.pdf" descr="latex-image-21.pdf">
+            <a:extLst>
+              <a:ext uri="{FF2B5EF4-FFF2-40B4-BE49-F238E27FC236}">
+                <a16:creationId xmlns:a16="http://schemas.microsoft.com/office/drawing/2014/main" xmlns="" id="{F2810428-ADB3-4777-B0EF-05178584CF10}"/>
+              </a:ext>
+            </a:extLst>
+          </p:cNvPr>
+          <p:cNvPicPr>
+            <a:picLocks noChangeAspect="1"/>
+          </p:cNvPicPr>
+          <p:nvPr/>
+        </p:nvPicPr>
+        <p:blipFill>
+          <a:blip r:embed="rId3">
+            <a:extLst/>
+          </a:blip>
+          <a:stretch>
+            <a:fillRect/>
+          </a:stretch>
+        </p:blipFill>
+        <p:spPr>
+          <a:xfrm>
+            <a:off x="2977222" y="4941117"/>
+            <a:ext cx="3189556" cy="1570614"/>
+          </a:xfrm>
+          <a:prstGeom prst="rect">
+            <a:avLst/>
+          </a:prstGeom>
+          <a:ln w="12700">
+            <a:miter lim="400000"/>
+          </a:ln>
+        </p:spPr>
+      </p:pic>
+      <p:sp>
+        <p:nvSpPr>
+          <p:cNvPr id="21" name="Camera origin and image origin might be different">
+            <a:extLst>
+              <a:ext uri="{FF2B5EF4-FFF2-40B4-BE49-F238E27FC236}">
+                <a16:creationId xmlns:a16="http://schemas.microsoft.com/office/drawing/2014/main" xmlns="" id="{4350FE43-3CEF-4688-84DD-8099C87123FE}"/>
+              </a:ext>
+            </a:extLst>
+          </p:cNvPr>
+          <p:cNvSpPr txBox="1"/>
+          <p:nvPr/>
+        </p:nvSpPr>
+        <p:spPr>
+          <a:xfrm>
+            <a:off x="884445" y="1064239"/>
+            <a:ext cx="8154926" cy="441468"/>
+          </a:xfrm>
+          <a:prstGeom prst="rect">
+            <a:avLst/>
+          </a:prstGeom>
+          <a:ln w="12700">
+            <a:miter lim="400000"/>
+          </a:ln>
+          <a:extLst>
+            <a:ext uri="{C572A759-6A51-4108-AA02-DFA0A04FC94B}">
+              <ma14:wrappingTextBoxFlag xmlns="" xmlns:ma14="http://schemas.microsoft.com/office/mac/drawingml/2011/main" val="1"/>
+            </a:ext>
+          </a:extLst>
+        </p:spPr>
+        <p:txBody>
+          <a:bodyPr wrap="none" lIns="35719" tIns="35719" rIns="35719" bIns="35719" anchor="ctr">
+            <a:spAutoFit/>
+          </a:bodyPr>
+          <a:lstStyle/>
+          <a:p>
+            <a:pPr marL="0" marR="0" lvl="0" indent="0" algn="l" defTabSz="914400" rtl="0" eaLnBrk="1" fontAlgn="auto" latinLnBrk="0" hangingPunct="1">
+              <a:lnSpc>
+                <a:spcPct val="100000"/>
+              </a:lnSpc>
+              <a:spcBef>
+                <a:spcPts val="0"/>
+              </a:spcBef>
+              <a:spcAft>
+                <a:spcPts val="0"/>
+              </a:spcAft>
+              <a:buClrTx/>
+              <a:buSzTx/>
+              <a:buFontTx/>
+              <a:buNone/>
+              <a:tabLst/>
+              <a:defRPr/>
+            </a:pPr>
+            <a:r>
+              <a:rPr kumimoji="0" lang="en-US" sz="2400" b="0" i="0" u="none" strike="noStrike" kern="1200" cap="none" spc="0" normalizeH="0" baseline="0" noProof="0" dirty="0">
+                <a:ln>
+                  <a:noFill/>
+                </a:ln>
+                <a:solidFill>
+                  <a:prstClr val="black"/>
+                </a:solidFill>
+                <a:effectLst/>
+                <a:uLnTx/>
+                <a:uFillTx/>
+                <a:latin typeface="Calibri Light" panose="020F0302020204030204"/>
+                <a:ea typeface="+mn-ea"/>
+                <a:cs typeface="+mn-cs"/>
+              </a:rPr>
+              <a:t>In particular, the c</a:t>
+            </a:r>
+            <a:r>
+              <a:rPr kumimoji="0" sz="2400" b="0" i="0" u="none" strike="noStrike" kern="1200" cap="none" spc="0" normalizeH="0" baseline="0" noProof="0" dirty="0">
+                <a:ln>
+                  <a:noFill/>
+                </a:ln>
+                <a:solidFill>
+                  <a:prstClr val="black"/>
+                </a:solidFill>
+                <a:effectLst/>
+                <a:uLnTx/>
+                <a:uFillTx/>
+                <a:latin typeface="Calibri Light" panose="020F0302020204030204"/>
+                <a:ea typeface="+mn-ea"/>
+                <a:cs typeface="+mn-cs"/>
+              </a:rPr>
+              <a:t>amera origin and image origin </a:t>
+            </a:r>
+            <a:r>
+              <a:rPr kumimoji="0" lang="en-US" sz="2400" b="0" i="0" u="none" strike="noStrike" kern="1200" cap="none" spc="0" normalizeH="0" baseline="0" noProof="0" dirty="0">
+                <a:ln>
+                  <a:noFill/>
+                </a:ln>
+                <a:solidFill>
+                  <a:prstClr val="black"/>
+                </a:solidFill>
+                <a:effectLst/>
+                <a:uLnTx/>
+                <a:uFillTx/>
+                <a:latin typeface="Calibri Light" panose="020F0302020204030204"/>
+                <a:ea typeface="+mn-ea"/>
+                <a:cs typeface="+mn-cs"/>
+              </a:rPr>
+              <a:t>may</a:t>
+            </a:r>
+            <a:r>
+              <a:rPr kumimoji="0" sz="2400" b="0" i="0" u="none" strike="noStrike" kern="1200" cap="none" spc="0" normalizeH="0" baseline="0" noProof="0" dirty="0">
+                <a:ln>
+                  <a:noFill/>
+                </a:ln>
+                <a:solidFill>
+                  <a:prstClr val="black"/>
+                </a:solidFill>
+                <a:effectLst/>
+                <a:uLnTx/>
+                <a:uFillTx/>
+                <a:latin typeface="Calibri Light" panose="020F0302020204030204"/>
+                <a:ea typeface="+mn-ea"/>
+                <a:cs typeface="+mn-cs"/>
+              </a:rPr>
+              <a:t> be different</a:t>
+            </a:r>
+            <a:r>
+              <a:rPr kumimoji="0" lang="en-US" sz="2400" b="0" i="0" u="none" strike="noStrike" kern="1200" cap="none" spc="0" normalizeH="0" baseline="0" noProof="0" dirty="0">
+                <a:ln>
+                  <a:noFill/>
+                </a:ln>
+                <a:solidFill>
+                  <a:prstClr val="black"/>
+                </a:solidFill>
+                <a:effectLst/>
+                <a:uLnTx/>
+                <a:uFillTx/>
+                <a:latin typeface="Calibri Light" panose="020F0302020204030204"/>
+                <a:ea typeface="+mn-ea"/>
+                <a:cs typeface="+mn-cs"/>
+              </a:rPr>
+              <a:t>:</a:t>
+            </a:r>
+            <a:endParaRPr kumimoji="0" sz="2400" b="0" i="0" u="none" strike="noStrike" kern="1200" cap="none" spc="0" normalizeH="0" baseline="0" noProof="0" dirty="0">
+              <a:ln>
+                <a:noFill/>
+              </a:ln>
+              <a:solidFill>
+                <a:prstClr val="black"/>
+              </a:solidFill>
+              <a:effectLst/>
+              <a:uLnTx/>
+              <a:uFillTx/>
+              <a:latin typeface="Calibri Light" panose="020F0302020204030204"/>
+              <a:ea typeface="+mn-ea"/>
+              <a:cs typeface="+mn-cs"/>
+            </a:endParaRPr>
+          </a:p>
+        </p:txBody>
+      </p:sp>
+      <p:sp>
+        <p:nvSpPr>
+          <p:cNvPr id="23" name="We can decompose the camera matrix like this:">
+            <a:extLst>
+              <a:ext uri="{FF2B5EF4-FFF2-40B4-BE49-F238E27FC236}">
+                <a16:creationId xmlns:a16="http://schemas.microsoft.com/office/drawing/2014/main" xmlns="" id="{3F2FF6F9-4F3D-4A90-B30F-26AC889FB6EB}"/>
+              </a:ext>
+            </a:extLst>
+          </p:cNvPr>
+          <p:cNvSpPr txBox="1"/>
+          <p:nvPr/>
+        </p:nvSpPr>
+        <p:spPr>
+          <a:xfrm>
+            <a:off x="6596743" y="3540254"/>
+            <a:ext cx="1895156" cy="1918795"/>
+          </a:xfrm>
+          <a:prstGeom prst="rect">
+            <a:avLst/>
+          </a:prstGeom>
+          <a:ln w="12700">
+            <a:miter lim="400000"/>
+          </a:ln>
+          <a:extLst>
+            <a:ext uri="{C572A759-6A51-4108-AA02-DFA0A04FC94B}">
+              <ma14:wrappingTextBoxFlag xmlns="" xmlns:ma14="http://schemas.microsoft.com/office/mac/drawingml/2011/main" val="1"/>
+            </a:ext>
+          </a:extLst>
+        </p:spPr>
+        <p:txBody>
+          <a:bodyPr wrap="square" lIns="35719" tIns="35719" rIns="35719" bIns="35719" anchor="ctr">
+            <a:spAutoFit/>
+          </a:bodyPr>
+          <a:lstStyle>
+            <a:lvl1pPr>
+              <a:defRPr sz="2800"/>
+            </a:lvl1pPr>
+          </a:lstStyle>
+          <a:p>
+            <a:pPr marL="0" marR="0" lvl="0" indent="0" algn="ctr" defTabSz="914400" rtl="0" eaLnBrk="1" fontAlgn="auto" latinLnBrk="0" hangingPunct="1">
+              <a:lnSpc>
+                <a:spcPct val="100000"/>
+              </a:lnSpc>
+              <a:spcBef>
+                <a:spcPts val="0"/>
+              </a:spcBef>
+              <a:spcAft>
+                <a:spcPts val="0"/>
+              </a:spcAft>
+              <a:buClrTx/>
+              <a:buSzTx/>
+              <a:buFontTx/>
+              <a:buNone/>
+              <a:tabLst/>
+              <a:defRPr/>
+            </a:pPr>
+            <a:r>
+              <a:rPr kumimoji="0" lang="en-US" sz="2400" b="0" i="0" u="none" strike="noStrike" kern="1200" cap="none" spc="0" normalizeH="0" baseline="0" noProof="0" dirty="0">
+                <a:ln>
+                  <a:noFill/>
+                </a:ln>
+                <a:solidFill>
+                  <a:prstClr val="black"/>
+                </a:solidFill>
+                <a:effectLst/>
+                <a:uLnTx/>
+                <a:uFillTx/>
+                <a:latin typeface="Calibri Light" panose="020F0302020204030204"/>
+                <a:ea typeface="+mn-ea"/>
+                <a:cs typeface="+mn-cs"/>
+              </a:rPr>
+              <a:t>shift vector transforming camera origin to image origin</a:t>
+            </a:r>
+            <a:endParaRPr kumimoji="0" sz="2400" b="0" i="0" u="none" strike="noStrike" kern="1200" cap="none" spc="0" normalizeH="0" baseline="0" noProof="0" dirty="0">
+              <a:ln>
+                <a:noFill/>
+              </a:ln>
+              <a:solidFill>
+                <a:prstClr val="black"/>
+              </a:solidFill>
+              <a:effectLst/>
+              <a:uLnTx/>
+              <a:uFillTx/>
+              <a:latin typeface="Calibri Light" panose="020F0302020204030204"/>
+              <a:ea typeface="+mn-ea"/>
+              <a:cs typeface="+mn-cs"/>
+            </a:endParaRPr>
+          </a:p>
+        </p:txBody>
+      </p:sp>
+      <p:cxnSp>
+        <p:nvCxnSpPr>
+          <p:cNvPr id="24" name="Straight Arrow Connector 23">
+            <a:extLst>
+              <a:ext uri="{FF2B5EF4-FFF2-40B4-BE49-F238E27FC236}">
+                <a16:creationId xmlns:a16="http://schemas.microsoft.com/office/drawing/2014/main" xmlns="" id="{1D3ABE7F-8242-4B79-A669-77BE9B0C64F0}"/>
+              </a:ext>
+            </a:extLst>
+          </p:cNvPr>
+          <p:cNvCxnSpPr>
+            <a:cxnSpLocks/>
+          </p:cNvCxnSpPr>
+          <p:nvPr/>
+        </p:nvCxnSpPr>
+        <p:spPr>
+          <a:xfrm flipH="1">
+            <a:off x="5264332" y="4499652"/>
+            <a:ext cx="1332412" cy="379313"/>
+          </a:xfrm>
+          <a:prstGeom prst="straightConnector1">
+            <a:avLst/>
+          </a:prstGeom>
+          <a:ln w="38100">
+            <a:solidFill>
+              <a:schemeClr val="tx1"/>
+            </a:solidFill>
+            <a:tailEnd type="arrow"/>
+          </a:ln>
+        </p:spPr>
+        <p:style>
+          <a:lnRef idx="1">
+            <a:schemeClr val="accent1"/>
+          </a:lnRef>
+          <a:fillRef idx="0">
+            <a:schemeClr val="accent1"/>
+          </a:fillRef>
+          <a:effectRef idx="0">
+            <a:schemeClr val="accent1"/>
+          </a:effectRef>
+          <a:fontRef idx="minor">
+            <a:schemeClr val="tx1"/>
+          </a:fontRef>
+        </p:style>
+      </p:cxnSp>
+    </p:spTree>
+    <p:extLst>
+      <p:ext uri="{BB962C8B-B14F-4D97-AF65-F5344CB8AC3E}">
+        <p14:creationId xmlns:p14="http://schemas.microsoft.com/office/powerpoint/2010/main" val="1307636650"/>
+      </p:ext>
+    </p:extLst>
+  </p:cSld>
+  <p:clrMapOvr>
+    <a:masterClrMapping/>
+  </p:clrMapOvr>
+  <mc:AlternateContent xmlns:mc="http://schemas.openxmlformats.org/markup-compatibility/2006" xmlns:p14="http://schemas.microsoft.com/office/powerpoint/2010/main">
+    <mc:Choice Requires="p14">
+      <p:transition p14:dur="0"/>
+    </mc:Choice>
+    <mc:Fallback xmlns="">
+      <p:transition/>
+    </mc:Fallback>
+  </mc:AlternateContent>
+</p:sld>
+</file>
+
+<file path=ppt/slides/slide17.xml><?xml version="1.0" encoding="utf-8"?>
+<p:sld xmlns:a="http://schemas.openxmlformats.org/drawingml/2006/main" xmlns:r="http://schemas.openxmlformats.org/officeDocument/2006/relationships" xmlns:p="http://schemas.openxmlformats.org/presentationml/2006/main">
+  <p:cSld>
+    <p:spTree>
+      <p:nvGrpSpPr>
+        <p:cNvPr id="1" name=""/>
+        <p:cNvGrpSpPr/>
+        <p:nvPr/>
+      </p:nvGrpSpPr>
+      <p:grpSpPr>
+        <a:xfrm>
+          <a:off x="0" y="0"/>
+          <a:ext cx="0" cy="0"/>
+          <a:chOff x="0" y="0"/>
+          <a:chExt cx="0" cy="0"/>
+        </a:xfrm>
+      </p:grpSpPr>
+      <p:sp>
+        <p:nvSpPr>
+          <p:cNvPr id="2" name="Title 1"/>
+          <p:cNvSpPr>
+            <a:spLocks noGrp="1"/>
+          </p:cNvSpPr>
+          <p:nvPr>
+            <p:ph type="title"/>
+          </p:nvPr>
+        </p:nvSpPr>
+        <p:spPr/>
+        <p:txBody>
+          <a:bodyPr/>
+          <a:lstStyle/>
+          <a:p>
+            <a:endParaRPr lang="en-US"/>
+          </a:p>
+        </p:txBody>
+      </p:sp>
+      <p:sp>
+        <p:nvSpPr>
+          <p:cNvPr id="3" name="Text Placeholder 2"/>
+          <p:cNvSpPr>
+            <a:spLocks noGrp="1"/>
+          </p:cNvSpPr>
+          <p:nvPr>
+            <p:ph type="body" idx="1"/>
+          </p:nvPr>
+        </p:nvSpPr>
+        <p:spPr/>
+        <p:txBody>
+          <a:bodyPr/>
+          <a:lstStyle/>
+          <a:p>
+            <a:r>
+              <a:rPr lang="en-US" dirty="0">
+                <a:hlinkClick r:id="rId2"/>
+              </a:rPr>
+              <a:t>http://</a:t>
+            </a:r>
+            <a:r>
+              <a:rPr lang="en-US" dirty="0" smtClean="0">
+                <a:hlinkClick r:id="rId2"/>
+              </a:rPr>
+              <a:t>www.vision.caltech.edu/bouguetj/calib_doc/htmls/example.html</a:t>
+            </a:r>
+            <a:endParaRPr lang="en-US" dirty="0" smtClean="0"/>
+          </a:p>
+          <a:p>
+            <a:r>
+              <a:rPr lang="en-US" dirty="0">
+                <a:hlinkClick r:id="rId3"/>
+              </a:rPr>
+              <a:t>https://</a:t>
+            </a:r>
+            <a:r>
+              <a:rPr lang="en-US" dirty="0" smtClean="0">
+                <a:hlinkClick r:id="rId3"/>
+              </a:rPr>
+              <a:t>docs.opencv.org/2.4/doc/tutorials/calib3d/camera_calibration/camera_calibration.html</a:t>
+            </a:r>
+            <a:endParaRPr lang="en-US" dirty="0" smtClean="0"/>
+          </a:p>
+          <a:p>
+            <a:r>
+              <a:rPr lang="en-US" dirty="0">
+                <a:hlinkClick r:id="rId4"/>
+              </a:rPr>
+              <a:t>https://</a:t>
+            </a:r>
+            <a:r>
+              <a:rPr lang="en-US" dirty="0" smtClean="0">
+                <a:hlinkClick r:id="rId4"/>
+              </a:rPr>
+              <a:t>webcourse.cs.technion.ac.il/236873/Winter2017-2018/ho/WCFiles/Camera%20Calibration.pdf</a:t>
+            </a:r>
+            <a:endParaRPr lang="en-US" dirty="0" smtClean="0"/>
+          </a:p>
+          <a:p>
+            <a:r>
+              <a:rPr lang="en-US" dirty="0">
+                <a:hlinkClick r:id="rId5"/>
+              </a:rPr>
+              <a:t>http://ksimek.github.io/2012/08/13/introduction/</a:t>
+            </a:r>
+            <a:endParaRPr lang="en-US" dirty="0"/>
+          </a:p>
+        </p:txBody>
+      </p:sp>
+    </p:spTree>
+    <p:extLst>
+      <p:ext uri="{BB962C8B-B14F-4D97-AF65-F5344CB8AC3E}">
+        <p14:creationId xmlns:p14="http://schemas.microsoft.com/office/powerpoint/2010/main" val="929890202"/>
+      </p:ext>
+    </p:extLst>
+  </p:cSld>
+  <p:clrMapOvr>
+    <a:masterClrMapping/>
+  </p:clrMapOvr>
+  <p:transition spd="med"/>
+</p:sld>
+</file>
+
+<file path=ppt/slides/slide2.xml><?xml version="1.0" encoding="utf-8"?>
+<p:sld xmlns:a="http://schemas.openxmlformats.org/drawingml/2006/main" xmlns:r="http://schemas.openxmlformats.org/officeDocument/2006/relationships" xmlns:p="http://schemas.openxmlformats.org/presentationml/2006/main">
+  <p:cSld>
+    <p:spTree>
+      <p:nvGrpSpPr>
+        <p:cNvPr id="1" name=""/>
+        <p:cNvGrpSpPr/>
+        <p:nvPr/>
+      </p:nvGrpSpPr>
+      <p:grpSpPr>
+        <a:xfrm>
+          <a:off x="0" y="0"/>
+          <a:ext cx="0" cy="0"/>
+          <a:chOff x="0" y="0"/>
+          <a:chExt cx="0" cy="0"/>
+        </a:xfrm>
+      </p:grpSpPr>
+      <p:sp>
+        <p:nvSpPr>
+          <p:cNvPr id="2" name="Title 1"/>
+          <p:cNvSpPr>
+            <a:spLocks noGrp="1"/>
+          </p:cNvSpPr>
+          <p:nvPr>
+            <p:ph type="title"/>
+          </p:nvPr>
+        </p:nvSpPr>
+        <p:spPr/>
+        <p:txBody>
+          <a:bodyPr/>
+          <a:lstStyle/>
+          <a:p>
+            <a:r>
+              <a:rPr lang="en-US" dirty="0"/>
+              <a:t>References</a:t>
+            </a:r>
+          </a:p>
+        </p:txBody>
+      </p:sp>
+      <p:sp>
+        <p:nvSpPr>
+          <p:cNvPr id="3" name="Content Placeholder 2"/>
+          <p:cNvSpPr>
+            <a:spLocks noGrp="1"/>
+          </p:cNvSpPr>
+          <p:nvPr>
+            <p:ph idx="1"/>
+          </p:nvPr>
+        </p:nvSpPr>
+        <p:spPr/>
+        <p:txBody>
+          <a:bodyPr/>
+          <a:lstStyle/>
+          <a:p>
+            <a:r>
+              <a:rPr lang="en-US" dirty="0">
+                <a:hlinkClick r:id="rId2"/>
+              </a:rPr>
+              <a:t>http://szeliski.org/Book/</a:t>
+            </a:r>
+            <a:endParaRPr lang="en-US" dirty="0"/>
+          </a:p>
+          <a:p>
+            <a:r>
+              <a:rPr lang="en-US" dirty="0">
+                <a:hlinkClick r:id="rId3"/>
+              </a:rPr>
+              <a:t>http://www.cs.cornell.edu/courses/cs5670/2019sp/lectures/lectures.html</a:t>
+            </a:r>
+            <a:endParaRPr lang="en-US" dirty="0"/>
+          </a:p>
+          <a:p>
+            <a:r>
+              <a:rPr lang="en-US" dirty="0">
+                <a:hlinkClick r:id="rId4"/>
+              </a:rPr>
+              <a:t>http://www.cs.cmu.edu/~16385/</a:t>
+            </a:r>
+            <a:endParaRPr lang="en-US" dirty="0"/>
+          </a:p>
+        </p:txBody>
+      </p:sp>
+    </p:spTree>
+    <p:extLst>
+      <p:ext uri="{BB962C8B-B14F-4D97-AF65-F5344CB8AC3E}">
+        <p14:creationId xmlns:p14="http://schemas.microsoft.com/office/powerpoint/2010/main" val="786292865"/>
+      </p:ext>
+    </p:extLst>
+  </p:cSld>
+  <p:clrMapOvr>
+    <a:masterClrMapping/>
+  </p:clrMapOvr>
+</p:sld>
+</file>
+
+<file path=ppt/slides/slide3.xml><?xml version="1.0" encoding="utf-8"?>
+<p:sld xmlns:a="http://schemas.openxmlformats.org/drawingml/2006/main" xmlns:r="http://schemas.openxmlformats.org/officeDocument/2006/relationships" xmlns:p="http://schemas.openxmlformats.org/presentationml/2006/main">
+  <p:cSld>
+    <p:spTree>
+      <p:nvGrpSpPr>
+        <p:cNvPr id="1" name=""/>
+        <p:cNvGrpSpPr/>
+        <p:nvPr/>
+      </p:nvGrpSpPr>
+      <p:grpSpPr>
+        <a:xfrm>
+          <a:off x="0" y="0"/>
+          <a:ext cx="0" cy="0"/>
+          <a:chOff x="0" y="0"/>
+          <a:chExt cx="0" cy="0"/>
+        </a:xfrm>
+      </p:grpSpPr>
+      <p:sp>
+        <p:nvSpPr>
+          <p:cNvPr id="2" name="Title 1">
+            <a:extLst>
+              <a:ext uri="{FF2B5EF4-FFF2-40B4-BE49-F238E27FC236}">
+                <a16:creationId xmlns="" xmlns:a16="http://schemas.microsoft.com/office/drawing/2014/main" id="{9363781F-CC71-4E67-8BB3-360B1E695B18}"/>
+              </a:ext>
+            </a:extLst>
+          </p:cNvPr>
+          <p:cNvSpPr>
+            <a:spLocks noGrp="1"/>
+          </p:cNvSpPr>
+          <p:nvPr>
+            <p:ph type="title"/>
+          </p:nvPr>
+        </p:nvSpPr>
+        <p:spPr/>
+        <p:txBody>
+          <a:bodyPr/>
+          <a:lstStyle/>
+          <a:p>
+            <a:endParaRPr lang="en-US"/>
+          </a:p>
+        </p:txBody>
+      </p:sp>
+      <p:sp>
+        <p:nvSpPr>
+          <p:cNvPr id="3" name="Content Placeholder 2">
+            <a:extLst>
+              <a:ext uri="{FF2B5EF4-FFF2-40B4-BE49-F238E27FC236}">
+                <a16:creationId xmlns="" xmlns:a16="http://schemas.microsoft.com/office/drawing/2014/main" id="{B5EA0CAE-A067-4025-846B-8D11836FE5FC}"/>
+              </a:ext>
+            </a:extLst>
+          </p:cNvPr>
+          <p:cNvSpPr>
+            <a:spLocks noGrp="1"/>
+          </p:cNvSpPr>
+          <p:nvPr>
+            <p:ph idx="1"/>
+          </p:nvPr>
+        </p:nvSpPr>
+        <p:spPr/>
+        <p:txBody>
+          <a:bodyPr/>
+          <a:lstStyle/>
+          <a:p>
+            <a:r>
+              <a:rPr lang="en-US" dirty="0"/>
+              <a:t>Camera </a:t>
+            </a:r>
+            <a:r>
+              <a:rPr lang="en-US" dirty="0" err="1"/>
+              <a:t>intrinsics</a:t>
+            </a:r>
+            <a:endParaRPr lang="en-US" dirty="0"/>
+          </a:p>
+          <a:p>
+            <a:r>
+              <a:rPr lang="en-US" dirty="0"/>
+              <a:t>Camera </a:t>
+            </a:r>
+            <a:r>
+              <a:rPr lang="en-US" dirty="0" err="1"/>
+              <a:t>extinsics</a:t>
+            </a:r>
+            <a:endParaRPr lang="en-US" dirty="0"/>
+          </a:p>
+          <a:p>
+            <a:r>
+              <a:rPr lang="en-US" dirty="0"/>
+              <a:t>Radial distortion</a:t>
+            </a:r>
+          </a:p>
+          <a:p>
+            <a:endParaRPr lang="en-US" dirty="0"/>
+          </a:p>
+        </p:txBody>
+      </p:sp>
+    </p:spTree>
+    <p:extLst>
+      <p:ext uri="{BB962C8B-B14F-4D97-AF65-F5344CB8AC3E}">
+        <p14:creationId xmlns:p14="http://schemas.microsoft.com/office/powerpoint/2010/main" val="2114819052"/>
+      </p:ext>
+    </p:extLst>
+  </p:cSld>
+  <p:clrMapOvr>
+    <a:masterClrMapping/>
+  </p:clrMapOvr>
+</p:sld>
+</file>
+
+<file path=ppt/slides/slide4.xml><?xml version="1.0" encoding="utf-8"?>
+<p:sld xmlns:a="http://schemas.openxmlformats.org/drawingml/2006/main" xmlns:r="http://schemas.openxmlformats.org/officeDocument/2006/relationships" xmlns:p="http://schemas.openxmlformats.org/presentationml/2006/main">
+  <p:cSld>
+    <p:spTree>
+      <p:nvGrpSpPr>
+        <p:cNvPr id="1" name=""/>
+        <p:cNvGrpSpPr/>
+        <p:nvPr/>
+      </p:nvGrpSpPr>
+      <p:grpSpPr>
+        <a:xfrm>
+          <a:off x="0" y="0"/>
+          <a:ext cx="0" cy="0"/>
+          <a:chOff x="0" y="0"/>
+          <a:chExt cx="0" cy="0"/>
+        </a:xfrm>
+      </p:grpSpPr>
+      <p:sp>
+        <p:nvSpPr>
+          <p:cNvPr id="2" name="Title 1"/>
+          <p:cNvSpPr>
+            <a:spLocks noGrp="1"/>
+          </p:cNvSpPr>
+          <p:nvPr>
+            <p:ph type="title"/>
+          </p:nvPr>
+        </p:nvSpPr>
+        <p:spPr/>
+        <p:txBody>
+          <a:bodyPr/>
+          <a:lstStyle/>
+          <a:p>
+            <a:r>
+              <a:rPr lang="en-US" dirty="0" smtClean="0"/>
+              <a:t>What is camera calibration</a:t>
+            </a:r>
+            <a:endParaRPr lang="en-US" dirty="0"/>
+          </a:p>
+        </p:txBody>
+      </p:sp>
+      <p:sp>
+        <p:nvSpPr>
+          <p:cNvPr id="3" name="Content Placeholder 2"/>
+          <p:cNvSpPr>
+            <a:spLocks noGrp="1"/>
+          </p:cNvSpPr>
+          <p:nvPr>
+            <p:ph idx="1"/>
+          </p:nvPr>
+        </p:nvSpPr>
+        <p:spPr/>
+        <p:txBody>
+          <a:bodyPr>
+            <a:normAutofit lnSpcReduction="10000"/>
+          </a:bodyPr>
+          <a:lstStyle/>
+          <a:p>
+            <a:r>
+              <a:rPr lang="en-US" b="1" dirty="0" smtClean="0"/>
+              <a:t>Geometric </a:t>
+            </a:r>
+            <a:r>
+              <a:rPr lang="en-US" b="1" dirty="0"/>
+              <a:t>camera calibration</a:t>
+            </a:r>
+            <a:r>
+              <a:rPr lang="en-US" dirty="0"/>
+              <a:t>, also referred to as </a:t>
+            </a:r>
+            <a:r>
+              <a:rPr lang="en-US" b="1" dirty="0"/>
+              <a:t>camera </a:t>
+            </a:r>
+            <a:r>
+              <a:rPr lang="en-US" b="1" dirty="0" err="1"/>
+              <a:t>resectioning</a:t>
+            </a:r>
+            <a:r>
+              <a:rPr lang="en-US" dirty="0"/>
+              <a:t>, estimates the parameters of a </a:t>
+            </a:r>
+            <a:r>
+              <a:rPr lang="en-US" dirty="0" smtClean="0"/>
+              <a:t>lens, image sensor, position and view direction of a camera. </a:t>
+            </a:r>
+          </a:p>
+          <a:p>
+            <a:r>
+              <a:rPr lang="en-US" dirty="0" smtClean="0"/>
+              <a:t>You </a:t>
+            </a:r>
+            <a:r>
+              <a:rPr lang="en-US" dirty="0"/>
+              <a:t>can use these parameters to correct for lens distortion, measure the size of an object in world units, or determine the location of the camera in the scene. These tasks are used in applications such as machine vision to detect and measure objects. They are also used in robotics, for navigation systems, and 3-D scene reconstruction</a:t>
+            </a:r>
+            <a:r>
+              <a:rPr lang="en-US" dirty="0" smtClean="0"/>
+              <a:t>. </a:t>
+            </a:r>
+          </a:p>
+          <a:p>
+            <a:r>
+              <a:rPr lang="en-US" dirty="0" smtClean="0"/>
+              <a:t>[from: </a:t>
+            </a:r>
+            <a:r>
+              <a:rPr lang="en-US" dirty="0" smtClean="0">
+                <a:hlinkClick r:id="rId2"/>
+              </a:rPr>
+              <a:t>https</a:t>
+            </a:r>
+            <a:r>
+              <a:rPr lang="en-US" dirty="0">
+                <a:hlinkClick r:id="rId2"/>
+              </a:rPr>
+              <a:t>://</a:t>
+            </a:r>
+            <a:r>
+              <a:rPr lang="en-US" dirty="0" smtClean="0">
+                <a:hlinkClick r:id="rId2"/>
+              </a:rPr>
+              <a:t>www.mathworks.com/help/vision/ug/camera-calibration.html</a:t>
+            </a:r>
+            <a:r>
+              <a:rPr lang="en-US" dirty="0" smtClean="0"/>
+              <a:t>]</a:t>
+            </a:r>
+            <a:endParaRPr lang="en-US" dirty="0"/>
+          </a:p>
+        </p:txBody>
+      </p:sp>
+    </p:spTree>
+    <p:extLst>
+      <p:ext uri="{BB962C8B-B14F-4D97-AF65-F5344CB8AC3E}">
+        <p14:creationId xmlns:p14="http://schemas.microsoft.com/office/powerpoint/2010/main" val="1004253289"/>
+      </p:ext>
+    </p:extLst>
+  </p:cSld>
+  <p:clrMapOvr>
+    <a:masterClrMapping/>
+  </p:clrMapOvr>
+</p:sld>
+</file>
+
+<file path=ppt/slides/slide5.xml><?xml version="1.0" encoding="utf-8"?>
+<p:sld xmlns:a="http://schemas.openxmlformats.org/drawingml/2006/main" xmlns:r="http://schemas.openxmlformats.org/officeDocument/2006/relationships" xmlns:p="http://schemas.openxmlformats.org/presentationml/2006/main">
+  <p:cSld>
+    <p:spTree>
+      <p:nvGrpSpPr>
+        <p:cNvPr id="1" name=""/>
+        <p:cNvGrpSpPr/>
+        <p:nvPr/>
+      </p:nvGrpSpPr>
+      <p:grpSpPr>
+        <a:xfrm>
+          <a:off x="0" y="0"/>
+          <a:ext cx="0" cy="0"/>
+          <a:chOff x="0" y="0"/>
+          <a:chExt cx="0" cy="0"/>
+        </a:xfrm>
+      </p:grpSpPr>
+      <p:sp>
+        <p:nvSpPr>
+          <p:cNvPr id="2" name="Title 1"/>
+          <p:cNvSpPr>
+            <a:spLocks noGrp="1"/>
+          </p:cNvSpPr>
+          <p:nvPr>
+            <p:ph type="title"/>
+          </p:nvPr>
+        </p:nvSpPr>
+        <p:spPr/>
+        <p:txBody>
+          <a:bodyPr/>
+          <a:lstStyle/>
+          <a:p>
+            <a:r>
+              <a:rPr lang="en-US" dirty="0" smtClean="0"/>
+              <a:t>Starting from the end</a:t>
+            </a:r>
+            <a:endParaRPr lang="en-US" dirty="0"/>
+          </a:p>
+        </p:txBody>
+      </p:sp>
+      <p:sp>
+        <p:nvSpPr>
+          <p:cNvPr id="3" name="Content Placeholder 2"/>
+          <p:cNvSpPr>
+            <a:spLocks noGrp="1"/>
+          </p:cNvSpPr>
+          <p:nvPr>
+            <p:ph idx="1"/>
+          </p:nvPr>
+        </p:nvSpPr>
+        <p:spPr/>
+        <p:txBody>
+          <a:bodyPr/>
+          <a:lstStyle/>
+          <a:p>
+            <a:r>
+              <a:rPr lang="en-US" dirty="0" smtClean="0"/>
+              <a:t>The camera matrix is a full transformation from 3D objects in the scene to a 2D image with the specific camera parameters:</a:t>
+            </a:r>
+          </a:p>
+          <a:p>
+            <a:endParaRPr lang="en-US" dirty="0"/>
+          </a:p>
+          <a:p>
+            <a:endParaRPr lang="en-US" dirty="0" smtClean="0"/>
+          </a:p>
+          <a:p>
+            <a:endParaRPr lang="en-US" dirty="0"/>
+          </a:p>
+          <a:p>
+            <a:endParaRPr lang="en-US" dirty="0" smtClean="0"/>
+          </a:p>
+          <a:p>
+            <a:endParaRPr lang="en-US" dirty="0"/>
+          </a:p>
+          <a:p>
+            <a:endParaRPr lang="en-US" dirty="0" smtClean="0"/>
+          </a:p>
+          <a:p>
+            <a:r>
+              <a:rPr lang="en-US" dirty="0"/>
+              <a:t>How many DOFs are we looking for?</a:t>
+            </a:r>
+          </a:p>
+          <a:p>
+            <a:endParaRPr lang="en-US" dirty="0"/>
+          </a:p>
+        </p:txBody>
+      </p:sp>
+      <p:pic>
+        <p:nvPicPr>
+          <p:cNvPr id="1026" name="Picture 2" descr="https://latex.codecogs.com/gif.latex?%5Cdpi%7B300%7D%20%5C%5C%20P%20%3D%20%5Cbegin%7Bbmatrix%7Da_%7B11%7D%20%26%20a_%7B12%7D%26a_%7B13%7D%26a_%7B14%7D%20%5C%5C%20a_%7B21%7D%26a_%7B22%7D%20%26a_%7B23%7D%26a_%7B24%7D%20%5C%5Ca_%7B31%7D%26a_%7B32%7D%26a_%7B33%7D%26a_%7B34%7D%20%5Cend%7Bbmatrix%7D%20%5C%5C%20P%20%5Cbegin%7Bbmatrix%7Dx%20%5C%5C%20y%20%5C%5Cz%20%5C%5C1%20%5Cend%7Bbmatrix%7D%20%3D%20%5Cbegin%7Bbmatrix%7Du%20%5C%5C%20v%20%5C%5Cw%20%5Cend%7Bbmatrix%7D%20%5Cmapsto%20%5Cbegin%7Bbmatrix%7D%5Cfrac%7Bu%7D%7Bw%7D%20%5C%5C%20%5Cfrac%7Bv%7D%7Bw%7D%20%5Cend%7Bbmatrix%7D"/>
+          <p:cNvPicPr>
+            <a:picLocks noChangeAspect="1" noChangeArrowheads="1"/>
+          </p:cNvPicPr>
+          <p:nvPr/>
+        </p:nvPicPr>
+        <p:blipFill>
+          <a:blip r:embed="rId3">
+            <a:extLst>
+              <a:ext uri="{28A0092B-C50C-407E-A947-70E740481C1C}">
+                <a14:useLocalDpi xmlns:a14="http://schemas.microsoft.com/office/drawing/2010/main" val="0"/>
+              </a:ext>
+            </a:extLst>
+          </a:blip>
+          <a:srcRect/>
+          <a:stretch>
+            <a:fillRect/>
+          </a:stretch>
+        </p:blipFill>
+        <p:spPr bwMode="auto">
+          <a:xfrm>
+            <a:off x="2816525" y="2209801"/>
+            <a:ext cx="3510950" cy="2819400"/>
+          </a:xfrm>
+          <a:prstGeom prst="rect">
+            <a:avLst/>
+          </a:prstGeom>
+          <a:noFill/>
+          <a:extLst>
+            <a:ext uri="{909E8E84-426E-40DD-AFC4-6F175D3DCCD1}">
+              <a14:hiddenFill xmlns:a14="http://schemas.microsoft.com/office/drawing/2010/main">
+                <a:solidFill>
+                  <a:srgbClr val="FFFFFF"/>
+                </a:solidFill>
+              </a14:hiddenFill>
+            </a:ext>
+          </a:extLst>
+        </p:spPr>
+      </p:pic>
+    </p:spTree>
+    <p:extLst>
+      <p:ext uri="{BB962C8B-B14F-4D97-AF65-F5344CB8AC3E}">
+        <p14:creationId xmlns:p14="http://schemas.microsoft.com/office/powerpoint/2010/main" val="2247255122"/>
+      </p:ext>
+    </p:extLst>
+  </p:cSld>
+  <p:clrMapOvr>
+    <a:masterClrMapping/>
+  </p:clrMapOvr>
+</p:sld>
+</file>
+
+<file path=ppt/slides/slide6.xml><?xml version="1.0" encoding="utf-8"?>
+<p:sld xmlns:a="http://schemas.openxmlformats.org/drawingml/2006/main" xmlns:r="http://schemas.openxmlformats.org/officeDocument/2006/relationships" xmlns:p="http://schemas.openxmlformats.org/presentationml/2006/main">
+  <p:cSld>
+    <p:spTree>
+      <p:nvGrpSpPr>
+        <p:cNvPr id="1" name=""/>
+        <p:cNvGrpSpPr/>
+        <p:nvPr/>
+      </p:nvGrpSpPr>
+      <p:grpSpPr>
+        <a:xfrm>
+          <a:off x="0" y="0"/>
+          <a:ext cx="0" cy="0"/>
+          <a:chOff x="0" y="0"/>
+          <a:chExt cx="0" cy="0"/>
+        </a:xfrm>
+      </p:grpSpPr>
+      <p:sp>
+        <p:nvSpPr>
+          <p:cNvPr id="2" name="Title 1"/>
+          <p:cNvSpPr>
+            <a:spLocks noGrp="1"/>
+          </p:cNvSpPr>
+          <p:nvPr>
+            <p:ph type="title"/>
+          </p:nvPr>
+        </p:nvSpPr>
+        <p:spPr/>
+        <p:txBody>
+          <a:bodyPr/>
+          <a:lstStyle/>
+          <a:p>
+            <a:r>
+              <a:rPr lang="en-US" dirty="0" smtClean="0"/>
+              <a:t>Starting from the end</a:t>
+            </a:r>
+            <a:endParaRPr lang="en-US" dirty="0"/>
+          </a:p>
+        </p:txBody>
+      </p:sp>
+      <p:sp>
+        <p:nvSpPr>
+          <p:cNvPr id="3" name="Content Placeholder 2"/>
+          <p:cNvSpPr>
+            <a:spLocks noGrp="1"/>
+          </p:cNvSpPr>
+          <p:nvPr>
+            <p:ph idx="1"/>
+          </p:nvPr>
+        </p:nvSpPr>
+        <p:spPr>
+          <a:xfrm>
+            <a:off x="152400" y="762000"/>
+            <a:ext cx="8839200" cy="6096000"/>
+          </a:xfrm>
+        </p:spPr>
+        <p:txBody>
+          <a:bodyPr>
+            <a:normAutofit/>
+          </a:bodyPr>
+          <a:lstStyle/>
+          <a:p>
+            <a:r>
+              <a:rPr lang="en-US" dirty="0" smtClean="0"/>
+              <a:t>The camera matrix is a full transformation from 3D objects in the scene to a 2D image with the specific camera parameters:</a:t>
+            </a:r>
+          </a:p>
+          <a:p>
+            <a:endParaRPr lang="en-US" dirty="0"/>
+          </a:p>
+          <a:p>
+            <a:endParaRPr lang="en-US" dirty="0" smtClean="0"/>
+          </a:p>
+          <a:p>
+            <a:endParaRPr lang="en-US" dirty="0"/>
+          </a:p>
+          <a:p>
+            <a:endParaRPr lang="en-US" dirty="0" smtClean="0"/>
+          </a:p>
+          <a:p>
+            <a:endParaRPr lang="en-US" dirty="0"/>
+          </a:p>
+          <a:p>
+            <a:endParaRPr lang="en-US" dirty="0" smtClean="0"/>
+          </a:p>
+          <a:p>
+            <a:r>
+              <a:rPr lang="en-US" dirty="0" smtClean="0"/>
+              <a:t>How many DOFs are we looking for?</a:t>
+            </a:r>
+          </a:p>
+          <a:p>
+            <a:pPr lvl="1"/>
+            <a:r>
+              <a:rPr lang="en-US" dirty="0" smtClean="0"/>
+              <a:t>11, because in homogenous coordinates the answer is always correct up to a scale.</a:t>
+            </a:r>
+          </a:p>
+          <a:p>
+            <a:endParaRPr lang="en-US" dirty="0"/>
+          </a:p>
+        </p:txBody>
+      </p:sp>
+      <p:pic>
+        <p:nvPicPr>
+          <p:cNvPr id="1026" name="Picture 2" descr="https://latex.codecogs.com/gif.latex?%5Cdpi%7B300%7D%20%5C%5C%20P%20%3D%20%5Cbegin%7Bbmatrix%7Da_%7B11%7D%20%26%20a_%7B12%7D%26a_%7B13%7D%26a_%7B14%7D%20%5C%5C%20a_%7B21%7D%26a_%7B22%7D%20%26a_%7B23%7D%26a_%7B24%7D%20%5C%5Ca_%7B31%7D%26a_%7B32%7D%26a_%7B33%7D%26a_%7B34%7D%20%5Cend%7Bbmatrix%7D%20%5C%5C%20P%20%5Cbegin%7Bbmatrix%7Dx%20%5C%5C%20y%20%5C%5Cz%20%5C%5C1%20%5Cend%7Bbmatrix%7D%20%3D%20%5Cbegin%7Bbmatrix%7Du%20%5C%5C%20v%20%5C%5Cw%20%5Cend%7Bbmatrix%7D%20%5Cmapsto%20%5Cbegin%7Bbmatrix%7D%5Cfrac%7Bu%7D%7Bw%7D%20%5C%5C%20%5Cfrac%7Bv%7D%7Bw%7D%20%5Cend%7Bbmatrix%7D"/>
+          <p:cNvPicPr>
+            <a:picLocks noChangeAspect="1" noChangeArrowheads="1"/>
+          </p:cNvPicPr>
+          <p:nvPr/>
+        </p:nvPicPr>
+        <p:blipFill>
+          <a:blip r:embed="rId3">
+            <a:extLst>
+              <a:ext uri="{28A0092B-C50C-407E-A947-70E740481C1C}">
+                <a14:useLocalDpi xmlns:a14="http://schemas.microsoft.com/office/drawing/2010/main" val="0"/>
+              </a:ext>
+            </a:extLst>
+          </a:blip>
+          <a:srcRect/>
+          <a:stretch>
+            <a:fillRect/>
+          </a:stretch>
+        </p:blipFill>
+        <p:spPr bwMode="auto">
+          <a:xfrm>
+            <a:off x="2816525" y="2209801"/>
+            <a:ext cx="3510950" cy="2819400"/>
+          </a:xfrm>
+          <a:prstGeom prst="rect">
+            <a:avLst/>
+          </a:prstGeom>
+          <a:noFill/>
+          <a:extLst>
+            <a:ext uri="{909E8E84-426E-40DD-AFC4-6F175D3DCCD1}">
+              <a14:hiddenFill xmlns:a14="http://schemas.microsoft.com/office/drawing/2010/main">
+                <a:solidFill>
+                  <a:srgbClr val="FFFFFF"/>
+                </a:solidFill>
+              </a14:hiddenFill>
+            </a:ext>
+          </a:extLst>
+        </p:spPr>
+      </p:pic>
+    </p:spTree>
+    <p:extLst>
+      <p:ext uri="{BB962C8B-B14F-4D97-AF65-F5344CB8AC3E}">
+        <p14:creationId xmlns:p14="http://schemas.microsoft.com/office/powerpoint/2010/main" val="594215365"/>
+      </p:ext>
+    </p:extLst>
+  </p:cSld>
+  <p:clrMapOvr>
+    <a:masterClrMapping/>
+  </p:clrMapOvr>
+</p:sld>
+</file>
+
+<file path=ppt/slides/slide7.xml><?xml version="1.0" encoding="utf-8"?>
+<p:sld xmlns:a="http://schemas.openxmlformats.org/drawingml/2006/main" xmlns:r="http://schemas.openxmlformats.org/officeDocument/2006/relationships" xmlns:p="http://schemas.openxmlformats.org/presentationml/2006/main">
+  <p:cSld>
+    <p:spTree>
+      <p:nvGrpSpPr>
+        <p:cNvPr id="1" name=""/>
+        <p:cNvGrpSpPr/>
+        <p:nvPr/>
+      </p:nvGrpSpPr>
+      <p:grpSpPr>
+        <a:xfrm>
+          <a:off x="0" y="0"/>
+          <a:ext cx="0" cy="0"/>
+          <a:chOff x="0" y="0"/>
+          <a:chExt cx="0" cy="0"/>
+        </a:xfrm>
+      </p:grpSpPr>
+      <p:sp>
+        <p:nvSpPr>
+          <p:cNvPr id="2" name="Title 1"/>
+          <p:cNvSpPr>
+            <a:spLocks noGrp="1"/>
+          </p:cNvSpPr>
+          <p:nvPr>
+            <p:ph type="title"/>
+          </p:nvPr>
+        </p:nvSpPr>
+        <p:spPr/>
+        <p:txBody>
+          <a:bodyPr/>
+          <a:lstStyle/>
+          <a:p>
+            <a:r>
+              <a:rPr lang="en-US" dirty="0"/>
+              <a:t>Starting from the end</a:t>
+            </a:r>
+          </a:p>
+        </p:txBody>
+      </p:sp>
+      <p:sp>
+        <p:nvSpPr>
+          <p:cNvPr id="3" name="Content Placeholder 2"/>
+          <p:cNvSpPr>
+            <a:spLocks noGrp="1"/>
+          </p:cNvSpPr>
+          <p:nvPr>
+            <p:ph idx="1"/>
+          </p:nvPr>
+        </p:nvSpPr>
+        <p:spPr/>
+        <p:txBody>
+          <a:bodyPr/>
+          <a:lstStyle/>
+          <a:p>
+            <a:endParaRPr lang="en-US" dirty="0"/>
+          </a:p>
+        </p:txBody>
+      </p:sp>
+      <p:pic>
+        <p:nvPicPr>
+          <p:cNvPr id="3076" name="Picture 4" descr="https://latex.codecogs.com/gif.latex?%5Cdpi%7B300%7D%20P_%7B3X4%7D%20%3D%20K_%7B3X3%7D%5BI%7C0%5D_%7B3X4%7D%5CPi_%7B4X4%7D"/>
+          <p:cNvPicPr>
+            <a:picLocks noChangeAspect="1" noChangeArrowheads="1"/>
+          </p:cNvPicPr>
+          <p:nvPr/>
+        </p:nvPicPr>
+        <p:blipFill>
+          <a:blip r:embed="rId3">
+            <a:extLst>
+              <a:ext uri="{28A0092B-C50C-407E-A947-70E740481C1C}">
+                <a14:useLocalDpi xmlns:a14="http://schemas.microsoft.com/office/drawing/2010/main" val="0"/>
+              </a:ext>
+            </a:extLst>
+          </a:blip>
+          <a:srcRect/>
+          <a:stretch>
+            <a:fillRect/>
+          </a:stretch>
+        </p:blipFill>
+        <p:spPr bwMode="auto">
+          <a:xfrm>
+            <a:off x="2014537" y="2952750"/>
+            <a:ext cx="5114925" cy="476250"/>
+          </a:xfrm>
+          <a:prstGeom prst="rect">
+            <a:avLst/>
+          </a:prstGeom>
+          <a:noFill/>
+          <a:extLst>
+            <a:ext uri="{909E8E84-426E-40DD-AFC4-6F175D3DCCD1}">
+              <a14:hiddenFill xmlns:a14="http://schemas.microsoft.com/office/drawing/2010/main">
+                <a:solidFill>
+                  <a:srgbClr val="FFFFFF"/>
+                </a:solidFill>
+              </a14:hiddenFill>
+            </a:ext>
+          </a:extLst>
+        </p:spPr>
+      </p:pic>
+    </p:spTree>
+    <p:extLst>
+      <p:ext uri="{BB962C8B-B14F-4D97-AF65-F5344CB8AC3E}">
+        <p14:creationId xmlns:p14="http://schemas.microsoft.com/office/powerpoint/2010/main" val="2113376632"/>
+      </p:ext>
+    </p:extLst>
+  </p:cSld>
+  <p:clrMapOvr>
+    <a:masterClrMapping/>
+  </p:clrMapOvr>
+</p:sld>
+</file>
+
+<file path=ppt/slides/slide8.xml><?xml version="1.0" encoding="utf-8"?>
+<p:sld xmlns:a="http://schemas.openxmlformats.org/drawingml/2006/main" xmlns:r="http://schemas.openxmlformats.org/officeDocument/2006/relationships" xmlns:p="http://schemas.openxmlformats.org/presentationml/2006/main">
+  <p:cSld>
+    <p:spTree>
+      <p:nvGrpSpPr>
+        <p:cNvPr id="1" name=""/>
+        <p:cNvGrpSpPr/>
+        <p:nvPr/>
+      </p:nvGrpSpPr>
+      <p:grpSpPr>
+        <a:xfrm>
+          <a:off x="0" y="0"/>
+          <a:ext cx="0" cy="0"/>
+          <a:chOff x="0" y="0"/>
+          <a:chExt cx="0" cy="0"/>
+        </a:xfrm>
+      </p:grpSpPr>
+      <p:sp>
+        <p:nvSpPr>
+          <p:cNvPr id="5" name="Parallelogram 4"/>
+          <p:cNvSpPr/>
+          <p:nvPr/>
+        </p:nvSpPr>
+        <p:spPr>
+          <a:xfrm rot="19253717">
+            <a:off x="2666460" y="3738457"/>
+            <a:ext cx="4564743" cy="1787156"/>
+          </a:xfrm>
+          <a:prstGeom prst="parallelogram">
+            <a:avLst>
+              <a:gd name="adj" fmla="val 79634"/>
+            </a:avLst>
+          </a:prstGeom>
+          <a:ln/>
+        </p:spPr>
+        <p:style>
+          <a:lnRef idx="2">
+            <a:schemeClr val="accent6">
+              <a:shade val="50000"/>
+            </a:schemeClr>
+          </a:lnRef>
+          <a:fillRef idx="1">
+            <a:schemeClr val="accent6"/>
+          </a:fillRef>
+          <a:effectRef idx="0">
+            <a:schemeClr val="accent6"/>
+          </a:effectRef>
+          <a:fontRef idx="minor">
+            <a:schemeClr val="lt1"/>
+          </a:fontRef>
+        </p:style>
+        <p:txBody>
+          <a:bodyPr rtlCol="0" anchor="ctr"/>
+          <a:lstStyle/>
+          <a:p>
+            <a:pPr algn="ctr"/>
+            <a:endParaRPr lang="en-US"/>
+          </a:p>
+        </p:txBody>
+      </p:sp>
+      <p:sp>
+        <p:nvSpPr>
+          <p:cNvPr id="667" name="Shape 667"/>
+          <p:cNvSpPr>
+            <a:spLocks noGrp="1"/>
+          </p:cNvSpPr>
+          <p:nvPr>
+            <p:ph type="title"/>
+          </p:nvPr>
+        </p:nvSpPr>
+        <p:spPr>
+          <a:prstGeom prst="rect">
+            <a:avLst/>
+          </a:prstGeom>
+        </p:spPr>
+        <p:txBody>
+          <a:bodyPr/>
+          <a:lstStyle/>
+          <a:p>
+            <a:r>
+              <a:rPr lang="en-US" dirty="0"/>
+              <a:t>Recap: perspective projection</a:t>
+            </a:r>
+            <a:endParaRPr b="0" dirty="0"/>
+          </a:p>
+        </p:txBody>
+      </p:sp>
+      <p:sp>
+        <p:nvSpPr>
+          <p:cNvPr id="3" name="Content Placeholder 2"/>
+          <p:cNvSpPr>
+            <a:spLocks noGrp="1"/>
+          </p:cNvSpPr>
+          <p:nvPr>
+            <p:ph idx="1"/>
+          </p:nvPr>
+        </p:nvSpPr>
+        <p:spPr/>
+        <p:txBody>
+          <a:bodyPr/>
+          <a:lstStyle/>
+          <a:p>
+            <a:r>
+              <a:rPr lang="en-US" b="1" dirty="0"/>
+              <a:t>Perspective projection </a:t>
+            </a:r>
+            <a:r>
+              <a:rPr lang="en-US" dirty="0"/>
+              <a:t>(also known as </a:t>
+            </a:r>
+            <a:r>
+              <a:rPr lang="en-US" b="1" dirty="0"/>
+              <a:t>perspective transformation</a:t>
+            </a:r>
+            <a:r>
+              <a:rPr lang="en-US" dirty="0"/>
+              <a:t>)</a:t>
+            </a:r>
+            <a:r>
+              <a:rPr lang="en-US" b="1" dirty="0"/>
+              <a:t> </a:t>
+            </a:r>
+            <a:r>
+              <a:rPr lang="en-US" dirty="0"/>
+              <a:t>is a linear projection where three dimensional objects are projected on the image plane.</a:t>
+            </a:r>
+          </a:p>
+        </p:txBody>
+      </p:sp>
+      <p:grpSp>
+        <p:nvGrpSpPr>
+          <p:cNvPr id="2" name="Group 1">
+            <a:extLst>
+              <a:ext uri="{FF2B5EF4-FFF2-40B4-BE49-F238E27FC236}">
+                <a16:creationId xmlns="" xmlns:a16="http://schemas.microsoft.com/office/drawing/2014/main" id="{157D4CA9-1631-42DC-B4E5-0FE09FF61A71}"/>
+              </a:ext>
+            </a:extLst>
+          </p:cNvPr>
+          <p:cNvGrpSpPr/>
+          <p:nvPr/>
+        </p:nvGrpSpPr>
+        <p:grpSpPr>
+          <a:xfrm>
+            <a:off x="1005387" y="2209800"/>
+            <a:ext cx="7133226" cy="3845217"/>
+            <a:chOff x="1790606" y="1500385"/>
+            <a:chExt cx="8773861" cy="3547209"/>
+          </a:xfrm>
+        </p:grpSpPr>
+        <p:sp>
+          <p:nvSpPr>
+            <p:cNvPr id="136" name="Line">
+              <a:extLst>
+                <a:ext uri="{FF2B5EF4-FFF2-40B4-BE49-F238E27FC236}">
+                  <a16:creationId xmlns="" xmlns:a16="http://schemas.microsoft.com/office/drawing/2014/main" id="{4053C74D-0C1E-4E37-B89B-C2E894620E4A}"/>
+                </a:ext>
+              </a:extLst>
+            </p:cNvPr>
+            <p:cNvSpPr/>
+            <p:nvPr/>
+          </p:nvSpPr>
+          <p:spPr>
+            <a:xfrm flipV="1">
+              <a:off x="3494729" y="3796768"/>
+              <a:ext cx="1651822" cy="3529"/>
+            </a:xfrm>
+            <a:prstGeom prst="line">
+              <a:avLst/>
+            </a:prstGeom>
+            <a:ln w="12700">
+              <a:solidFill>
+                <a:srgbClr val="000000"/>
+              </a:solidFill>
+              <a:miter lim="400000"/>
+            </a:ln>
+          </p:spPr>
+          <p:txBody>
+            <a:bodyPr lIns="35719" tIns="35719" rIns="35719" bIns="35719" anchor="ctr"/>
+            <a:lstStyle/>
+            <a:p>
+              <a:pPr marL="0" marR="0" lvl="0" indent="0" algn="l" defTabSz="914400" rtl="0" eaLnBrk="1" fontAlgn="auto" latinLnBrk="0" hangingPunct="1">
+                <a:lnSpc>
+                  <a:spcPct val="100000"/>
+                </a:lnSpc>
+                <a:spcBef>
+                  <a:spcPts val="0"/>
+                </a:spcBef>
+                <a:spcAft>
+                  <a:spcPts val="0"/>
+                </a:spcAft>
+                <a:buClrTx/>
+                <a:buSzTx/>
+                <a:buFontTx/>
+                <a:buNone/>
+                <a:tabLst/>
+                <a:defRPr sz="2400"/>
+              </a:pPr>
+              <a:endParaRPr kumimoji="0" sz="2400" b="0" i="0" u="none" strike="noStrike" kern="1200" cap="none" spc="0" normalizeH="0" baseline="0" noProof="0">
+                <a:ln>
+                  <a:noFill/>
+                </a:ln>
+                <a:solidFill>
+                  <a:prstClr val="black"/>
+                </a:solidFill>
+                <a:effectLst/>
+                <a:uLnTx/>
+                <a:uFillTx/>
+                <a:latin typeface="Calibri Light" panose="020F0302020204030204"/>
+                <a:ea typeface="+mn-ea"/>
+                <a:cs typeface="+mn-cs"/>
+              </a:endParaRPr>
+            </a:p>
+          </p:txBody>
+        </p:sp>
+        <p:sp>
+          <p:nvSpPr>
+            <p:cNvPr id="137" name="Line">
+              <a:extLst>
+                <a:ext uri="{FF2B5EF4-FFF2-40B4-BE49-F238E27FC236}">
+                  <a16:creationId xmlns="" xmlns:a16="http://schemas.microsoft.com/office/drawing/2014/main" id="{F098C4E3-7DC6-4D04-9185-2E87AF24C689}"/>
+                </a:ext>
+              </a:extLst>
+            </p:cNvPr>
+            <p:cNvSpPr/>
+            <p:nvPr/>
+          </p:nvSpPr>
+          <p:spPr>
+            <a:xfrm flipV="1">
+              <a:off x="3513639" y="1745553"/>
+              <a:ext cx="1" cy="2044763"/>
+            </a:xfrm>
+            <a:prstGeom prst="line">
+              <a:avLst/>
+            </a:prstGeom>
+            <a:ln w="12700">
+              <a:solidFill>
+                <a:srgbClr val="000000"/>
+              </a:solidFill>
+              <a:miter lim="400000"/>
+              <a:tailEnd type="stealth"/>
+            </a:ln>
+          </p:spPr>
+          <p:txBody>
+            <a:bodyPr lIns="35719" tIns="35719" rIns="35719" bIns="35719" anchor="ctr"/>
+            <a:lstStyle/>
+            <a:p>
+              <a:pPr marL="0" marR="0" lvl="0" indent="0" algn="l" defTabSz="914400" rtl="0" eaLnBrk="1" fontAlgn="auto" latinLnBrk="0" hangingPunct="1">
+                <a:lnSpc>
+                  <a:spcPct val="100000"/>
+                </a:lnSpc>
+                <a:spcBef>
+                  <a:spcPts val="0"/>
+                </a:spcBef>
+                <a:spcAft>
+                  <a:spcPts val="0"/>
+                </a:spcAft>
+                <a:buClrTx/>
+                <a:buSzTx/>
+                <a:buFontTx/>
+                <a:buNone/>
+                <a:tabLst/>
+                <a:defRPr sz="2400"/>
+              </a:pPr>
+              <a:endParaRPr kumimoji="0" sz="2400" b="0" i="0" u="none" strike="noStrike" kern="1200" cap="none" spc="0" normalizeH="0" baseline="0" noProof="0">
+                <a:ln>
+                  <a:noFill/>
+                </a:ln>
+                <a:solidFill>
+                  <a:prstClr val="black"/>
+                </a:solidFill>
+                <a:effectLst/>
+                <a:uLnTx/>
+                <a:uFillTx/>
+                <a:latin typeface="Calibri Light" panose="020F0302020204030204"/>
+                <a:ea typeface="+mn-ea"/>
+                <a:cs typeface="+mn-cs"/>
+              </a:endParaRPr>
+            </a:p>
+          </p:txBody>
+        </p:sp>
+        <p:sp>
+          <p:nvSpPr>
+            <p:cNvPr id="160" name="Line">
+              <a:extLst>
+                <a:ext uri="{FF2B5EF4-FFF2-40B4-BE49-F238E27FC236}">
+                  <a16:creationId xmlns="" xmlns:a16="http://schemas.microsoft.com/office/drawing/2014/main" id="{C7D00097-9B7E-421A-915E-9E49FB994126}"/>
+                </a:ext>
+              </a:extLst>
+            </p:cNvPr>
+            <p:cNvSpPr/>
+            <p:nvPr/>
+          </p:nvSpPr>
+          <p:spPr>
+            <a:xfrm flipV="1">
+              <a:off x="1790606" y="2799937"/>
+              <a:ext cx="3453124" cy="1993662"/>
+            </a:xfrm>
+            <a:prstGeom prst="line">
+              <a:avLst/>
+            </a:prstGeom>
+            <a:ln w="12700">
+              <a:solidFill>
+                <a:srgbClr val="000000"/>
+              </a:solidFill>
+              <a:miter lim="400000"/>
+              <a:tailEnd type="stealth"/>
+            </a:ln>
+          </p:spPr>
+          <p:txBody>
+            <a:bodyPr lIns="35719" tIns="35719" rIns="35719" bIns="35719" anchor="ctr"/>
+            <a:lstStyle/>
+            <a:p>
+              <a:pPr marL="0" marR="0" lvl="0" indent="0" algn="l" defTabSz="914400" rtl="0" eaLnBrk="1" fontAlgn="auto" latinLnBrk="0" hangingPunct="1">
+                <a:lnSpc>
+                  <a:spcPct val="100000"/>
+                </a:lnSpc>
+                <a:spcBef>
+                  <a:spcPts val="0"/>
+                </a:spcBef>
+                <a:spcAft>
+                  <a:spcPts val="0"/>
+                </a:spcAft>
+                <a:buClrTx/>
+                <a:buSzTx/>
+                <a:buFontTx/>
+                <a:buNone/>
+                <a:tabLst/>
+                <a:defRPr sz="2400"/>
+              </a:pPr>
+              <a:endParaRPr kumimoji="0" sz="2400" b="0" i="0" u="none" strike="noStrike" kern="1200" cap="none" spc="0" normalizeH="0" baseline="0" noProof="0">
+                <a:ln>
+                  <a:noFill/>
+                </a:ln>
+                <a:solidFill>
+                  <a:prstClr val="black"/>
+                </a:solidFill>
+                <a:effectLst/>
+                <a:uLnTx/>
+                <a:uFillTx/>
+                <a:latin typeface="Calibri Light" panose="020F0302020204030204"/>
+                <a:ea typeface="+mn-ea"/>
+                <a:cs typeface="+mn-cs"/>
+              </a:endParaRPr>
+            </a:p>
+          </p:txBody>
+        </p:sp>
+        <p:sp>
+          <p:nvSpPr>
+            <p:cNvPr id="166" name="Line">
+              <a:extLst>
+                <a:ext uri="{FF2B5EF4-FFF2-40B4-BE49-F238E27FC236}">
+                  <a16:creationId xmlns="" xmlns:a16="http://schemas.microsoft.com/office/drawing/2014/main" id="{563A18B1-D9A2-4459-8742-E0B3C57CAD93}"/>
+                </a:ext>
+              </a:extLst>
+            </p:cNvPr>
+            <p:cNvSpPr/>
+            <p:nvPr/>
+          </p:nvSpPr>
+          <p:spPr>
+            <a:xfrm>
+              <a:off x="6606558" y="3800296"/>
+              <a:ext cx="3239113" cy="1"/>
+            </a:xfrm>
+            <a:prstGeom prst="line">
+              <a:avLst/>
+            </a:prstGeom>
+            <a:ln w="12700">
+              <a:solidFill>
+                <a:srgbClr val="000000"/>
+              </a:solidFill>
+              <a:miter lim="400000"/>
+              <a:headEnd type="oval"/>
+              <a:tailEnd type="stealth"/>
+            </a:ln>
+          </p:spPr>
+          <p:txBody>
+            <a:bodyPr lIns="35719" tIns="35719" rIns="35719" bIns="35719" anchor="ctr"/>
+            <a:lstStyle/>
+            <a:p>
+              <a:pPr marL="0" marR="0" lvl="0" indent="0" algn="l" defTabSz="914400" rtl="0" eaLnBrk="1" fontAlgn="auto" latinLnBrk="0" hangingPunct="1">
+                <a:lnSpc>
+                  <a:spcPct val="100000"/>
+                </a:lnSpc>
+                <a:spcBef>
+                  <a:spcPts val="0"/>
+                </a:spcBef>
+                <a:spcAft>
+                  <a:spcPts val="0"/>
+                </a:spcAft>
+                <a:buClrTx/>
+                <a:buSzTx/>
+                <a:buFontTx/>
+                <a:buNone/>
+                <a:tabLst/>
+                <a:defRPr sz="2400"/>
+              </a:pPr>
+              <a:endParaRPr kumimoji="0" sz="2400" b="0" i="0" u="none" strike="noStrike" kern="1200" cap="none" spc="0" normalizeH="0" baseline="0" noProof="0">
+                <a:ln>
+                  <a:noFill/>
+                </a:ln>
+                <a:solidFill>
+                  <a:prstClr val="black"/>
+                </a:solidFill>
+                <a:effectLst/>
+                <a:uLnTx/>
+                <a:uFillTx/>
+                <a:latin typeface="Calibri Light" panose="020F0302020204030204"/>
+                <a:ea typeface="+mn-ea"/>
+                <a:cs typeface="+mn-cs"/>
+              </a:endParaRPr>
+            </a:p>
+          </p:txBody>
+        </p:sp>
+        <p:sp>
+          <p:nvSpPr>
+            <p:cNvPr id="167" name="Line">
+              <a:extLst>
+                <a:ext uri="{FF2B5EF4-FFF2-40B4-BE49-F238E27FC236}">
+                  <a16:creationId xmlns="" xmlns:a16="http://schemas.microsoft.com/office/drawing/2014/main" id="{F9AFD745-473A-4C83-BC0F-2D5FB10538F9}"/>
+                </a:ext>
+              </a:extLst>
+            </p:cNvPr>
+            <p:cNvSpPr/>
+            <p:nvPr/>
+          </p:nvSpPr>
+          <p:spPr>
+            <a:xfrm flipV="1">
+              <a:off x="3517111" y="3434011"/>
+              <a:ext cx="1849131" cy="358433"/>
+            </a:xfrm>
+            <a:prstGeom prst="line">
+              <a:avLst/>
+            </a:prstGeom>
+            <a:ln w="25400">
+              <a:solidFill>
+                <a:srgbClr val="000000"/>
+              </a:solidFill>
+              <a:miter lim="400000"/>
+              <a:headEnd type="oval"/>
+            </a:ln>
+          </p:spPr>
+          <p:txBody>
+            <a:bodyPr lIns="35719" tIns="35719" rIns="35719" bIns="35719" anchor="ctr"/>
+            <a:lstStyle/>
+            <a:p>
+              <a:pPr marL="0" marR="0" lvl="0" indent="0" algn="l" defTabSz="914400" rtl="0" eaLnBrk="1" fontAlgn="auto" latinLnBrk="0" hangingPunct="1">
+                <a:lnSpc>
+                  <a:spcPct val="100000"/>
+                </a:lnSpc>
+                <a:spcBef>
+                  <a:spcPts val="0"/>
+                </a:spcBef>
+                <a:spcAft>
+                  <a:spcPts val="0"/>
+                </a:spcAft>
+                <a:buClrTx/>
+                <a:buSzTx/>
+                <a:buFontTx/>
+                <a:buNone/>
+                <a:tabLst/>
+                <a:defRPr sz="2400"/>
+              </a:pPr>
+              <a:endParaRPr kumimoji="0" sz="2400" b="0" i="0" u="none" strike="noStrike" kern="1200" cap="none" spc="0" normalizeH="0" baseline="0" noProof="0">
+                <a:ln>
+                  <a:noFill/>
+                </a:ln>
+                <a:solidFill>
+                  <a:prstClr val="black"/>
+                </a:solidFill>
+                <a:effectLst/>
+                <a:uLnTx/>
+                <a:uFillTx/>
+                <a:latin typeface="Calibri Light" panose="020F0302020204030204"/>
+                <a:ea typeface="+mn-ea"/>
+                <a:cs typeface="+mn-cs"/>
+              </a:endParaRPr>
+            </a:p>
+          </p:txBody>
+        </p:sp>
+        <p:sp>
+          <p:nvSpPr>
+            <p:cNvPr id="168" name="Line">
+              <a:extLst>
+                <a:ext uri="{FF2B5EF4-FFF2-40B4-BE49-F238E27FC236}">
+                  <a16:creationId xmlns="" xmlns:a16="http://schemas.microsoft.com/office/drawing/2014/main" id="{F8E5F405-8FDE-4994-8F2A-0036CAF4A41D}"/>
+                </a:ext>
+              </a:extLst>
+            </p:cNvPr>
+            <p:cNvSpPr/>
+            <p:nvPr/>
+          </p:nvSpPr>
+          <p:spPr>
+            <a:xfrm flipV="1">
+              <a:off x="6047061" y="2537008"/>
+              <a:ext cx="4345834" cy="789443"/>
+            </a:xfrm>
+            <a:prstGeom prst="line">
+              <a:avLst/>
+            </a:prstGeom>
+            <a:ln w="25400">
+              <a:solidFill>
+                <a:srgbClr val="000000"/>
+              </a:solidFill>
+              <a:miter lim="400000"/>
+              <a:headEnd type="oval"/>
+              <a:tailEnd type="oval"/>
+            </a:ln>
+          </p:spPr>
+          <p:txBody>
+            <a:bodyPr lIns="35719" tIns="35719" rIns="35719" bIns="35719" anchor="ctr"/>
+            <a:lstStyle/>
+            <a:p>
+              <a:pPr marL="0" marR="0" lvl="0" indent="0" algn="l" defTabSz="914400" rtl="0" eaLnBrk="1" fontAlgn="auto" latinLnBrk="0" hangingPunct="1">
+                <a:lnSpc>
+                  <a:spcPct val="100000"/>
+                </a:lnSpc>
+                <a:spcBef>
+                  <a:spcPts val="0"/>
+                </a:spcBef>
+                <a:spcAft>
+                  <a:spcPts val="0"/>
+                </a:spcAft>
+                <a:buClrTx/>
+                <a:buSzTx/>
+                <a:buFontTx/>
+                <a:buNone/>
+                <a:tabLst/>
+                <a:defRPr sz="2400"/>
+              </a:pPr>
+              <a:endParaRPr kumimoji="0" sz="2400" b="0" i="0" u="none" strike="noStrike" kern="1200" cap="none" spc="0" normalizeH="0" baseline="0" noProof="0">
+                <a:ln>
+                  <a:noFill/>
+                </a:ln>
+                <a:solidFill>
+                  <a:prstClr val="black"/>
+                </a:solidFill>
+                <a:effectLst/>
+                <a:uLnTx/>
+                <a:uFillTx/>
+                <a:latin typeface="Calibri Light" panose="020F0302020204030204"/>
+                <a:ea typeface="+mn-ea"/>
+                <a:cs typeface="+mn-cs"/>
+              </a:endParaRPr>
+            </a:p>
+          </p:txBody>
+        </p:sp>
+        <p:sp>
+          <p:nvSpPr>
+            <p:cNvPr id="169" name="camera center">
+              <a:extLst>
+                <a:ext uri="{FF2B5EF4-FFF2-40B4-BE49-F238E27FC236}">
+                  <a16:creationId xmlns="" xmlns:a16="http://schemas.microsoft.com/office/drawing/2014/main" id="{6CEC997B-B61E-486F-9E34-37D1F9355AEC}"/>
+                </a:ext>
+              </a:extLst>
+            </p:cNvPr>
+            <p:cNvSpPr txBox="1"/>
+            <p:nvPr/>
+          </p:nvSpPr>
+          <p:spPr>
+            <a:xfrm>
+              <a:off x="3476053" y="3883337"/>
+              <a:ext cx="1389321" cy="747961"/>
+            </a:xfrm>
+            <a:prstGeom prst="rect">
+              <a:avLst/>
+            </a:prstGeom>
+            <a:ln w="12700">
+              <a:miter lim="400000"/>
+            </a:ln>
+            <a:extLst>
+              <a:ext uri="{C572A759-6A51-4108-AA02-DFA0A04FC94B}">
+                <ma14:wrappingTextBoxFlag xmlns="" xmlns:ma14="http://schemas.microsoft.com/office/mac/drawingml/2011/main" val="1"/>
+              </a:ext>
+            </a:extLst>
+          </p:spPr>
+          <p:txBody>
+            <a:bodyPr wrap="square" lIns="35719" tIns="35719" rIns="35719" bIns="35719" anchor="ctr">
+              <a:spAutoFit/>
+            </a:bodyPr>
+            <a:lstStyle>
+              <a:lvl1pPr>
+                <a:defRPr sz="1800"/>
+              </a:lvl1pPr>
+            </a:lstStyle>
+            <a:p>
+              <a:pPr marL="0" marR="0" lvl="0" indent="0" algn="ctr" defTabSz="914400" rtl="0" eaLnBrk="1" fontAlgn="auto" latinLnBrk="0" hangingPunct="1">
+                <a:lnSpc>
+                  <a:spcPct val="100000"/>
+                </a:lnSpc>
+                <a:spcBef>
+                  <a:spcPts val="0"/>
+                </a:spcBef>
+                <a:spcAft>
+                  <a:spcPts val="0"/>
+                </a:spcAft>
+                <a:buClrTx/>
+                <a:buSzTx/>
+                <a:buFontTx/>
+                <a:buNone/>
+                <a:tabLst/>
+                <a:defRPr/>
+              </a:pPr>
+              <a:r>
+                <a:rPr kumimoji="0" sz="2400" b="0" i="0" u="none" strike="noStrike" kern="1200" cap="none" spc="0" normalizeH="0" baseline="0" noProof="0" dirty="0">
+                  <a:ln>
+                    <a:noFill/>
+                  </a:ln>
+                  <a:solidFill>
+                    <a:prstClr val="black"/>
+                  </a:solidFill>
+                  <a:effectLst/>
+                  <a:uLnTx/>
+                  <a:uFillTx/>
+                  <a:latin typeface="Calibri Light" panose="020F0302020204030204"/>
+                  <a:ea typeface="+mn-ea"/>
+                  <a:cs typeface="+mn-cs"/>
+                </a:rPr>
+                <a:t>camera center</a:t>
+              </a:r>
+            </a:p>
+          </p:txBody>
+        </p:sp>
+        <p:sp>
+          <p:nvSpPr>
+            <p:cNvPr id="171" name="image plane">
+              <a:extLst>
+                <a:ext uri="{FF2B5EF4-FFF2-40B4-BE49-F238E27FC236}">
+                  <a16:creationId xmlns="" xmlns:a16="http://schemas.microsoft.com/office/drawing/2014/main" id="{DFDEA389-4C61-4372-B9FB-D792FA69DF07}"/>
+                </a:ext>
+              </a:extLst>
+            </p:cNvPr>
+            <p:cNvSpPr txBox="1"/>
+            <p:nvPr/>
+          </p:nvSpPr>
+          <p:spPr>
+            <a:xfrm>
+              <a:off x="6213702" y="1500385"/>
+              <a:ext cx="1182955" cy="747962"/>
+            </a:xfrm>
+            <a:prstGeom prst="rect">
+              <a:avLst/>
+            </a:prstGeom>
+            <a:ln w="12700">
+              <a:miter lim="400000"/>
+            </a:ln>
+            <a:extLst>
+              <a:ext uri="{C572A759-6A51-4108-AA02-DFA0A04FC94B}">
+                <ma14:wrappingTextBoxFlag xmlns="" xmlns:ma14="http://schemas.microsoft.com/office/mac/drawingml/2011/main" val="1"/>
+              </a:ext>
+            </a:extLst>
+          </p:spPr>
+          <p:txBody>
+            <a:bodyPr lIns="35719" tIns="35719" rIns="35719" bIns="35719" anchor="ctr">
+              <a:spAutoFit/>
+            </a:bodyPr>
+            <a:lstStyle>
+              <a:lvl1pPr>
+                <a:defRPr sz="1800"/>
+              </a:lvl1pPr>
+            </a:lstStyle>
+            <a:p>
+              <a:pPr marL="0" marR="0" lvl="0" indent="0" algn="ctr" defTabSz="914400" rtl="0" eaLnBrk="1" fontAlgn="auto" latinLnBrk="0" hangingPunct="1">
+                <a:lnSpc>
+                  <a:spcPct val="100000"/>
+                </a:lnSpc>
+                <a:spcBef>
+                  <a:spcPts val="0"/>
+                </a:spcBef>
+                <a:spcAft>
+                  <a:spcPts val="0"/>
+                </a:spcAft>
+                <a:buClrTx/>
+                <a:buSzTx/>
+                <a:buFontTx/>
+                <a:buNone/>
+                <a:tabLst/>
+                <a:defRPr/>
+              </a:pPr>
+              <a:r>
+                <a:rPr kumimoji="0" sz="2400" b="0" i="0" u="none" strike="noStrike" kern="1200" cap="none" spc="0" normalizeH="0" baseline="0" noProof="0" dirty="0">
+                  <a:ln>
+                    <a:noFill/>
+                  </a:ln>
+                  <a:solidFill>
+                    <a:prstClr val="black"/>
+                  </a:solidFill>
+                  <a:effectLst/>
+                  <a:uLnTx/>
+                  <a:uFillTx/>
+                  <a:latin typeface="Calibri Light" panose="020F0302020204030204"/>
+                  <a:ea typeface="+mn-ea"/>
+                  <a:cs typeface="+mn-cs"/>
+                </a:rPr>
+                <a:t>image plane</a:t>
+              </a:r>
+            </a:p>
+          </p:txBody>
+        </p:sp>
+        <p:sp>
+          <p:nvSpPr>
+            <p:cNvPr id="173" name="principal axis">
+              <a:extLst>
+                <a:ext uri="{FF2B5EF4-FFF2-40B4-BE49-F238E27FC236}">
+                  <a16:creationId xmlns="" xmlns:a16="http://schemas.microsoft.com/office/drawing/2014/main" id="{7FBA50D0-AB0D-4329-A2C7-46E876F4F4A6}"/>
+                </a:ext>
+              </a:extLst>
+            </p:cNvPr>
+            <p:cNvSpPr txBox="1"/>
+            <p:nvPr/>
+          </p:nvSpPr>
+          <p:spPr>
+            <a:xfrm>
+              <a:off x="8740647" y="3857537"/>
+              <a:ext cx="1823820" cy="747961"/>
+            </a:xfrm>
+            <a:prstGeom prst="rect">
+              <a:avLst/>
+            </a:prstGeom>
+            <a:ln w="12700">
+              <a:miter lim="400000"/>
+            </a:ln>
+            <a:extLst>
+              <a:ext uri="{C572A759-6A51-4108-AA02-DFA0A04FC94B}">
+                <ma14:wrappingTextBoxFlag xmlns="" xmlns:ma14="http://schemas.microsoft.com/office/mac/drawingml/2011/main" val="1"/>
+              </a:ext>
+            </a:extLst>
+          </p:spPr>
+          <p:txBody>
+            <a:bodyPr wrap="square" lIns="35719" tIns="35719" rIns="35719" bIns="35719" anchor="ctr">
+              <a:spAutoFit/>
+            </a:bodyPr>
+            <a:lstStyle>
+              <a:lvl1pPr>
+                <a:defRPr sz="1800"/>
+              </a:lvl1pPr>
+            </a:lstStyle>
+            <a:p>
+              <a:pPr marL="0" marR="0" lvl="0" indent="0" algn="ctr" defTabSz="914400" rtl="0" eaLnBrk="1" fontAlgn="auto" latinLnBrk="0" hangingPunct="1">
+                <a:lnSpc>
+                  <a:spcPct val="100000"/>
+                </a:lnSpc>
+                <a:spcBef>
+                  <a:spcPts val="0"/>
+                </a:spcBef>
+                <a:spcAft>
+                  <a:spcPts val="0"/>
+                </a:spcAft>
+                <a:buClrTx/>
+                <a:buSzTx/>
+                <a:buFontTx/>
+                <a:buNone/>
+                <a:tabLst/>
+                <a:defRPr/>
+              </a:pPr>
+              <a:r>
+                <a:rPr kumimoji="0" sz="2400" b="0" i="0" u="none" strike="noStrike" kern="1200" cap="none" spc="0" normalizeH="0" baseline="0" noProof="0" dirty="0">
+                  <a:ln>
+                    <a:noFill/>
+                  </a:ln>
+                  <a:solidFill>
+                    <a:prstClr val="black"/>
+                  </a:solidFill>
+                  <a:effectLst/>
+                  <a:uLnTx/>
+                  <a:uFillTx/>
+                  <a:latin typeface="Calibri Light" panose="020F0302020204030204"/>
+                  <a:ea typeface="+mn-ea"/>
+                  <a:cs typeface="+mn-cs"/>
+                </a:rPr>
+                <a:t>principal axis</a:t>
+              </a:r>
+            </a:p>
+          </p:txBody>
+        </p:sp>
+        <p:pic>
+          <p:nvPicPr>
+            <p:cNvPr id="174" name="latex-image-8.pdf" descr="latex-image-8.pdf">
+              <a:extLst>
+                <a:ext uri="{FF2B5EF4-FFF2-40B4-BE49-F238E27FC236}">
+                  <a16:creationId xmlns="" xmlns:a16="http://schemas.microsoft.com/office/drawing/2014/main" id="{D590A4FB-DBC0-4C98-9045-4FB7DDED54A1}"/>
+                </a:ext>
+              </a:extLst>
+            </p:cNvPr>
+            <p:cNvPicPr>
+              <a:picLocks noChangeAspect="1"/>
+            </p:cNvPicPr>
+            <p:nvPr/>
+          </p:nvPicPr>
+          <p:blipFill>
+            <a:blip r:embed="rId3"/>
+            <a:stretch>
+              <a:fillRect/>
+            </a:stretch>
+          </p:blipFill>
+          <p:spPr>
+            <a:xfrm>
+              <a:off x="5281410" y="2692032"/>
+              <a:ext cx="169665" cy="151805"/>
+            </a:xfrm>
+            <a:prstGeom prst="rect">
+              <a:avLst/>
+            </a:prstGeom>
+            <a:ln w="12700">
+              <a:miter lim="400000"/>
+            </a:ln>
+          </p:spPr>
+        </p:pic>
+        <p:pic>
+          <p:nvPicPr>
+            <p:cNvPr id="175" name="latex-image-9.pdf" descr="latex-image-9.pdf">
+              <a:extLst>
+                <a:ext uri="{FF2B5EF4-FFF2-40B4-BE49-F238E27FC236}">
+                  <a16:creationId xmlns="" xmlns:a16="http://schemas.microsoft.com/office/drawing/2014/main" id="{33A88316-0D3B-44BC-9303-C5FAD7A98C66}"/>
+                </a:ext>
+              </a:extLst>
+            </p:cNvPr>
+            <p:cNvPicPr>
+              <a:picLocks noChangeAspect="1"/>
+            </p:cNvPicPr>
+            <p:nvPr/>
+          </p:nvPicPr>
+          <p:blipFill>
+            <a:blip r:embed="rId4"/>
+            <a:stretch>
+              <a:fillRect/>
+            </a:stretch>
+          </p:blipFill>
+          <p:spPr>
+            <a:xfrm>
+              <a:off x="3571898" y="1660053"/>
+              <a:ext cx="160735" cy="214313"/>
+            </a:xfrm>
+            <a:prstGeom prst="rect">
+              <a:avLst/>
+            </a:prstGeom>
+            <a:ln w="12700">
+              <a:miter lim="400000"/>
+            </a:ln>
+          </p:spPr>
+        </p:pic>
+        <p:pic>
+          <p:nvPicPr>
+            <p:cNvPr id="176" name="latex-image-10.pdf" descr="latex-image-10.pdf">
+              <a:extLst>
+                <a:ext uri="{FF2B5EF4-FFF2-40B4-BE49-F238E27FC236}">
+                  <a16:creationId xmlns="" xmlns:a16="http://schemas.microsoft.com/office/drawing/2014/main" id="{FFD02BA7-E28C-4E1E-AE27-2B83AD402F79}"/>
+                </a:ext>
+              </a:extLst>
+            </p:cNvPr>
+            <p:cNvPicPr>
+              <a:picLocks noChangeAspect="1"/>
+            </p:cNvPicPr>
+            <p:nvPr/>
+          </p:nvPicPr>
+          <p:blipFill>
+            <a:blip r:embed="rId5"/>
+            <a:stretch>
+              <a:fillRect/>
+            </a:stretch>
+          </p:blipFill>
+          <p:spPr>
+            <a:xfrm>
+              <a:off x="9920906" y="3756949"/>
+              <a:ext cx="151805" cy="151805"/>
+            </a:xfrm>
+            <a:prstGeom prst="rect">
+              <a:avLst/>
+            </a:prstGeom>
+            <a:ln w="12700">
+              <a:miter lim="400000"/>
+            </a:ln>
+          </p:spPr>
+        </p:pic>
+        <p:pic>
+          <p:nvPicPr>
+            <p:cNvPr id="177" name="latex-image-11.pdf" descr="latex-image-11.pdf">
+              <a:extLst>
+                <a:ext uri="{FF2B5EF4-FFF2-40B4-BE49-F238E27FC236}">
+                  <a16:creationId xmlns="" xmlns:a16="http://schemas.microsoft.com/office/drawing/2014/main" id="{7BFFBE6C-1CBF-443D-9735-2FF5E34CBDEB}"/>
+                </a:ext>
+              </a:extLst>
+            </p:cNvPr>
+            <p:cNvPicPr>
+              <a:picLocks noChangeAspect="1"/>
+            </p:cNvPicPr>
+            <p:nvPr/>
+          </p:nvPicPr>
+          <p:blipFill>
+            <a:blip r:embed="rId6"/>
+            <a:stretch>
+              <a:fillRect/>
+            </a:stretch>
+          </p:blipFill>
+          <p:spPr>
+            <a:xfrm>
+              <a:off x="5260553" y="4793599"/>
+              <a:ext cx="634985" cy="253995"/>
+            </a:xfrm>
+            <a:prstGeom prst="rect">
+              <a:avLst/>
+            </a:prstGeom>
+            <a:ln w="12700">
+              <a:miter lim="400000"/>
+            </a:ln>
+          </p:spPr>
+        </p:pic>
+      </p:grpSp>
+      <p:pic>
+        <p:nvPicPr>
+          <p:cNvPr id="1026" name="Picture 2" descr="https://latex.codecogs.com/gif.latex?%5Cdpi%7B300%7D%20%5Cbegin%7Bbmatrix%7Dx%20%5C%5C%20y%20%5C%5C%20z%20%5Cend%7Bbmatrix%7D"/>
+          <p:cNvPicPr>
+            <a:picLocks noChangeAspect="1" noChangeArrowheads="1"/>
+          </p:cNvPicPr>
+          <p:nvPr/>
+        </p:nvPicPr>
+        <p:blipFill>
+          <a:blip r:embed="rId7">
+            <a:extLst>
+              <a:ext uri="{28A0092B-C50C-407E-A947-70E740481C1C}">
+                <a14:useLocalDpi xmlns:a14="http://schemas.microsoft.com/office/drawing/2010/main" val="0"/>
+              </a:ext>
+            </a:extLst>
+          </a:blip>
+          <a:srcRect/>
+          <a:stretch>
+            <a:fillRect/>
+          </a:stretch>
+        </p:blipFill>
+        <p:spPr bwMode="auto">
+          <a:xfrm>
+            <a:off x="8309695" y="2907268"/>
+            <a:ext cx="295275" cy="852488"/>
+          </a:xfrm>
+          <a:prstGeom prst="rect">
+            <a:avLst/>
+          </a:prstGeom>
+          <a:noFill/>
+          <a:extLst>
+            <a:ext uri="{909E8E84-426E-40DD-AFC4-6F175D3DCCD1}">
+              <a14:hiddenFill xmlns:a14="http://schemas.microsoft.com/office/drawing/2010/main">
+                <a:solidFill>
+                  <a:srgbClr val="FFFFFF"/>
+                </a:solidFill>
+              </a14:hiddenFill>
+            </a:ext>
+          </a:extLst>
+        </p:spPr>
+      </p:pic>
+      <p:pic>
+        <p:nvPicPr>
+          <p:cNvPr id="1028" name="Picture 4" descr="https://latex.codecogs.com/gif.latex?%5Cdpi%7B300%7D%20%5Cbegin%7Bbmatrix%7Du%20%5C%5C%20v%20%5Cend%7Bbmatrix%7D"/>
+          <p:cNvPicPr>
+            <a:picLocks noChangeAspect="1" noChangeArrowheads="1"/>
+          </p:cNvPicPr>
+          <p:nvPr/>
+        </p:nvPicPr>
+        <p:blipFill>
+          <a:blip r:embed="rId8">
+            <a:extLst>
+              <a:ext uri="{28A0092B-C50C-407E-A947-70E740481C1C}">
+                <a14:useLocalDpi xmlns:a14="http://schemas.microsoft.com/office/drawing/2010/main" val="0"/>
+              </a:ext>
+            </a:extLst>
+          </a:blip>
+          <a:srcRect/>
+          <a:stretch>
+            <a:fillRect/>
+          </a:stretch>
+        </p:blipFill>
+        <p:spPr bwMode="auto">
+          <a:xfrm>
+            <a:off x="4247586" y="4270329"/>
+            <a:ext cx="310884" cy="666181"/>
+          </a:xfrm>
+          <a:prstGeom prst="rect">
+            <a:avLst/>
+          </a:prstGeom>
+          <a:noFill/>
+          <a:extLst>
+            <a:ext uri="{909E8E84-426E-40DD-AFC4-6F175D3DCCD1}">
+              <a14:hiddenFill xmlns:a14="http://schemas.microsoft.com/office/drawing/2010/main">
+                <a:solidFill>
+                  <a:srgbClr val="FFFFFF"/>
+                </a:solidFill>
+              </a14:hiddenFill>
+            </a:ext>
+          </a:extLst>
+        </p:spPr>
+      </p:pic>
+    </p:spTree>
+    <p:extLst>
+      <p:ext uri="{BB962C8B-B14F-4D97-AF65-F5344CB8AC3E}">
+        <p14:creationId xmlns:p14="http://schemas.microsoft.com/office/powerpoint/2010/main" val="3561396293"/>
+      </p:ext>
+    </p:extLst>
+  </p:cSld>
+  <p:clrMapOvr>
+    <a:masterClrMapping/>
+  </p:clrMapOvr>
+</p:sld>
+</file>
+
+<file path=ppt/slides/slide9.xml><?xml version="1.0" encoding="utf-8"?>
+<p:sld xmlns:a="http://schemas.openxmlformats.org/drawingml/2006/main" xmlns:r="http://schemas.openxmlformats.org/officeDocument/2006/relationships" xmlns:p="http://schemas.openxmlformats.org/presentationml/2006/main">
+  <p:cSld>
+    <p:spTree>
+      <p:nvGrpSpPr>
+        <p:cNvPr id="1" name=""/>
+        <p:cNvGrpSpPr/>
+        <p:nvPr/>
+      </p:nvGrpSpPr>
+      <p:grpSpPr>
+        <a:xfrm>
+          <a:off x="0" y="0"/>
+          <a:ext cx="0" cy="0"/>
+          <a:chOff x="0" y="0"/>
+          <a:chExt cx="0" cy="0"/>
+        </a:xfrm>
+      </p:grpSpPr>
+      <p:sp>
+        <p:nvSpPr>
+          <p:cNvPr id="667" name="Shape 667"/>
+          <p:cNvSpPr>
+            <a:spLocks noGrp="1"/>
+          </p:cNvSpPr>
+          <p:nvPr>
+            <p:ph type="title"/>
+          </p:nvPr>
+        </p:nvSpPr>
+        <p:spPr>
+          <a:prstGeom prst="rect">
+            <a:avLst/>
+          </a:prstGeom>
+        </p:spPr>
+        <p:txBody>
+          <a:bodyPr>
+            <a:normAutofit/>
+          </a:bodyPr>
+          <a:lstStyle/>
+          <a:p>
+            <a:r>
+              <a:rPr lang="en-US" dirty="0"/>
+              <a:t>Recap: perspective projection</a:t>
+            </a:r>
+            <a:endParaRPr dirty="0"/>
+          </a:p>
+        </p:txBody>
+      </p:sp>
+      <p:sp>
+        <p:nvSpPr>
+          <p:cNvPr id="21" name="Line">
+            <a:extLst>
+              <a:ext uri="{FF2B5EF4-FFF2-40B4-BE49-F238E27FC236}">
+                <a16:creationId xmlns="" xmlns:a16="http://schemas.microsoft.com/office/drawing/2014/main" id="{57D7BD1A-7D73-4468-8A72-7DDA19D01D2D}"/>
+              </a:ext>
+            </a:extLst>
+          </p:cNvPr>
+          <p:cNvSpPr/>
+          <p:nvPr/>
+        </p:nvSpPr>
+        <p:spPr>
+          <a:xfrm>
+            <a:off x="1615450" y="4836017"/>
+            <a:ext cx="5797517" cy="1"/>
+          </a:xfrm>
+          <a:prstGeom prst="line">
+            <a:avLst/>
+          </a:prstGeom>
+          <a:ln w="12700">
+            <a:solidFill>
+              <a:srgbClr val="000000"/>
+            </a:solidFill>
+            <a:miter lim="400000"/>
+            <a:tailEnd type="stealth"/>
+          </a:ln>
+        </p:spPr>
+        <p:txBody>
+          <a:bodyPr lIns="35719" tIns="35719" rIns="35719" bIns="35719" anchor="ctr"/>
+          <a:lstStyle/>
+          <a:p>
+            <a:pPr marL="0" marR="0" lvl="0" indent="0" algn="l" defTabSz="914400" rtl="0" eaLnBrk="1" fontAlgn="auto" latinLnBrk="0" hangingPunct="1">
+              <a:lnSpc>
+                <a:spcPct val="100000"/>
+              </a:lnSpc>
+              <a:spcBef>
+                <a:spcPts val="0"/>
+              </a:spcBef>
+              <a:spcAft>
+                <a:spcPts val="0"/>
+              </a:spcAft>
+              <a:buClrTx/>
+              <a:buSzTx/>
+              <a:buFontTx/>
+              <a:buNone/>
+              <a:tabLst/>
+              <a:defRPr sz="2400"/>
+            </a:pPr>
+            <a:endParaRPr kumimoji="0" sz="1687" b="0" i="0" u="none" strike="noStrike" kern="1200" cap="none" spc="0" normalizeH="0" baseline="0" noProof="0">
+              <a:ln>
+                <a:noFill/>
+              </a:ln>
+              <a:solidFill>
+                <a:prstClr val="black"/>
+              </a:solidFill>
+              <a:effectLst/>
+              <a:uLnTx/>
+              <a:uFillTx/>
+              <a:latin typeface="Calibri" panose="020F0502020204030204"/>
+              <a:ea typeface="+mn-ea"/>
+              <a:cs typeface="+mn-cs"/>
+            </a:endParaRPr>
+          </a:p>
+        </p:txBody>
+      </p:sp>
+      <p:sp>
+        <p:nvSpPr>
+          <p:cNvPr id="22" name="Line">
+            <a:extLst>
+              <a:ext uri="{FF2B5EF4-FFF2-40B4-BE49-F238E27FC236}">
+                <a16:creationId xmlns="" xmlns:a16="http://schemas.microsoft.com/office/drawing/2014/main" id="{20317909-EB33-49A9-BAC3-BC2B89BEF262}"/>
+              </a:ext>
+            </a:extLst>
+          </p:cNvPr>
+          <p:cNvSpPr/>
+          <p:nvPr/>
+        </p:nvSpPr>
+        <p:spPr>
+          <a:xfrm flipH="1" flipV="1">
+            <a:off x="1615451" y="3195591"/>
+            <a:ext cx="1304" cy="3129009"/>
+          </a:xfrm>
+          <a:prstGeom prst="line">
+            <a:avLst/>
+          </a:prstGeom>
+          <a:ln w="12700">
+            <a:solidFill>
+              <a:srgbClr val="000000"/>
+            </a:solidFill>
+            <a:miter lim="400000"/>
+            <a:tailEnd type="stealth"/>
+          </a:ln>
+        </p:spPr>
+        <p:txBody>
+          <a:bodyPr lIns="35719" tIns="35719" rIns="35719" bIns="35719" anchor="ctr"/>
+          <a:lstStyle/>
+          <a:p>
+            <a:pPr marL="0" marR="0" lvl="0" indent="0" algn="l" defTabSz="914400" rtl="0" eaLnBrk="1" fontAlgn="auto" latinLnBrk="0" hangingPunct="1">
+              <a:lnSpc>
+                <a:spcPct val="100000"/>
+              </a:lnSpc>
+              <a:spcBef>
+                <a:spcPts val="0"/>
+              </a:spcBef>
+              <a:spcAft>
+                <a:spcPts val="0"/>
+              </a:spcAft>
+              <a:buClrTx/>
+              <a:buSzTx/>
+              <a:buFontTx/>
+              <a:buNone/>
+              <a:tabLst/>
+              <a:defRPr sz="2400"/>
+            </a:pPr>
+            <a:endParaRPr kumimoji="0" sz="1687" b="0" i="0" u="none" strike="noStrike" kern="1200" cap="none" spc="0" normalizeH="0" baseline="0" noProof="0">
+              <a:ln>
+                <a:noFill/>
+              </a:ln>
+              <a:solidFill>
+                <a:prstClr val="black"/>
+              </a:solidFill>
+              <a:effectLst/>
+              <a:uLnTx/>
+              <a:uFillTx/>
+              <a:latin typeface="Calibri" panose="020F0502020204030204"/>
+              <a:ea typeface="+mn-ea"/>
+              <a:cs typeface="+mn-cs"/>
+            </a:endParaRPr>
+          </a:p>
+        </p:txBody>
+      </p:sp>
+      <p:sp>
+        <p:nvSpPr>
+          <p:cNvPr id="23" name="Line">
+            <a:extLst>
+              <a:ext uri="{FF2B5EF4-FFF2-40B4-BE49-F238E27FC236}">
+                <a16:creationId xmlns="" xmlns:a16="http://schemas.microsoft.com/office/drawing/2014/main" id="{CFCE7F8A-2BB7-4E5E-84A5-CDC610A3E8F8}"/>
+              </a:ext>
+            </a:extLst>
+          </p:cNvPr>
+          <p:cNvSpPr/>
+          <p:nvPr/>
+        </p:nvSpPr>
+        <p:spPr>
+          <a:xfrm flipV="1">
+            <a:off x="1626543" y="3583453"/>
+            <a:ext cx="4455878" cy="1252564"/>
+          </a:xfrm>
+          <a:prstGeom prst="line">
+            <a:avLst/>
+          </a:prstGeom>
+          <a:ln w="12700">
+            <a:solidFill>
+              <a:srgbClr val="000000"/>
+            </a:solidFill>
+            <a:miter lim="400000"/>
+            <a:tailEnd type="oval"/>
+          </a:ln>
+        </p:spPr>
+        <p:txBody>
+          <a:bodyPr lIns="35719" tIns="35719" rIns="35719" bIns="35719" anchor="ctr"/>
+          <a:lstStyle/>
+          <a:p>
+            <a:pPr marL="0" marR="0" lvl="0" indent="0" algn="l" defTabSz="914400" rtl="0" eaLnBrk="1" fontAlgn="auto" latinLnBrk="0" hangingPunct="1">
+              <a:lnSpc>
+                <a:spcPct val="100000"/>
+              </a:lnSpc>
+              <a:spcBef>
+                <a:spcPts val="0"/>
+              </a:spcBef>
+              <a:spcAft>
+                <a:spcPts val="0"/>
+              </a:spcAft>
+              <a:buClrTx/>
+              <a:buSzTx/>
+              <a:buFontTx/>
+              <a:buNone/>
+              <a:tabLst/>
+              <a:defRPr sz="2400"/>
+            </a:pPr>
+            <a:endParaRPr kumimoji="0" sz="1687" b="0" i="0" u="none" strike="noStrike" kern="1200" cap="none" spc="0" normalizeH="0" baseline="0" noProof="0">
+              <a:ln>
+                <a:noFill/>
+              </a:ln>
+              <a:solidFill>
+                <a:prstClr val="black"/>
+              </a:solidFill>
+              <a:effectLst/>
+              <a:uLnTx/>
+              <a:uFillTx/>
+              <a:latin typeface="Calibri" panose="020F0502020204030204"/>
+              <a:ea typeface="+mn-ea"/>
+              <a:cs typeface="+mn-cs"/>
+            </a:endParaRPr>
+          </a:p>
+        </p:txBody>
+      </p:sp>
+      <p:sp>
+        <p:nvSpPr>
+          <p:cNvPr id="24" name="Line">
+            <a:extLst>
+              <a:ext uri="{FF2B5EF4-FFF2-40B4-BE49-F238E27FC236}">
+                <a16:creationId xmlns="" xmlns:a16="http://schemas.microsoft.com/office/drawing/2014/main" id="{B2EA8254-F400-469F-9425-D669B614615E}"/>
+              </a:ext>
+            </a:extLst>
+          </p:cNvPr>
+          <p:cNvSpPr/>
+          <p:nvPr/>
+        </p:nvSpPr>
+        <p:spPr>
+          <a:xfrm flipV="1">
+            <a:off x="4955854" y="3293648"/>
+            <a:ext cx="1" cy="2598420"/>
+          </a:xfrm>
+          <a:prstGeom prst="line">
+            <a:avLst/>
+          </a:prstGeom>
+          <a:ln w="50800">
+            <a:solidFill>
+              <a:srgbClr val="FF9300"/>
+            </a:solidFill>
+            <a:miter lim="400000"/>
+          </a:ln>
+        </p:spPr>
+        <p:txBody>
+          <a:bodyPr lIns="35719" tIns="35719" rIns="35719" bIns="35719" anchor="ctr"/>
+          <a:lstStyle/>
+          <a:p>
+            <a:pPr marL="0" marR="0" lvl="0" indent="0" algn="l" defTabSz="914400" rtl="0" eaLnBrk="1" fontAlgn="auto" latinLnBrk="0" hangingPunct="1">
+              <a:lnSpc>
+                <a:spcPct val="100000"/>
+              </a:lnSpc>
+              <a:spcBef>
+                <a:spcPts val="0"/>
+              </a:spcBef>
+              <a:spcAft>
+                <a:spcPts val="0"/>
+              </a:spcAft>
+              <a:buClrTx/>
+              <a:buSzTx/>
+              <a:buFontTx/>
+              <a:buNone/>
+              <a:tabLst/>
+              <a:defRPr sz="2400"/>
+            </a:pPr>
+            <a:endParaRPr kumimoji="0" sz="1687" b="0" i="0" u="none" strike="noStrike" kern="1200" cap="none" spc="0" normalizeH="0" baseline="0" noProof="0">
+              <a:ln>
+                <a:noFill/>
+              </a:ln>
+              <a:solidFill>
+                <a:prstClr val="black"/>
+              </a:solidFill>
+              <a:effectLst/>
+              <a:uLnTx/>
+              <a:uFillTx/>
+              <a:latin typeface="Calibri" panose="020F0502020204030204"/>
+              <a:ea typeface="+mn-ea"/>
+              <a:cs typeface="+mn-cs"/>
+            </a:endParaRPr>
+          </a:p>
+        </p:txBody>
+      </p:sp>
+      <p:sp>
+        <p:nvSpPr>
+          <p:cNvPr id="25" name="Line">
+            <a:extLst>
+              <a:ext uri="{FF2B5EF4-FFF2-40B4-BE49-F238E27FC236}">
+                <a16:creationId xmlns="" xmlns:a16="http://schemas.microsoft.com/office/drawing/2014/main" id="{1E221104-E6C8-43EA-B19F-318C5FF76F76}"/>
+              </a:ext>
+            </a:extLst>
+          </p:cNvPr>
+          <p:cNvSpPr/>
+          <p:nvPr/>
+        </p:nvSpPr>
+        <p:spPr>
+          <a:xfrm>
+            <a:off x="1706720" y="5598139"/>
+            <a:ext cx="4305026" cy="1"/>
+          </a:xfrm>
+          <a:prstGeom prst="line">
+            <a:avLst/>
+          </a:prstGeom>
+          <a:ln w="25400">
+            <a:solidFill>
+              <a:srgbClr val="000000"/>
+            </a:solidFill>
+            <a:miter lim="400000"/>
+            <a:headEnd type="stealth"/>
+            <a:tailEnd type="stealth"/>
+          </a:ln>
+        </p:spPr>
+        <p:txBody>
+          <a:bodyPr lIns="35719" tIns="35719" rIns="35719" bIns="35719" anchor="ctr"/>
+          <a:lstStyle/>
+          <a:p>
+            <a:pPr marL="0" marR="0" lvl="0" indent="0" algn="l" defTabSz="914400" rtl="0" eaLnBrk="1" fontAlgn="auto" latinLnBrk="0" hangingPunct="1">
+              <a:lnSpc>
+                <a:spcPct val="100000"/>
+              </a:lnSpc>
+              <a:spcBef>
+                <a:spcPts val="0"/>
+              </a:spcBef>
+              <a:spcAft>
+                <a:spcPts val="0"/>
+              </a:spcAft>
+              <a:buClrTx/>
+              <a:buSzTx/>
+              <a:buFontTx/>
+              <a:buNone/>
+              <a:tabLst/>
+              <a:defRPr sz="2400"/>
+            </a:pPr>
+            <a:endParaRPr kumimoji="0" sz="1687" b="0" i="0" u="none" strike="noStrike" kern="1200" cap="none" spc="0" normalizeH="0" baseline="0" noProof="0">
+              <a:ln>
+                <a:noFill/>
+              </a:ln>
+              <a:solidFill>
+                <a:prstClr val="black"/>
+              </a:solidFill>
+              <a:effectLst/>
+              <a:uLnTx/>
+              <a:uFillTx/>
+              <a:latin typeface="Calibri" panose="020F0502020204030204"/>
+              <a:ea typeface="+mn-ea"/>
+              <a:cs typeface="+mn-cs"/>
+            </a:endParaRPr>
+          </a:p>
+        </p:txBody>
+      </p:sp>
+      <p:pic>
+        <p:nvPicPr>
+          <p:cNvPr id="26" name="latex-image-16.pdf" descr="latex-image-16.pdf">
+            <a:extLst>
+              <a:ext uri="{FF2B5EF4-FFF2-40B4-BE49-F238E27FC236}">
+                <a16:creationId xmlns="" xmlns:a16="http://schemas.microsoft.com/office/drawing/2014/main" id="{BDD6B143-6F87-4BB9-90AE-BF2A95B7D8C8}"/>
+              </a:ext>
+            </a:extLst>
+          </p:cNvPr>
+          <p:cNvPicPr>
+            <a:picLocks noChangeAspect="1"/>
+          </p:cNvPicPr>
+          <p:nvPr/>
+        </p:nvPicPr>
+        <p:blipFill>
+          <a:blip r:embed="rId3"/>
+          <a:stretch>
+            <a:fillRect/>
+          </a:stretch>
+        </p:blipFill>
+        <p:spPr>
+          <a:xfrm>
+            <a:off x="3395230" y="5066226"/>
+            <a:ext cx="110315" cy="263208"/>
+          </a:xfrm>
+          <a:prstGeom prst="rect">
+            <a:avLst/>
+          </a:prstGeom>
+          <a:ln w="12700">
+            <a:miter lim="400000"/>
+          </a:ln>
+        </p:spPr>
+      </p:pic>
+      <p:sp>
+        <p:nvSpPr>
+          <p:cNvPr id="27" name="Line">
+            <a:extLst>
+              <a:ext uri="{FF2B5EF4-FFF2-40B4-BE49-F238E27FC236}">
+                <a16:creationId xmlns="" xmlns:a16="http://schemas.microsoft.com/office/drawing/2014/main" id="{C31570D2-58B3-4F94-B572-FFC32E679E3E}"/>
+              </a:ext>
+            </a:extLst>
+          </p:cNvPr>
+          <p:cNvSpPr/>
+          <p:nvPr/>
+        </p:nvSpPr>
+        <p:spPr>
+          <a:xfrm>
+            <a:off x="1626147" y="3578770"/>
+            <a:ext cx="4403609" cy="1"/>
+          </a:xfrm>
+          <a:prstGeom prst="line">
+            <a:avLst/>
+          </a:prstGeom>
+          <a:ln w="12700">
+            <a:solidFill>
+              <a:srgbClr val="000000"/>
+            </a:solidFill>
+            <a:custDash>
+              <a:ds d="200000" sp="200000"/>
+            </a:custDash>
+            <a:miter lim="400000"/>
+          </a:ln>
+        </p:spPr>
+        <p:txBody>
+          <a:bodyPr lIns="35719" tIns="35719" rIns="35719" bIns="35719" anchor="ctr"/>
+          <a:lstStyle/>
+          <a:p>
+            <a:pPr marL="0" marR="0" lvl="0" indent="0" algn="l" defTabSz="914400" rtl="0" eaLnBrk="1" fontAlgn="auto" latinLnBrk="0" hangingPunct="1">
+              <a:lnSpc>
+                <a:spcPct val="100000"/>
+              </a:lnSpc>
+              <a:spcBef>
+                <a:spcPts val="0"/>
+              </a:spcBef>
+              <a:spcAft>
+                <a:spcPts val="0"/>
+              </a:spcAft>
+              <a:buClrTx/>
+              <a:buSzTx/>
+              <a:buFontTx/>
+              <a:buNone/>
+              <a:tabLst/>
+              <a:defRPr sz="2400"/>
+            </a:pPr>
+            <a:endParaRPr kumimoji="0" sz="1687" b="0" i="0" u="none" strike="noStrike" kern="1200" cap="none" spc="0" normalizeH="0" baseline="0" noProof="0">
+              <a:ln>
+                <a:noFill/>
+              </a:ln>
+              <a:solidFill>
+                <a:prstClr val="black"/>
+              </a:solidFill>
+              <a:effectLst/>
+              <a:uLnTx/>
+              <a:uFillTx/>
+              <a:latin typeface="Calibri" panose="020F0502020204030204"/>
+              <a:ea typeface="+mn-ea"/>
+              <a:cs typeface="+mn-cs"/>
+            </a:endParaRPr>
+          </a:p>
+        </p:txBody>
+      </p:sp>
+      <p:sp>
+        <p:nvSpPr>
+          <p:cNvPr id="28" name="Line">
+            <a:extLst>
+              <a:ext uri="{FF2B5EF4-FFF2-40B4-BE49-F238E27FC236}">
+                <a16:creationId xmlns="" xmlns:a16="http://schemas.microsoft.com/office/drawing/2014/main" id="{5618E265-A02B-4EE7-ABD5-AB30E10312EF}"/>
+              </a:ext>
+            </a:extLst>
+          </p:cNvPr>
+          <p:cNvSpPr/>
+          <p:nvPr/>
+        </p:nvSpPr>
+        <p:spPr>
+          <a:xfrm>
+            <a:off x="6063489" y="3653718"/>
+            <a:ext cx="1" cy="1146315"/>
+          </a:xfrm>
+          <a:prstGeom prst="line">
+            <a:avLst/>
+          </a:prstGeom>
+          <a:ln w="12700">
+            <a:solidFill>
+              <a:srgbClr val="000000"/>
+            </a:solidFill>
+            <a:custDash>
+              <a:ds d="200000" sp="200000"/>
+            </a:custDash>
+            <a:miter lim="400000"/>
+          </a:ln>
+        </p:spPr>
+        <p:txBody>
+          <a:bodyPr lIns="35719" tIns="35719" rIns="35719" bIns="35719" anchor="ctr"/>
+          <a:lstStyle/>
+          <a:p>
+            <a:pPr marL="0" marR="0" lvl="0" indent="0" algn="l" defTabSz="914400" rtl="0" eaLnBrk="1" fontAlgn="auto" latinLnBrk="0" hangingPunct="1">
+              <a:lnSpc>
+                <a:spcPct val="100000"/>
+              </a:lnSpc>
+              <a:spcBef>
+                <a:spcPts val="0"/>
+              </a:spcBef>
+              <a:spcAft>
+                <a:spcPts val="0"/>
+              </a:spcAft>
+              <a:buClrTx/>
+              <a:buSzTx/>
+              <a:buFontTx/>
+              <a:buNone/>
+              <a:tabLst/>
+              <a:defRPr sz="2400"/>
+            </a:pPr>
+            <a:endParaRPr kumimoji="0" sz="1687" b="0" i="0" u="none" strike="noStrike" kern="1200" cap="none" spc="0" normalizeH="0" baseline="0" noProof="0">
+              <a:ln>
+                <a:noFill/>
+              </a:ln>
+              <a:solidFill>
+                <a:prstClr val="black"/>
+              </a:solidFill>
+              <a:effectLst/>
+              <a:uLnTx/>
+              <a:uFillTx/>
+              <a:latin typeface="Calibri" panose="020F0502020204030204"/>
+              <a:ea typeface="+mn-ea"/>
+              <a:cs typeface="+mn-cs"/>
+            </a:endParaRPr>
+          </a:p>
+        </p:txBody>
+      </p:sp>
+      <p:pic>
+        <p:nvPicPr>
+          <p:cNvPr id="29" name="latex-image-9.pdf" descr="latex-image-9.pdf">
+            <a:extLst>
+              <a:ext uri="{FF2B5EF4-FFF2-40B4-BE49-F238E27FC236}">
+                <a16:creationId xmlns="" xmlns:a16="http://schemas.microsoft.com/office/drawing/2014/main" id="{56934696-D087-469F-AE86-09C34957A015}"/>
+              </a:ext>
+            </a:extLst>
+          </p:cNvPr>
+          <p:cNvPicPr>
+            <a:picLocks noChangeAspect="1"/>
+          </p:cNvPicPr>
+          <p:nvPr/>
+        </p:nvPicPr>
+        <p:blipFill>
+          <a:blip r:embed="rId4"/>
+          <a:stretch>
+            <a:fillRect/>
+          </a:stretch>
+        </p:blipFill>
+        <p:spPr>
+          <a:xfrm>
+            <a:off x="1761877" y="3097533"/>
+            <a:ext cx="110315" cy="196116"/>
+          </a:xfrm>
+          <a:prstGeom prst="rect">
+            <a:avLst/>
+          </a:prstGeom>
+          <a:ln w="12700">
+            <a:miter lim="400000"/>
+          </a:ln>
+        </p:spPr>
+      </p:pic>
+      <p:pic>
+        <p:nvPicPr>
+          <p:cNvPr id="30" name="latex-image-10.pdf" descr="latex-image-10.pdf">
+            <a:extLst>
+              <a:ext uri="{FF2B5EF4-FFF2-40B4-BE49-F238E27FC236}">
+                <a16:creationId xmlns="" xmlns:a16="http://schemas.microsoft.com/office/drawing/2014/main" id="{5EED9044-D51D-4B00-BB8F-73A2CE40C7B9}"/>
+              </a:ext>
+            </a:extLst>
+          </p:cNvPr>
+          <p:cNvPicPr>
+            <a:picLocks noChangeAspect="1"/>
+          </p:cNvPicPr>
+          <p:nvPr/>
+        </p:nvPicPr>
+        <p:blipFill>
+          <a:blip r:embed="rId5"/>
+          <a:stretch>
+            <a:fillRect/>
+          </a:stretch>
+        </p:blipFill>
+        <p:spPr>
+          <a:xfrm>
+            <a:off x="7324553" y="4971292"/>
+            <a:ext cx="110315" cy="147087"/>
+          </a:xfrm>
+          <a:prstGeom prst="rect">
+            <a:avLst/>
+          </a:prstGeom>
+          <a:ln w="12700">
+            <a:miter lim="400000"/>
+          </a:ln>
+        </p:spPr>
+      </p:pic>
+      <p:sp>
+        <p:nvSpPr>
+          <p:cNvPr id="35" name="Line">
+            <a:extLst>
+              <a:ext uri="{FF2B5EF4-FFF2-40B4-BE49-F238E27FC236}">
+                <a16:creationId xmlns="" xmlns:a16="http://schemas.microsoft.com/office/drawing/2014/main" id="{D588B166-477A-486B-B434-ED26FD2F6882}"/>
+              </a:ext>
+            </a:extLst>
+          </p:cNvPr>
+          <p:cNvSpPr/>
+          <p:nvPr/>
+        </p:nvSpPr>
+        <p:spPr>
+          <a:xfrm>
+            <a:off x="1675438" y="4964517"/>
+            <a:ext cx="3221732" cy="1"/>
+          </a:xfrm>
+          <a:prstGeom prst="line">
+            <a:avLst/>
+          </a:prstGeom>
+          <a:ln w="25400">
+            <a:solidFill>
+              <a:srgbClr val="000000"/>
+            </a:solidFill>
+            <a:miter lim="400000"/>
+            <a:headEnd type="stealth"/>
+            <a:tailEnd type="stealth"/>
+          </a:ln>
+        </p:spPr>
+        <p:txBody>
+          <a:bodyPr lIns="35719" tIns="35719" rIns="35719" bIns="35719" anchor="ctr"/>
+          <a:lstStyle/>
+          <a:p>
+            <a:pPr marL="0" marR="0" lvl="0" indent="0" algn="l" defTabSz="914400" rtl="0" eaLnBrk="1" fontAlgn="auto" latinLnBrk="0" hangingPunct="1">
+              <a:lnSpc>
+                <a:spcPct val="100000"/>
+              </a:lnSpc>
+              <a:spcBef>
+                <a:spcPts val="0"/>
+              </a:spcBef>
+              <a:spcAft>
+                <a:spcPts val="0"/>
+              </a:spcAft>
+              <a:buClrTx/>
+              <a:buSzTx/>
+              <a:buFontTx/>
+              <a:buNone/>
+              <a:tabLst/>
+              <a:defRPr sz="2400"/>
+            </a:pPr>
+            <a:endParaRPr kumimoji="0" sz="1687" b="0" i="0" u="none" strike="noStrike" kern="1200" cap="none" spc="0" normalizeH="0" baseline="0" noProof="0">
+              <a:ln>
+                <a:noFill/>
+              </a:ln>
+              <a:solidFill>
+                <a:prstClr val="black"/>
+              </a:solidFill>
+              <a:effectLst/>
+              <a:uLnTx/>
+              <a:uFillTx/>
+              <a:latin typeface="Calibri" panose="020F0502020204030204"/>
+              <a:ea typeface="+mn-ea"/>
+              <a:cs typeface="+mn-cs"/>
+            </a:endParaRPr>
+          </a:p>
+        </p:txBody>
+      </p:sp>
+      <p:pic>
+        <p:nvPicPr>
+          <p:cNvPr id="36" name="latex-image-19.pdf" descr="latex-image-19.pdf">
+            <a:extLst>
+              <a:ext uri="{FF2B5EF4-FFF2-40B4-BE49-F238E27FC236}">
+                <a16:creationId xmlns="" xmlns:a16="http://schemas.microsoft.com/office/drawing/2014/main" id="{2BE79391-AD0C-4465-B935-129E942F843B}"/>
+              </a:ext>
+            </a:extLst>
+          </p:cNvPr>
+          <p:cNvPicPr>
+            <a:picLocks noChangeAspect="1"/>
+          </p:cNvPicPr>
+          <p:nvPr/>
+        </p:nvPicPr>
+        <p:blipFill>
+          <a:blip r:embed="rId6"/>
+          <a:stretch>
+            <a:fillRect/>
+          </a:stretch>
+        </p:blipFill>
+        <p:spPr>
+          <a:xfrm>
+            <a:off x="3912437" y="5750487"/>
+            <a:ext cx="167432" cy="223243"/>
+          </a:xfrm>
+          <a:prstGeom prst="rect">
+            <a:avLst/>
+          </a:prstGeom>
+          <a:ln w="12700">
+            <a:miter lim="400000"/>
+          </a:ln>
+        </p:spPr>
+      </p:pic>
+      <p:sp>
+        <p:nvSpPr>
+          <p:cNvPr id="37" name="image plane">
+            <a:extLst>
+              <a:ext uri="{FF2B5EF4-FFF2-40B4-BE49-F238E27FC236}">
+                <a16:creationId xmlns="" xmlns:a16="http://schemas.microsoft.com/office/drawing/2014/main" id="{3AACB0FB-3B39-4658-B30D-ED97EE3A46A0}"/>
+              </a:ext>
+            </a:extLst>
+          </p:cNvPr>
+          <p:cNvSpPr txBox="1"/>
+          <p:nvPr/>
+        </p:nvSpPr>
+        <p:spPr>
+          <a:xfrm>
+            <a:off x="4109614" y="2876799"/>
+            <a:ext cx="1575111" cy="441468"/>
+          </a:xfrm>
+          <a:prstGeom prst="rect">
+            <a:avLst/>
+          </a:prstGeom>
+          <a:ln w="12700">
+            <a:miter lim="400000"/>
+          </a:ln>
+          <a:extLst>
+            <a:ext uri="{C572A759-6A51-4108-AA02-DFA0A04FC94B}">
+              <ma14:wrappingTextBoxFlag xmlns="" xmlns:ma14="http://schemas.microsoft.com/office/mac/drawingml/2011/main" val="1"/>
+            </a:ext>
+          </a:extLst>
+        </p:spPr>
+        <p:txBody>
+          <a:bodyPr wrap="none" lIns="35719" tIns="35719" rIns="35719" bIns="35719" anchor="ctr">
+            <a:spAutoFit/>
+          </a:bodyPr>
+          <a:lstStyle>
+            <a:lvl1pPr>
+              <a:defRPr sz="2400"/>
+            </a:lvl1pPr>
+          </a:lstStyle>
+          <a:p>
+            <a:pPr marL="0" marR="0" lvl="0" indent="0" algn="l" defTabSz="914400" rtl="0" eaLnBrk="1" fontAlgn="auto" latinLnBrk="0" hangingPunct="1">
+              <a:lnSpc>
+                <a:spcPct val="100000"/>
+              </a:lnSpc>
+              <a:spcBef>
+                <a:spcPts val="0"/>
+              </a:spcBef>
+              <a:spcAft>
+                <a:spcPts val="0"/>
+              </a:spcAft>
+              <a:buClrTx/>
+              <a:buSzTx/>
+              <a:buFontTx/>
+              <a:buNone/>
+              <a:tabLst/>
+              <a:defRPr/>
+            </a:pPr>
+            <a:r>
+              <a:rPr kumimoji="0" lang="en-US" sz="2400" b="0" i="0" u="none" strike="noStrike" kern="1200" cap="none" spc="0" normalizeH="0" baseline="0" noProof="0" dirty="0">
+                <a:ln>
+                  <a:noFill/>
+                </a:ln>
+                <a:solidFill>
+                  <a:prstClr val="black"/>
+                </a:solidFill>
+                <a:effectLst/>
+                <a:uLnTx/>
+                <a:uFillTx/>
+                <a:latin typeface="Calibri Light" panose="020F0302020204030204"/>
+                <a:ea typeface="+mn-ea"/>
+                <a:cs typeface="+mn-cs"/>
+              </a:rPr>
+              <a:t>image plane</a:t>
+            </a:r>
+            <a:endParaRPr kumimoji="0" sz="2400" b="0" i="0" u="none" strike="noStrike" kern="1200" cap="none" spc="0" normalizeH="0" baseline="0" noProof="0" dirty="0">
+              <a:ln>
+                <a:noFill/>
+              </a:ln>
+              <a:solidFill>
+                <a:prstClr val="black"/>
+              </a:solidFill>
+              <a:effectLst/>
+              <a:uLnTx/>
+              <a:uFillTx/>
+              <a:latin typeface="Calibri Light" panose="020F0302020204030204"/>
+              <a:ea typeface="+mn-ea"/>
+              <a:cs typeface="+mn-cs"/>
+            </a:endParaRPr>
+          </a:p>
+        </p:txBody>
+      </p:sp>
+      <p:sp>
+        <p:nvSpPr>
+          <p:cNvPr id="39" name="Line">
+            <a:extLst>
+              <a:ext uri="{FF2B5EF4-FFF2-40B4-BE49-F238E27FC236}">
+                <a16:creationId xmlns="" xmlns:a16="http://schemas.microsoft.com/office/drawing/2014/main" id="{CBB16738-1D94-474D-9910-5CCE87D9618F}"/>
+              </a:ext>
+            </a:extLst>
+          </p:cNvPr>
+          <p:cNvSpPr/>
+          <p:nvPr/>
+        </p:nvSpPr>
+        <p:spPr>
+          <a:xfrm rot="5400000">
+            <a:off x="4688849" y="4381684"/>
+            <a:ext cx="836696" cy="0"/>
+          </a:xfrm>
+          <a:prstGeom prst="line">
+            <a:avLst/>
+          </a:prstGeom>
+          <a:ln w="25400">
+            <a:solidFill>
+              <a:srgbClr val="000000"/>
+            </a:solidFill>
+            <a:miter lim="400000"/>
+            <a:headEnd type="stealth"/>
+            <a:tailEnd type="stealth"/>
+          </a:ln>
+        </p:spPr>
+        <p:txBody>
+          <a:bodyPr lIns="35719" tIns="35719" rIns="35719" bIns="35719" anchor="ctr"/>
+          <a:lstStyle/>
+          <a:p>
+            <a:pPr marL="0" marR="0" lvl="0" indent="0" algn="l" defTabSz="914400" rtl="0" eaLnBrk="1" fontAlgn="auto" latinLnBrk="0" hangingPunct="1">
+              <a:lnSpc>
+                <a:spcPct val="100000"/>
+              </a:lnSpc>
+              <a:spcBef>
+                <a:spcPts val="0"/>
+              </a:spcBef>
+              <a:spcAft>
+                <a:spcPts val="0"/>
+              </a:spcAft>
+              <a:buClrTx/>
+              <a:buSzTx/>
+              <a:buFontTx/>
+              <a:buNone/>
+              <a:tabLst/>
+              <a:defRPr sz="2400"/>
+            </a:pPr>
+            <a:endParaRPr kumimoji="0" sz="1687" b="0" i="0" u="none" strike="noStrike" kern="1200" cap="none" spc="0" normalizeH="0" baseline="0" noProof="0">
+              <a:ln>
+                <a:noFill/>
+              </a:ln>
+              <a:solidFill>
+                <a:prstClr val="black"/>
+              </a:solidFill>
+              <a:effectLst/>
+              <a:uLnTx/>
+              <a:uFillTx/>
+              <a:latin typeface="Calibri" panose="020F0502020204030204"/>
+              <a:ea typeface="+mn-ea"/>
+              <a:cs typeface="+mn-cs"/>
+            </a:endParaRPr>
+          </a:p>
+        </p:txBody>
+      </p:sp>
+      <p:sp>
+        <p:nvSpPr>
+          <p:cNvPr id="40" name="Line">
+            <a:extLst>
+              <a:ext uri="{FF2B5EF4-FFF2-40B4-BE49-F238E27FC236}">
+                <a16:creationId xmlns="" xmlns:a16="http://schemas.microsoft.com/office/drawing/2014/main" id="{89360157-AF07-4DE0-BDA1-1F720EA662B4}"/>
+              </a:ext>
+            </a:extLst>
+          </p:cNvPr>
+          <p:cNvSpPr/>
+          <p:nvPr/>
+        </p:nvSpPr>
+        <p:spPr>
+          <a:xfrm>
+            <a:off x="4955853" y="3906563"/>
+            <a:ext cx="388373" cy="0"/>
+          </a:xfrm>
+          <a:prstGeom prst="line">
+            <a:avLst/>
+          </a:prstGeom>
+          <a:ln w="12700">
+            <a:solidFill>
+              <a:srgbClr val="000000"/>
+            </a:solidFill>
+            <a:custDash>
+              <a:ds d="200000" sp="200000"/>
+            </a:custDash>
+            <a:miter lim="400000"/>
+          </a:ln>
+        </p:spPr>
+        <p:txBody>
+          <a:bodyPr lIns="35719" tIns="35719" rIns="35719" bIns="35719" anchor="ctr"/>
+          <a:lstStyle/>
+          <a:p>
+            <a:pPr marL="0" marR="0" lvl="0" indent="0" algn="l" defTabSz="914400" rtl="0" eaLnBrk="1" fontAlgn="auto" latinLnBrk="0" hangingPunct="1">
+              <a:lnSpc>
+                <a:spcPct val="100000"/>
+              </a:lnSpc>
+              <a:spcBef>
+                <a:spcPts val="0"/>
+              </a:spcBef>
+              <a:spcAft>
+                <a:spcPts val="0"/>
+              </a:spcAft>
+              <a:buClrTx/>
+              <a:buSzTx/>
+              <a:buFontTx/>
+              <a:buNone/>
+              <a:tabLst/>
+              <a:defRPr sz="2400"/>
+            </a:pPr>
+            <a:endParaRPr kumimoji="0" sz="1687" b="0" i="0" u="none" strike="noStrike" kern="1200" cap="none" spc="0" normalizeH="0" baseline="0" noProof="0">
+              <a:ln>
+                <a:noFill/>
+              </a:ln>
+              <a:solidFill>
+                <a:prstClr val="black"/>
+              </a:solidFill>
+              <a:effectLst/>
+              <a:uLnTx/>
+              <a:uFillTx/>
+              <a:latin typeface="Calibri" panose="020F0502020204030204"/>
+              <a:ea typeface="+mn-ea"/>
+              <a:cs typeface="+mn-cs"/>
+            </a:endParaRPr>
+          </a:p>
+        </p:txBody>
+      </p:sp>
+      <p:pic>
+        <p:nvPicPr>
+          <p:cNvPr id="32" name="Picture 2" descr="https://latex.codecogs.com/gif.latex?%5Cdpi%7B300%7D%20%5Cbegin%7Bbmatrix%7Dx%20%5C%5C%20y%20%5C%5C%20z%20%5Cend%7Bbmatrix%7D"/>
+          <p:cNvPicPr>
+            <a:picLocks noGrp="1" noChangeAspect="1" noChangeArrowheads="1"/>
+          </p:cNvPicPr>
+          <p:nvPr>
+            <p:ph idx="1"/>
+          </p:nvPr>
+        </p:nvPicPr>
+        <p:blipFill>
+          <a:blip r:embed="rId7">
+            <a:extLst>
+              <a:ext uri="{28A0092B-C50C-407E-A947-70E740481C1C}">
+                <a14:useLocalDpi xmlns:a14="http://schemas.microsoft.com/office/drawing/2010/main" val="0"/>
+              </a:ext>
+            </a:extLst>
+          </a:blip>
+          <a:srcRect/>
+          <a:stretch>
+            <a:fillRect/>
+          </a:stretch>
+        </p:blipFill>
+        <p:spPr bwMode="auto">
+          <a:xfrm>
+            <a:off x="6248400" y="3011753"/>
+            <a:ext cx="331629" cy="957445"/>
+          </a:xfrm>
+          <a:prstGeom prst="rect">
+            <a:avLst/>
+          </a:prstGeom>
+          <a:noFill/>
+          <a:extLst>
+            <a:ext uri="{909E8E84-426E-40DD-AFC4-6F175D3DCCD1}">
+              <a14:hiddenFill xmlns:a14="http://schemas.microsoft.com/office/drawing/2010/main">
+                <a:solidFill>
+                  <a:srgbClr val="FFFFFF"/>
+                </a:solidFill>
+              </a14:hiddenFill>
+            </a:ext>
+          </a:extLst>
+        </p:spPr>
+      </p:pic>
+      <p:pic>
+        <p:nvPicPr>
+          <p:cNvPr id="33" name="Picture 4" descr="https://latex.codecogs.com/gif.latex?%5Cdpi%7B300%7D%20%5Cbegin%7Bbmatrix%7Du%20%5C%5C%20v%20%5Cend%7Bbmatrix%7D"/>
+          <p:cNvPicPr>
+            <a:picLocks noChangeAspect="1" noChangeArrowheads="1"/>
+          </p:cNvPicPr>
+          <p:nvPr/>
+        </p:nvPicPr>
+        <p:blipFill>
+          <a:blip r:embed="rId8">
+            <a:extLst>
+              <a:ext uri="{28A0092B-C50C-407E-A947-70E740481C1C}">
+                <a14:useLocalDpi xmlns:a14="http://schemas.microsoft.com/office/drawing/2010/main" val="0"/>
+              </a:ext>
+            </a:extLst>
+          </a:blip>
+          <a:srcRect/>
+          <a:stretch>
+            <a:fillRect/>
+          </a:stretch>
+        </p:blipFill>
+        <p:spPr bwMode="auto">
+          <a:xfrm>
+            <a:off x="4586285" y="3653718"/>
+            <a:ext cx="310884" cy="666181"/>
+          </a:xfrm>
+          <a:prstGeom prst="rect">
+            <a:avLst/>
+          </a:prstGeom>
+          <a:noFill/>
+          <a:extLst>
+            <a:ext uri="{909E8E84-426E-40DD-AFC4-6F175D3DCCD1}">
+              <a14:hiddenFill xmlns:a14="http://schemas.microsoft.com/office/drawing/2010/main">
+                <a:solidFill>
+                  <a:srgbClr val="FFFFFF"/>
+                </a:solidFill>
+              </a14:hiddenFill>
+            </a:ext>
+          </a:extLst>
+        </p:spPr>
+      </p:pic>
+      <p:pic>
+        <p:nvPicPr>
+          <p:cNvPr id="41" name="latex-image-9.pdf" descr="latex-image-9.pdf">
+            <a:extLst>
+              <a:ext uri="{FF2B5EF4-FFF2-40B4-BE49-F238E27FC236}">
+                <a16:creationId xmlns="" xmlns:a16="http://schemas.microsoft.com/office/drawing/2014/main" id="{56934696-D087-469F-AE86-09C34957A015}"/>
+              </a:ext>
+            </a:extLst>
+          </p:cNvPr>
+          <p:cNvPicPr>
+            <a:picLocks noChangeAspect="1"/>
+          </p:cNvPicPr>
+          <p:nvPr/>
+        </p:nvPicPr>
+        <p:blipFill>
+          <a:blip r:embed="rId4"/>
+          <a:stretch>
+            <a:fillRect/>
+          </a:stretch>
+        </p:blipFill>
+        <p:spPr>
+          <a:xfrm>
+            <a:off x="6248400" y="4226875"/>
+            <a:ext cx="110315" cy="196116"/>
+          </a:xfrm>
+          <a:prstGeom prst="rect">
+            <a:avLst/>
+          </a:prstGeom>
+          <a:ln w="12700">
+            <a:miter lim="400000"/>
+          </a:ln>
+        </p:spPr>
+      </p:pic>
+      <p:pic>
+        <p:nvPicPr>
+          <p:cNvPr id="4098" name="Picture 2" descr="https://latex.codecogs.com/gif.latex?%5Cdpi%7B300%7D%20v"/>
+          <p:cNvPicPr>
+            <a:picLocks noChangeAspect="1" noChangeArrowheads="1"/>
+          </p:cNvPicPr>
+          <p:nvPr/>
+        </p:nvPicPr>
+        <p:blipFill>
+          <a:blip r:embed="rId9">
+            <a:extLst>
+              <a:ext uri="{28A0092B-C50C-407E-A947-70E740481C1C}">
+                <a14:useLocalDpi xmlns:a14="http://schemas.microsoft.com/office/drawing/2010/main" val="0"/>
+              </a:ext>
+            </a:extLst>
+          </a:blip>
+          <a:srcRect/>
+          <a:stretch>
+            <a:fillRect/>
+          </a:stretch>
+        </p:blipFill>
+        <p:spPr bwMode="auto">
+          <a:xfrm>
+            <a:off x="5177040" y="4300921"/>
+            <a:ext cx="161526" cy="161526"/>
+          </a:xfrm>
+          <a:prstGeom prst="rect">
+            <a:avLst/>
+          </a:prstGeom>
+          <a:noFill/>
+          <a:extLst>
+            <a:ext uri="{909E8E84-426E-40DD-AFC4-6F175D3DCCD1}">
+              <a14:hiddenFill xmlns:a14="http://schemas.microsoft.com/office/drawing/2010/main">
+                <a:solidFill>
+                  <a:srgbClr val="FFFFFF"/>
+                </a:solidFill>
+              </a14:hiddenFill>
+            </a:ext>
+          </a:extLst>
+        </p:spPr>
+      </p:pic>
+      <p:sp>
+        <p:nvSpPr>
+          <p:cNvPr id="42" name="Content Placeholder 2"/>
+          <p:cNvSpPr txBox="1">
+            <a:spLocks/>
+          </p:cNvSpPr>
+          <p:nvPr/>
+        </p:nvSpPr>
+        <p:spPr>
+          <a:xfrm>
+            <a:off x="152400" y="762000"/>
+            <a:ext cx="8839200" cy="5715000"/>
+          </a:xfrm>
+          <a:prstGeom prst="rect">
+            <a:avLst/>
+          </a:prstGeom>
+        </p:spPr>
+        <p:txBody>
+          <a:bodyPr vert="horz" lIns="91440" tIns="45720" rIns="91440" bIns="45720" rtlCol="0">
+            <a:normAutofit/>
+          </a:bodyPr>
+          <a:lstStyle>
+            <a:lvl1pPr marL="342900" indent="-342900" algn="l" defTabSz="914400" rtl="0" eaLnBrk="1" latinLnBrk="0" hangingPunct="1">
+              <a:spcBef>
+                <a:spcPct val="20000"/>
+              </a:spcBef>
+              <a:buFont typeface="Arial" pitchFamily="34" charset="0"/>
+              <a:buChar char="•"/>
+              <a:defRPr sz="2800" kern="1200">
+                <a:solidFill>
+                  <a:schemeClr val="tx1"/>
+                </a:solidFill>
+                <a:latin typeface="+mn-lt"/>
+                <a:ea typeface="+mn-ea"/>
+                <a:cs typeface="+mn-cs"/>
+              </a:defRPr>
+            </a:lvl1pPr>
+            <a:lvl2pPr marL="742950" indent="-285750" algn="l" defTabSz="914400" rtl="0" eaLnBrk="1" latinLnBrk="0" hangingPunct="1">
+              <a:spcBef>
+                <a:spcPct val="20000"/>
+              </a:spcBef>
+              <a:buFont typeface="Arial" pitchFamily="34" charset="0"/>
+              <a:buChar char="–"/>
+              <a:defRPr sz="2600" kern="1200">
+                <a:solidFill>
+                  <a:schemeClr val="tx1"/>
+                </a:solidFill>
+                <a:latin typeface="+mn-lt"/>
+                <a:ea typeface="+mn-ea"/>
+                <a:cs typeface="+mn-cs"/>
+              </a:defRPr>
+            </a:lvl2pPr>
+            <a:lvl3pPr marL="1143000" indent="-228600" algn="l" defTabSz="914400" rtl="0" eaLnBrk="1" latinLnBrk="0" hangingPunct="1">
+              <a:spcBef>
+                <a:spcPct val="20000"/>
+              </a:spcBef>
+              <a:buFont typeface="Arial" pitchFamily="34" charset="0"/>
+              <a:buChar char="•"/>
+              <a:defRPr sz="2400" kern="1200">
+                <a:solidFill>
+                  <a:schemeClr val="tx1"/>
+                </a:solidFill>
+                <a:latin typeface="+mn-lt"/>
+                <a:ea typeface="+mn-ea"/>
+                <a:cs typeface="+mn-cs"/>
+              </a:defRPr>
+            </a:lvl3pPr>
+            <a:lvl4pPr marL="1600200" indent="-228600" algn="l" defTabSz="914400" rtl="0" eaLnBrk="1" latinLnBrk="0" hangingPunct="1">
+              <a:spcBef>
+                <a:spcPct val="20000"/>
+              </a:spcBef>
+              <a:buFont typeface="Arial" pitchFamily="34" charset="0"/>
+              <a:buChar char="–"/>
+              <a:defRPr sz="2200" kern="1200">
+                <a:solidFill>
+                  <a:schemeClr val="tx1"/>
+                </a:solidFill>
+                <a:latin typeface="+mn-lt"/>
+                <a:ea typeface="+mn-ea"/>
+                <a:cs typeface="+mn-cs"/>
+              </a:defRPr>
+            </a:lvl4pPr>
+            <a:lvl5pPr marL="2057400" indent="-228600" algn="l" defTabSz="914400" rtl="0" eaLnBrk="1" latinLnBrk="0" hangingPunct="1">
+              <a:spcBef>
+                <a:spcPct val="20000"/>
+              </a:spcBef>
+              <a:buFont typeface="Arial" pitchFamily="34" charset="0"/>
+              <a:buChar char="»"/>
+              <a:defRPr sz="2000" kern="1200">
+                <a:solidFill>
+                  <a:schemeClr val="tx1"/>
+                </a:solidFill>
+                <a:latin typeface="+mn-lt"/>
+                <a:ea typeface="+mn-ea"/>
+                <a:cs typeface="+mn-cs"/>
+              </a:defRPr>
+            </a:lvl5pPr>
+            <a:lvl6pPr marL="2514600" indent="-228600" algn="l" defTabSz="914400" rtl="0" eaLnBrk="1" latinLnBrk="0" hangingPunct="1">
+              <a:spcBef>
+                <a:spcPct val="20000"/>
+              </a:spcBef>
+              <a:buFont typeface="Arial" pitchFamily="34" charset="0"/>
+              <a:buChar char="•"/>
+              <a:defRPr sz="2000" kern="1200">
+                <a:solidFill>
+                  <a:schemeClr val="tx1"/>
+                </a:solidFill>
+                <a:latin typeface="+mn-lt"/>
+                <a:ea typeface="+mn-ea"/>
+                <a:cs typeface="+mn-cs"/>
+              </a:defRPr>
+            </a:lvl6pPr>
+            <a:lvl7pPr marL="2971800" indent="-228600" algn="l" defTabSz="914400" rtl="0" eaLnBrk="1" latinLnBrk="0" hangingPunct="1">
+              <a:spcBef>
+                <a:spcPct val="20000"/>
+              </a:spcBef>
+              <a:buFont typeface="Arial" pitchFamily="34" charset="0"/>
+              <a:buChar char="•"/>
+              <a:defRPr sz="2000" kern="1200">
+                <a:solidFill>
+                  <a:schemeClr val="tx1"/>
+                </a:solidFill>
+                <a:latin typeface="+mn-lt"/>
+                <a:ea typeface="+mn-ea"/>
+                <a:cs typeface="+mn-cs"/>
+              </a:defRPr>
+            </a:lvl7pPr>
+            <a:lvl8pPr marL="3429000" indent="-228600" algn="l" defTabSz="914400" rtl="0" eaLnBrk="1" latinLnBrk="0" hangingPunct="1">
+              <a:spcBef>
+                <a:spcPct val="20000"/>
+              </a:spcBef>
+              <a:buFont typeface="Arial" pitchFamily="34" charset="0"/>
+              <a:buChar char="•"/>
+              <a:defRPr sz="2000" kern="1200">
+                <a:solidFill>
+                  <a:schemeClr val="tx1"/>
+                </a:solidFill>
+                <a:latin typeface="+mn-lt"/>
+                <a:ea typeface="+mn-ea"/>
+                <a:cs typeface="+mn-cs"/>
+              </a:defRPr>
+            </a:lvl8pPr>
+            <a:lvl9pPr marL="3886200" indent="-228600" algn="l" defTabSz="914400" rtl="0" eaLnBrk="1" latinLnBrk="0" hangingPunct="1">
+              <a:spcBef>
+                <a:spcPct val="20000"/>
+              </a:spcBef>
+              <a:buFont typeface="Arial" pitchFamily="34" charset="0"/>
+              <a:buChar char="•"/>
+              <a:defRPr sz="2000" kern="1200">
+                <a:solidFill>
+                  <a:schemeClr val="tx1"/>
+                </a:solidFill>
+                <a:latin typeface="+mn-lt"/>
+                <a:ea typeface="+mn-ea"/>
+                <a:cs typeface="+mn-cs"/>
+              </a:defRPr>
+            </a:lvl9pPr>
+          </a:lstStyle>
+          <a:p>
+            <a:r>
+              <a:rPr lang="en-US" dirty="0"/>
+              <a:t>Using triangle proportions (Thales’ theorem) we can easily conclude that: </a:t>
+            </a:r>
+          </a:p>
+        </p:txBody>
+      </p:sp>
+      <p:pic>
+        <p:nvPicPr>
+          <p:cNvPr id="5122" name="Picture 2" descr="https://latex.codecogs.com/gif.latex?%5Cdpi%7B300%7D%20%5Cbegin%7Bbmatrix%7Dx%20%5C%5C%20y%20%5C%5C%20z%20%5Cend%7Bbmatrix%7D%20%5Cmapsto%20%5Cbegin%7Bbmatrix%7Du%20%5C%5C%20v%20%5Cend%7Bbmatrix%7D%20%3D%20%5Cbegin%7Bbmatrix%7Df%5Cfrac%7Bx%7D%7Bz%7D%20%5C%5C%20f%5Cfrac%7By%7D%7Bz%7D%20%5Cend%7Bbmatrix%7D"/>
+          <p:cNvPicPr>
+            <a:picLocks noChangeAspect="1" noChangeArrowheads="1"/>
+          </p:cNvPicPr>
+          <p:nvPr/>
+        </p:nvPicPr>
+        <p:blipFill>
+          <a:blip r:embed="rId10">
+            <a:extLst>
+              <a:ext uri="{28A0092B-C50C-407E-A947-70E740481C1C}">
+                <a14:useLocalDpi xmlns:a14="http://schemas.microsoft.com/office/drawing/2010/main" val="0"/>
+              </a:ext>
+            </a:extLst>
+          </a:blip>
+          <a:srcRect/>
+          <a:stretch>
+            <a:fillRect/>
+          </a:stretch>
+        </p:blipFill>
+        <p:spPr bwMode="auto">
+          <a:xfrm>
+            <a:off x="3996153" y="1371600"/>
+            <a:ext cx="2962917" cy="1322600"/>
+          </a:xfrm>
+          <a:prstGeom prst="rect">
+            <a:avLst/>
+          </a:prstGeom>
+          <a:noFill/>
+          <a:extLst>
+            <a:ext uri="{909E8E84-426E-40DD-AFC4-6F175D3DCCD1}">
+              <a14:hiddenFill xmlns:a14="http://schemas.microsoft.com/office/drawing/2010/main">
+                <a:solidFill>
+                  <a:srgbClr val="FFFFFF"/>
+                </a:solidFill>
+              </a14:hiddenFill>
+            </a:ext>
+          </a:extLst>
+        </p:spPr>
+      </p:pic>
+    </p:spTree>
+    <p:extLst>
+      <p:ext uri="{BB962C8B-B14F-4D97-AF65-F5344CB8AC3E}">
+        <p14:creationId xmlns:p14="http://schemas.microsoft.com/office/powerpoint/2010/main" val="4293087143"/>
       </p:ext>
     </p:extLst>
   </p:cSld>

--- a/c_07_camera_calibration/camera calibration.pptx
+++ b/c_07_camera_calibration/camera calibration.pptx
@@ -5,7 +5,7 @@
     <p:sldMasterId id="2147483660" r:id="rId1"/>
   </p:sldMasterIdLst>
   <p:notesMasterIdLst>
-    <p:notesMasterId r:id="rId43"/>
+    <p:notesMasterId r:id="rId48"/>
   </p:notesMasterIdLst>
   <p:sldIdLst>
     <p:sldId id="256" r:id="rId2"/>
@@ -42,13 +42,18 @@
     <p:sldId id="2389" r:id="rId33"/>
     <p:sldId id="2393" r:id="rId34"/>
     <p:sldId id="2394" r:id="rId35"/>
-    <p:sldId id="2397" r:id="rId36"/>
-    <p:sldId id="2399" r:id="rId37"/>
-    <p:sldId id="2400" r:id="rId38"/>
-    <p:sldId id="2401" r:id="rId39"/>
-    <p:sldId id="2402" r:id="rId40"/>
-    <p:sldId id="2395" r:id="rId41"/>
-    <p:sldId id="2355" r:id="rId42"/>
+    <p:sldId id="2402" r:id="rId36"/>
+    <p:sldId id="2403" r:id="rId37"/>
+    <p:sldId id="2397" r:id="rId38"/>
+    <p:sldId id="2399" r:id="rId39"/>
+    <p:sldId id="2400" r:id="rId40"/>
+    <p:sldId id="2406" r:id="rId41"/>
+    <p:sldId id="2401" r:id="rId42"/>
+    <p:sldId id="2404" r:id="rId43"/>
+    <p:sldId id="2405" r:id="rId44"/>
+    <p:sldId id="2407" r:id="rId45"/>
+    <p:sldId id="2395" r:id="rId46"/>
+    <p:sldId id="2355" r:id="rId47"/>
   </p:sldIdLst>
   <p:sldSz cx="9144000" cy="6858000" type="screen4x3"/>
   <p:notesSz cx="6858000" cy="9144000"/>
@@ -149,7 +154,7 @@
   </p:defaultTextStyle>
   <p:extLst>
     <p:ext uri="{EFAFB233-063F-42B5-8137-9DF3F51BA10A}">
-      <p15:sldGuideLst xmlns:p15="http://schemas.microsoft.com/office/powerpoint/2012/main">
+      <p15:sldGuideLst xmlns:p15="http://schemas.microsoft.com/office/powerpoint/2012/main" xmlns="">
         <p15:guide id="1" orient="horz" pos="2160">
           <p15:clr>
             <a:srgbClr val="A4A3A4"/>
@@ -253,7 +258,7 @@
           <a:p>
             <a:fld id="{02A86864-BB74-4A04-A22A-153A11D13989}" type="datetimeFigureOut">
               <a:rPr lang="en-US" smtClean="0"/>
-              <a:t>06-Nov-19</a:t>
+              <a:t>07-Nov-19</a:t>
             </a:fld>
             <a:endParaRPr lang="en-US"/>
           </a:p>
@@ -1801,7 +1806,92 @@
       </p:grpSpPr>
       <p:sp>
         <p:nvSpPr>
-          <p:cNvPr id="79874" name="Rectangle 2"/>
+          <p:cNvPr id="7" name="Rectangle 7"/>
+          <p:cNvSpPr>
+            <a:spLocks noGrp="1" noChangeArrowheads="1"/>
+          </p:cNvSpPr>
+          <p:nvPr>
+            <p:ph type="sldNum" sz="quarter" idx="5"/>
+          </p:nvPr>
+        </p:nvSpPr>
+        <p:spPr>
+          <a:ln/>
+        </p:spPr>
+        <p:txBody>
+          <a:bodyPr/>
+          <a:lstStyle/>
+          <a:p>
+            <a:pPr marL="0" marR="0" lvl="0" indent="0" algn="r" defTabSz="914400" rtl="0" eaLnBrk="1" fontAlgn="auto" latinLnBrk="0" hangingPunct="1">
+              <a:lnSpc>
+                <a:spcPct val="100000"/>
+              </a:lnSpc>
+              <a:spcBef>
+                <a:spcPts val="0"/>
+              </a:spcBef>
+              <a:spcAft>
+                <a:spcPts val="0"/>
+              </a:spcAft>
+              <a:buClrTx/>
+              <a:buSzTx/>
+              <a:buFontTx/>
+              <a:buNone/>
+              <a:tabLst/>
+              <a:defRPr/>
+            </a:pPr>
+            <a:fld id="{FA034DB5-0DE9-45A3-A098-A8E2F19D80CA}" type="slidenum">
+              <a:rPr kumimoji="0" lang="en-US" sz="1200" b="0" i="0" u="none" strike="noStrike" kern="1200" cap="none" spc="0" normalizeH="0" baseline="0" noProof="0">
+                <a:ln>
+                  <a:noFill/>
+                </a:ln>
+                <a:solidFill>
+                  <a:prstClr val="black"/>
+                </a:solidFill>
+                <a:effectLst/>
+                <a:uLnTx/>
+                <a:uFillTx/>
+                <a:latin typeface="Calibri" panose="020F0502020204030204"/>
+                <a:ea typeface="+mn-ea"/>
+                <a:cs typeface="+mn-cs"/>
+              </a:rPr>
+              <a:pPr marL="0" marR="0" lvl="0" indent="0" algn="r" defTabSz="914400" rtl="0" eaLnBrk="1" fontAlgn="auto" latinLnBrk="0" hangingPunct="1">
+                <a:lnSpc>
+                  <a:spcPct val="100000"/>
+                </a:lnSpc>
+                <a:spcBef>
+                  <a:spcPts val="0"/>
+                </a:spcBef>
+                <a:spcAft>
+                  <a:spcPts val="0"/>
+                </a:spcAft>
+                <a:buClrTx/>
+                <a:buSzTx/>
+                <a:buFontTx/>
+                <a:buNone/>
+                <a:tabLst/>
+                <a:defRPr/>
+              </a:pPr>
+              <a:t>35</a:t>
+            </a:fld>
+            <a:endParaRPr kumimoji="0" lang="en-US" sz="1200" b="0" i="0" u="none" strike="noStrike" kern="1200" cap="none" spc="0" normalizeH="0" baseline="0" noProof="0">
+              <a:ln>
+                <a:noFill/>
+              </a:ln>
+              <a:solidFill>
+                <a:prstClr val="black"/>
+              </a:solidFill>
+              <a:effectLst/>
+              <a:uLnTx/>
+              <a:uFillTx/>
+              <a:latin typeface="Calibri" panose="020F0502020204030204"/>
+              <a:ea typeface="+mn-ea"/>
+              <a:cs typeface="+mn-cs"/>
+            </a:endParaRPr>
+          </a:p>
+        </p:txBody>
+      </p:sp>
+      <p:sp>
+        <p:nvSpPr>
+          <p:cNvPr id="436226" name="Rectangle 2"/>
           <p:cNvSpPr>
             <a:spLocks noGrp="1" noRot="1" noChangeAspect="1" noChangeArrowheads="1" noTextEdit="1"/>
           </p:cNvSpPr>
@@ -1815,7 +1905,7 @@
       </p:sp>
       <p:sp>
         <p:nvSpPr>
-          <p:cNvPr id="79875" name="Rectangle 3"/>
+          <p:cNvPr id="436227" name="Rectangle 3"/>
           <p:cNvSpPr>
             <a:spLocks noGrp="1" noChangeArrowheads="1"/>
           </p:cNvSpPr>
@@ -1823,10 +1913,7 @@
             <p:ph type="body" idx="1"/>
           </p:nvPr>
         </p:nvSpPr>
-        <p:spPr>
-          <a:noFill/>
-          <a:ln/>
-        </p:spPr>
+        <p:spPr/>
         <p:txBody>
           <a:bodyPr/>
           <a:lstStyle/>
@@ -1838,7 +1925,7 @@
     </p:spTree>
     <p:extLst>
       <p:ext uri="{BB962C8B-B14F-4D97-AF65-F5344CB8AC3E}">
-        <p14:creationId xmlns:p14="http://schemas.microsoft.com/office/powerpoint/2010/main" val="1975036792"/>
+        <p14:creationId xmlns:p14="http://schemas.microsoft.com/office/powerpoint/2010/main" val="1853780650"/>
       </p:ext>
     </p:extLst>
   </p:cSld>
@@ -1867,7 +1954,92 @@
       </p:grpSpPr>
       <p:sp>
         <p:nvSpPr>
-          <p:cNvPr id="80898" name="Rectangle 2"/>
+          <p:cNvPr id="7" name="Rectangle 7"/>
+          <p:cNvSpPr>
+            <a:spLocks noGrp="1" noChangeArrowheads="1"/>
+          </p:cNvSpPr>
+          <p:nvPr>
+            <p:ph type="sldNum" sz="quarter" idx="5"/>
+          </p:nvPr>
+        </p:nvSpPr>
+        <p:spPr>
+          <a:ln/>
+        </p:spPr>
+        <p:txBody>
+          <a:bodyPr/>
+          <a:lstStyle/>
+          <a:p>
+            <a:pPr marL="0" marR="0" lvl="0" indent="0" algn="r" defTabSz="914400" rtl="0" eaLnBrk="1" fontAlgn="auto" latinLnBrk="0" hangingPunct="1">
+              <a:lnSpc>
+                <a:spcPct val="100000"/>
+              </a:lnSpc>
+              <a:spcBef>
+                <a:spcPts val="0"/>
+              </a:spcBef>
+              <a:spcAft>
+                <a:spcPts val="0"/>
+              </a:spcAft>
+              <a:buClrTx/>
+              <a:buSzTx/>
+              <a:buFontTx/>
+              <a:buNone/>
+              <a:tabLst/>
+              <a:defRPr/>
+            </a:pPr>
+            <a:fld id="{EC0B303D-411D-4A58-A377-640128D844A6}" type="slidenum">
+              <a:rPr kumimoji="0" lang="en-US" sz="1200" b="0" i="0" u="none" strike="noStrike" kern="1200" cap="none" spc="0" normalizeH="0" baseline="0" noProof="0">
+                <a:ln>
+                  <a:noFill/>
+                </a:ln>
+                <a:solidFill>
+                  <a:prstClr val="black"/>
+                </a:solidFill>
+                <a:effectLst/>
+                <a:uLnTx/>
+                <a:uFillTx/>
+                <a:latin typeface="Calibri" panose="020F0502020204030204"/>
+                <a:ea typeface="+mn-ea"/>
+                <a:cs typeface="+mn-cs"/>
+              </a:rPr>
+              <a:pPr marL="0" marR="0" lvl="0" indent="0" algn="r" defTabSz="914400" rtl="0" eaLnBrk="1" fontAlgn="auto" latinLnBrk="0" hangingPunct="1">
+                <a:lnSpc>
+                  <a:spcPct val="100000"/>
+                </a:lnSpc>
+                <a:spcBef>
+                  <a:spcPts val="0"/>
+                </a:spcBef>
+                <a:spcAft>
+                  <a:spcPts val="0"/>
+                </a:spcAft>
+                <a:buClrTx/>
+                <a:buSzTx/>
+                <a:buFontTx/>
+                <a:buNone/>
+                <a:tabLst/>
+                <a:defRPr/>
+              </a:pPr>
+              <a:t>36</a:t>
+            </a:fld>
+            <a:endParaRPr kumimoji="0" lang="en-US" sz="1200" b="0" i="0" u="none" strike="noStrike" kern="1200" cap="none" spc="0" normalizeH="0" baseline="0" noProof="0">
+              <a:ln>
+                <a:noFill/>
+              </a:ln>
+              <a:solidFill>
+                <a:prstClr val="black"/>
+              </a:solidFill>
+              <a:effectLst/>
+              <a:uLnTx/>
+              <a:uFillTx/>
+              <a:latin typeface="Calibri" panose="020F0502020204030204"/>
+              <a:ea typeface="+mn-ea"/>
+              <a:cs typeface="+mn-cs"/>
+            </a:endParaRPr>
+          </a:p>
+        </p:txBody>
+      </p:sp>
+      <p:sp>
+        <p:nvSpPr>
+          <p:cNvPr id="441346" name="Rectangle 2"/>
           <p:cNvSpPr>
             <a:spLocks noGrp="1" noRot="1" noChangeAspect="1" noChangeArrowheads="1" noTextEdit="1"/>
           </p:cNvSpPr>
@@ -1881,7 +2053,7 @@
       </p:sp>
       <p:sp>
         <p:nvSpPr>
-          <p:cNvPr id="80899" name="Rectangle 3"/>
+          <p:cNvPr id="441347" name="Rectangle 3"/>
           <p:cNvSpPr>
             <a:spLocks noGrp="1" noChangeArrowheads="1"/>
           </p:cNvSpPr>
@@ -1889,10 +2061,7 @@
             <p:ph type="body" idx="1"/>
           </p:nvPr>
         </p:nvSpPr>
-        <p:spPr>
-          <a:noFill/>
-          <a:ln/>
-        </p:spPr>
+        <p:spPr/>
         <p:txBody>
           <a:bodyPr/>
           <a:lstStyle/>
@@ -1904,7 +2073,7 @@
     </p:spTree>
     <p:extLst>
       <p:ext uri="{BB962C8B-B14F-4D97-AF65-F5344CB8AC3E}">
-        <p14:creationId xmlns:p14="http://schemas.microsoft.com/office/powerpoint/2010/main" val="1621219190"/>
+        <p14:creationId xmlns:p14="http://schemas.microsoft.com/office/powerpoint/2010/main" val="4127239749"/>
       </p:ext>
     </p:extLst>
   </p:cSld>
@@ -1933,6 +2102,395 @@
       </p:grpSpPr>
       <p:sp>
         <p:nvSpPr>
+          <p:cNvPr id="79874" name="Rectangle 2"/>
+          <p:cNvSpPr>
+            <a:spLocks noGrp="1" noRot="1" noChangeAspect="1" noChangeArrowheads="1" noTextEdit="1"/>
+          </p:cNvSpPr>
+          <p:nvPr>
+            <p:ph type="sldImg"/>
+          </p:nvPr>
+        </p:nvSpPr>
+        <p:spPr>
+          <a:ln/>
+        </p:spPr>
+      </p:sp>
+      <p:sp>
+        <p:nvSpPr>
+          <p:cNvPr id="79875" name="Rectangle 3"/>
+          <p:cNvSpPr>
+            <a:spLocks noGrp="1" noChangeArrowheads="1"/>
+          </p:cNvSpPr>
+          <p:nvPr>
+            <p:ph type="body" idx="1"/>
+          </p:nvPr>
+        </p:nvSpPr>
+        <p:spPr>
+          <a:noFill/>
+          <a:ln/>
+        </p:spPr>
+        <p:txBody>
+          <a:bodyPr/>
+          <a:lstStyle/>
+          <a:p>
+            <a:endParaRPr lang="en-US"/>
+          </a:p>
+        </p:txBody>
+      </p:sp>
+    </p:spTree>
+    <p:extLst>
+      <p:ext uri="{BB962C8B-B14F-4D97-AF65-F5344CB8AC3E}">
+        <p14:creationId xmlns:p14="http://schemas.microsoft.com/office/powerpoint/2010/main" val="1975036792"/>
+      </p:ext>
+    </p:extLst>
+  </p:cSld>
+  <p:clrMapOvr>
+    <a:masterClrMapping/>
+  </p:clrMapOvr>
+</p:notes>
+</file>
+
+<file path=ppt/notesSlides/notesSlide16.xml><?xml version="1.0" encoding="utf-8"?>
+<p:notes xmlns:a="http://schemas.openxmlformats.org/drawingml/2006/main" xmlns:r="http://schemas.openxmlformats.org/officeDocument/2006/relationships" xmlns:p="http://schemas.openxmlformats.org/presentationml/2006/main">
+  <p:cSld>
+    <p:spTree>
+      <p:nvGrpSpPr>
+        <p:cNvPr id="1" name=""/>
+        <p:cNvGrpSpPr/>
+        <p:nvPr/>
+      </p:nvGrpSpPr>
+      <p:grpSpPr>
+        <a:xfrm>
+          <a:off x="0" y="0"/>
+          <a:ext cx="0" cy="0"/>
+          <a:chOff x="0" y="0"/>
+          <a:chExt cx="0" cy="0"/>
+        </a:xfrm>
+      </p:grpSpPr>
+      <p:sp>
+        <p:nvSpPr>
+          <p:cNvPr id="80898" name="Rectangle 2"/>
+          <p:cNvSpPr>
+            <a:spLocks noGrp="1" noRot="1" noChangeAspect="1" noChangeArrowheads="1" noTextEdit="1"/>
+          </p:cNvSpPr>
+          <p:nvPr>
+            <p:ph type="sldImg"/>
+          </p:nvPr>
+        </p:nvSpPr>
+        <p:spPr>
+          <a:ln/>
+        </p:spPr>
+      </p:sp>
+      <p:sp>
+        <p:nvSpPr>
+          <p:cNvPr id="80899" name="Rectangle 3"/>
+          <p:cNvSpPr>
+            <a:spLocks noGrp="1" noChangeArrowheads="1"/>
+          </p:cNvSpPr>
+          <p:nvPr>
+            <p:ph type="body" idx="1"/>
+          </p:nvPr>
+        </p:nvSpPr>
+        <p:spPr>
+          <a:noFill/>
+          <a:ln/>
+        </p:spPr>
+        <p:txBody>
+          <a:bodyPr/>
+          <a:lstStyle/>
+          <a:p>
+            <a:endParaRPr lang="en-US"/>
+          </a:p>
+        </p:txBody>
+      </p:sp>
+    </p:spTree>
+    <p:extLst>
+      <p:ext uri="{BB962C8B-B14F-4D97-AF65-F5344CB8AC3E}">
+        <p14:creationId xmlns:p14="http://schemas.microsoft.com/office/powerpoint/2010/main" val="1621219190"/>
+      </p:ext>
+    </p:extLst>
+  </p:cSld>
+  <p:clrMapOvr>
+    <a:masterClrMapping/>
+  </p:clrMapOvr>
+</p:notes>
+</file>
+
+<file path=ppt/notesSlides/notesSlide17.xml><?xml version="1.0" encoding="utf-8"?>
+<p:notes xmlns:a="http://schemas.openxmlformats.org/drawingml/2006/main" xmlns:r="http://schemas.openxmlformats.org/officeDocument/2006/relationships" xmlns:p="http://schemas.openxmlformats.org/presentationml/2006/main">
+  <p:cSld>
+    <p:spTree>
+      <p:nvGrpSpPr>
+        <p:cNvPr id="1" name=""/>
+        <p:cNvGrpSpPr/>
+        <p:nvPr/>
+      </p:nvGrpSpPr>
+      <p:grpSpPr>
+        <a:xfrm>
+          <a:off x="0" y="0"/>
+          <a:ext cx="0" cy="0"/>
+          <a:chOff x="0" y="0"/>
+          <a:chExt cx="0" cy="0"/>
+        </a:xfrm>
+      </p:grpSpPr>
+      <p:sp>
+        <p:nvSpPr>
+          <p:cNvPr id="117762" name="Rectangle 7"/>
+          <p:cNvSpPr>
+            <a:spLocks noGrp="1" noChangeArrowheads="1"/>
+          </p:cNvSpPr>
+          <p:nvPr>
+            <p:ph type="sldNum" sz="quarter" idx="5"/>
+          </p:nvPr>
+        </p:nvSpPr>
+        <p:spPr>
+          <a:noFill/>
+        </p:spPr>
+        <p:txBody>
+          <a:bodyPr/>
+          <a:lstStyle>
+            <a:lvl1pPr defTabSz="915018" eaLnBrk="0" hangingPunct="0">
+              <a:defRPr>
+                <a:solidFill>
+                  <a:schemeClr val="tx1"/>
+                </a:solidFill>
+                <a:latin typeface="Arial" charset="0"/>
+                <a:cs typeface="Arial" charset="0"/>
+              </a:defRPr>
+            </a:lvl1pPr>
+            <a:lvl2pPr marL="730766" indent="-281064" defTabSz="915018" eaLnBrk="0" hangingPunct="0">
+              <a:defRPr>
+                <a:solidFill>
+                  <a:schemeClr val="tx1"/>
+                </a:solidFill>
+                <a:latin typeface="Arial" charset="0"/>
+                <a:cs typeface="Arial" charset="0"/>
+              </a:defRPr>
+            </a:lvl2pPr>
+            <a:lvl3pPr marL="1124255" indent="-224851" defTabSz="915018" eaLnBrk="0" hangingPunct="0">
+              <a:defRPr>
+                <a:solidFill>
+                  <a:schemeClr val="tx1"/>
+                </a:solidFill>
+                <a:latin typeface="Arial" charset="0"/>
+                <a:cs typeface="Arial" charset="0"/>
+              </a:defRPr>
+            </a:lvl3pPr>
+            <a:lvl4pPr marL="1573957" indent="-224851" defTabSz="915018" eaLnBrk="0" hangingPunct="0">
+              <a:defRPr>
+                <a:solidFill>
+                  <a:schemeClr val="tx1"/>
+                </a:solidFill>
+                <a:latin typeface="Arial" charset="0"/>
+                <a:cs typeface="Arial" charset="0"/>
+              </a:defRPr>
+            </a:lvl4pPr>
+            <a:lvl5pPr marL="2023659" indent="-224851" defTabSz="915018" eaLnBrk="0" hangingPunct="0">
+              <a:defRPr>
+                <a:solidFill>
+                  <a:schemeClr val="tx1"/>
+                </a:solidFill>
+                <a:latin typeface="Arial" charset="0"/>
+                <a:cs typeface="Arial" charset="0"/>
+              </a:defRPr>
+            </a:lvl5pPr>
+            <a:lvl6pPr marL="2473361" indent="-224851" defTabSz="915018" eaLnBrk="0" fontAlgn="base" hangingPunct="0">
+              <a:spcBef>
+                <a:spcPct val="0"/>
+              </a:spcBef>
+              <a:spcAft>
+                <a:spcPct val="0"/>
+              </a:spcAft>
+              <a:defRPr>
+                <a:solidFill>
+                  <a:schemeClr val="tx1"/>
+                </a:solidFill>
+                <a:latin typeface="Arial" charset="0"/>
+                <a:cs typeface="Arial" charset="0"/>
+              </a:defRPr>
+            </a:lvl6pPr>
+            <a:lvl7pPr marL="2923062" indent="-224851" defTabSz="915018" eaLnBrk="0" fontAlgn="base" hangingPunct="0">
+              <a:spcBef>
+                <a:spcPct val="0"/>
+              </a:spcBef>
+              <a:spcAft>
+                <a:spcPct val="0"/>
+              </a:spcAft>
+              <a:defRPr>
+                <a:solidFill>
+                  <a:schemeClr val="tx1"/>
+                </a:solidFill>
+                <a:latin typeface="Arial" charset="0"/>
+                <a:cs typeface="Arial" charset="0"/>
+              </a:defRPr>
+            </a:lvl7pPr>
+            <a:lvl8pPr marL="3372764" indent="-224851" defTabSz="915018" eaLnBrk="0" fontAlgn="base" hangingPunct="0">
+              <a:spcBef>
+                <a:spcPct val="0"/>
+              </a:spcBef>
+              <a:spcAft>
+                <a:spcPct val="0"/>
+              </a:spcAft>
+              <a:defRPr>
+                <a:solidFill>
+                  <a:schemeClr val="tx1"/>
+                </a:solidFill>
+                <a:latin typeface="Arial" charset="0"/>
+                <a:cs typeface="Arial" charset="0"/>
+              </a:defRPr>
+            </a:lvl8pPr>
+            <a:lvl9pPr marL="3822466" indent="-224851" defTabSz="915018" eaLnBrk="0" fontAlgn="base" hangingPunct="0">
+              <a:spcBef>
+                <a:spcPct val="0"/>
+              </a:spcBef>
+              <a:spcAft>
+                <a:spcPct val="0"/>
+              </a:spcAft>
+              <a:defRPr>
+                <a:solidFill>
+                  <a:schemeClr val="tx1"/>
+                </a:solidFill>
+                <a:latin typeface="Arial" charset="0"/>
+                <a:cs typeface="Arial" charset="0"/>
+              </a:defRPr>
+            </a:lvl9pPr>
+          </a:lstStyle>
+          <a:p>
+            <a:pPr marL="0" marR="0" lvl="0" indent="0" algn="r" defTabSz="915018" rtl="0" eaLnBrk="1" fontAlgn="auto" latinLnBrk="0" hangingPunct="1">
+              <a:lnSpc>
+                <a:spcPct val="100000"/>
+              </a:lnSpc>
+              <a:spcBef>
+                <a:spcPts val="0"/>
+              </a:spcBef>
+              <a:spcAft>
+                <a:spcPts val="0"/>
+              </a:spcAft>
+              <a:buClrTx/>
+              <a:buSzTx/>
+              <a:buFontTx/>
+              <a:buNone/>
+              <a:tabLst/>
+              <a:defRPr/>
+            </a:pPr>
+            <a:fld id="{50AF8499-4BCD-468F-9E82-185D34080B71}" type="slidenum">
+              <a:rPr kumimoji="0" lang="en-US" altLang="en-US" sz="1200" b="0" i="0" u="none" strike="noStrike" kern="1200" cap="none" spc="0" normalizeH="0" baseline="0" noProof="0">
+                <a:ln>
+                  <a:noFill/>
+                </a:ln>
+                <a:solidFill>
+                  <a:prstClr val="black"/>
+                </a:solidFill>
+                <a:effectLst/>
+                <a:uLnTx/>
+                <a:uFillTx/>
+                <a:latin typeface="Arial" charset="0"/>
+                <a:ea typeface="+mn-ea"/>
+                <a:cs typeface="Arial" charset="0"/>
+              </a:rPr>
+              <a:pPr marL="0" marR="0" lvl="0" indent="0" algn="r" defTabSz="915018" rtl="0" eaLnBrk="1" fontAlgn="auto" latinLnBrk="0" hangingPunct="1">
+                <a:lnSpc>
+                  <a:spcPct val="100000"/>
+                </a:lnSpc>
+                <a:spcBef>
+                  <a:spcPts val="0"/>
+                </a:spcBef>
+                <a:spcAft>
+                  <a:spcPts val="0"/>
+                </a:spcAft>
+                <a:buClrTx/>
+                <a:buSzTx/>
+                <a:buFontTx/>
+                <a:buNone/>
+                <a:tabLst/>
+                <a:defRPr/>
+              </a:pPr>
+              <a:t>40</a:t>
+            </a:fld>
+            <a:endParaRPr kumimoji="0" lang="en-US" altLang="en-US" sz="1200" b="0" i="0" u="none" strike="noStrike" kern="1200" cap="none" spc="0" normalizeH="0" baseline="0" noProof="0">
+              <a:ln>
+                <a:noFill/>
+              </a:ln>
+              <a:solidFill>
+                <a:prstClr val="black"/>
+              </a:solidFill>
+              <a:effectLst/>
+              <a:uLnTx/>
+              <a:uFillTx/>
+              <a:latin typeface="Arial" charset="0"/>
+              <a:ea typeface="+mn-ea"/>
+              <a:cs typeface="Arial" charset="0"/>
+            </a:endParaRPr>
+          </a:p>
+        </p:txBody>
+      </p:sp>
+      <p:sp>
+        <p:nvSpPr>
+          <p:cNvPr id="117763" name="Rectangle 2"/>
+          <p:cNvSpPr>
+            <a:spLocks noGrp="1" noRot="1" noChangeAspect="1" noChangeArrowheads="1" noTextEdit="1"/>
+          </p:cNvSpPr>
+          <p:nvPr>
+            <p:ph type="sldImg"/>
+          </p:nvPr>
+        </p:nvSpPr>
+        <p:spPr>
+          <a:ln/>
+        </p:spPr>
+      </p:sp>
+      <p:sp>
+        <p:nvSpPr>
+          <p:cNvPr id="117764" name="Rectangle 3"/>
+          <p:cNvSpPr>
+            <a:spLocks noGrp="1" noChangeArrowheads="1"/>
+          </p:cNvSpPr>
+          <p:nvPr>
+            <p:ph type="body" idx="1"/>
+          </p:nvPr>
+        </p:nvSpPr>
+        <p:spPr>
+          <a:noFill/>
+        </p:spPr>
+        <p:txBody>
+          <a:bodyPr/>
+          <a:lstStyle/>
+          <a:p>
+            <a:pPr eaLnBrk="1" hangingPunct="1"/>
+            <a:endParaRPr lang="en-US" altLang="en-US"/>
+          </a:p>
+        </p:txBody>
+      </p:sp>
+    </p:spTree>
+    <p:extLst>
+      <p:ext uri="{BB962C8B-B14F-4D97-AF65-F5344CB8AC3E}">
+        <p14:creationId xmlns:p14="http://schemas.microsoft.com/office/powerpoint/2010/main" val="2792464205"/>
+      </p:ext>
+    </p:extLst>
+  </p:cSld>
+  <p:clrMapOvr>
+    <a:masterClrMapping/>
+  </p:clrMapOvr>
+</p:notes>
+</file>
+
+<file path=ppt/notesSlides/notesSlide18.xml><?xml version="1.0" encoding="utf-8"?>
+<p:notes xmlns:a="http://schemas.openxmlformats.org/drawingml/2006/main" xmlns:r="http://schemas.openxmlformats.org/officeDocument/2006/relationships" xmlns:p="http://schemas.openxmlformats.org/presentationml/2006/main">
+  <p:cSld>
+    <p:spTree>
+      <p:nvGrpSpPr>
+        <p:cNvPr id="1" name=""/>
+        <p:cNvGrpSpPr/>
+        <p:nvPr/>
+      </p:nvGrpSpPr>
+      <p:grpSpPr>
+        <a:xfrm>
+          <a:off x="0" y="0"/>
+          <a:ext cx="0" cy="0"/>
+          <a:chOff x="0" y="0"/>
+          <a:chExt cx="0" cy="0"/>
+        </a:xfrm>
+      </p:grpSpPr>
+      <p:sp>
+        <p:nvSpPr>
           <p:cNvPr id="82946" name="Rectangle 2"/>
           <p:cNvSpPr>
             <a:spLocks noGrp="1" noRot="1" noChangeAspect="1" noChangeArrowheads="1" noTextEdit="1"/>
@@ -1971,6 +2529,154 @@
     <p:extLst>
       <p:ext uri="{BB962C8B-B14F-4D97-AF65-F5344CB8AC3E}">
         <p14:creationId xmlns:p14="http://schemas.microsoft.com/office/powerpoint/2010/main" val="683559467"/>
+      </p:ext>
+    </p:extLst>
+  </p:cSld>
+  <p:clrMapOvr>
+    <a:masterClrMapping/>
+  </p:clrMapOvr>
+</p:notes>
+</file>
+
+<file path=ppt/notesSlides/notesSlide19.xml><?xml version="1.0" encoding="utf-8"?>
+<p:notes xmlns:a="http://schemas.openxmlformats.org/drawingml/2006/main" xmlns:r="http://schemas.openxmlformats.org/officeDocument/2006/relationships" xmlns:p="http://schemas.openxmlformats.org/presentationml/2006/main">
+  <p:cSld>
+    <p:spTree>
+      <p:nvGrpSpPr>
+        <p:cNvPr id="1" name=""/>
+        <p:cNvGrpSpPr/>
+        <p:nvPr/>
+      </p:nvGrpSpPr>
+      <p:grpSpPr>
+        <a:xfrm>
+          <a:off x="0" y="0"/>
+          <a:ext cx="0" cy="0"/>
+          <a:chOff x="0" y="0"/>
+          <a:chExt cx="0" cy="0"/>
+        </a:xfrm>
+      </p:grpSpPr>
+      <p:sp>
+        <p:nvSpPr>
+          <p:cNvPr id="7" name="Rectangle 7"/>
+          <p:cNvSpPr>
+            <a:spLocks noGrp="1" noChangeArrowheads="1"/>
+          </p:cNvSpPr>
+          <p:nvPr>
+            <p:ph type="sldNum" sz="quarter" idx="5"/>
+          </p:nvPr>
+        </p:nvSpPr>
+        <p:spPr>
+          <a:ln/>
+        </p:spPr>
+        <p:txBody>
+          <a:bodyPr/>
+          <a:lstStyle/>
+          <a:p>
+            <a:pPr marL="0" marR="0" lvl="0" indent="0" algn="r" defTabSz="914400" rtl="0" eaLnBrk="1" fontAlgn="auto" latinLnBrk="0" hangingPunct="1">
+              <a:lnSpc>
+                <a:spcPct val="100000"/>
+              </a:lnSpc>
+              <a:spcBef>
+                <a:spcPts val="0"/>
+              </a:spcBef>
+              <a:spcAft>
+                <a:spcPts val="0"/>
+              </a:spcAft>
+              <a:buClrTx/>
+              <a:buSzTx/>
+              <a:buFontTx/>
+              <a:buNone/>
+              <a:tabLst/>
+              <a:defRPr/>
+            </a:pPr>
+            <a:fld id="{21542389-4237-45A4-B39D-C5F7F5B7970D}" type="slidenum">
+              <a:rPr kumimoji="0" lang="en-US" sz="1200" b="0" i="0" u="none" strike="noStrike" kern="1200" cap="none" spc="0" normalizeH="0" baseline="0" noProof="0">
+                <a:ln>
+                  <a:noFill/>
+                </a:ln>
+                <a:solidFill>
+                  <a:prstClr val="black"/>
+                </a:solidFill>
+                <a:effectLst/>
+                <a:uLnTx/>
+                <a:uFillTx/>
+                <a:latin typeface="Calibri" panose="020F0502020204030204"/>
+                <a:ea typeface="+mn-ea"/>
+                <a:cs typeface="+mn-cs"/>
+              </a:rPr>
+              <a:pPr marL="0" marR="0" lvl="0" indent="0" algn="r" defTabSz="914400" rtl="0" eaLnBrk="1" fontAlgn="auto" latinLnBrk="0" hangingPunct="1">
+                <a:lnSpc>
+                  <a:spcPct val="100000"/>
+                </a:lnSpc>
+                <a:spcBef>
+                  <a:spcPts val="0"/>
+                </a:spcBef>
+                <a:spcAft>
+                  <a:spcPts val="0"/>
+                </a:spcAft>
+                <a:buClrTx/>
+                <a:buSzTx/>
+                <a:buFontTx/>
+                <a:buNone/>
+                <a:tabLst/>
+                <a:defRPr/>
+              </a:pPr>
+              <a:t>44</a:t>
+            </a:fld>
+            <a:endParaRPr kumimoji="0" lang="en-US" sz="1200" b="0" i="0" u="none" strike="noStrike" kern="1200" cap="none" spc="0" normalizeH="0" baseline="0" noProof="0">
+              <a:ln>
+                <a:noFill/>
+              </a:ln>
+              <a:solidFill>
+                <a:prstClr val="black"/>
+              </a:solidFill>
+              <a:effectLst/>
+              <a:uLnTx/>
+              <a:uFillTx/>
+              <a:latin typeface="Calibri" panose="020F0502020204030204"/>
+              <a:ea typeface="+mn-ea"/>
+              <a:cs typeface="+mn-cs"/>
+            </a:endParaRPr>
+          </a:p>
+        </p:txBody>
+      </p:sp>
+      <p:sp>
+        <p:nvSpPr>
+          <p:cNvPr id="442370" name="Rectangle 2"/>
+          <p:cNvSpPr>
+            <a:spLocks noGrp="1" noRot="1" noChangeAspect="1" noChangeArrowheads="1" noTextEdit="1"/>
+          </p:cNvSpPr>
+          <p:nvPr>
+            <p:ph type="sldImg"/>
+          </p:nvPr>
+        </p:nvSpPr>
+        <p:spPr>
+          <a:ln/>
+        </p:spPr>
+      </p:sp>
+      <p:sp>
+        <p:nvSpPr>
+          <p:cNvPr id="442371" name="Rectangle 3"/>
+          <p:cNvSpPr>
+            <a:spLocks noGrp="1" noChangeArrowheads="1"/>
+          </p:cNvSpPr>
+          <p:nvPr>
+            <p:ph type="body" idx="1"/>
+          </p:nvPr>
+        </p:nvSpPr>
+        <p:spPr/>
+        <p:txBody>
+          <a:bodyPr/>
+          <a:lstStyle/>
+          <a:p>
+            <a:endParaRPr lang="en-US"/>
+          </a:p>
+        </p:txBody>
+      </p:sp>
+    </p:spTree>
+    <p:extLst>
+      <p:ext uri="{BB962C8B-B14F-4D97-AF65-F5344CB8AC3E}">
+        <p14:creationId xmlns:p14="http://schemas.microsoft.com/office/powerpoint/2010/main" val="515500116"/>
       </p:ext>
     </p:extLst>
   </p:cSld>
@@ -3999,7 +4705,7 @@
           <a:p>
             <a:fld id="{1930E4BE-DC49-4C06-9EAD-5C882F80E0B2}" type="datetimeFigureOut">
               <a:rPr lang="en-US" smtClean="0"/>
-              <a:t>06-Nov-19</a:t>
+              <a:t>07-Nov-19</a:t>
             </a:fld>
             <a:endParaRPr lang="en-US"/>
           </a:p>
@@ -4177,7 +4883,7 @@
           <a:p>
             <a:fld id="{1930E4BE-DC49-4C06-9EAD-5C882F80E0B2}" type="datetimeFigureOut">
               <a:rPr lang="en-US" smtClean="0"/>
-              <a:t>06-Nov-19</a:t>
+              <a:t>07-Nov-19</a:t>
             </a:fld>
             <a:endParaRPr lang="en-US"/>
           </a:p>
@@ -4476,7 +5182,7 @@
           <a:p>
             <a:fld id="{1930E4BE-DC49-4C06-9EAD-5C882F80E0B2}" type="datetimeFigureOut">
               <a:rPr lang="en-US" smtClean="0"/>
-              <a:t>06-Nov-19</a:t>
+              <a:t>07-Nov-19</a:t>
             </a:fld>
             <a:endParaRPr lang="en-US"/>
           </a:p>
@@ -4721,7 +5427,7 @@
           <a:p>
             <a:fld id="{1930E4BE-DC49-4C06-9EAD-5C882F80E0B2}" type="datetimeFigureOut">
               <a:rPr lang="en-US" smtClean="0"/>
-              <a:t>06-Nov-19</a:t>
+              <a:t>07-Nov-19</a:t>
             </a:fld>
             <a:endParaRPr lang="en-US"/>
           </a:p>
@@ -5006,7 +5712,7 @@
           <a:p>
             <a:fld id="{1930E4BE-DC49-4C06-9EAD-5C882F80E0B2}" type="datetimeFigureOut">
               <a:rPr lang="en-US" smtClean="0"/>
-              <a:t>06-Nov-19</a:t>
+              <a:t>07-Nov-19</a:t>
             </a:fld>
             <a:endParaRPr lang="en-US"/>
           </a:p>
@@ -5425,7 +6131,7 @@
           <a:p>
             <a:fld id="{1930E4BE-DC49-4C06-9EAD-5C882F80E0B2}" type="datetimeFigureOut">
               <a:rPr lang="en-US" smtClean="0"/>
-              <a:t>06-Nov-19</a:t>
+              <a:t>07-Nov-19</a:t>
             </a:fld>
             <a:endParaRPr lang="en-US"/>
           </a:p>
@@ -5542,7 +6248,7 @@
           <a:p>
             <a:fld id="{1930E4BE-DC49-4C06-9EAD-5C882F80E0B2}" type="datetimeFigureOut">
               <a:rPr lang="en-US" smtClean="0"/>
-              <a:t>06-Nov-19</a:t>
+              <a:t>07-Nov-19</a:t>
             </a:fld>
             <a:endParaRPr lang="en-US"/>
           </a:p>
@@ -5637,7 +6343,7 @@
           <a:p>
             <a:fld id="{1930E4BE-DC49-4C06-9EAD-5C882F80E0B2}" type="datetimeFigureOut">
               <a:rPr lang="en-US" smtClean="0"/>
-              <a:t>06-Nov-19</a:t>
+              <a:t>07-Nov-19</a:t>
             </a:fld>
             <a:endParaRPr lang="en-US"/>
           </a:p>
@@ -5912,7 +6618,7 @@
           <a:p>
             <a:fld id="{1930E4BE-DC49-4C06-9EAD-5C882F80E0B2}" type="datetimeFigureOut">
               <a:rPr lang="en-US" smtClean="0"/>
-              <a:t>06-Nov-19</a:t>
+              <a:t>07-Nov-19</a:t>
             </a:fld>
             <a:endParaRPr lang="en-US"/>
           </a:p>
@@ -6164,7 +6870,7 @@
           <a:p>
             <a:fld id="{1930E4BE-DC49-4C06-9EAD-5C882F80E0B2}" type="datetimeFigureOut">
               <a:rPr lang="en-US" smtClean="0"/>
-              <a:t>06-Nov-19</a:t>
+              <a:t>07-Nov-19</a:t>
             </a:fld>
             <a:endParaRPr lang="en-US"/>
           </a:p>
@@ -6375,7 +7081,7 @@
           <a:p>
             <a:fld id="{1930E4BE-DC49-4C06-9EAD-5C882F80E0B2}" type="datetimeFigureOut">
               <a:rPr lang="en-US" smtClean="0"/>
-              <a:t>06-Nov-19</a:t>
+              <a:t>07-Nov-19</a:t>
             </a:fld>
             <a:endParaRPr lang="en-US"/>
           </a:p>
@@ -6939,7 +7645,7 @@
           <p:cNvPr id="2" name="Group 1">
             <a:extLst>
               <a:ext uri="{FF2B5EF4-FFF2-40B4-BE49-F238E27FC236}">
-                <a16:creationId xmlns:a16="http://schemas.microsoft.com/office/drawing/2014/main" id="{157D4CA9-1631-42DC-B4E5-0FE09FF61A71}"/>
+                <a16:creationId xmlns:a16="http://schemas.microsoft.com/office/drawing/2014/main" xmlns="" id="{157D4CA9-1631-42DC-B4E5-0FE09FF61A71}"/>
               </a:ext>
             </a:extLst>
           </p:cNvPr>
@@ -6959,7 +7665,7 @@
             <p:cNvPr id="136" name="Line">
               <a:extLst>
                 <a:ext uri="{FF2B5EF4-FFF2-40B4-BE49-F238E27FC236}">
-                  <a16:creationId xmlns:a16="http://schemas.microsoft.com/office/drawing/2014/main" id="{4053C74D-0C1E-4E37-B89B-C2E894620E4A}"/>
+                  <a16:creationId xmlns:a16="http://schemas.microsoft.com/office/drawing/2014/main" xmlns="" id="{4053C74D-0C1E-4E37-B89B-C2E894620E4A}"/>
                 </a:ext>
               </a:extLst>
             </p:cNvPr>
@@ -7024,7 +7730,7 @@
             <p:cNvPr id="137" name="Line">
               <a:extLst>
                 <a:ext uri="{FF2B5EF4-FFF2-40B4-BE49-F238E27FC236}">
-                  <a16:creationId xmlns:a16="http://schemas.microsoft.com/office/drawing/2014/main" id="{F098C4E3-7DC6-4D04-9185-2E87AF24C689}"/>
+                  <a16:creationId xmlns:a16="http://schemas.microsoft.com/office/drawing/2014/main" xmlns="" id="{F098C4E3-7DC6-4D04-9185-2E87AF24C689}"/>
                 </a:ext>
               </a:extLst>
             </p:cNvPr>
@@ -7090,7 +7796,7 @@
             <p:cNvPr id="160" name="Line">
               <a:extLst>
                 <a:ext uri="{FF2B5EF4-FFF2-40B4-BE49-F238E27FC236}">
-                  <a16:creationId xmlns:a16="http://schemas.microsoft.com/office/drawing/2014/main" id="{C7D00097-9B7E-421A-915E-9E49FB994126}"/>
+                  <a16:creationId xmlns:a16="http://schemas.microsoft.com/office/drawing/2014/main" xmlns="" id="{C7D00097-9B7E-421A-915E-9E49FB994126}"/>
                 </a:ext>
               </a:extLst>
             </p:cNvPr>
@@ -7156,7 +7862,7 @@
             <p:cNvPr id="166" name="Line">
               <a:extLst>
                 <a:ext uri="{FF2B5EF4-FFF2-40B4-BE49-F238E27FC236}">
-                  <a16:creationId xmlns:a16="http://schemas.microsoft.com/office/drawing/2014/main" id="{563A18B1-D9A2-4459-8742-E0B3C57CAD93}"/>
+                  <a16:creationId xmlns:a16="http://schemas.microsoft.com/office/drawing/2014/main" xmlns="" id="{563A18B1-D9A2-4459-8742-E0B3C57CAD93}"/>
                 </a:ext>
               </a:extLst>
             </p:cNvPr>
@@ -7223,7 +7929,7 @@
             <p:cNvPr id="167" name="Line">
               <a:extLst>
                 <a:ext uri="{FF2B5EF4-FFF2-40B4-BE49-F238E27FC236}">
-                  <a16:creationId xmlns:a16="http://schemas.microsoft.com/office/drawing/2014/main" id="{F9AFD745-473A-4C83-BC0F-2D5FB10538F9}"/>
+                  <a16:creationId xmlns:a16="http://schemas.microsoft.com/office/drawing/2014/main" xmlns="" id="{F9AFD745-473A-4C83-BC0F-2D5FB10538F9}"/>
                 </a:ext>
               </a:extLst>
             </p:cNvPr>
@@ -7289,7 +7995,7 @@
             <p:cNvPr id="168" name="Line">
               <a:extLst>
                 <a:ext uri="{FF2B5EF4-FFF2-40B4-BE49-F238E27FC236}">
-                  <a16:creationId xmlns:a16="http://schemas.microsoft.com/office/drawing/2014/main" id="{F8E5F405-8FDE-4994-8F2A-0036CAF4A41D}"/>
+                  <a16:creationId xmlns:a16="http://schemas.microsoft.com/office/drawing/2014/main" xmlns="" id="{F8E5F405-8FDE-4994-8F2A-0036CAF4A41D}"/>
                 </a:ext>
               </a:extLst>
             </p:cNvPr>
@@ -7356,7 +8062,7 @@
             <p:cNvPr id="171" name="image plane">
               <a:extLst>
                 <a:ext uri="{FF2B5EF4-FFF2-40B4-BE49-F238E27FC236}">
-                  <a16:creationId xmlns:a16="http://schemas.microsoft.com/office/drawing/2014/main" id="{DFDEA389-4C61-4372-B9FB-D792FA69DF07}"/>
+                  <a16:creationId xmlns:a16="http://schemas.microsoft.com/office/drawing/2014/main" xmlns="" id="{DFDEA389-4C61-4372-B9FB-D792FA69DF07}"/>
                 </a:ext>
               </a:extLst>
             </p:cNvPr>
@@ -7376,7 +8082,7 @@
             </a:ln>
             <a:extLst>
               <a:ext uri="{C572A759-6A51-4108-AA02-DFA0A04FC94B}">
-                <ma14:wrappingTextBoxFlag xmlns:ma14="http://schemas.microsoft.com/office/mac/drawingml/2011/main" xmlns="" val="1"/>
+                <ma14:wrappingTextBoxFlag xmlns="" xmlns:ma14="http://schemas.microsoft.com/office/mac/drawingml/2011/main" val="1"/>
               </a:ext>
             </a:extLst>
           </p:spPr>
@@ -7432,7 +8138,7 @@
             <p:cNvPr id="173" name="principal axis">
               <a:extLst>
                 <a:ext uri="{FF2B5EF4-FFF2-40B4-BE49-F238E27FC236}">
-                  <a16:creationId xmlns:a16="http://schemas.microsoft.com/office/drawing/2014/main" id="{7FBA50D0-AB0D-4329-A2C7-46E876F4F4A6}"/>
+                  <a16:creationId xmlns:a16="http://schemas.microsoft.com/office/drawing/2014/main" xmlns="" id="{7FBA50D0-AB0D-4329-A2C7-46E876F4F4A6}"/>
                 </a:ext>
               </a:extLst>
             </p:cNvPr>
@@ -7452,7 +8158,7 @@
             </a:ln>
             <a:extLst>
               <a:ext uri="{C572A759-6A51-4108-AA02-DFA0A04FC94B}">
-                <ma14:wrappingTextBoxFlag xmlns:ma14="http://schemas.microsoft.com/office/mac/drawingml/2011/main" xmlns="" val="1"/>
+                <ma14:wrappingTextBoxFlag xmlns="" xmlns:ma14="http://schemas.microsoft.com/office/mac/drawingml/2011/main" val="1"/>
               </a:ext>
             </a:extLst>
           </p:spPr>
@@ -7508,7 +8214,7 @@
             <p:cNvPr id="174" name="latex-image-8.pdf" descr="latex-image-8.pdf">
               <a:extLst>
                 <a:ext uri="{FF2B5EF4-FFF2-40B4-BE49-F238E27FC236}">
-                  <a16:creationId xmlns:a16="http://schemas.microsoft.com/office/drawing/2014/main" id="{D590A4FB-DBC0-4C98-9045-4FB7DDED54A1}"/>
+                  <a16:creationId xmlns:a16="http://schemas.microsoft.com/office/drawing/2014/main" xmlns="" id="{D590A4FB-DBC0-4C98-9045-4FB7DDED54A1}"/>
                 </a:ext>
               </a:extLst>
             </p:cNvPr>
@@ -7541,7 +8247,7 @@
             <p:cNvPr id="175" name="latex-image-9.pdf" descr="latex-image-9.pdf">
               <a:extLst>
                 <a:ext uri="{FF2B5EF4-FFF2-40B4-BE49-F238E27FC236}">
-                  <a16:creationId xmlns:a16="http://schemas.microsoft.com/office/drawing/2014/main" id="{33A88316-0D3B-44BC-9303-C5FAD7A98C66}"/>
+                  <a16:creationId xmlns:a16="http://schemas.microsoft.com/office/drawing/2014/main" xmlns="" id="{33A88316-0D3B-44BC-9303-C5FAD7A98C66}"/>
                 </a:ext>
               </a:extLst>
             </p:cNvPr>
@@ -7574,7 +8280,7 @@
             <p:cNvPr id="176" name="latex-image-10.pdf" descr="latex-image-10.pdf">
               <a:extLst>
                 <a:ext uri="{FF2B5EF4-FFF2-40B4-BE49-F238E27FC236}">
-                  <a16:creationId xmlns:a16="http://schemas.microsoft.com/office/drawing/2014/main" id="{FFD02BA7-E28C-4E1E-AE27-2B83AD402F79}"/>
+                  <a16:creationId xmlns:a16="http://schemas.microsoft.com/office/drawing/2014/main" xmlns="" id="{FFD02BA7-E28C-4E1E-AE27-2B83AD402F79}"/>
                 </a:ext>
               </a:extLst>
             </p:cNvPr>
@@ -7607,7 +8313,7 @@
             <p:cNvPr id="177" name="latex-image-11.pdf" descr="latex-image-11.pdf">
               <a:extLst>
                 <a:ext uri="{FF2B5EF4-FFF2-40B4-BE49-F238E27FC236}">
-                  <a16:creationId xmlns:a16="http://schemas.microsoft.com/office/drawing/2014/main" id="{7BFFBE6C-1CBF-443D-9735-2FF5E34CBDEB}"/>
+                  <a16:creationId xmlns:a16="http://schemas.microsoft.com/office/drawing/2014/main" xmlns="" id="{7BFFBE6C-1CBF-443D-9735-2FF5E34CBDEB}"/>
                 </a:ext>
               </a:extLst>
             </p:cNvPr>
@@ -7725,7 +8431,7 @@
               <p:cNvPr id="21" name="image coordinate system">
                 <a:extLst>
                   <a:ext uri="{FF2B5EF4-FFF2-40B4-BE49-F238E27FC236}">
-                    <a16:creationId xmlns:a16="http://schemas.microsoft.com/office/drawing/2014/main" id="{B1C9475A-CB0A-4867-B710-686ED1934745}"/>
+                    <a16:creationId xmlns:a16="http://schemas.microsoft.com/office/drawing/2014/main" xmlns="" id="{B1C9475A-CB0A-4867-B710-686ED1934745}"/>
                   </a:ext>
                 </a:extLst>
               </p:cNvPr>
@@ -7745,7 +8451,7 @@
               </a:ln>
               <a:extLst>
                 <a:ext uri="{C572A759-6A51-4108-AA02-DFA0A04FC94B}">
-                  <ma14:wrappingTextBoxFlag xmlns:ma14="http://schemas.microsoft.com/office/mac/drawingml/2011/main" xmlns="" val="1"/>
+                  <ma14:wrappingTextBoxFlag xmlns="" xmlns:ma14="http://schemas.microsoft.com/office/mac/drawingml/2011/main" val="1"/>
                 </a:ext>
               </a:extLst>
             </p:spPr>
@@ -7795,7 +8501,7 @@
                               <a:effectLst/>
                               <a:uLnTx/>
                               <a:uFillTx/>
-                              <a:latin typeface="Cambria Math" panose="02040503050406030204" pitchFamily="18" charset="0"/>
+                              <a:latin typeface="Cambria Math"/>
                               <a:ea typeface="+mn-ea"/>
                               <a:cs typeface="+mn-cs"/>
                             </a:rPr>
@@ -7978,7 +8684,7 @@
           <p:cNvPr id="21" name="Line">
             <a:extLst>
               <a:ext uri="{FF2B5EF4-FFF2-40B4-BE49-F238E27FC236}">
-                <a16:creationId xmlns:a16="http://schemas.microsoft.com/office/drawing/2014/main" id="{57D7BD1A-7D73-4468-8A72-7DDA19D01D2D}"/>
+                <a16:creationId xmlns:a16="http://schemas.microsoft.com/office/drawing/2014/main" xmlns="" id="{57D7BD1A-7D73-4468-8A72-7DDA19D01D2D}"/>
               </a:ext>
             </a:extLst>
           </p:cNvPr>
@@ -8044,7 +8750,7 @@
           <p:cNvPr id="22" name="Line">
             <a:extLst>
               <a:ext uri="{FF2B5EF4-FFF2-40B4-BE49-F238E27FC236}">
-                <a16:creationId xmlns:a16="http://schemas.microsoft.com/office/drawing/2014/main" id="{20317909-EB33-49A9-BAC3-BC2B89BEF262}"/>
+                <a16:creationId xmlns:a16="http://schemas.microsoft.com/office/drawing/2014/main" xmlns="" id="{20317909-EB33-49A9-BAC3-BC2B89BEF262}"/>
               </a:ext>
             </a:extLst>
           </p:cNvPr>
@@ -8110,7 +8816,7 @@
           <p:cNvPr id="23" name="Line">
             <a:extLst>
               <a:ext uri="{FF2B5EF4-FFF2-40B4-BE49-F238E27FC236}">
-                <a16:creationId xmlns:a16="http://schemas.microsoft.com/office/drawing/2014/main" id="{CFCE7F8A-2BB7-4E5E-84A5-CDC610A3E8F8}"/>
+                <a16:creationId xmlns:a16="http://schemas.microsoft.com/office/drawing/2014/main" xmlns="" id="{CFCE7F8A-2BB7-4E5E-84A5-CDC610A3E8F8}"/>
               </a:ext>
             </a:extLst>
           </p:cNvPr>
@@ -8176,7 +8882,7 @@
           <p:cNvPr id="24" name="Line">
             <a:extLst>
               <a:ext uri="{FF2B5EF4-FFF2-40B4-BE49-F238E27FC236}">
-                <a16:creationId xmlns:a16="http://schemas.microsoft.com/office/drawing/2014/main" id="{B2EA8254-F400-469F-9425-D669B614615E}"/>
+                <a16:creationId xmlns:a16="http://schemas.microsoft.com/office/drawing/2014/main" xmlns="" id="{B2EA8254-F400-469F-9425-D669B614615E}"/>
               </a:ext>
             </a:extLst>
           </p:cNvPr>
@@ -8241,7 +8947,7 @@
           <p:cNvPr id="25" name="Line">
             <a:extLst>
               <a:ext uri="{FF2B5EF4-FFF2-40B4-BE49-F238E27FC236}">
-                <a16:creationId xmlns:a16="http://schemas.microsoft.com/office/drawing/2014/main" id="{1E221104-E6C8-43EA-B19F-318C5FF76F76}"/>
+                <a16:creationId xmlns:a16="http://schemas.microsoft.com/office/drawing/2014/main" xmlns="" id="{1E221104-E6C8-43EA-B19F-318C5FF76F76}"/>
               </a:ext>
             </a:extLst>
           </p:cNvPr>
@@ -8308,7 +9014,7 @@
           <p:cNvPr id="26" name="latex-image-16.pdf" descr="latex-image-16.pdf">
             <a:extLst>
               <a:ext uri="{FF2B5EF4-FFF2-40B4-BE49-F238E27FC236}">
-                <a16:creationId xmlns:a16="http://schemas.microsoft.com/office/drawing/2014/main" id="{BDD6B143-6F87-4BB9-90AE-BF2A95B7D8C8}"/>
+                <a16:creationId xmlns:a16="http://schemas.microsoft.com/office/drawing/2014/main" xmlns="" id="{BDD6B143-6F87-4BB9-90AE-BF2A95B7D8C8}"/>
               </a:ext>
             </a:extLst>
           </p:cNvPr>
@@ -8341,7 +9047,7 @@
           <p:cNvPr id="27" name="Line">
             <a:extLst>
               <a:ext uri="{FF2B5EF4-FFF2-40B4-BE49-F238E27FC236}">
-                <a16:creationId xmlns:a16="http://schemas.microsoft.com/office/drawing/2014/main" id="{C31570D2-58B3-4F94-B572-FFC32E679E3E}"/>
+                <a16:creationId xmlns:a16="http://schemas.microsoft.com/office/drawing/2014/main" xmlns="" id="{C31570D2-58B3-4F94-B572-FFC32E679E3E}"/>
               </a:ext>
             </a:extLst>
           </p:cNvPr>
@@ -8409,7 +9115,7 @@
           <p:cNvPr id="28" name="Line">
             <a:extLst>
               <a:ext uri="{FF2B5EF4-FFF2-40B4-BE49-F238E27FC236}">
-                <a16:creationId xmlns:a16="http://schemas.microsoft.com/office/drawing/2014/main" id="{5618E265-A02B-4EE7-ABD5-AB30E10312EF}"/>
+                <a16:creationId xmlns:a16="http://schemas.microsoft.com/office/drawing/2014/main" xmlns="" id="{5618E265-A02B-4EE7-ABD5-AB30E10312EF}"/>
               </a:ext>
             </a:extLst>
           </p:cNvPr>
@@ -8477,7 +9183,7 @@
           <p:cNvPr id="29" name="latex-image-9.pdf" descr="latex-image-9.pdf">
             <a:extLst>
               <a:ext uri="{FF2B5EF4-FFF2-40B4-BE49-F238E27FC236}">
-                <a16:creationId xmlns:a16="http://schemas.microsoft.com/office/drawing/2014/main" id="{56934696-D087-469F-AE86-09C34957A015}"/>
+                <a16:creationId xmlns:a16="http://schemas.microsoft.com/office/drawing/2014/main" xmlns="" id="{56934696-D087-469F-AE86-09C34957A015}"/>
               </a:ext>
             </a:extLst>
           </p:cNvPr>
@@ -8510,7 +9216,7 @@
           <p:cNvPr id="30" name="latex-image-10.pdf" descr="latex-image-10.pdf">
             <a:extLst>
               <a:ext uri="{FF2B5EF4-FFF2-40B4-BE49-F238E27FC236}">
-                <a16:creationId xmlns:a16="http://schemas.microsoft.com/office/drawing/2014/main" id="{5EED9044-D51D-4B00-BB8F-73A2CE40C7B9}"/>
+                <a16:creationId xmlns:a16="http://schemas.microsoft.com/office/drawing/2014/main" xmlns="" id="{5EED9044-D51D-4B00-BB8F-73A2CE40C7B9}"/>
               </a:ext>
             </a:extLst>
           </p:cNvPr>
@@ -8543,7 +9249,7 @@
           <p:cNvPr id="35" name="Line">
             <a:extLst>
               <a:ext uri="{FF2B5EF4-FFF2-40B4-BE49-F238E27FC236}">
-                <a16:creationId xmlns:a16="http://schemas.microsoft.com/office/drawing/2014/main" id="{D588B166-477A-486B-B434-ED26FD2F6882}"/>
+                <a16:creationId xmlns:a16="http://schemas.microsoft.com/office/drawing/2014/main" xmlns="" id="{D588B166-477A-486B-B434-ED26FD2F6882}"/>
               </a:ext>
             </a:extLst>
           </p:cNvPr>
@@ -8610,7 +9316,7 @@
           <p:cNvPr id="36" name="latex-image-19.pdf" descr="latex-image-19.pdf">
             <a:extLst>
               <a:ext uri="{FF2B5EF4-FFF2-40B4-BE49-F238E27FC236}">
-                <a16:creationId xmlns:a16="http://schemas.microsoft.com/office/drawing/2014/main" id="{2BE79391-AD0C-4465-B935-129E942F843B}"/>
+                <a16:creationId xmlns:a16="http://schemas.microsoft.com/office/drawing/2014/main" xmlns="" id="{2BE79391-AD0C-4465-B935-129E942F843B}"/>
               </a:ext>
             </a:extLst>
           </p:cNvPr>
@@ -8643,7 +9349,7 @@
           <p:cNvPr id="37" name="image plane">
             <a:extLst>
               <a:ext uri="{FF2B5EF4-FFF2-40B4-BE49-F238E27FC236}">
-                <a16:creationId xmlns:a16="http://schemas.microsoft.com/office/drawing/2014/main" id="{3AACB0FB-3B39-4658-B30D-ED97EE3A46A0}"/>
+                <a16:creationId xmlns:a16="http://schemas.microsoft.com/office/drawing/2014/main" xmlns="" id="{3AACB0FB-3B39-4658-B30D-ED97EE3A46A0}"/>
               </a:ext>
             </a:extLst>
           </p:cNvPr>
@@ -8663,7 +9369,7 @@
           </a:ln>
           <a:extLst>
             <a:ext uri="{C572A759-6A51-4108-AA02-DFA0A04FC94B}">
-              <ma14:wrappingTextBoxFlag xmlns:ma14="http://schemas.microsoft.com/office/mac/drawingml/2011/main" xmlns="" val="1"/>
+              <ma14:wrappingTextBoxFlag xmlns="" xmlns:ma14="http://schemas.microsoft.com/office/mac/drawingml/2011/main" val="1"/>
             </a:ext>
           </a:extLst>
         </p:spPr>
@@ -8733,7 +9439,7 @@
           <p:cNvPr id="39" name="Line">
             <a:extLst>
               <a:ext uri="{FF2B5EF4-FFF2-40B4-BE49-F238E27FC236}">
-                <a16:creationId xmlns:a16="http://schemas.microsoft.com/office/drawing/2014/main" id="{CBB16738-1D94-474D-9910-5CCE87D9618F}"/>
+                <a16:creationId xmlns:a16="http://schemas.microsoft.com/office/drawing/2014/main" xmlns="" id="{CBB16738-1D94-474D-9910-5CCE87D9618F}"/>
               </a:ext>
             </a:extLst>
           </p:cNvPr>
@@ -8800,7 +9506,7 @@
           <p:cNvPr id="40" name="Line">
             <a:extLst>
               <a:ext uri="{FF2B5EF4-FFF2-40B4-BE49-F238E27FC236}">
-                <a16:creationId xmlns:a16="http://schemas.microsoft.com/office/drawing/2014/main" id="{89360157-AF07-4DE0-BDA1-1F720EA662B4}"/>
+                <a16:creationId xmlns:a16="http://schemas.microsoft.com/office/drawing/2014/main" xmlns="" id="{89360157-AF07-4DE0-BDA1-1F720EA662B4}"/>
               </a:ext>
             </a:extLst>
           </p:cNvPr>
@@ -8952,7 +9658,7 @@
           <p:cNvPr id="41" name="latex-image-9.pdf" descr="latex-image-9.pdf">
             <a:extLst>
               <a:ext uri="{FF2B5EF4-FFF2-40B4-BE49-F238E27FC236}">
-                <a16:creationId xmlns:a16="http://schemas.microsoft.com/office/drawing/2014/main" id="{56934696-D087-469F-AE86-09C34957A015}"/>
+                <a16:creationId xmlns:a16="http://schemas.microsoft.com/office/drawing/2014/main" xmlns="" id="{56934696-D087-469F-AE86-09C34957A015}"/>
               </a:ext>
             </a:extLst>
           </p:cNvPr>
@@ -9263,7 +9969,7 @@
           <p:cNvPr id="2" name="Title 1">
             <a:extLst>
               <a:ext uri="{FF2B5EF4-FFF2-40B4-BE49-F238E27FC236}">
-                <a16:creationId xmlns:a16="http://schemas.microsoft.com/office/drawing/2014/main" id="{6333806E-716B-4127-8FAD-9BE6143871BE}"/>
+                <a16:creationId xmlns:a16="http://schemas.microsoft.com/office/drawing/2014/main" xmlns="" id="{6333806E-716B-4127-8FAD-9BE6143871BE}"/>
               </a:ext>
             </a:extLst>
           </p:cNvPr>
@@ -9298,7 +10004,7 @@
               <p:cNvPr id="3" name="Content Placeholder 2">
                 <a:extLst>
                   <a:ext uri="{FF2B5EF4-FFF2-40B4-BE49-F238E27FC236}">
-                    <a16:creationId xmlns:a16="http://schemas.microsoft.com/office/drawing/2014/main" id="{02B38623-BB64-452B-B8AF-A84D9DA18C6F}"/>
+                    <a16:creationId xmlns:a16="http://schemas.microsoft.com/office/drawing/2014/main" xmlns="" id="{02B38623-BB64-452B-B8AF-A84D9DA18C6F}"/>
                   </a:ext>
                 </a:extLst>
               </p:cNvPr>
@@ -9492,7 +10198,7 @@
           <p:cNvPr id="2" name="Title 1">
             <a:extLst>
               <a:ext uri="{FF2B5EF4-FFF2-40B4-BE49-F238E27FC236}">
-                <a16:creationId xmlns:a16="http://schemas.microsoft.com/office/drawing/2014/main" id="{F0B3FC4F-094F-41A7-858A-7CE33938451F}"/>
+                <a16:creationId xmlns:a16="http://schemas.microsoft.com/office/drawing/2014/main" xmlns="" id="{F0B3FC4F-094F-41A7-858A-7CE33938451F}"/>
               </a:ext>
             </a:extLst>
           </p:cNvPr>
@@ -9520,7 +10226,7 @@
           <p:cNvPr id="3" name="Content Placeholder 2">
             <a:extLst>
               <a:ext uri="{FF2B5EF4-FFF2-40B4-BE49-F238E27FC236}">
-                <a16:creationId xmlns:a16="http://schemas.microsoft.com/office/drawing/2014/main" id="{74F2D7F0-21D8-4DEB-95F5-BA5D3D1DE7CA}"/>
+                <a16:creationId xmlns:a16="http://schemas.microsoft.com/office/drawing/2014/main" xmlns="" id="{74F2D7F0-21D8-4DEB-95F5-BA5D3D1DE7CA}"/>
               </a:ext>
             </a:extLst>
           </p:cNvPr>
@@ -9548,7 +10254,7 @@
           <p:cNvPr id="4" name="Left Brace 3">
             <a:extLst>
               <a:ext uri="{FF2B5EF4-FFF2-40B4-BE49-F238E27FC236}">
-                <a16:creationId xmlns:a16="http://schemas.microsoft.com/office/drawing/2014/main" id="{5C3831E8-107A-4F59-84BC-EF2C3B2F5D85}"/>
+                <a16:creationId xmlns:a16="http://schemas.microsoft.com/office/drawing/2014/main" xmlns="" id="{5C3831E8-107A-4F59-84BC-EF2C3B2F5D85}"/>
               </a:ext>
             </a:extLst>
           </p:cNvPr>
@@ -9592,7 +10298,7 @@
           <p:cNvPr id="6" name="Left Brace 5">
             <a:extLst>
               <a:ext uri="{FF2B5EF4-FFF2-40B4-BE49-F238E27FC236}">
-                <a16:creationId xmlns:a16="http://schemas.microsoft.com/office/drawing/2014/main" id="{0CEFB6C2-9B44-4BC4-87CC-5F1E6374DA21}"/>
+                <a16:creationId xmlns:a16="http://schemas.microsoft.com/office/drawing/2014/main" xmlns="" id="{0CEFB6C2-9B44-4BC4-87CC-5F1E6374DA21}"/>
               </a:ext>
             </a:extLst>
           </p:cNvPr>
@@ -9636,7 +10342,7 @@
           <p:cNvPr id="5" name="TextBox 4">
             <a:extLst>
               <a:ext uri="{FF2B5EF4-FFF2-40B4-BE49-F238E27FC236}">
-                <a16:creationId xmlns:a16="http://schemas.microsoft.com/office/drawing/2014/main" id="{67391E26-DC38-4D60-8331-E7FC22F9AB1B}"/>
+                <a16:creationId xmlns:a16="http://schemas.microsoft.com/office/drawing/2014/main" xmlns="" id="{67391E26-DC38-4D60-8331-E7FC22F9AB1B}"/>
               </a:ext>
             </a:extLst>
           </p:cNvPr>
@@ -9672,7 +10378,7 @@
           <p:cNvPr id="8" name="TextBox 7">
             <a:extLst>
               <a:ext uri="{FF2B5EF4-FFF2-40B4-BE49-F238E27FC236}">
-                <a16:creationId xmlns:a16="http://schemas.microsoft.com/office/drawing/2014/main" id="{75DFCE4A-F52E-4888-A2AE-AA27B9D0D18F}"/>
+                <a16:creationId xmlns:a16="http://schemas.microsoft.com/office/drawing/2014/main" xmlns="" id="{75DFCE4A-F52E-4888-A2AE-AA27B9D0D18F}"/>
               </a:ext>
             </a:extLst>
           </p:cNvPr>
@@ -9708,7 +10414,7 @@
           <p:cNvPr id="1028" name="Picture 4">
             <a:extLst>
               <a:ext uri="{FF2B5EF4-FFF2-40B4-BE49-F238E27FC236}">
-                <a16:creationId xmlns:a16="http://schemas.microsoft.com/office/drawing/2014/main" id="{69EAF67A-A04D-4B2A-9816-87A3AACFE37F}"/>
+                <a16:creationId xmlns:a16="http://schemas.microsoft.com/office/drawing/2014/main" xmlns="" id="{69EAF67A-A04D-4B2A-9816-87A3AACFE37F}"/>
               </a:ext>
             </a:extLst>
           </p:cNvPr>
@@ -9981,7 +10687,7 @@
           <p:cNvPr id="2" name="Title 1">
             <a:extLst>
               <a:ext uri="{FF2B5EF4-FFF2-40B4-BE49-F238E27FC236}">
-                <a16:creationId xmlns:a16="http://schemas.microsoft.com/office/drawing/2014/main" id="{0A583F5E-01D2-4984-9AB7-4A078BB540A6}"/>
+                <a16:creationId xmlns:a16="http://schemas.microsoft.com/office/drawing/2014/main" xmlns="" id="{0A583F5E-01D2-4984-9AB7-4A078BB540A6}"/>
               </a:ext>
             </a:extLst>
           </p:cNvPr>
@@ -10011,7 +10717,7 @@
               <p:cNvPr id="3" name="Content Placeholder 2">
                 <a:extLst>
                   <a:ext uri="{FF2B5EF4-FFF2-40B4-BE49-F238E27FC236}">
-                    <a16:creationId xmlns:a16="http://schemas.microsoft.com/office/drawing/2014/main" id="{8E221B64-F9ED-4EB4-97FC-EB8CE243081B}"/>
+                    <a16:creationId xmlns:a16="http://schemas.microsoft.com/office/drawing/2014/main" xmlns="" id="{8E221B64-F9ED-4EB4-97FC-EB8CE243081B}"/>
                   </a:ext>
                 </a:extLst>
               </p:cNvPr>
@@ -10044,7 +10750,7 @@
                       <m:sSubPr>
                         <m:ctrlPr>
                           <a:rPr lang="en-US" b="0" i="1" smtClean="0">
-                            <a:latin typeface="Cambria Math" panose="02040503050406030204" pitchFamily="18" charset="0"/>
+                            <a:latin typeface="Cambria Math"/>
                           </a:rPr>
                         </m:ctrlPr>
                       </m:sSubPr>
@@ -10077,7 +10783,7 @@
                       <m:sSubPr>
                         <m:ctrlPr>
                           <a:rPr lang="en-US" b="0" i="1" smtClean="0">
-                            <a:latin typeface="Cambria Math" panose="02040503050406030204" pitchFamily="18" charset="0"/>
+                            <a:latin typeface="Cambria Math"/>
                           </a:rPr>
                         </m:ctrlPr>
                       </m:sSubPr>
@@ -10122,7 +10828,7 @@
                         <m:sSubPr>
                           <m:ctrlPr>
                             <a:rPr lang="en-US" b="0" i="1" smtClean="0">
-                              <a:latin typeface="Cambria Math" panose="02040503050406030204" pitchFamily="18" charset="0"/>
+                              <a:latin typeface="Cambria Math"/>
                             </a:rPr>
                           </m:ctrlPr>
                         </m:sSubPr>
@@ -10153,7 +10859,7 @@
                         <m:fPr>
                           <m:ctrlPr>
                             <a:rPr lang="en-US" b="0" i="1" smtClean="0">
-                              <a:latin typeface="Cambria Math" panose="02040503050406030204" pitchFamily="18" charset="0"/>
+                              <a:latin typeface="Cambria Math"/>
                             </a:rPr>
                           </m:ctrlPr>
                         </m:fPr>
@@ -10170,7 +10876,7 @@
                             <m:sSubPr>
                               <m:ctrlPr>
                                 <a:rPr lang="en-US" b="0" i="1" smtClean="0">
-                                  <a:latin typeface="Cambria Math" panose="02040503050406030204" pitchFamily="18" charset="0"/>
+                                  <a:latin typeface="Cambria Math"/>
                                 </a:rPr>
                               </m:ctrlPr>
                             </m:sSubPr>
@@ -10203,7 +10909,7 @@
                         <m:sSubPr>
                           <m:ctrlPr>
                             <a:rPr lang="en-US" i="1">
-                              <a:latin typeface="Cambria Math" panose="02040503050406030204" pitchFamily="18" charset="0"/>
+                              <a:latin typeface="Cambria Math"/>
                             </a:rPr>
                           </m:ctrlPr>
                         </m:sSubPr>
@@ -10240,7 +10946,7 @@
                         <m:fPr>
                           <m:ctrlPr>
                             <a:rPr lang="en-US" i="1">
-                              <a:latin typeface="Cambria Math" panose="02040503050406030204" pitchFamily="18" charset="0"/>
+                              <a:latin typeface="Cambria Math"/>
                             </a:rPr>
                           </m:ctrlPr>
                         </m:fPr>
@@ -10257,7 +10963,7 @@
                             <m:sSubPr>
                               <m:ctrlPr>
                                 <a:rPr lang="en-US" i="1">
-                                  <a:latin typeface="Cambria Math" panose="02040503050406030204" pitchFamily="18" charset="0"/>
+                                  <a:latin typeface="Cambria Math"/>
                                 </a:rPr>
                               </m:ctrlPr>
                             </m:sSubPr>
@@ -10519,7 +11225,7 @@
           <p:cNvPr id="4" name="Rectangle">
             <a:extLst>
               <a:ext uri="{FF2B5EF4-FFF2-40B4-BE49-F238E27FC236}">
-                <a16:creationId xmlns:a16="http://schemas.microsoft.com/office/drawing/2014/main" id="{EF771DA6-7328-45EC-9A17-1A766F258E10}"/>
+                <a16:creationId xmlns:a16="http://schemas.microsoft.com/office/drawing/2014/main" xmlns="" id="{EF771DA6-7328-45EC-9A17-1A766F258E10}"/>
               </a:ext>
             </a:extLst>
           </p:cNvPr>
@@ -10587,7 +11293,7 @@
           <p:cNvPr id="5" name="Line">
             <a:extLst>
               <a:ext uri="{FF2B5EF4-FFF2-40B4-BE49-F238E27FC236}">
-                <a16:creationId xmlns:a16="http://schemas.microsoft.com/office/drawing/2014/main" id="{E7E042AF-FB5A-4EE1-A300-E2E509BEC9CE}"/>
+                <a16:creationId xmlns:a16="http://schemas.microsoft.com/office/drawing/2014/main" xmlns="" id="{E7E042AF-FB5A-4EE1-A300-E2E509BEC9CE}"/>
               </a:ext>
             </a:extLst>
           </p:cNvPr>
@@ -10654,7 +11360,7 @@
           <p:cNvPr id="6" name="Line">
             <a:extLst>
               <a:ext uri="{FF2B5EF4-FFF2-40B4-BE49-F238E27FC236}">
-                <a16:creationId xmlns:a16="http://schemas.microsoft.com/office/drawing/2014/main" id="{587F99AC-DCB9-4139-BC72-4316F6369602}"/>
+                <a16:creationId xmlns:a16="http://schemas.microsoft.com/office/drawing/2014/main" xmlns="" id="{587F99AC-DCB9-4139-BC72-4316F6369602}"/>
               </a:ext>
             </a:extLst>
           </p:cNvPr>
@@ -10721,7 +11427,7 @@
           <p:cNvPr id="7" name="Line">
             <a:extLst>
               <a:ext uri="{FF2B5EF4-FFF2-40B4-BE49-F238E27FC236}">
-                <a16:creationId xmlns:a16="http://schemas.microsoft.com/office/drawing/2014/main" id="{F5789BAC-A4A7-41F3-B15E-A66F471D65A3}"/>
+                <a16:creationId xmlns:a16="http://schemas.microsoft.com/office/drawing/2014/main" xmlns="" id="{F5789BAC-A4A7-41F3-B15E-A66F471D65A3}"/>
               </a:ext>
             </a:extLst>
           </p:cNvPr>
@@ -10788,7 +11494,7 @@
           <p:cNvPr id="8" name="Line">
             <a:extLst>
               <a:ext uri="{FF2B5EF4-FFF2-40B4-BE49-F238E27FC236}">
-                <a16:creationId xmlns:a16="http://schemas.microsoft.com/office/drawing/2014/main" id="{CCF7F079-294F-40E7-8105-0B2B11FCADE2}"/>
+                <a16:creationId xmlns:a16="http://schemas.microsoft.com/office/drawing/2014/main" xmlns="" id="{CCF7F079-294F-40E7-8105-0B2B11FCADE2}"/>
               </a:ext>
             </a:extLst>
           </p:cNvPr>
@@ -10855,7 +11561,7 @@
           <p:cNvPr id="9" name="camera coordinate system">
             <a:extLst>
               <a:ext uri="{FF2B5EF4-FFF2-40B4-BE49-F238E27FC236}">
-                <a16:creationId xmlns:a16="http://schemas.microsoft.com/office/drawing/2014/main" id="{8E7D8BCD-C9CC-47BF-BDF3-7BFB7378DC64}"/>
+                <a16:creationId xmlns:a16="http://schemas.microsoft.com/office/drawing/2014/main" xmlns="" id="{8E7D8BCD-C9CC-47BF-BDF3-7BFB7378DC64}"/>
               </a:ext>
             </a:extLst>
           </p:cNvPr>
@@ -10875,7 +11581,7 @@
           </a:ln>
           <a:extLst>
             <a:ext uri="{C572A759-6A51-4108-AA02-DFA0A04FC94B}">
-              <ma14:wrappingTextBoxFlag xmlns:ma14="http://schemas.microsoft.com/office/mac/drawingml/2011/main" xmlns="" val="1"/>
+              <ma14:wrappingTextBoxFlag xmlns="" xmlns:ma14="http://schemas.microsoft.com/office/mac/drawingml/2011/main" val="1"/>
             </a:ext>
           </a:extLst>
         </p:spPr>
@@ -10931,7 +11637,7 @@
           <p:cNvPr id="10" name="image coordinate system">
             <a:extLst>
               <a:ext uri="{FF2B5EF4-FFF2-40B4-BE49-F238E27FC236}">
-                <a16:creationId xmlns:a16="http://schemas.microsoft.com/office/drawing/2014/main" id="{B1C9475A-CB0A-4867-B710-686ED1934745}"/>
+                <a16:creationId xmlns:a16="http://schemas.microsoft.com/office/drawing/2014/main" xmlns="" id="{B1C9475A-CB0A-4867-B710-686ED1934745}"/>
               </a:ext>
             </a:extLst>
           </p:cNvPr>
@@ -10951,7 +11657,7 @@
           </a:ln>
           <a:extLst>
             <a:ext uri="{C572A759-6A51-4108-AA02-DFA0A04FC94B}">
-              <ma14:wrappingTextBoxFlag xmlns:ma14="http://schemas.microsoft.com/office/mac/drawingml/2011/main" xmlns="" val="1"/>
+              <ma14:wrappingTextBoxFlag xmlns="" xmlns:ma14="http://schemas.microsoft.com/office/mac/drawingml/2011/main" val="1"/>
             </a:ext>
           </a:extLst>
         </p:spPr>
@@ -11007,7 +11713,7 @@
           <p:cNvPr id="11" name="CCD array">
             <a:extLst>
               <a:ext uri="{FF2B5EF4-FFF2-40B4-BE49-F238E27FC236}">
-                <a16:creationId xmlns:a16="http://schemas.microsoft.com/office/drawing/2014/main" id="{ED6D98F1-265E-4456-9603-250BCCF28542}"/>
+                <a16:creationId xmlns:a16="http://schemas.microsoft.com/office/drawing/2014/main" xmlns="" id="{ED6D98F1-265E-4456-9603-250BCCF28542}"/>
               </a:ext>
             </a:extLst>
           </p:cNvPr>
@@ -11027,7 +11733,7 @@
           </a:ln>
           <a:extLst>
             <a:ext uri="{C572A759-6A51-4108-AA02-DFA0A04FC94B}">
-              <ma14:wrappingTextBoxFlag xmlns:ma14="http://schemas.microsoft.com/office/mac/drawingml/2011/main" xmlns="" val="1"/>
+              <ma14:wrappingTextBoxFlag xmlns="" xmlns:ma14="http://schemas.microsoft.com/office/mac/drawingml/2011/main" val="1"/>
             </a:ext>
           </a:extLst>
         </p:spPr>
@@ -11097,7 +11803,7 @@
           <p:cNvPr id="12" name="Line">
             <a:extLst>
               <a:ext uri="{FF2B5EF4-FFF2-40B4-BE49-F238E27FC236}">
-                <a16:creationId xmlns:a16="http://schemas.microsoft.com/office/drawing/2014/main" id="{F1572784-636B-407E-98E2-EC5144DFD233}"/>
+                <a16:creationId xmlns:a16="http://schemas.microsoft.com/office/drawing/2014/main" xmlns="" id="{F1572784-636B-407E-98E2-EC5144DFD233}"/>
               </a:ext>
             </a:extLst>
           </p:cNvPr>
@@ -11166,7 +11872,7 @@
           <p:cNvPr id="13" name="pasted-image.pdf" descr="pasted-image.pdf">
             <a:extLst>
               <a:ext uri="{FF2B5EF4-FFF2-40B4-BE49-F238E27FC236}">
-                <a16:creationId xmlns:a16="http://schemas.microsoft.com/office/drawing/2014/main" id="{FF15D042-0452-40DD-84A2-C3632B25CDBD}"/>
+                <a16:creationId xmlns:a16="http://schemas.microsoft.com/office/drawing/2014/main" xmlns="" id="{FF15D042-0452-40DD-84A2-C3632B25CDBD}"/>
               </a:ext>
             </a:extLst>
           </p:cNvPr>
@@ -11344,7 +12050,7 @@
           <p:cNvPr id="4" name="Rectangle">
             <a:extLst>
               <a:ext uri="{FF2B5EF4-FFF2-40B4-BE49-F238E27FC236}">
-                <a16:creationId xmlns:a16="http://schemas.microsoft.com/office/drawing/2014/main" id="{EF771DA6-7328-45EC-9A17-1A766F258E10}"/>
+                <a16:creationId xmlns:a16="http://schemas.microsoft.com/office/drawing/2014/main" xmlns="" id="{EF771DA6-7328-45EC-9A17-1A766F258E10}"/>
               </a:ext>
             </a:extLst>
           </p:cNvPr>
@@ -11412,7 +12118,7 @@
           <p:cNvPr id="5" name="Line">
             <a:extLst>
               <a:ext uri="{FF2B5EF4-FFF2-40B4-BE49-F238E27FC236}">
-                <a16:creationId xmlns:a16="http://schemas.microsoft.com/office/drawing/2014/main" id="{E7E042AF-FB5A-4EE1-A300-E2E509BEC9CE}"/>
+                <a16:creationId xmlns:a16="http://schemas.microsoft.com/office/drawing/2014/main" xmlns="" id="{E7E042AF-FB5A-4EE1-A300-E2E509BEC9CE}"/>
               </a:ext>
             </a:extLst>
           </p:cNvPr>
@@ -11479,7 +12185,7 @@
           <p:cNvPr id="6" name="Line">
             <a:extLst>
               <a:ext uri="{FF2B5EF4-FFF2-40B4-BE49-F238E27FC236}">
-                <a16:creationId xmlns:a16="http://schemas.microsoft.com/office/drawing/2014/main" id="{587F99AC-DCB9-4139-BC72-4316F6369602}"/>
+                <a16:creationId xmlns:a16="http://schemas.microsoft.com/office/drawing/2014/main" xmlns="" id="{587F99AC-DCB9-4139-BC72-4316F6369602}"/>
               </a:ext>
             </a:extLst>
           </p:cNvPr>
@@ -11546,7 +12252,7 @@
           <p:cNvPr id="7" name="Line">
             <a:extLst>
               <a:ext uri="{FF2B5EF4-FFF2-40B4-BE49-F238E27FC236}">
-                <a16:creationId xmlns:a16="http://schemas.microsoft.com/office/drawing/2014/main" id="{F5789BAC-A4A7-41F3-B15E-A66F471D65A3}"/>
+                <a16:creationId xmlns:a16="http://schemas.microsoft.com/office/drawing/2014/main" xmlns="" id="{F5789BAC-A4A7-41F3-B15E-A66F471D65A3}"/>
               </a:ext>
             </a:extLst>
           </p:cNvPr>
@@ -11613,7 +12319,7 @@
           <p:cNvPr id="8" name="Line">
             <a:extLst>
               <a:ext uri="{FF2B5EF4-FFF2-40B4-BE49-F238E27FC236}">
-                <a16:creationId xmlns:a16="http://schemas.microsoft.com/office/drawing/2014/main" id="{CCF7F079-294F-40E7-8105-0B2B11FCADE2}"/>
+                <a16:creationId xmlns:a16="http://schemas.microsoft.com/office/drawing/2014/main" xmlns="" id="{CCF7F079-294F-40E7-8105-0B2B11FCADE2}"/>
               </a:ext>
             </a:extLst>
           </p:cNvPr>
@@ -11682,7 +12388,7 @@
               <p:cNvPr id="10" name="image coordinate system">
                 <a:extLst>
                   <a:ext uri="{FF2B5EF4-FFF2-40B4-BE49-F238E27FC236}">
-                    <a16:creationId xmlns:a16="http://schemas.microsoft.com/office/drawing/2014/main" id="{B1C9475A-CB0A-4867-B710-686ED1934745}"/>
+                    <a16:creationId xmlns:a16="http://schemas.microsoft.com/office/drawing/2014/main" xmlns="" id="{B1C9475A-CB0A-4867-B710-686ED1934745}"/>
                   </a:ext>
                 </a:extLst>
               </p:cNvPr>
@@ -11702,7 +12408,7 @@
               </a:ln>
               <a:extLst>
                 <a:ext uri="{C572A759-6A51-4108-AA02-DFA0A04FC94B}">
-                  <ma14:wrappingTextBoxFlag xmlns:ma14="http://schemas.microsoft.com/office/mac/drawingml/2011/main" xmlns="" val="1"/>
+                  <ma14:wrappingTextBoxFlag xmlns="" xmlns:ma14="http://schemas.microsoft.com/office/mac/drawingml/2011/main" val="1"/>
                 </a:ext>
               </a:extLst>
             </p:spPr>
@@ -11752,7 +12458,7 @@
                               <a:effectLst/>
                               <a:uLnTx/>
                               <a:uFillTx/>
-                              <a:latin typeface="Cambria Math" panose="02040503050406030204" pitchFamily="18" charset="0"/>
+                              <a:latin typeface="Cambria Math"/>
                               <a:ea typeface="+mn-ea"/>
                               <a:cs typeface="+mn-cs"/>
                             </a:rPr>
@@ -11876,7 +12582,7 @@
           <p:cNvPr id="11" name="CCD array">
             <a:extLst>
               <a:ext uri="{FF2B5EF4-FFF2-40B4-BE49-F238E27FC236}">
-                <a16:creationId xmlns:a16="http://schemas.microsoft.com/office/drawing/2014/main" id="{ED6D98F1-265E-4456-9603-250BCCF28542}"/>
+                <a16:creationId xmlns:a16="http://schemas.microsoft.com/office/drawing/2014/main" xmlns="" id="{ED6D98F1-265E-4456-9603-250BCCF28542}"/>
               </a:ext>
             </a:extLst>
           </p:cNvPr>
@@ -11896,7 +12602,7 @@
           </a:ln>
           <a:extLst>
             <a:ext uri="{C572A759-6A51-4108-AA02-DFA0A04FC94B}">
-              <ma14:wrappingTextBoxFlag xmlns:ma14="http://schemas.microsoft.com/office/mac/drawingml/2011/main" xmlns="" val="1"/>
+              <ma14:wrappingTextBoxFlag xmlns="" xmlns:ma14="http://schemas.microsoft.com/office/mac/drawingml/2011/main" val="1"/>
             </a:ext>
           </a:extLst>
         </p:spPr>
@@ -11966,7 +12672,7 @@
           <p:cNvPr id="12" name="Line">
             <a:extLst>
               <a:ext uri="{FF2B5EF4-FFF2-40B4-BE49-F238E27FC236}">
-                <a16:creationId xmlns:a16="http://schemas.microsoft.com/office/drawing/2014/main" id="{F1572784-636B-407E-98E2-EC5144DFD233}"/>
+                <a16:creationId xmlns:a16="http://schemas.microsoft.com/office/drawing/2014/main" xmlns="" id="{F1572784-636B-407E-98E2-EC5144DFD233}"/>
               </a:ext>
             </a:extLst>
           </p:cNvPr>
@@ -12035,7 +12741,7 @@
           <p:cNvPr id="13" name="pasted-image.pdf" descr="pasted-image.pdf">
             <a:extLst>
               <a:ext uri="{FF2B5EF4-FFF2-40B4-BE49-F238E27FC236}">
-                <a16:creationId xmlns:a16="http://schemas.microsoft.com/office/drawing/2014/main" id="{FF15D042-0452-40DD-84A2-C3632B25CDBD}"/>
+                <a16:creationId xmlns:a16="http://schemas.microsoft.com/office/drawing/2014/main" xmlns="" id="{FF15D042-0452-40DD-84A2-C3632B25CDBD}"/>
               </a:ext>
             </a:extLst>
           </p:cNvPr>
@@ -12111,7 +12817,7 @@
               <p:cNvPr id="15" name="image coordinate system">
                 <a:extLst>
                   <a:ext uri="{FF2B5EF4-FFF2-40B4-BE49-F238E27FC236}">
-                    <a16:creationId xmlns:a16="http://schemas.microsoft.com/office/drawing/2014/main" id="{B1C9475A-CB0A-4867-B710-686ED1934745}"/>
+                    <a16:creationId xmlns:a16="http://schemas.microsoft.com/office/drawing/2014/main" xmlns="" id="{B1C9475A-CB0A-4867-B710-686ED1934745}"/>
                   </a:ext>
                 </a:extLst>
               </p:cNvPr>
@@ -12131,7 +12837,7 @@
               </a:ln>
               <a:extLst>
                 <a:ext uri="{C572A759-6A51-4108-AA02-DFA0A04FC94B}">
-                  <ma14:wrappingTextBoxFlag xmlns:ma14="http://schemas.microsoft.com/office/mac/drawingml/2011/main" xmlns="" val="1"/>
+                  <ma14:wrappingTextBoxFlag xmlns="" xmlns:ma14="http://schemas.microsoft.com/office/mac/drawingml/2011/main" val="1"/>
                 </a:ext>
               </a:extLst>
             </p:spPr>
@@ -12181,7 +12887,7 @@
                               <a:effectLst/>
                               <a:uLnTx/>
                               <a:uFillTx/>
-                              <a:latin typeface="Cambria Math" panose="02040503050406030204" pitchFamily="18" charset="0"/>
+                              <a:latin typeface="Cambria Math"/>
                               <a:ea typeface="+mn-ea"/>
                               <a:cs typeface="+mn-cs"/>
                             </a:rPr>
@@ -12220,7 +12926,7 @@
                                   <a:effectLst/>
                                   <a:uLnTx/>
                                   <a:uFillTx/>
-                                  <a:latin typeface="Cambria Math" panose="02040503050406030204" pitchFamily="18" charset="0"/>
+                                  <a:latin typeface="Cambria Math"/>
                                   <a:ea typeface="+mn-ea"/>
                                   <a:cs typeface="+mn-cs"/>
                                 </a:rPr>
@@ -12637,7 +13343,7 @@
                       <m:sSubPr>
                         <m:ctrlPr>
                           <a:rPr lang="en-US" b="0" i="1" smtClean="0">
-                            <a:latin typeface="Cambria Math" panose="02040503050406030204" pitchFamily="18" charset="0"/>
+                            <a:latin typeface="Cambria Math"/>
                           </a:rPr>
                         </m:ctrlPr>
                       </m:sSubPr>
@@ -12670,7 +13376,7 @@
                       <m:sSubPr>
                         <m:ctrlPr>
                           <a:rPr lang="en-US" b="0" i="1" smtClean="0">
-                            <a:latin typeface="Cambria Math" panose="02040503050406030204" pitchFamily="18" charset="0"/>
+                            <a:latin typeface="Cambria Math"/>
                           </a:rPr>
                         </m:ctrlPr>
                       </m:sSubPr>
@@ -12989,7 +13695,7 @@
           <p:cNvPr id="5" name="Line">
             <a:extLst>
               <a:ext uri="{FF2B5EF4-FFF2-40B4-BE49-F238E27FC236}">
-                <a16:creationId xmlns:a16="http://schemas.microsoft.com/office/drawing/2014/main" id="{12DBDBC3-6357-4475-9896-3DCE8AD752D2}"/>
+                <a16:creationId xmlns:a16="http://schemas.microsoft.com/office/drawing/2014/main" xmlns="" id="{12DBDBC3-6357-4475-9896-3DCE8AD752D2}"/>
               </a:ext>
             </a:extLst>
           </p:cNvPr>
@@ -13055,7 +13761,7 @@
           <p:cNvPr id="6" name="Line">
             <a:extLst>
               <a:ext uri="{FF2B5EF4-FFF2-40B4-BE49-F238E27FC236}">
-                <a16:creationId xmlns:a16="http://schemas.microsoft.com/office/drawing/2014/main" id="{5CB283C4-2B30-4EAF-A4DD-16FBF22443E9}"/>
+                <a16:creationId xmlns:a16="http://schemas.microsoft.com/office/drawing/2014/main" xmlns="" id="{5CB283C4-2B30-4EAF-A4DD-16FBF22443E9}"/>
               </a:ext>
             </a:extLst>
           </p:cNvPr>
@@ -13122,7 +13828,7 @@
           <p:cNvPr id="7" name="Line">
             <a:extLst>
               <a:ext uri="{FF2B5EF4-FFF2-40B4-BE49-F238E27FC236}">
-                <a16:creationId xmlns:a16="http://schemas.microsoft.com/office/drawing/2014/main" id="{1939293B-C9F6-469C-B1CA-2F0558BA1324}"/>
+                <a16:creationId xmlns:a16="http://schemas.microsoft.com/office/drawing/2014/main" xmlns="" id="{1939293B-C9F6-469C-B1CA-2F0558BA1324}"/>
               </a:ext>
             </a:extLst>
           </p:cNvPr>
@@ -13189,7 +13895,7 @@
           <p:cNvPr id="8" name="Shape">
             <a:extLst>
               <a:ext uri="{FF2B5EF4-FFF2-40B4-BE49-F238E27FC236}">
-                <a16:creationId xmlns:a16="http://schemas.microsoft.com/office/drawing/2014/main" id="{2121B408-A2EA-4B21-8150-951E036073E2}"/>
+                <a16:creationId xmlns:a16="http://schemas.microsoft.com/office/drawing/2014/main" xmlns="" id="{2121B408-A2EA-4B21-8150-951E036073E2}"/>
               </a:ext>
             </a:extLst>
           </p:cNvPr>
@@ -13303,7 +14009,7 @@
           <p:cNvPr id="9" name="Line">
             <a:extLst>
               <a:ext uri="{FF2B5EF4-FFF2-40B4-BE49-F238E27FC236}">
-                <a16:creationId xmlns:a16="http://schemas.microsoft.com/office/drawing/2014/main" id="{8B195B13-D92E-4B00-A2E4-44EF0FA225D9}"/>
+                <a16:creationId xmlns:a16="http://schemas.microsoft.com/office/drawing/2014/main" xmlns="" id="{8B195B13-D92E-4B00-A2E4-44EF0FA225D9}"/>
               </a:ext>
             </a:extLst>
           </p:cNvPr>
@@ -13371,7 +14077,7 @@
           <p:cNvPr id="10" name="Line">
             <a:extLst>
               <a:ext uri="{FF2B5EF4-FFF2-40B4-BE49-F238E27FC236}">
-                <a16:creationId xmlns:a16="http://schemas.microsoft.com/office/drawing/2014/main" id="{C812ECF9-69CB-4289-B9C2-0B9C45FDC3F4}"/>
+                <a16:creationId xmlns:a16="http://schemas.microsoft.com/office/drawing/2014/main" xmlns="" id="{C812ECF9-69CB-4289-B9C2-0B9C45FDC3F4}"/>
               </a:ext>
             </a:extLst>
           </p:cNvPr>
@@ -13438,7 +14144,7 @@
           <p:cNvPr id="11" name="Line">
             <a:extLst>
               <a:ext uri="{FF2B5EF4-FFF2-40B4-BE49-F238E27FC236}">
-                <a16:creationId xmlns:a16="http://schemas.microsoft.com/office/drawing/2014/main" id="{DC12E0A4-76B6-4635-A872-45C2809D2D69}"/>
+                <a16:creationId xmlns:a16="http://schemas.microsoft.com/office/drawing/2014/main" xmlns="" id="{DC12E0A4-76B6-4635-A872-45C2809D2D69}"/>
               </a:ext>
             </a:extLst>
           </p:cNvPr>
@@ -13505,7 +14211,7 @@
           <p:cNvPr id="12" name="Line">
             <a:extLst>
               <a:ext uri="{FF2B5EF4-FFF2-40B4-BE49-F238E27FC236}">
-                <a16:creationId xmlns:a16="http://schemas.microsoft.com/office/drawing/2014/main" id="{CC4EE56A-E01A-4524-854B-837E5E0F5826}"/>
+                <a16:creationId xmlns:a16="http://schemas.microsoft.com/office/drawing/2014/main" xmlns="" id="{CC4EE56A-E01A-4524-854B-837E5E0F5826}"/>
               </a:ext>
             </a:extLst>
           </p:cNvPr>
@@ -13572,7 +14278,7 @@
           <p:cNvPr id="13" name="Image" descr="Image">
             <a:extLst>
               <a:ext uri="{FF2B5EF4-FFF2-40B4-BE49-F238E27FC236}">
-                <a16:creationId xmlns:a16="http://schemas.microsoft.com/office/drawing/2014/main" id="{6B9B8C04-4848-4306-8863-6C29CC37B468}"/>
+                <a16:creationId xmlns:a16="http://schemas.microsoft.com/office/drawing/2014/main" xmlns="" id="{6B9B8C04-4848-4306-8863-6C29CC37B468}"/>
               </a:ext>
             </a:extLst>
           </p:cNvPr>
@@ -13605,7 +14311,7 @@
           <p:cNvPr id="14" name="Image" descr="Image">
             <a:extLst>
               <a:ext uri="{FF2B5EF4-FFF2-40B4-BE49-F238E27FC236}">
-                <a16:creationId xmlns:a16="http://schemas.microsoft.com/office/drawing/2014/main" id="{4E22469F-27EA-4559-99AD-98CE3A5F215D}"/>
+                <a16:creationId xmlns:a16="http://schemas.microsoft.com/office/drawing/2014/main" xmlns="" id="{4E22469F-27EA-4559-99AD-98CE3A5F215D}"/>
               </a:ext>
             </a:extLst>
           </p:cNvPr>
@@ -13638,7 +14344,7 @@
           <p:cNvPr id="15" name="Image" descr="Image">
             <a:extLst>
               <a:ext uri="{FF2B5EF4-FFF2-40B4-BE49-F238E27FC236}">
-                <a16:creationId xmlns:a16="http://schemas.microsoft.com/office/drawing/2014/main" id="{CC7B1327-6AC6-4A01-90BB-7288E0EBFCE1}"/>
+                <a16:creationId xmlns:a16="http://schemas.microsoft.com/office/drawing/2014/main" xmlns="" id="{CC7B1327-6AC6-4A01-90BB-7288E0EBFCE1}"/>
               </a:ext>
             </a:extLst>
           </p:cNvPr>
@@ -13671,7 +14377,7 @@
           <p:cNvPr id="16" name="Image" descr="Image">
             <a:extLst>
               <a:ext uri="{FF2B5EF4-FFF2-40B4-BE49-F238E27FC236}">
-                <a16:creationId xmlns:a16="http://schemas.microsoft.com/office/drawing/2014/main" id="{7CA70C4B-7EA4-4BAB-82EA-A669D0A42975}"/>
+                <a16:creationId xmlns:a16="http://schemas.microsoft.com/office/drawing/2014/main" xmlns="" id="{7CA70C4B-7EA4-4BAB-82EA-A669D0A42975}"/>
               </a:ext>
             </a:extLst>
           </p:cNvPr>
@@ -13704,7 +14410,7 @@
           <p:cNvPr id="17" name="Image" descr="Image">
             <a:extLst>
               <a:ext uri="{FF2B5EF4-FFF2-40B4-BE49-F238E27FC236}">
-                <a16:creationId xmlns:a16="http://schemas.microsoft.com/office/drawing/2014/main" id="{66C55112-AEB0-4069-A7B7-3044F9BC0634}"/>
+                <a16:creationId xmlns:a16="http://schemas.microsoft.com/office/drawing/2014/main" xmlns="" id="{66C55112-AEB0-4069-A7B7-3044F9BC0634}"/>
               </a:ext>
             </a:extLst>
           </p:cNvPr>
@@ -13737,7 +14443,7 @@
           <p:cNvPr id="18" name="Image" descr="Image">
             <a:extLst>
               <a:ext uri="{FF2B5EF4-FFF2-40B4-BE49-F238E27FC236}">
-                <a16:creationId xmlns:a16="http://schemas.microsoft.com/office/drawing/2014/main" id="{870462C1-3006-44FA-B299-C56385625723}"/>
+                <a16:creationId xmlns:a16="http://schemas.microsoft.com/office/drawing/2014/main" xmlns="" id="{870462C1-3006-44FA-B299-C56385625723}"/>
               </a:ext>
             </a:extLst>
           </p:cNvPr>
@@ -13770,7 +14476,7 @@
           <p:cNvPr id="19" name="World coordinate system">
             <a:extLst>
               <a:ext uri="{FF2B5EF4-FFF2-40B4-BE49-F238E27FC236}">
-                <a16:creationId xmlns:a16="http://schemas.microsoft.com/office/drawing/2014/main" id="{80C36F78-4F64-4B7F-B2B7-28714D6FAA02}"/>
+                <a16:creationId xmlns:a16="http://schemas.microsoft.com/office/drawing/2014/main" xmlns="" id="{80C36F78-4F64-4B7F-B2B7-28714D6FAA02}"/>
               </a:ext>
             </a:extLst>
           </p:cNvPr>
@@ -13790,7 +14496,7 @@
           </a:ln>
           <a:extLst>
             <a:ext uri="{C572A759-6A51-4108-AA02-DFA0A04FC94B}">
-              <ma14:wrappingTextBoxFlag xmlns="" xmlns:ma14="http://schemas.microsoft.com/office/mac/drawingml/2011/main" val="1"/>
+              <ma14:wrappingTextBoxFlag xmlns:ma14="http://schemas.microsoft.com/office/mac/drawingml/2011/main" xmlns="" val="1"/>
             </a:ext>
           </a:extLst>
         </p:spPr>
@@ -13851,7 +14557,7 @@
           <p:cNvPr id="20" name="Camera coordinate system">
             <a:extLst>
               <a:ext uri="{FF2B5EF4-FFF2-40B4-BE49-F238E27FC236}">
-                <a16:creationId xmlns:a16="http://schemas.microsoft.com/office/drawing/2014/main" id="{9F0C68AE-DDB2-477D-A69E-10FE9916C3B6}"/>
+                <a16:creationId xmlns:a16="http://schemas.microsoft.com/office/drawing/2014/main" xmlns="" id="{9F0C68AE-DDB2-477D-A69E-10FE9916C3B6}"/>
               </a:ext>
             </a:extLst>
           </p:cNvPr>
@@ -13871,7 +14577,7 @@
           </a:ln>
           <a:extLst>
             <a:ext uri="{C572A759-6A51-4108-AA02-DFA0A04FC94B}">
-              <ma14:wrappingTextBoxFlag xmlns="" xmlns:ma14="http://schemas.microsoft.com/office/mac/drawingml/2011/main" val="1"/>
+              <ma14:wrappingTextBoxFlag xmlns:ma14="http://schemas.microsoft.com/office/mac/drawingml/2011/main" xmlns="" val="1"/>
             </a:ext>
           </a:extLst>
         </p:spPr>
@@ -13928,7 +14634,7 @@
           <p:cNvPr id="21" name="Line">
             <a:extLst>
               <a:ext uri="{FF2B5EF4-FFF2-40B4-BE49-F238E27FC236}">
-                <a16:creationId xmlns:a16="http://schemas.microsoft.com/office/drawing/2014/main" id="{B4D19C32-9215-4C66-A46F-0FF68B40B0DF}"/>
+                <a16:creationId xmlns:a16="http://schemas.microsoft.com/office/drawing/2014/main" xmlns="" id="{B4D19C32-9215-4C66-A46F-0FF68B40B0DF}"/>
               </a:ext>
             </a:extLst>
           </p:cNvPr>
@@ -13998,7 +14704,7 @@
           <p:cNvPr id="22" name="Line">
             <a:extLst>
               <a:ext uri="{FF2B5EF4-FFF2-40B4-BE49-F238E27FC236}">
-                <a16:creationId xmlns:a16="http://schemas.microsoft.com/office/drawing/2014/main" id="{6D161CC0-53E3-40B1-8006-1DFD207157D4}"/>
+                <a16:creationId xmlns:a16="http://schemas.microsoft.com/office/drawing/2014/main" xmlns="" id="{6D161CC0-53E3-40B1-8006-1DFD207157D4}"/>
               </a:ext>
             </a:extLst>
           </p:cNvPr>
@@ -14067,7 +14773,7 @@
               <p:cNvPr id="23" name="TextBox 22">
                 <a:extLst>
                   <a:ext uri="{FF2B5EF4-FFF2-40B4-BE49-F238E27FC236}">
-                    <a16:creationId xmlns:a16="http://schemas.microsoft.com/office/drawing/2014/main" id="{3CFD2C28-B4CE-4D37-97EB-A1CD190564DC}"/>
+                    <a16:creationId xmlns:a16="http://schemas.microsoft.com/office/drawing/2014/main" xmlns="" id="{3CFD2C28-B4CE-4D37-97EB-A1CD190564DC}"/>
                   </a:ext>
                 </a:extLst>
               </p:cNvPr>
@@ -14126,7 +14832,7 @@
                               <a:effectLst/>
                               <a:uLnTx/>
                               <a:uFillTx/>
-                              <a:latin typeface="Cambria Math" panose="02040503050406030204" pitchFamily="18" charset="0"/>
+                              <a:latin typeface="Cambria Math"/>
                               <a:ea typeface="+mn-ea"/>
                               <a:cs typeface="+mn-cs"/>
                             </a:rPr>
@@ -14313,7 +15019,7 @@
           <p:cNvPr id="23" name="Line">
             <a:extLst>
               <a:ext uri="{FF2B5EF4-FFF2-40B4-BE49-F238E27FC236}">
-                <a16:creationId xmlns:a16="http://schemas.microsoft.com/office/drawing/2014/main" id="{DB6A4E6F-505D-4973-8F8A-AB8DF68C0CFA}"/>
+                <a16:creationId xmlns:a16="http://schemas.microsoft.com/office/drawing/2014/main" xmlns="" id="{DB6A4E6F-505D-4973-8F8A-AB8DF68C0CFA}"/>
               </a:ext>
             </a:extLst>
           </p:cNvPr>
@@ -14383,7 +15089,7 @@
           <p:cNvPr id="43" name="Line">
             <a:extLst>
               <a:ext uri="{FF2B5EF4-FFF2-40B4-BE49-F238E27FC236}">
-                <a16:creationId xmlns:a16="http://schemas.microsoft.com/office/drawing/2014/main" id="{36914EDB-D14A-4ED3-84EA-C119B8135472}"/>
+                <a16:creationId xmlns:a16="http://schemas.microsoft.com/office/drawing/2014/main" xmlns="" id="{36914EDB-D14A-4ED3-84EA-C119B8135472}"/>
               </a:ext>
             </a:extLst>
           </p:cNvPr>
@@ -14449,7 +15155,7 @@
           <p:cNvPr id="44" name="Line">
             <a:extLst>
               <a:ext uri="{FF2B5EF4-FFF2-40B4-BE49-F238E27FC236}">
-                <a16:creationId xmlns:a16="http://schemas.microsoft.com/office/drawing/2014/main" id="{4397A77B-1575-419C-9432-129E144EC5DA}"/>
+                <a16:creationId xmlns:a16="http://schemas.microsoft.com/office/drawing/2014/main" xmlns="" id="{4397A77B-1575-419C-9432-129E144EC5DA}"/>
               </a:ext>
             </a:extLst>
           </p:cNvPr>
@@ -14516,7 +15222,7 @@
           <p:cNvPr id="45" name="Line">
             <a:extLst>
               <a:ext uri="{FF2B5EF4-FFF2-40B4-BE49-F238E27FC236}">
-                <a16:creationId xmlns:a16="http://schemas.microsoft.com/office/drawing/2014/main" id="{C2BC6DDC-9542-4EE0-8813-EB3E76430BA9}"/>
+                <a16:creationId xmlns:a16="http://schemas.microsoft.com/office/drawing/2014/main" xmlns="" id="{C2BC6DDC-9542-4EE0-8813-EB3E76430BA9}"/>
               </a:ext>
             </a:extLst>
           </p:cNvPr>
@@ -14583,7 +15289,7 @@
           <p:cNvPr id="46" name="Shape">
             <a:extLst>
               <a:ext uri="{FF2B5EF4-FFF2-40B4-BE49-F238E27FC236}">
-                <a16:creationId xmlns:a16="http://schemas.microsoft.com/office/drawing/2014/main" id="{08E6DF4C-6503-4D5F-A22B-0657F3E7F23B}"/>
+                <a16:creationId xmlns:a16="http://schemas.microsoft.com/office/drawing/2014/main" xmlns="" id="{08E6DF4C-6503-4D5F-A22B-0657F3E7F23B}"/>
               </a:ext>
             </a:extLst>
           </p:cNvPr>
@@ -14697,7 +15403,7 @@
           <p:cNvPr id="47" name="Line">
             <a:extLst>
               <a:ext uri="{FF2B5EF4-FFF2-40B4-BE49-F238E27FC236}">
-                <a16:creationId xmlns:a16="http://schemas.microsoft.com/office/drawing/2014/main" id="{231C20B6-9DA6-4076-987B-AE4638095237}"/>
+                <a16:creationId xmlns:a16="http://schemas.microsoft.com/office/drawing/2014/main" xmlns="" id="{231C20B6-9DA6-4076-987B-AE4638095237}"/>
               </a:ext>
             </a:extLst>
           </p:cNvPr>
@@ -14765,7 +15471,7 @@
           <p:cNvPr id="48" name="Line">
             <a:extLst>
               <a:ext uri="{FF2B5EF4-FFF2-40B4-BE49-F238E27FC236}">
-                <a16:creationId xmlns:a16="http://schemas.microsoft.com/office/drawing/2014/main" id="{EBFF5C78-CE9B-4482-A8F4-D7DDD7DD2933}"/>
+                <a16:creationId xmlns:a16="http://schemas.microsoft.com/office/drawing/2014/main" xmlns="" id="{EBFF5C78-CE9B-4482-A8F4-D7DDD7DD2933}"/>
               </a:ext>
             </a:extLst>
           </p:cNvPr>
@@ -14832,7 +15538,7 @@
           <p:cNvPr id="49" name="Line">
             <a:extLst>
               <a:ext uri="{FF2B5EF4-FFF2-40B4-BE49-F238E27FC236}">
-                <a16:creationId xmlns:a16="http://schemas.microsoft.com/office/drawing/2014/main" id="{E07CBEE4-12F5-4050-915A-295249BF63BF}"/>
+                <a16:creationId xmlns:a16="http://schemas.microsoft.com/office/drawing/2014/main" xmlns="" id="{E07CBEE4-12F5-4050-915A-295249BF63BF}"/>
               </a:ext>
             </a:extLst>
           </p:cNvPr>
@@ -14899,7 +15605,7 @@
           <p:cNvPr id="50" name="Image" descr="Image">
             <a:extLst>
               <a:ext uri="{FF2B5EF4-FFF2-40B4-BE49-F238E27FC236}">
-                <a16:creationId xmlns:a16="http://schemas.microsoft.com/office/drawing/2014/main" id="{057D4E42-6EFD-431D-87F9-18A3BE400AAA}"/>
+                <a16:creationId xmlns:a16="http://schemas.microsoft.com/office/drawing/2014/main" xmlns="" id="{057D4E42-6EFD-431D-87F9-18A3BE400AAA}"/>
               </a:ext>
             </a:extLst>
           </p:cNvPr>
@@ -14932,7 +15638,7 @@
           <p:cNvPr id="51" name="Image" descr="Image">
             <a:extLst>
               <a:ext uri="{FF2B5EF4-FFF2-40B4-BE49-F238E27FC236}">
-                <a16:creationId xmlns:a16="http://schemas.microsoft.com/office/drawing/2014/main" id="{6057A7BC-8825-489E-8EC1-407A59509225}"/>
+                <a16:creationId xmlns:a16="http://schemas.microsoft.com/office/drawing/2014/main" xmlns="" id="{6057A7BC-8825-489E-8EC1-407A59509225}"/>
               </a:ext>
             </a:extLst>
           </p:cNvPr>
@@ -14965,7 +15671,7 @@
           <p:cNvPr id="52" name="Image" descr="Image">
             <a:extLst>
               <a:ext uri="{FF2B5EF4-FFF2-40B4-BE49-F238E27FC236}">
-                <a16:creationId xmlns:a16="http://schemas.microsoft.com/office/drawing/2014/main" id="{CB38C764-F3D1-4773-A8AA-BA8A6015FC5C}"/>
+                <a16:creationId xmlns:a16="http://schemas.microsoft.com/office/drawing/2014/main" xmlns="" id="{CB38C764-F3D1-4773-A8AA-BA8A6015FC5C}"/>
               </a:ext>
             </a:extLst>
           </p:cNvPr>
@@ -14998,7 +15704,7 @@
           <p:cNvPr id="53" name="Image" descr="Image">
             <a:extLst>
               <a:ext uri="{FF2B5EF4-FFF2-40B4-BE49-F238E27FC236}">
-                <a16:creationId xmlns:a16="http://schemas.microsoft.com/office/drawing/2014/main" id="{020804C9-E99B-4738-BEFA-9FB16117E776}"/>
+                <a16:creationId xmlns:a16="http://schemas.microsoft.com/office/drawing/2014/main" xmlns="" id="{020804C9-E99B-4738-BEFA-9FB16117E776}"/>
               </a:ext>
             </a:extLst>
           </p:cNvPr>
@@ -15031,7 +15737,7 @@
           <p:cNvPr id="54" name="Image" descr="Image">
             <a:extLst>
               <a:ext uri="{FF2B5EF4-FFF2-40B4-BE49-F238E27FC236}">
-                <a16:creationId xmlns:a16="http://schemas.microsoft.com/office/drawing/2014/main" id="{76AB4347-14DC-4104-9873-CC1E20FBF3FF}"/>
+                <a16:creationId xmlns:a16="http://schemas.microsoft.com/office/drawing/2014/main" xmlns="" id="{76AB4347-14DC-4104-9873-CC1E20FBF3FF}"/>
               </a:ext>
             </a:extLst>
           </p:cNvPr>
@@ -15064,7 +15770,7 @@
           <p:cNvPr id="55" name="World coordinate system">
             <a:extLst>
               <a:ext uri="{FF2B5EF4-FFF2-40B4-BE49-F238E27FC236}">
-                <a16:creationId xmlns:a16="http://schemas.microsoft.com/office/drawing/2014/main" id="{5039B5A1-DD9E-4B5B-A318-62B106BD1083}"/>
+                <a16:creationId xmlns:a16="http://schemas.microsoft.com/office/drawing/2014/main" xmlns="" id="{5039B5A1-DD9E-4B5B-A318-62B106BD1083}"/>
               </a:ext>
             </a:extLst>
           </p:cNvPr>
@@ -15084,7 +15790,7 @@
           </a:ln>
           <a:extLst>
             <a:ext uri="{C572A759-6A51-4108-AA02-DFA0A04FC94B}">
-              <ma14:wrappingTextBoxFlag xmlns="" xmlns:ma14="http://schemas.microsoft.com/office/mac/drawingml/2011/main" val="1"/>
+              <ma14:wrappingTextBoxFlag xmlns:ma14="http://schemas.microsoft.com/office/mac/drawingml/2011/main" xmlns="" val="1"/>
             </a:ext>
           </a:extLst>
         </p:spPr>
@@ -15145,7 +15851,7 @@
           <p:cNvPr id="56" name="Camera coordinate system">
             <a:extLst>
               <a:ext uri="{FF2B5EF4-FFF2-40B4-BE49-F238E27FC236}">
-                <a16:creationId xmlns:a16="http://schemas.microsoft.com/office/drawing/2014/main" id="{CBCDCB58-A096-452A-8D01-1F8EAA472562}"/>
+                <a16:creationId xmlns:a16="http://schemas.microsoft.com/office/drawing/2014/main" xmlns="" id="{CBCDCB58-A096-452A-8D01-1F8EAA472562}"/>
               </a:ext>
             </a:extLst>
           </p:cNvPr>
@@ -15165,7 +15871,7 @@
           </a:ln>
           <a:extLst>
             <a:ext uri="{C572A759-6A51-4108-AA02-DFA0A04FC94B}">
-              <ma14:wrappingTextBoxFlag xmlns="" xmlns:ma14="http://schemas.microsoft.com/office/mac/drawingml/2011/main" val="1"/>
+              <ma14:wrappingTextBoxFlag xmlns:ma14="http://schemas.microsoft.com/office/mac/drawingml/2011/main" xmlns="" val="1"/>
             </a:ext>
           </a:extLst>
         </p:spPr>
@@ -15222,7 +15928,7 @@
           <p:cNvPr id="57" name="Line">
             <a:extLst>
               <a:ext uri="{FF2B5EF4-FFF2-40B4-BE49-F238E27FC236}">
-                <a16:creationId xmlns:a16="http://schemas.microsoft.com/office/drawing/2014/main" id="{EC8C4926-46A1-411B-A192-48333B34C8C1}"/>
+                <a16:creationId xmlns:a16="http://schemas.microsoft.com/office/drawing/2014/main" xmlns="" id="{EC8C4926-46A1-411B-A192-48333B34C8C1}"/>
               </a:ext>
             </a:extLst>
           </p:cNvPr>
@@ -15292,7 +15998,7 @@
           <p:cNvPr id="58" name="Line">
             <a:extLst>
               <a:ext uri="{FF2B5EF4-FFF2-40B4-BE49-F238E27FC236}">
-                <a16:creationId xmlns:a16="http://schemas.microsoft.com/office/drawing/2014/main" id="{08842965-0F5F-4061-BF1B-6BB2FD248678}"/>
+                <a16:creationId xmlns:a16="http://schemas.microsoft.com/office/drawing/2014/main" xmlns="" id="{08842965-0F5F-4061-BF1B-6BB2FD248678}"/>
               </a:ext>
             </a:extLst>
           </p:cNvPr>
@@ -15359,7 +16065,7 @@
           <p:cNvPr id="59" name="Coordinate of the camera center in the world coordinate frame">
             <a:extLst>
               <a:ext uri="{FF2B5EF4-FFF2-40B4-BE49-F238E27FC236}">
-                <a16:creationId xmlns:a16="http://schemas.microsoft.com/office/drawing/2014/main" id="{96AF81BE-49B5-4969-A0B6-C199F361E639}"/>
+                <a16:creationId xmlns:a16="http://schemas.microsoft.com/office/drawing/2014/main" xmlns="" id="{96AF81BE-49B5-4969-A0B6-C199F361E639}"/>
               </a:ext>
             </a:extLst>
           </p:cNvPr>
@@ -15379,7 +16085,7 @@
           </a:ln>
           <a:extLst>
             <a:ext uri="{C572A759-6A51-4108-AA02-DFA0A04FC94B}">
-              <ma14:wrappingTextBoxFlag xmlns="" xmlns:ma14="http://schemas.microsoft.com/office/mac/drawingml/2011/main" val="1"/>
+              <ma14:wrappingTextBoxFlag xmlns:ma14="http://schemas.microsoft.com/office/mac/drawingml/2011/main" xmlns="" val="1"/>
             </a:ext>
           </a:extLst>
         </p:spPr>
@@ -15445,7 +16151,7 @@
               <p:cNvPr id="60" name="TextBox 59">
                 <a:extLst>
                   <a:ext uri="{FF2B5EF4-FFF2-40B4-BE49-F238E27FC236}">
-                    <a16:creationId xmlns:a16="http://schemas.microsoft.com/office/drawing/2014/main" id="{133D01A1-FFED-49BD-9F83-4C3559023E83}"/>
+                    <a16:creationId xmlns:a16="http://schemas.microsoft.com/office/drawing/2014/main" xmlns="" id="{133D01A1-FFED-49BD-9F83-4C3559023E83}"/>
                   </a:ext>
                 </a:extLst>
               </p:cNvPr>
@@ -15579,7 +16285,7 @@
           <p:cNvPr id="61" name="Line">
             <a:extLst>
               <a:ext uri="{FF2B5EF4-FFF2-40B4-BE49-F238E27FC236}">
-                <a16:creationId xmlns:a16="http://schemas.microsoft.com/office/drawing/2014/main" id="{CC4EE56A-E01A-4524-854B-837E5E0F5826}"/>
+                <a16:creationId xmlns:a16="http://schemas.microsoft.com/office/drawing/2014/main" xmlns="" id="{CC4EE56A-E01A-4524-854B-837E5E0F5826}"/>
               </a:ext>
             </a:extLst>
           </p:cNvPr>
@@ -15646,7 +16352,7 @@
           <p:cNvPr id="62" name="Image" descr="Image">
             <a:extLst>
               <a:ext uri="{FF2B5EF4-FFF2-40B4-BE49-F238E27FC236}">
-                <a16:creationId xmlns:a16="http://schemas.microsoft.com/office/drawing/2014/main" id="{66C55112-AEB0-4069-A7B7-3044F9BC0634}"/>
+                <a16:creationId xmlns:a16="http://schemas.microsoft.com/office/drawing/2014/main" xmlns="" id="{66C55112-AEB0-4069-A7B7-3044F9BC0634}"/>
               </a:ext>
             </a:extLst>
           </p:cNvPr>
@@ -15750,7 +16456,7 @@
           <p:cNvPr id="5" name="Line">
             <a:extLst>
               <a:ext uri="{FF2B5EF4-FFF2-40B4-BE49-F238E27FC236}">
-                <a16:creationId xmlns:a16="http://schemas.microsoft.com/office/drawing/2014/main" id="{8A6861F5-28D5-40F7-86A3-B93686C6106A}"/>
+                <a16:creationId xmlns:a16="http://schemas.microsoft.com/office/drawing/2014/main" xmlns="" id="{8A6861F5-28D5-40F7-86A3-B93686C6106A}"/>
               </a:ext>
             </a:extLst>
           </p:cNvPr>
@@ -15816,7 +16522,7 @@
           <p:cNvPr id="6" name="Line">
             <a:extLst>
               <a:ext uri="{FF2B5EF4-FFF2-40B4-BE49-F238E27FC236}">
-                <a16:creationId xmlns:a16="http://schemas.microsoft.com/office/drawing/2014/main" id="{8F79DE15-3B8D-4AB7-B932-14B916F73533}"/>
+                <a16:creationId xmlns:a16="http://schemas.microsoft.com/office/drawing/2014/main" xmlns="" id="{8F79DE15-3B8D-4AB7-B932-14B916F73533}"/>
               </a:ext>
             </a:extLst>
           </p:cNvPr>
@@ -15883,7 +16589,7 @@
           <p:cNvPr id="7" name="Line">
             <a:extLst>
               <a:ext uri="{FF2B5EF4-FFF2-40B4-BE49-F238E27FC236}">
-                <a16:creationId xmlns:a16="http://schemas.microsoft.com/office/drawing/2014/main" id="{2A6580E5-9A65-46B6-83E2-BAE2ACD0831A}"/>
+                <a16:creationId xmlns:a16="http://schemas.microsoft.com/office/drawing/2014/main" xmlns="" id="{2A6580E5-9A65-46B6-83E2-BAE2ACD0831A}"/>
               </a:ext>
             </a:extLst>
           </p:cNvPr>
@@ -15950,7 +16656,7 @@
           <p:cNvPr id="8" name="Shape">
             <a:extLst>
               <a:ext uri="{FF2B5EF4-FFF2-40B4-BE49-F238E27FC236}">
-                <a16:creationId xmlns:a16="http://schemas.microsoft.com/office/drawing/2014/main" id="{D14AA1C6-2C6B-4247-9C6F-BBE9760D6A81}"/>
+                <a16:creationId xmlns:a16="http://schemas.microsoft.com/office/drawing/2014/main" xmlns="" id="{D14AA1C6-2C6B-4247-9C6F-BBE9760D6A81}"/>
               </a:ext>
             </a:extLst>
           </p:cNvPr>
@@ -16064,7 +16770,7 @@
           <p:cNvPr id="9" name="Line">
             <a:extLst>
               <a:ext uri="{FF2B5EF4-FFF2-40B4-BE49-F238E27FC236}">
-                <a16:creationId xmlns:a16="http://schemas.microsoft.com/office/drawing/2014/main" id="{06F78644-1AF7-473A-818B-46BD42FB682C}"/>
+                <a16:creationId xmlns:a16="http://schemas.microsoft.com/office/drawing/2014/main" xmlns="" id="{06F78644-1AF7-473A-818B-46BD42FB682C}"/>
               </a:ext>
             </a:extLst>
           </p:cNvPr>
@@ -16132,7 +16838,7 @@
           <p:cNvPr id="10" name="Image" descr="Image">
             <a:extLst>
               <a:ext uri="{FF2B5EF4-FFF2-40B4-BE49-F238E27FC236}">
-                <a16:creationId xmlns:a16="http://schemas.microsoft.com/office/drawing/2014/main" id="{B384376C-4B22-4B6B-95AE-B171BABFD4DE}"/>
+                <a16:creationId xmlns:a16="http://schemas.microsoft.com/office/drawing/2014/main" xmlns="" id="{B384376C-4B22-4B6B-95AE-B171BABFD4DE}"/>
               </a:ext>
             </a:extLst>
           </p:cNvPr>
@@ -16165,7 +16871,7 @@
           <p:cNvPr id="11" name="Image" descr="Image">
             <a:extLst>
               <a:ext uri="{FF2B5EF4-FFF2-40B4-BE49-F238E27FC236}">
-                <a16:creationId xmlns:a16="http://schemas.microsoft.com/office/drawing/2014/main" id="{62B53655-373F-4A81-A574-F226D5F645F1}"/>
+                <a16:creationId xmlns:a16="http://schemas.microsoft.com/office/drawing/2014/main" xmlns="" id="{62B53655-373F-4A81-A574-F226D5F645F1}"/>
               </a:ext>
             </a:extLst>
           </p:cNvPr>
@@ -16198,7 +16904,7 @@
           <p:cNvPr id="12" name="Image" descr="Image">
             <a:extLst>
               <a:ext uri="{FF2B5EF4-FFF2-40B4-BE49-F238E27FC236}">
-                <a16:creationId xmlns:a16="http://schemas.microsoft.com/office/drawing/2014/main" id="{00B45154-B1DB-4A0D-9F54-98F39F5A27C6}"/>
+                <a16:creationId xmlns:a16="http://schemas.microsoft.com/office/drawing/2014/main" xmlns="" id="{00B45154-B1DB-4A0D-9F54-98F39F5A27C6}"/>
               </a:ext>
             </a:extLst>
           </p:cNvPr>
@@ -16231,7 +16937,7 @@
           <p:cNvPr id="13" name="Line">
             <a:extLst>
               <a:ext uri="{FF2B5EF4-FFF2-40B4-BE49-F238E27FC236}">
-                <a16:creationId xmlns:a16="http://schemas.microsoft.com/office/drawing/2014/main" id="{D0153C34-7F5C-4F73-A421-33D4634125D0}"/>
+                <a16:creationId xmlns:a16="http://schemas.microsoft.com/office/drawing/2014/main" xmlns="" id="{D0153C34-7F5C-4F73-A421-33D4634125D0}"/>
               </a:ext>
             </a:extLst>
           </p:cNvPr>
@@ -16298,7 +17004,7 @@
           <p:cNvPr id="14" name="Line">
             <a:extLst>
               <a:ext uri="{FF2B5EF4-FFF2-40B4-BE49-F238E27FC236}">
-                <a16:creationId xmlns:a16="http://schemas.microsoft.com/office/drawing/2014/main" id="{C4C19EC7-ED5C-4F82-942E-08D85265B625}"/>
+                <a16:creationId xmlns:a16="http://schemas.microsoft.com/office/drawing/2014/main" xmlns="" id="{C4C19EC7-ED5C-4F82-942E-08D85265B625}"/>
               </a:ext>
             </a:extLst>
           </p:cNvPr>
@@ -16368,7 +17074,7 @@
           <p:cNvPr id="15" name="Line">
             <a:extLst>
               <a:ext uri="{FF2B5EF4-FFF2-40B4-BE49-F238E27FC236}">
-                <a16:creationId xmlns:a16="http://schemas.microsoft.com/office/drawing/2014/main" id="{F316A582-1037-4D61-8383-F92059EF8ECE}"/>
+                <a16:creationId xmlns:a16="http://schemas.microsoft.com/office/drawing/2014/main" xmlns="" id="{F316A582-1037-4D61-8383-F92059EF8ECE}"/>
               </a:ext>
             </a:extLst>
           </p:cNvPr>
@@ -16437,7 +17143,7 @@
               <p:cNvPr id="16" name="TextBox 15">
                 <a:extLst>
                   <a:ext uri="{FF2B5EF4-FFF2-40B4-BE49-F238E27FC236}">
-                    <a16:creationId xmlns:a16="http://schemas.microsoft.com/office/drawing/2014/main" id="{8D594E66-D58D-41A1-9652-7AD521C05F70}"/>
+                    <a16:creationId xmlns:a16="http://schemas.microsoft.com/office/drawing/2014/main" xmlns="" id="{8D594E66-D58D-41A1-9652-7AD521C05F70}"/>
                   </a:ext>
                 </a:extLst>
               </p:cNvPr>
@@ -16496,7 +17202,7 @@
                               <a:effectLst/>
                               <a:uLnTx/>
                               <a:uFillTx/>
-                              <a:latin typeface="Cambria Math" panose="02040503050406030204" pitchFamily="18" charset="0"/>
+                              <a:latin typeface="Cambria Math"/>
                               <a:ea typeface="+mn-ea"/>
                               <a:cs typeface="+mn-cs"/>
                             </a:rPr>
@@ -16516,7 +17222,7 @@
                                   <a:effectLst/>
                                   <a:uLnTx/>
                                   <a:uFillTx/>
-                                  <a:latin typeface="Cambria Math" panose="02040503050406030204" pitchFamily="18" charset="0"/>
+                                  <a:latin typeface="Cambria Math"/>
                                   <a:ea typeface="+mn-ea"/>
                                   <a:cs typeface="+mn-cs"/>
                                 </a:rPr>
@@ -16668,7 +17374,7 @@
           <p:cNvPr id="17" name="Line">
             <a:extLst>
               <a:ext uri="{FF2B5EF4-FFF2-40B4-BE49-F238E27FC236}">
-                <a16:creationId xmlns:a16="http://schemas.microsoft.com/office/drawing/2014/main" id="{EBFF5C78-CE9B-4482-A8F4-D7DDD7DD2933}"/>
+                <a16:creationId xmlns:a16="http://schemas.microsoft.com/office/drawing/2014/main" xmlns="" id="{EBFF5C78-CE9B-4482-A8F4-D7DDD7DD2933}"/>
               </a:ext>
             </a:extLst>
           </p:cNvPr>
@@ -16735,7 +17441,7 @@
           <p:cNvPr id="18" name="Line">
             <a:extLst>
               <a:ext uri="{FF2B5EF4-FFF2-40B4-BE49-F238E27FC236}">
-                <a16:creationId xmlns:a16="http://schemas.microsoft.com/office/drawing/2014/main" id="{E07CBEE4-12F5-4050-915A-295249BF63BF}"/>
+                <a16:creationId xmlns:a16="http://schemas.microsoft.com/office/drawing/2014/main" xmlns="" id="{E07CBEE4-12F5-4050-915A-295249BF63BF}"/>
               </a:ext>
             </a:extLst>
           </p:cNvPr>
@@ -16802,7 +17508,7 @@
           <p:cNvPr id="19" name="Line">
             <a:extLst>
               <a:ext uri="{FF2B5EF4-FFF2-40B4-BE49-F238E27FC236}">
-                <a16:creationId xmlns:a16="http://schemas.microsoft.com/office/drawing/2014/main" id="{CC4EE56A-E01A-4524-854B-837E5E0F5826}"/>
+                <a16:creationId xmlns:a16="http://schemas.microsoft.com/office/drawing/2014/main" xmlns="" id="{CC4EE56A-E01A-4524-854B-837E5E0F5826}"/>
               </a:ext>
             </a:extLst>
           </p:cNvPr>
@@ -16940,7 +17646,7 @@
           <p:cNvPr id="5" name="Line">
             <a:extLst>
               <a:ext uri="{FF2B5EF4-FFF2-40B4-BE49-F238E27FC236}">
-                <a16:creationId xmlns:a16="http://schemas.microsoft.com/office/drawing/2014/main" id="{8A6861F5-28D5-40F7-86A3-B93686C6106A}"/>
+                <a16:creationId xmlns:a16="http://schemas.microsoft.com/office/drawing/2014/main" xmlns="" id="{8A6861F5-28D5-40F7-86A3-B93686C6106A}"/>
               </a:ext>
             </a:extLst>
           </p:cNvPr>
@@ -17006,7 +17712,7 @@
           <p:cNvPr id="6" name="Line">
             <a:extLst>
               <a:ext uri="{FF2B5EF4-FFF2-40B4-BE49-F238E27FC236}">
-                <a16:creationId xmlns:a16="http://schemas.microsoft.com/office/drawing/2014/main" id="{8F79DE15-3B8D-4AB7-B932-14B916F73533}"/>
+                <a16:creationId xmlns:a16="http://schemas.microsoft.com/office/drawing/2014/main" xmlns="" id="{8F79DE15-3B8D-4AB7-B932-14B916F73533}"/>
               </a:ext>
             </a:extLst>
           </p:cNvPr>
@@ -17073,7 +17779,7 @@
           <p:cNvPr id="7" name="Line">
             <a:extLst>
               <a:ext uri="{FF2B5EF4-FFF2-40B4-BE49-F238E27FC236}">
-                <a16:creationId xmlns:a16="http://schemas.microsoft.com/office/drawing/2014/main" id="{2A6580E5-9A65-46B6-83E2-BAE2ACD0831A}"/>
+                <a16:creationId xmlns:a16="http://schemas.microsoft.com/office/drawing/2014/main" xmlns="" id="{2A6580E5-9A65-46B6-83E2-BAE2ACD0831A}"/>
               </a:ext>
             </a:extLst>
           </p:cNvPr>
@@ -17140,7 +17846,7 @@
           <p:cNvPr id="8" name="Shape">
             <a:extLst>
               <a:ext uri="{FF2B5EF4-FFF2-40B4-BE49-F238E27FC236}">
-                <a16:creationId xmlns:a16="http://schemas.microsoft.com/office/drawing/2014/main" id="{D14AA1C6-2C6B-4247-9C6F-BBE9760D6A81}"/>
+                <a16:creationId xmlns:a16="http://schemas.microsoft.com/office/drawing/2014/main" xmlns="" id="{D14AA1C6-2C6B-4247-9C6F-BBE9760D6A81}"/>
               </a:ext>
             </a:extLst>
           </p:cNvPr>
@@ -17254,7 +17960,7 @@
           <p:cNvPr id="9" name="Line">
             <a:extLst>
               <a:ext uri="{FF2B5EF4-FFF2-40B4-BE49-F238E27FC236}">
-                <a16:creationId xmlns:a16="http://schemas.microsoft.com/office/drawing/2014/main" id="{06F78644-1AF7-473A-818B-46BD42FB682C}"/>
+                <a16:creationId xmlns:a16="http://schemas.microsoft.com/office/drawing/2014/main" xmlns="" id="{06F78644-1AF7-473A-818B-46BD42FB682C}"/>
               </a:ext>
             </a:extLst>
           </p:cNvPr>
@@ -17322,7 +18028,7 @@
           <p:cNvPr id="10" name="Image" descr="Image">
             <a:extLst>
               <a:ext uri="{FF2B5EF4-FFF2-40B4-BE49-F238E27FC236}">
-                <a16:creationId xmlns:a16="http://schemas.microsoft.com/office/drawing/2014/main" id="{B384376C-4B22-4B6B-95AE-B171BABFD4DE}"/>
+                <a16:creationId xmlns:a16="http://schemas.microsoft.com/office/drawing/2014/main" xmlns="" id="{B384376C-4B22-4B6B-95AE-B171BABFD4DE}"/>
               </a:ext>
             </a:extLst>
           </p:cNvPr>
@@ -17355,7 +18061,7 @@
           <p:cNvPr id="11" name="Image" descr="Image">
             <a:extLst>
               <a:ext uri="{FF2B5EF4-FFF2-40B4-BE49-F238E27FC236}">
-                <a16:creationId xmlns:a16="http://schemas.microsoft.com/office/drawing/2014/main" id="{62B53655-373F-4A81-A574-F226D5F645F1}"/>
+                <a16:creationId xmlns:a16="http://schemas.microsoft.com/office/drawing/2014/main" xmlns="" id="{62B53655-373F-4A81-A574-F226D5F645F1}"/>
               </a:ext>
             </a:extLst>
           </p:cNvPr>
@@ -17388,7 +18094,7 @@
           <p:cNvPr id="12" name="Image" descr="Image">
             <a:extLst>
               <a:ext uri="{FF2B5EF4-FFF2-40B4-BE49-F238E27FC236}">
-                <a16:creationId xmlns:a16="http://schemas.microsoft.com/office/drawing/2014/main" id="{00B45154-B1DB-4A0D-9F54-98F39F5A27C6}"/>
+                <a16:creationId xmlns:a16="http://schemas.microsoft.com/office/drawing/2014/main" xmlns="" id="{00B45154-B1DB-4A0D-9F54-98F39F5A27C6}"/>
               </a:ext>
             </a:extLst>
           </p:cNvPr>
@@ -17421,7 +18127,7 @@
           <p:cNvPr id="13" name="Line">
             <a:extLst>
               <a:ext uri="{FF2B5EF4-FFF2-40B4-BE49-F238E27FC236}">
-                <a16:creationId xmlns:a16="http://schemas.microsoft.com/office/drawing/2014/main" id="{D0153C34-7F5C-4F73-A421-33D4634125D0}"/>
+                <a16:creationId xmlns:a16="http://schemas.microsoft.com/office/drawing/2014/main" xmlns="" id="{D0153C34-7F5C-4F73-A421-33D4634125D0}"/>
               </a:ext>
             </a:extLst>
           </p:cNvPr>
@@ -17488,7 +18194,7 @@
           <p:cNvPr id="14" name="Line">
             <a:extLst>
               <a:ext uri="{FF2B5EF4-FFF2-40B4-BE49-F238E27FC236}">
-                <a16:creationId xmlns:a16="http://schemas.microsoft.com/office/drawing/2014/main" id="{C4C19EC7-ED5C-4F82-942E-08D85265B625}"/>
+                <a16:creationId xmlns:a16="http://schemas.microsoft.com/office/drawing/2014/main" xmlns="" id="{C4C19EC7-ED5C-4F82-942E-08D85265B625}"/>
               </a:ext>
             </a:extLst>
           </p:cNvPr>
@@ -17558,7 +18264,7 @@
           <p:cNvPr id="15" name="Line">
             <a:extLst>
               <a:ext uri="{FF2B5EF4-FFF2-40B4-BE49-F238E27FC236}">
-                <a16:creationId xmlns:a16="http://schemas.microsoft.com/office/drawing/2014/main" id="{EBFF5C78-CE9B-4482-A8F4-D7DDD7DD2933}"/>
+                <a16:creationId xmlns:a16="http://schemas.microsoft.com/office/drawing/2014/main" xmlns="" id="{EBFF5C78-CE9B-4482-A8F4-D7DDD7DD2933}"/>
               </a:ext>
             </a:extLst>
           </p:cNvPr>
@@ -17625,7 +18331,7 @@
           <p:cNvPr id="16" name="Line">
             <a:extLst>
               <a:ext uri="{FF2B5EF4-FFF2-40B4-BE49-F238E27FC236}">
-                <a16:creationId xmlns:a16="http://schemas.microsoft.com/office/drawing/2014/main" id="{E07CBEE4-12F5-4050-915A-295249BF63BF}"/>
+                <a16:creationId xmlns:a16="http://schemas.microsoft.com/office/drawing/2014/main" xmlns="" id="{E07CBEE4-12F5-4050-915A-295249BF63BF}"/>
               </a:ext>
             </a:extLst>
           </p:cNvPr>
@@ -17692,7 +18398,7 @@
           <p:cNvPr id="17" name="Line">
             <a:extLst>
               <a:ext uri="{FF2B5EF4-FFF2-40B4-BE49-F238E27FC236}">
-                <a16:creationId xmlns:a16="http://schemas.microsoft.com/office/drawing/2014/main" id="{CC4EE56A-E01A-4524-854B-837E5E0F5826}"/>
+                <a16:creationId xmlns:a16="http://schemas.microsoft.com/office/drawing/2014/main" xmlns="" id="{CC4EE56A-E01A-4524-854B-837E5E0F5826}"/>
               </a:ext>
             </a:extLst>
           </p:cNvPr>
@@ -17760,7 +18466,7 @@
           <p:cNvPr id="18" name="Line">
             <a:extLst>
               <a:ext uri="{FF2B5EF4-FFF2-40B4-BE49-F238E27FC236}">
-                <a16:creationId xmlns:a16="http://schemas.microsoft.com/office/drawing/2014/main" id="{CC4EE56A-E01A-4524-854B-837E5E0F5826}"/>
+                <a16:creationId xmlns:a16="http://schemas.microsoft.com/office/drawing/2014/main" xmlns="" id="{CC4EE56A-E01A-4524-854B-837E5E0F5826}"/>
               </a:ext>
             </a:extLst>
           </p:cNvPr>
@@ -17877,7 +18583,7 @@
               <p:cNvPr id="20" name="TextBox 19">
                 <a:extLst>
                   <a:ext uri="{FF2B5EF4-FFF2-40B4-BE49-F238E27FC236}">
-                    <a16:creationId xmlns:a16="http://schemas.microsoft.com/office/drawing/2014/main" id="{A47D3E0F-0F0B-4A50-BD65-45CC7909E5A7}"/>
+                    <a16:creationId xmlns:a16="http://schemas.microsoft.com/office/drawing/2014/main" xmlns="" id="{A47D3E0F-0F0B-4A50-BD65-45CC7909E5A7}"/>
                   </a:ext>
                 </a:extLst>
               </p:cNvPr>
@@ -17916,7 +18622,7 @@
                               <a:solidFill>
                                 <a:prstClr val="black"/>
                               </a:solidFill>
-                              <a:latin typeface="Cambria Math" panose="02040503050406030204" pitchFamily="18" charset="0"/>
+                              <a:latin typeface="Cambria Math"/>
                             </a:rPr>
                           </m:ctrlPr>
                         </m:sSubPr>
@@ -17977,7 +18683,7 @@
                               <a:solidFill>
                                 <a:prstClr val="black"/>
                               </a:solidFill>
-                              <a:latin typeface="Cambria Math" panose="02040503050406030204" pitchFamily="18" charset="0"/>
+                              <a:latin typeface="Cambria Math"/>
                             </a:rPr>
                           </m:ctrlPr>
                         </m:sSubPr>
@@ -18100,7 +18806,7 @@
           <p:cNvPr id="21" name="Coordinate of the camera center in the world coordinate frame">
             <a:extLst>
               <a:ext uri="{FF2B5EF4-FFF2-40B4-BE49-F238E27FC236}">
-                <a16:creationId xmlns:a16="http://schemas.microsoft.com/office/drawing/2014/main" id="{96AF81BE-49B5-4969-A0B6-C199F361E639}"/>
+                <a16:creationId xmlns:a16="http://schemas.microsoft.com/office/drawing/2014/main" xmlns="" id="{96AF81BE-49B5-4969-A0B6-C199F361E639}"/>
               </a:ext>
             </a:extLst>
           </p:cNvPr>
@@ -18120,7 +18826,7 @@
           </a:ln>
           <a:extLst>
             <a:ext uri="{C572A759-6A51-4108-AA02-DFA0A04FC94B}">
-              <ma14:wrappingTextBoxFlag xmlns="" xmlns:ma14="http://schemas.microsoft.com/office/mac/drawingml/2011/main" val="1"/>
+              <ma14:wrappingTextBoxFlag xmlns:ma14="http://schemas.microsoft.com/office/mac/drawingml/2011/main" xmlns="" val="1"/>
             </a:ext>
           </a:extLst>
         </p:spPr>
@@ -18394,7 +19100,7 @@
                             <a:solidFill>
                               <a:prstClr val="black"/>
                             </a:solidFill>
-                            <a:latin typeface="Cambria Math" panose="02040503050406030204" pitchFamily="18" charset="0"/>
+                            <a:latin typeface="Cambria Math"/>
                           </a:rPr>
                         </m:ctrlPr>
                       </m:sSubPr>
@@ -18455,7 +19161,7 @@
                             <a:solidFill>
                               <a:prstClr val="black"/>
                             </a:solidFill>
-                            <a:latin typeface="Cambria Math" panose="02040503050406030204" pitchFamily="18" charset="0"/>
+                            <a:latin typeface="Cambria Math"/>
                           </a:rPr>
                         </m:ctrlPr>
                       </m:sSubPr>
@@ -18540,7 +19246,7 @@
                         <m:sSubPr>
                           <m:ctrlPr>
                             <a:rPr lang="en-US" b="0" i="1" smtClean="0">
-                              <a:latin typeface="Cambria Math" panose="02040503050406030204" pitchFamily="18" charset="0"/>
+                              <a:latin typeface="Cambria Math"/>
                             </a:rPr>
                           </m:ctrlPr>
                         </m:sSubPr>
@@ -18573,7 +19279,7 @@
                           <m:endChr m:val="]"/>
                           <m:ctrlPr>
                             <a:rPr lang="en-US" i="1" smtClean="0">
-                              <a:latin typeface="Cambria Math" panose="02040503050406030204" pitchFamily="18" charset="0"/>
+                              <a:latin typeface="Cambria Math"/>
                             </a:rPr>
                           </m:ctrlPr>
                         </m:dPr>
@@ -18590,7 +19296,7 @@
                               </m:mcs>
                               <m:ctrlPr>
                                 <a:rPr lang="en-US" i="1" smtClean="0">
-                                  <a:latin typeface="Cambria Math" panose="02040503050406030204" pitchFamily="18" charset="0"/>
+                                  <a:latin typeface="Cambria Math"/>
                                 </a:rPr>
                               </m:ctrlPr>
                             </m:mPr>
@@ -18600,7 +19306,7 @@
                                   <m:sSubPr>
                                     <m:ctrlPr>
                                       <a:rPr lang="en-US" b="0" i="1" smtClean="0">
-                                        <a:latin typeface="Cambria Math" panose="02040503050406030204" pitchFamily="18" charset="0"/>
+                                        <a:latin typeface="Cambria Math"/>
                                       </a:rPr>
                                     </m:ctrlPr>
                                   </m:sSubPr>
@@ -18657,7 +19363,7 @@
                                   <m:sSubPr>
                                     <m:ctrlPr>
                                       <a:rPr lang="en-US" b="0" i="1" smtClean="0">
-                                        <a:latin typeface="Cambria Math" panose="02040503050406030204" pitchFamily="18" charset="0"/>
+                                        <a:latin typeface="Cambria Math"/>
                                       </a:rPr>
                                     </m:ctrlPr>
                                   </m:sSubPr>
@@ -18698,7 +19404,7 @@
                                   <m:sSubPr>
                                     <m:ctrlPr>
                                       <a:rPr lang="en-US" b="0" i="1" smtClean="0">
-                                        <a:latin typeface="Cambria Math" panose="02040503050406030204" pitchFamily="18" charset="0"/>
+                                        <a:latin typeface="Cambria Math"/>
                                       </a:rPr>
                                     </m:ctrlPr>
                                   </m:sSubPr>
@@ -18748,7 +19454,7 @@
                         <m:sSubPr>
                           <m:ctrlPr>
                             <a:rPr lang="en-US" b="0" i="1" smtClean="0">
-                              <a:latin typeface="Cambria Math" panose="02040503050406030204" pitchFamily="18" charset="0"/>
+                              <a:latin typeface="Cambria Math"/>
                             </a:rPr>
                           </m:ctrlPr>
                         </m:sSubPr>
@@ -18797,7 +19503,7 @@
                       <m:sSubPr>
                         <m:ctrlPr>
                           <a:rPr lang="en-US" b="0" i="1" smtClean="0">
-                            <a:latin typeface="Cambria Math" panose="02040503050406030204" pitchFamily="18" charset="0"/>
+                            <a:latin typeface="Cambria Math"/>
                           </a:rPr>
                         </m:ctrlPr>
                       </m:sSubPr>
@@ -18830,7 +19536,7 @@
                       <m:sSubPr>
                         <m:ctrlPr>
                           <a:rPr lang="en-US" i="1">
-                            <a:latin typeface="Cambria Math" panose="02040503050406030204" pitchFamily="18" charset="0"/>
+                            <a:latin typeface="Cambria Math"/>
                           </a:rPr>
                         </m:ctrlPr>
                       </m:sSubPr>
@@ -18863,7 +19569,7 @@
                       <m:sSubPr>
                         <m:ctrlPr>
                           <a:rPr lang="en-US" i="1">
-                            <a:latin typeface="Cambria Math" panose="02040503050406030204" pitchFamily="18" charset="0"/>
+                            <a:latin typeface="Cambria Math"/>
                           </a:rPr>
                         </m:ctrlPr>
                       </m:sSubPr>
@@ -19541,7 +20247,7 @@
           </a:ln>
           <a:extLst>
             <a:ext uri="{C572A759-6A51-4108-AA02-DFA0A04FC94B}">
-              <ma14:wrappingTextBoxFlag xmlns="" xmlns:ma14="http://schemas.microsoft.com/office/mac/drawingml/2011/main" val="1"/>
+              <ma14:wrappingTextBoxFlag xmlns:ma14="http://schemas.microsoft.com/office/mac/drawingml/2011/main" xmlns="" val="1"/>
             </a:ext>
           </a:extLst>
         </p:spPr>
@@ -19622,7 +20328,7 @@
           </a:ln>
           <a:extLst>
             <a:ext uri="{C572A759-6A51-4108-AA02-DFA0A04FC94B}">
-              <ma14:wrappingTextBoxFlag xmlns="" xmlns:ma14="http://schemas.microsoft.com/office/mac/drawingml/2011/main" val="1"/>
+              <ma14:wrappingTextBoxFlag xmlns:ma14="http://schemas.microsoft.com/office/mac/drawingml/2011/main" xmlns="" val="1"/>
             </a:ext>
           </a:extLst>
         </p:spPr>
@@ -19899,7 +20605,7 @@
           </a:ln>
           <a:extLst>
             <a:ext uri="{C572A759-6A51-4108-AA02-DFA0A04FC94B}">
-              <ma14:wrappingTextBoxFlag xmlns="" xmlns:ma14="http://schemas.microsoft.com/office/mac/drawingml/2011/main" val="1"/>
+              <ma14:wrappingTextBoxFlag xmlns:ma14="http://schemas.microsoft.com/office/mac/drawingml/2011/main" xmlns="" val="1"/>
             </a:ext>
           </a:extLst>
         </p:spPr>
@@ -19964,7 +20670,7 @@
           </a:ln>
           <a:extLst>
             <a:ext uri="{C572A759-6A51-4108-AA02-DFA0A04FC94B}">
-              <ma14:wrappingTextBoxFlag xmlns="" xmlns:ma14="http://schemas.microsoft.com/office/mac/drawingml/2011/main" val="1"/>
+              <ma14:wrappingTextBoxFlag xmlns:ma14="http://schemas.microsoft.com/office/mac/drawingml/2011/main" xmlns="" val="1"/>
             </a:ext>
           </a:extLst>
         </p:spPr>
@@ -20133,7 +20839,7 @@
           <p:cNvPr id="2" name="Title 1">
             <a:extLst>
               <a:ext uri="{FF2B5EF4-FFF2-40B4-BE49-F238E27FC236}">
-                <a16:creationId xmlns:a16="http://schemas.microsoft.com/office/drawing/2014/main" id="{9363781F-CC71-4E67-8BB3-360B1E695B18}"/>
+                <a16:creationId xmlns:a16="http://schemas.microsoft.com/office/drawing/2014/main" xmlns="" id="{9363781F-CC71-4E67-8BB3-360B1E695B18}"/>
               </a:ext>
             </a:extLst>
           </p:cNvPr>
@@ -20158,7 +20864,7 @@
           <p:cNvPr id="3" name="Content Placeholder 2">
             <a:extLst>
               <a:ext uri="{FF2B5EF4-FFF2-40B4-BE49-F238E27FC236}">
-                <a16:creationId xmlns:a16="http://schemas.microsoft.com/office/drawing/2014/main" id="{B5EA0CAE-A067-4025-846B-8D11836FE5FC}"/>
+                <a16:creationId xmlns:a16="http://schemas.microsoft.com/office/drawing/2014/main" xmlns="" id="{B5EA0CAE-A067-4025-846B-8D11836FE5FC}"/>
               </a:ext>
             </a:extLst>
           </p:cNvPr>
@@ -20309,7 +21015,7 @@
           </a:ln>
           <a:extLst>
             <a:ext uri="{C572A759-6A51-4108-AA02-DFA0A04FC94B}">
-              <ma14:wrappingTextBoxFlag xmlns="" xmlns:ma14="http://schemas.microsoft.com/office/mac/drawingml/2011/main" val="1"/>
+              <ma14:wrappingTextBoxFlag xmlns:ma14="http://schemas.microsoft.com/office/mac/drawingml/2011/main" xmlns="" val="1"/>
             </a:ext>
           </a:extLst>
         </p:spPr>
@@ -20590,7 +21296,7 @@
           </a:ln>
           <a:extLst>
             <a:ext uri="{C572A759-6A51-4108-AA02-DFA0A04FC94B}">
-              <ma14:wrappingTextBoxFlag xmlns="" xmlns:ma14="http://schemas.microsoft.com/office/mac/drawingml/2011/main" val="1"/>
+              <ma14:wrappingTextBoxFlag xmlns:ma14="http://schemas.microsoft.com/office/mac/drawingml/2011/main" xmlns="" val="1"/>
             </a:ext>
           </a:extLst>
         </p:spPr>
@@ -20682,7 +21388,7 @@
           </a:ln>
           <a:extLst>
             <a:ext uri="{C572A759-6A51-4108-AA02-DFA0A04FC94B}">
-              <ma14:wrappingTextBoxFlag xmlns="" xmlns:ma14="http://schemas.microsoft.com/office/mac/drawingml/2011/main" val="1"/>
+              <ma14:wrappingTextBoxFlag xmlns:ma14="http://schemas.microsoft.com/office/mac/drawingml/2011/main" xmlns="" val="1"/>
             </a:ext>
           </a:extLst>
         </p:spPr>
@@ -20760,7 +21466,7 @@
           <p:cNvPr id="8" name="How can we make these relations linear?">
             <a:extLst>
               <a:ext uri="{FF2B5EF4-FFF2-40B4-BE49-F238E27FC236}">
-                <a16:creationId xmlns:a16="http://schemas.microsoft.com/office/drawing/2014/main" id="{52EE6C8F-4A70-4C1A-82EC-97BC5027BC40}"/>
+                <a16:creationId xmlns:a16="http://schemas.microsoft.com/office/drawing/2014/main" xmlns="" id="{52EE6C8F-4A70-4C1A-82EC-97BC5027BC40}"/>
               </a:ext>
             </a:extLst>
           </p:cNvPr>
@@ -20780,7 +21486,7 @@
           </a:ln>
           <a:extLst>
             <a:ext uri="{C572A759-6A51-4108-AA02-DFA0A04FC94B}">
-              <ma14:wrappingTextBoxFlag xmlns="" xmlns:ma14="http://schemas.microsoft.com/office/mac/drawingml/2011/main" val="1"/>
+              <ma14:wrappingTextBoxFlag xmlns:ma14="http://schemas.microsoft.com/office/mac/drawingml/2011/main" xmlns="" val="1"/>
             </a:ext>
           </a:extLst>
         </p:spPr>
@@ -20901,7 +21607,7 @@
           <p:cNvPr id="10" name="How can we make these relations linear?">
             <a:extLst>
               <a:ext uri="{FF2B5EF4-FFF2-40B4-BE49-F238E27FC236}">
-                <a16:creationId xmlns:a16="http://schemas.microsoft.com/office/drawing/2014/main" id="{52EE6C8F-4A70-4C1A-82EC-97BC5027BC40}"/>
+                <a16:creationId xmlns:a16="http://schemas.microsoft.com/office/drawing/2014/main" xmlns="" id="{52EE6C8F-4A70-4C1A-82EC-97BC5027BC40}"/>
               </a:ext>
             </a:extLst>
           </p:cNvPr>
@@ -20921,7 +21627,7 @@
           </a:ln>
           <a:extLst>
             <a:ext uri="{C572A759-6A51-4108-AA02-DFA0A04FC94B}">
-              <ma14:wrappingTextBoxFlag xmlns="" xmlns:ma14="http://schemas.microsoft.com/office/mac/drawingml/2011/main" val="1"/>
+              <ma14:wrappingTextBoxFlag xmlns:ma14="http://schemas.microsoft.com/office/mac/drawingml/2011/main" xmlns="" val="1"/>
             </a:ext>
           </a:extLst>
         </p:spPr>
@@ -21374,7 +22080,7 @@
           <p:cNvPr id="2" name="Title 1">
             <a:extLst>
               <a:ext uri="{FF2B5EF4-FFF2-40B4-BE49-F238E27FC236}">
-                <a16:creationId xmlns:a16="http://schemas.microsoft.com/office/drawing/2014/main" id="{79D46864-E961-4342-92DB-4BCE710C4368}"/>
+                <a16:creationId xmlns:a16="http://schemas.microsoft.com/office/drawing/2014/main" xmlns="" id="{79D46864-E961-4342-92DB-4BCE710C4368}"/>
               </a:ext>
             </a:extLst>
           </p:cNvPr>
@@ -21404,7 +22110,7 @@
               <p:cNvPr id="3" name="Content Placeholder 2">
                 <a:extLst>
                   <a:ext uri="{FF2B5EF4-FFF2-40B4-BE49-F238E27FC236}">
-                    <a16:creationId xmlns:a16="http://schemas.microsoft.com/office/drawing/2014/main" id="{F44E5D91-E707-4634-B507-529A02CF6FD8}"/>
+                    <a16:creationId xmlns:a16="http://schemas.microsoft.com/office/drawing/2014/main" xmlns="" id="{F44E5D91-E707-4634-B507-529A02CF6FD8}"/>
                   </a:ext>
                 </a:extLst>
               </p:cNvPr>
@@ -21499,7 +22205,7 @@
                         <m:endChr m:val="|"/>
                         <m:ctrlPr>
                           <a:rPr lang="en-US" b="0" i="1" smtClean="0">
-                            <a:latin typeface="Cambria Math" panose="02040503050406030204" pitchFamily="18" charset="0"/>
+                            <a:latin typeface="Cambria Math"/>
                           </a:rPr>
                         </m:ctrlPr>
                       </m:dPr>
@@ -21510,7 +22216,7 @@
                             <m:endChr m:val="|"/>
                             <m:ctrlPr>
                               <a:rPr lang="en-US" b="0" i="1" smtClean="0">
-                                <a:latin typeface="Cambria Math" panose="02040503050406030204" pitchFamily="18" charset="0"/>
+                                <a:latin typeface="Cambria Math"/>
                               </a:rPr>
                             </m:ctrlPr>
                           </m:dPr>
@@ -21535,7 +22241,7 @@
                       <m:sSupPr>
                         <m:ctrlPr>
                           <a:rPr lang="en-US" b="0" i="1" smtClean="0">
-                            <a:latin typeface="Cambria Math" panose="02040503050406030204" pitchFamily="18" charset="0"/>
+                            <a:latin typeface="Cambria Math"/>
                           </a:rPr>
                         </m:ctrlPr>
                       </m:sSupPr>
@@ -21586,7 +22292,7 @@
                       <m:sSupPr>
                         <m:ctrlPr>
                           <a:rPr lang="en-US" b="0" i="1" smtClean="0">
-                            <a:latin typeface="Cambria Math" panose="02040503050406030204" pitchFamily="18" charset="0"/>
+                            <a:latin typeface="Cambria Math"/>
                           </a:rPr>
                         </m:ctrlPr>
                       </m:sSupPr>
@@ -21638,7 +22344,7 @@
                       <m:sSupPr>
                         <m:ctrlPr>
                           <a:rPr lang="en-US" b="0" i="1" smtClean="0">
-                            <a:latin typeface="Cambria Math" panose="02040503050406030204" pitchFamily="18" charset="0"/>
+                            <a:latin typeface="Cambria Math"/>
                           </a:rPr>
                         </m:ctrlPr>
                       </m:sSupPr>
@@ -21752,7 +22458,7 @@
           <p:cNvPr id="8194" name="Picture 2">
             <a:extLst>
               <a:ext uri="{FF2B5EF4-FFF2-40B4-BE49-F238E27FC236}">
-                <a16:creationId xmlns:a16="http://schemas.microsoft.com/office/drawing/2014/main" id="{DDC37157-3197-4764-9EC0-6D73D58FD506}"/>
+                <a16:creationId xmlns:a16="http://schemas.microsoft.com/office/drawing/2014/main" xmlns="" id="{DDC37157-3197-4764-9EC0-6D73D58FD506}"/>
               </a:ext>
             </a:extLst>
           </p:cNvPr>
@@ -21799,7 +22505,7 @@
           <p:cNvPr id="8200" name="Picture 8">
             <a:extLst>
               <a:ext uri="{FF2B5EF4-FFF2-40B4-BE49-F238E27FC236}">
-                <a16:creationId xmlns:a16="http://schemas.microsoft.com/office/drawing/2014/main" id="{BA35F0CC-3AE7-4C89-A1E8-46AEEC563531}"/>
+                <a16:creationId xmlns:a16="http://schemas.microsoft.com/office/drawing/2014/main" xmlns="" id="{BA35F0CC-3AE7-4C89-A1E8-46AEEC563531}"/>
               </a:ext>
             </a:extLst>
           </p:cNvPr>
@@ -21846,7 +22552,7 @@
           <p:cNvPr id="8" name="Rectangle: Rounded Corners 7">
             <a:extLst>
               <a:ext uri="{FF2B5EF4-FFF2-40B4-BE49-F238E27FC236}">
-                <a16:creationId xmlns:a16="http://schemas.microsoft.com/office/drawing/2014/main" id="{89656513-9083-47D3-8D44-E43743BD2C33}"/>
+                <a16:creationId xmlns:a16="http://schemas.microsoft.com/office/drawing/2014/main" xmlns="" id="{89656513-9083-47D3-8D44-E43743BD2C33}"/>
               </a:ext>
             </a:extLst>
           </p:cNvPr>
@@ -22239,7 +22945,7 @@
                           <m:endChr m:val="|"/>
                           <m:ctrlPr>
                             <a:rPr lang="en-US" b="0" i="1" smtClean="0">
-                              <a:latin typeface="Cambria Math" panose="02040503050406030204" pitchFamily="18" charset="0"/>
+                              <a:latin typeface="Cambria Math"/>
                             </a:rPr>
                           </m:ctrlPr>
                         </m:dPr>
@@ -22248,7 +22954,7 @@
                             <m:sSubPr>
                               <m:ctrlPr>
                                 <a:rPr lang="en-US" b="0" i="1" smtClean="0">
-                                  <a:latin typeface="Cambria Math" panose="02040503050406030204" pitchFamily="18" charset="0"/>
+                                  <a:latin typeface="Cambria Math"/>
                                 </a:rPr>
                               </m:ctrlPr>
                             </m:sSubPr>
@@ -22299,7 +23005,7 @@
                         <m:sSubPr>
                           <m:ctrlPr>
                             <a:rPr lang="en-US" b="0" i="1" smtClean="0">
-                              <a:latin typeface="Cambria Math" panose="02040503050406030204" pitchFamily="18" charset="0"/>
+                              <a:latin typeface="Cambria Math"/>
                             </a:rPr>
                           </m:ctrlPr>
                         </m:sSubPr>
@@ -22416,7 +23122,7 @@
                       <m:sSupPr>
                         <m:ctrlPr>
                           <a:rPr lang="en-US" b="0" i="1" smtClean="0">
-                            <a:latin typeface="Cambria Math" panose="02040503050406030204" pitchFamily="18" charset="0"/>
+                            <a:latin typeface="Cambria Math"/>
                           </a:rPr>
                         </m:ctrlPr>
                       </m:sSupPr>
@@ -22538,6 +23244,1150 @@
 </file>
 
 <file path=ppt/slides/slide35.xml><?xml version="1.0" encoding="utf-8"?>
+<p:sld xmlns:a="http://schemas.openxmlformats.org/drawingml/2006/main" xmlns:r="http://schemas.openxmlformats.org/officeDocument/2006/relationships" xmlns:p="http://schemas.openxmlformats.org/presentationml/2006/main">
+  <p:cSld>
+    <p:spTree>
+      <p:nvGrpSpPr>
+        <p:cNvPr id="1" name=""/>
+        <p:cNvGrpSpPr/>
+        <p:nvPr/>
+      </p:nvGrpSpPr>
+      <p:grpSpPr>
+        <a:xfrm>
+          <a:off x="0" y="0"/>
+          <a:ext cx="0" cy="0"/>
+          <a:chOff x="0" y="0"/>
+          <a:chExt cx="0" cy="0"/>
+        </a:xfrm>
+      </p:grpSpPr>
+      <p:sp>
+        <p:nvSpPr>
+          <p:cNvPr id="368642" name="Rectangle 2"/>
+          <p:cNvSpPr>
+            <a:spLocks noGrp="1" noChangeArrowheads="1"/>
+          </p:cNvSpPr>
+          <p:nvPr>
+            <p:ph type="title"/>
+            <p:custDataLst>
+              <p:tags r:id="rId1"/>
+            </p:custDataLst>
+          </p:nvPr>
+        </p:nvSpPr>
+        <p:spPr>
+          <a:xfrm>
+            <a:off x="1657349" y="76200"/>
+            <a:ext cx="7351657" cy="838200"/>
+          </a:xfrm>
+        </p:spPr>
+        <p:txBody>
+          <a:bodyPr/>
+          <a:lstStyle/>
+          <a:p>
+            <a:r>
+              <a:rPr lang="en-US" sz="3200" dirty="0"/>
+              <a:t>Calibration using a reference object</a:t>
+            </a:r>
+          </a:p>
+        </p:txBody>
+      </p:sp>
+      <p:pic>
+        <p:nvPicPr>
+          <p:cNvPr id="368644" name="Picture 4" descr="CalCube"/>
+          <p:cNvPicPr>
+            <a:picLocks noChangeAspect="1" noChangeArrowheads="1"/>
+          </p:cNvPicPr>
+          <p:nvPr>
+            <p:custDataLst>
+              <p:tags r:id="rId2"/>
+            </p:custDataLst>
+          </p:nvPr>
+        </p:nvPicPr>
+        <p:blipFill>
+          <a:blip r:embed="rId7" cstate="print"/>
+          <a:srcRect/>
+          <a:stretch>
+            <a:fillRect/>
+          </a:stretch>
+        </p:blipFill>
+        <p:spPr bwMode="auto">
+          <a:xfrm>
+            <a:off x="5034098" y="2133600"/>
+            <a:ext cx="3974909" cy="4367984"/>
+          </a:xfrm>
+          <a:prstGeom prst="rect">
+            <a:avLst/>
+          </a:prstGeom>
+          <a:noFill/>
+        </p:spPr>
+      </p:pic>
+      <p:sp>
+        <p:nvSpPr>
+          <p:cNvPr id="368645" name="Rectangle 5"/>
+          <p:cNvSpPr>
+            <a:spLocks noChangeArrowheads="1"/>
+          </p:cNvSpPr>
+          <p:nvPr>
+            <p:custDataLst>
+              <p:tags r:id="rId3"/>
+            </p:custDataLst>
+          </p:nvPr>
+        </p:nvSpPr>
+        <p:spPr bwMode="auto">
+          <a:xfrm>
+            <a:off x="259624" y="5178618"/>
+            <a:ext cx="5829300" cy="1072278"/>
+          </a:xfrm>
+          <a:prstGeom prst="rect">
+            <a:avLst/>
+          </a:prstGeom>
+          <a:noFill/>
+          <a:ln w="9525">
+            <a:noFill/>
+            <a:miter lim="800000"/>
+            <a:headEnd/>
+            <a:tailEnd/>
+          </a:ln>
+          <a:effectLst/>
+        </p:spPr>
+        <p:txBody>
+          <a:bodyPr/>
+          <a:lstStyle/>
+          <a:p>
+            <a:pPr marL="342900" marR="0" lvl="0" indent="-342900" algn="l" defTabSz="914400" rtl="0" eaLnBrk="0" fontAlgn="base" latinLnBrk="0" hangingPunct="0">
+              <a:lnSpc>
+                <a:spcPct val="90000"/>
+              </a:lnSpc>
+              <a:spcBef>
+                <a:spcPct val="20000"/>
+              </a:spcBef>
+              <a:spcAft>
+                <a:spcPct val="0"/>
+              </a:spcAft>
+              <a:buClrTx/>
+              <a:buSzTx/>
+              <a:buFontTx/>
+              <a:buNone/>
+              <a:tabLst/>
+              <a:defRPr/>
+            </a:pPr>
+            <a:r>
+              <a:rPr kumimoji="0" lang="en-US" sz="2400" b="0" i="0" u="none" strike="noStrike" kern="1200" cap="none" spc="0" normalizeH="0" baseline="0" noProof="0" dirty="0">
+                <a:ln>
+                  <a:noFill/>
+                </a:ln>
+                <a:solidFill>
+                  <a:srgbClr val="000000"/>
+                </a:solidFill>
+                <a:effectLst/>
+                <a:uLnTx/>
+                <a:uFillTx/>
+                <a:latin typeface="Calibri Light" panose="020F0302020204030204" pitchFamily="34" charset="0"/>
+              </a:rPr>
+              <a:t>Issues:</a:t>
+            </a:r>
+          </a:p>
+          <a:p>
+            <a:pPr marL="800100" marR="0" lvl="1" indent="-342900" algn="l" defTabSz="914400" rtl="0" eaLnBrk="0" fontAlgn="base" latinLnBrk="0" hangingPunct="0">
+              <a:lnSpc>
+                <a:spcPct val="90000"/>
+              </a:lnSpc>
+              <a:spcBef>
+                <a:spcPct val="20000"/>
+              </a:spcBef>
+              <a:spcAft>
+                <a:spcPct val="0"/>
+              </a:spcAft>
+              <a:buClrTx/>
+              <a:buSzTx/>
+              <a:buFont typeface="Arial" panose="020B0604020202020204" pitchFamily="34" charset="0"/>
+              <a:buChar char="•"/>
+              <a:tabLst/>
+              <a:defRPr/>
+            </a:pPr>
+            <a:r>
+              <a:rPr kumimoji="0" lang="en-US" sz="2400" b="0" i="0" u="none" strike="noStrike" kern="1200" cap="none" spc="0" normalizeH="0" baseline="0" noProof="0" dirty="0">
+                <a:ln>
+                  <a:noFill/>
+                </a:ln>
+                <a:solidFill>
+                  <a:srgbClr val="000000"/>
+                </a:solidFill>
+                <a:effectLst/>
+                <a:uLnTx/>
+                <a:uFillTx/>
+                <a:latin typeface="Calibri Light" panose="020F0302020204030204" pitchFamily="34" charset="0"/>
+              </a:rPr>
+              <a:t>must know geometry very accurately</a:t>
+            </a:r>
+          </a:p>
+          <a:p>
+            <a:pPr marL="800100" marR="0" lvl="1" indent="-342900" algn="l" defTabSz="914400" rtl="0" eaLnBrk="0" fontAlgn="base" latinLnBrk="0" hangingPunct="0">
+              <a:lnSpc>
+                <a:spcPct val="90000"/>
+              </a:lnSpc>
+              <a:spcBef>
+                <a:spcPct val="20000"/>
+              </a:spcBef>
+              <a:spcAft>
+                <a:spcPct val="0"/>
+              </a:spcAft>
+              <a:buClrTx/>
+              <a:buSzTx/>
+              <a:buFont typeface="Arial" panose="020B0604020202020204" pitchFamily="34" charset="0"/>
+              <a:buChar char="•"/>
+              <a:tabLst/>
+              <a:defRPr/>
+            </a:pPr>
+            <a:r>
+              <a:rPr kumimoji="0" lang="en-US" sz="2400" b="0" i="0" u="none" strike="noStrike" kern="1200" cap="none" spc="0" normalizeH="0" baseline="0" noProof="0" dirty="0">
+                <a:ln>
+                  <a:noFill/>
+                </a:ln>
+                <a:solidFill>
+                  <a:srgbClr val="000000"/>
+                </a:solidFill>
+                <a:effectLst/>
+                <a:uLnTx/>
+                <a:uFillTx/>
+                <a:latin typeface="Calibri Light" panose="020F0302020204030204" pitchFamily="34" charset="0"/>
+              </a:rPr>
+              <a:t>must know 3D-&gt;2D correspondence</a:t>
+            </a:r>
+          </a:p>
+          <a:p>
+            <a:pPr marL="742950" marR="0" lvl="1" indent="-285750" algn="l" defTabSz="914400" rtl="0" eaLnBrk="0" fontAlgn="base" latinLnBrk="0" hangingPunct="0">
+              <a:lnSpc>
+                <a:spcPct val="90000"/>
+              </a:lnSpc>
+              <a:spcBef>
+                <a:spcPct val="20000"/>
+              </a:spcBef>
+              <a:spcAft>
+                <a:spcPct val="0"/>
+              </a:spcAft>
+              <a:buClrTx/>
+              <a:buSzTx/>
+              <a:buFontTx/>
+              <a:buChar char="•"/>
+              <a:tabLst/>
+              <a:defRPr/>
+            </a:pPr>
+            <a:endParaRPr kumimoji="0" lang="en-US" sz="2400" b="0" i="0" u="none" strike="noStrike" kern="1200" cap="none" spc="0" normalizeH="0" baseline="0" noProof="0" dirty="0">
+              <a:ln>
+                <a:noFill/>
+              </a:ln>
+              <a:solidFill>
+                <a:srgbClr val="000000"/>
+              </a:solidFill>
+              <a:effectLst/>
+              <a:uLnTx/>
+              <a:uFillTx/>
+              <a:latin typeface="Calibri Light" panose="020F0302020204030204" pitchFamily="34" charset="0"/>
+            </a:endParaRPr>
+          </a:p>
+        </p:txBody>
+      </p:sp>
+      <p:sp>
+        <p:nvSpPr>
+          <p:cNvPr id="6" name="Rectangle 5">
+            <a:extLst>
+              <a:ext uri="{FF2B5EF4-FFF2-40B4-BE49-F238E27FC236}">
+                <a16:creationId xmlns="" xmlns:a16="http://schemas.microsoft.com/office/drawing/2014/main" id="{2DDB7C3C-057B-4D36-A1CC-5062596BB523}"/>
+              </a:ext>
+            </a:extLst>
+          </p:cNvPr>
+          <p:cNvSpPr>
+            <a:spLocks noChangeArrowheads="1"/>
+          </p:cNvSpPr>
+          <p:nvPr>
+            <p:custDataLst>
+              <p:tags r:id="rId4"/>
+            </p:custDataLst>
+          </p:nvPr>
+        </p:nvSpPr>
+        <p:spPr bwMode="auto">
+          <a:xfrm>
+            <a:off x="259624" y="914400"/>
+            <a:ext cx="5829300" cy="1219200"/>
+          </a:xfrm>
+          <a:prstGeom prst="rect">
+            <a:avLst/>
+          </a:prstGeom>
+          <a:noFill/>
+          <a:ln w="9525">
+            <a:noFill/>
+            <a:miter lim="800000"/>
+            <a:headEnd/>
+            <a:tailEnd/>
+          </a:ln>
+          <a:effectLst/>
+        </p:spPr>
+        <p:txBody>
+          <a:bodyPr/>
+          <a:lstStyle/>
+          <a:p>
+            <a:pPr marL="342900" marR="0" lvl="0" indent="-342900" algn="l" defTabSz="914400" rtl="0" eaLnBrk="0" fontAlgn="base" latinLnBrk="0" hangingPunct="0">
+              <a:lnSpc>
+                <a:spcPct val="90000"/>
+              </a:lnSpc>
+              <a:spcBef>
+                <a:spcPct val="20000"/>
+              </a:spcBef>
+              <a:spcAft>
+                <a:spcPct val="0"/>
+              </a:spcAft>
+              <a:buClrTx/>
+              <a:buSzTx/>
+              <a:buFontTx/>
+              <a:buNone/>
+              <a:tabLst/>
+              <a:defRPr/>
+            </a:pPr>
+            <a:r>
+              <a:rPr kumimoji="0" lang="en-US" sz="2400" b="0" i="0" u="none" strike="noStrike" kern="1200" cap="none" spc="0" normalizeH="0" baseline="0" noProof="0" dirty="0">
+                <a:ln>
+                  <a:noFill/>
+                </a:ln>
+                <a:solidFill>
+                  <a:srgbClr val="000000"/>
+                </a:solidFill>
+                <a:effectLst/>
+                <a:uLnTx/>
+                <a:uFillTx/>
+                <a:latin typeface="Calibri Light" panose="020F0302020204030204" pitchFamily="34" charset="0"/>
+              </a:rPr>
+              <a:t>Place a known object in the scene:</a:t>
+            </a:r>
+          </a:p>
+          <a:p>
+            <a:pPr marL="800100" marR="0" lvl="1" indent="-342900" algn="l" defTabSz="914400" rtl="0" eaLnBrk="0" fontAlgn="base" latinLnBrk="0" hangingPunct="0">
+              <a:lnSpc>
+                <a:spcPct val="90000"/>
+              </a:lnSpc>
+              <a:spcBef>
+                <a:spcPct val="20000"/>
+              </a:spcBef>
+              <a:spcAft>
+                <a:spcPct val="0"/>
+              </a:spcAft>
+              <a:buClrTx/>
+              <a:buSzTx/>
+              <a:buFont typeface="Arial" panose="020B0604020202020204" pitchFamily="34" charset="0"/>
+              <a:buChar char="•"/>
+              <a:tabLst/>
+              <a:defRPr/>
+            </a:pPr>
+            <a:r>
+              <a:rPr kumimoji="0" lang="en-US" sz="2400" b="0" i="0" u="none" strike="noStrike" kern="1200" cap="none" spc="0" normalizeH="0" baseline="0" noProof="0" dirty="0">
+                <a:ln>
+                  <a:noFill/>
+                </a:ln>
+                <a:solidFill>
+                  <a:srgbClr val="000000"/>
+                </a:solidFill>
+                <a:effectLst/>
+                <a:uLnTx/>
+                <a:uFillTx/>
+                <a:latin typeface="Calibri Light" panose="020F0302020204030204" pitchFamily="34" charset="0"/>
+              </a:rPr>
+              <a:t>identify correspondences between image and scene</a:t>
+            </a:r>
+          </a:p>
+          <a:p>
+            <a:pPr marL="800100" marR="0" lvl="1" indent="-342900" algn="l" defTabSz="914400" rtl="0" eaLnBrk="0" fontAlgn="base" latinLnBrk="0" hangingPunct="0">
+              <a:lnSpc>
+                <a:spcPct val="90000"/>
+              </a:lnSpc>
+              <a:spcBef>
+                <a:spcPct val="20000"/>
+              </a:spcBef>
+              <a:spcAft>
+                <a:spcPct val="0"/>
+              </a:spcAft>
+              <a:buClrTx/>
+              <a:buSzTx/>
+              <a:buFont typeface="Arial" panose="020B0604020202020204" pitchFamily="34" charset="0"/>
+              <a:buChar char="•"/>
+              <a:tabLst/>
+              <a:defRPr/>
+            </a:pPr>
+            <a:r>
+              <a:rPr kumimoji="0" lang="en-US" sz="2400" b="0" i="0" u="none" strike="noStrike" kern="1200" cap="none" spc="0" normalizeH="0" baseline="0" noProof="0" dirty="0">
+                <a:ln>
+                  <a:noFill/>
+                </a:ln>
+                <a:solidFill>
+                  <a:srgbClr val="000000"/>
+                </a:solidFill>
+                <a:effectLst/>
+                <a:uLnTx/>
+                <a:uFillTx/>
+                <a:latin typeface="Calibri Light" panose="020F0302020204030204" pitchFamily="34" charset="0"/>
+              </a:rPr>
+              <a:t>compute mapping from scene to image</a:t>
+            </a:r>
+          </a:p>
+          <a:p>
+            <a:pPr marL="742950" marR="0" lvl="1" indent="-285750" algn="l" defTabSz="914400" rtl="0" eaLnBrk="0" fontAlgn="base" latinLnBrk="0" hangingPunct="0">
+              <a:lnSpc>
+                <a:spcPct val="90000"/>
+              </a:lnSpc>
+              <a:spcBef>
+                <a:spcPct val="20000"/>
+              </a:spcBef>
+              <a:spcAft>
+                <a:spcPct val="0"/>
+              </a:spcAft>
+              <a:buClrTx/>
+              <a:buSzTx/>
+              <a:buFontTx/>
+              <a:buChar char="•"/>
+              <a:tabLst/>
+              <a:defRPr/>
+            </a:pPr>
+            <a:endParaRPr kumimoji="0" lang="en-US" sz="2400" b="0" i="0" u="none" strike="noStrike" kern="1200" cap="none" spc="0" normalizeH="0" baseline="0" noProof="0" dirty="0">
+              <a:ln>
+                <a:noFill/>
+              </a:ln>
+              <a:solidFill>
+                <a:srgbClr val="000000"/>
+              </a:solidFill>
+              <a:effectLst/>
+              <a:uLnTx/>
+              <a:uFillTx/>
+              <a:latin typeface="Calibri Light" panose="020F0302020204030204" pitchFamily="34" charset="0"/>
+            </a:endParaRPr>
+          </a:p>
+        </p:txBody>
+      </p:sp>
+    </p:spTree>
+    <p:extLst>
+      <p:ext uri="{BB962C8B-B14F-4D97-AF65-F5344CB8AC3E}">
+        <p14:creationId xmlns:p14="http://schemas.microsoft.com/office/powerpoint/2010/main" val="1588421540"/>
+      </p:ext>
+    </p:extLst>
+  </p:cSld>
+  <p:clrMapOvr>
+    <a:masterClrMapping/>
+  </p:clrMapOvr>
+</p:sld>
+</file>
+
+<file path=ppt/slides/slide36.xml><?xml version="1.0" encoding="utf-8"?>
+<p:sld xmlns:a="http://schemas.openxmlformats.org/drawingml/2006/main" xmlns:r="http://schemas.openxmlformats.org/officeDocument/2006/relationships" xmlns:p="http://schemas.openxmlformats.org/presentationml/2006/main">
+  <p:cSld>
+    <p:spTree>
+      <p:nvGrpSpPr>
+        <p:cNvPr id="1" name=""/>
+        <p:cNvGrpSpPr/>
+        <p:nvPr/>
+      </p:nvGrpSpPr>
+      <p:grpSpPr>
+        <a:xfrm>
+          <a:off x="0" y="0"/>
+          <a:ext cx="0" cy="0"/>
+          <a:chOff x="0" y="0"/>
+          <a:chExt cx="0" cy="0"/>
+        </a:xfrm>
+      </p:grpSpPr>
+      <p:sp>
+        <p:nvSpPr>
+          <p:cNvPr id="371718" name="Rectangle 6"/>
+          <p:cNvSpPr>
+            <a:spLocks noChangeArrowheads="1"/>
+          </p:cNvSpPr>
+          <p:nvPr>
+            <p:custDataLst>
+              <p:tags r:id="rId1"/>
+            </p:custDataLst>
+          </p:nvPr>
+        </p:nvSpPr>
+        <p:spPr bwMode="auto">
+          <a:xfrm>
+            <a:off x="259624" y="4601165"/>
+            <a:ext cx="7612011" cy="2057400"/>
+          </a:xfrm>
+          <a:prstGeom prst="rect">
+            <a:avLst/>
+          </a:prstGeom>
+          <a:noFill/>
+          <a:ln w="9525">
+            <a:noFill/>
+            <a:miter lim="800000"/>
+            <a:headEnd/>
+            <a:tailEnd/>
+          </a:ln>
+          <a:effectLst/>
+        </p:spPr>
+        <p:txBody>
+          <a:bodyPr/>
+          <a:lstStyle/>
+          <a:p>
+            <a:pPr marL="342900" marR="0" lvl="0" indent="-342900" algn="l" defTabSz="914400" rtl="0" eaLnBrk="0" fontAlgn="base" latinLnBrk="0" hangingPunct="0">
+              <a:lnSpc>
+                <a:spcPct val="120000"/>
+              </a:lnSpc>
+              <a:spcBef>
+                <a:spcPct val="20000"/>
+              </a:spcBef>
+              <a:spcAft>
+                <a:spcPct val="0"/>
+              </a:spcAft>
+              <a:buClrTx/>
+              <a:buSzTx/>
+              <a:buFontTx/>
+              <a:buNone/>
+              <a:tabLst/>
+              <a:defRPr/>
+            </a:pPr>
+            <a:r>
+              <a:rPr kumimoji="0" lang="en-US" sz="2400" b="0" i="0" u="none" strike="noStrike" kern="1200" cap="none" spc="0" normalizeH="0" baseline="0" noProof="0" dirty="0">
+                <a:ln>
+                  <a:noFill/>
+                </a:ln>
+                <a:solidFill>
+                  <a:srgbClr val="000000"/>
+                </a:solidFill>
+                <a:effectLst/>
+                <a:uLnTx/>
+                <a:uFillTx/>
+                <a:latin typeface="Calibri Light" panose="020F0302020204030204" pitchFamily="34" charset="0"/>
+              </a:rPr>
+              <a:t>For these reasons, </a:t>
+            </a:r>
+            <a:r>
+              <a:rPr kumimoji="0" lang="en-US" sz="2400" b="0" i="1" u="none" strike="noStrike" kern="1200" cap="none" spc="0" normalizeH="0" baseline="0" noProof="0" dirty="0">
+                <a:ln>
+                  <a:noFill/>
+                </a:ln>
+                <a:solidFill>
+                  <a:srgbClr val="000000"/>
+                </a:solidFill>
+                <a:effectLst/>
+                <a:uLnTx/>
+                <a:uFillTx/>
+                <a:latin typeface="Calibri Light" panose="020F0302020204030204" pitchFamily="34" charset="0"/>
+              </a:rPr>
+              <a:t>nonlinear methods</a:t>
+            </a:r>
+            <a:r>
+              <a:rPr kumimoji="0" lang="en-US" sz="2400" b="0" i="0" u="none" strike="noStrike" kern="1200" cap="none" spc="0" normalizeH="0" baseline="0" noProof="0" dirty="0">
+                <a:ln>
+                  <a:noFill/>
+                </a:ln>
+                <a:solidFill>
+                  <a:srgbClr val="000000"/>
+                </a:solidFill>
+                <a:effectLst/>
+                <a:uLnTx/>
+                <a:uFillTx/>
+                <a:latin typeface="Calibri Light" panose="020F0302020204030204" pitchFamily="34" charset="0"/>
+              </a:rPr>
+              <a:t> are preferred</a:t>
+            </a:r>
+          </a:p>
+          <a:p>
+            <a:pPr marL="742950" marR="0" lvl="1" indent="-285750" algn="l" defTabSz="914400" rtl="0" eaLnBrk="0" fontAlgn="base" latinLnBrk="0" hangingPunct="0">
+              <a:lnSpc>
+                <a:spcPct val="120000"/>
+              </a:lnSpc>
+              <a:spcBef>
+                <a:spcPct val="20000"/>
+              </a:spcBef>
+              <a:spcAft>
+                <a:spcPct val="0"/>
+              </a:spcAft>
+              <a:buClrTx/>
+              <a:buSzTx/>
+              <a:buFontTx/>
+              <a:buChar char="•"/>
+              <a:tabLst/>
+              <a:defRPr/>
+            </a:pPr>
+            <a:r>
+              <a:rPr kumimoji="0" lang="en-US" sz="2400" b="0" i="0" u="none" strike="noStrike" kern="1200" cap="none" spc="0" normalizeH="0" baseline="0" noProof="0" dirty="0">
+                <a:ln>
+                  <a:noFill/>
+                </a:ln>
+                <a:solidFill>
+                  <a:srgbClr val="000000"/>
+                </a:solidFill>
+                <a:effectLst/>
+                <a:uLnTx/>
+                <a:uFillTx/>
+                <a:latin typeface="Calibri Light" panose="020F0302020204030204" pitchFamily="34" charset="0"/>
+              </a:rPr>
+              <a:t>Define error function E between projected 3D points and image positions</a:t>
+            </a:r>
+          </a:p>
+          <a:p>
+            <a:pPr marL="1143000" marR="0" lvl="2" indent="-228600" algn="l" defTabSz="914400" rtl="0" eaLnBrk="0" fontAlgn="base" latinLnBrk="0" hangingPunct="0">
+              <a:lnSpc>
+                <a:spcPct val="120000"/>
+              </a:lnSpc>
+              <a:spcBef>
+                <a:spcPct val="20000"/>
+              </a:spcBef>
+              <a:spcAft>
+                <a:spcPct val="0"/>
+              </a:spcAft>
+              <a:buClrTx/>
+              <a:buSzTx/>
+              <a:buFontTx/>
+              <a:buChar char="–"/>
+              <a:tabLst/>
+              <a:defRPr/>
+            </a:pPr>
+            <a:r>
+              <a:rPr kumimoji="0" lang="en-US" sz="2400" b="0" i="0" u="none" strike="noStrike" kern="1200" cap="none" spc="0" normalizeH="0" baseline="0" noProof="0" dirty="0">
+                <a:ln>
+                  <a:noFill/>
+                </a:ln>
+                <a:solidFill>
+                  <a:srgbClr val="000000"/>
+                </a:solidFill>
+                <a:effectLst/>
+                <a:uLnTx/>
+                <a:uFillTx/>
+                <a:latin typeface="Calibri Light" panose="020F0302020204030204" pitchFamily="34" charset="0"/>
+              </a:rPr>
+              <a:t>E is nonlinear function of intrinsics, </a:t>
+            </a:r>
+            <a:r>
+              <a:rPr kumimoji="0" lang="en-US" sz="2400" b="0" i="0" u="none" strike="noStrike" kern="1200" cap="none" spc="0" normalizeH="0" baseline="0" noProof="0" dirty="0" err="1">
+                <a:ln>
+                  <a:noFill/>
+                </a:ln>
+                <a:solidFill>
+                  <a:srgbClr val="000000"/>
+                </a:solidFill>
+                <a:effectLst/>
+                <a:uLnTx/>
+                <a:uFillTx/>
+                <a:latin typeface="Calibri Light" panose="020F0302020204030204" pitchFamily="34" charset="0"/>
+              </a:rPr>
+              <a:t>extrinsics</a:t>
+            </a:r>
+            <a:r>
+              <a:rPr kumimoji="0" lang="en-US" sz="2400" b="0" i="0" u="none" strike="noStrike" kern="1200" cap="none" spc="0" normalizeH="0" baseline="0" noProof="0" dirty="0">
+                <a:ln>
+                  <a:noFill/>
+                </a:ln>
+                <a:solidFill>
+                  <a:srgbClr val="000000"/>
+                </a:solidFill>
+                <a:effectLst/>
+                <a:uLnTx/>
+                <a:uFillTx/>
+                <a:latin typeface="Calibri Light" panose="020F0302020204030204" pitchFamily="34" charset="0"/>
+              </a:rPr>
+              <a:t>, radial distortion</a:t>
+            </a:r>
+          </a:p>
+          <a:p>
+            <a:pPr marL="742950" marR="0" lvl="1" indent="-285750" algn="l" defTabSz="914400" rtl="0" eaLnBrk="0" fontAlgn="base" latinLnBrk="0" hangingPunct="0">
+              <a:lnSpc>
+                <a:spcPct val="120000"/>
+              </a:lnSpc>
+              <a:spcBef>
+                <a:spcPct val="20000"/>
+              </a:spcBef>
+              <a:spcAft>
+                <a:spcPct val="0"/>
+              </a:spcAft>
+              <a:buClrTx/>
+              <a:buSzTx/>
+              <a:buFontTx/>
+              <a:buChar char="•"/>
+              <a:tabLst/>
+              <a:defRPr/>
+            </a:pPr>
+            <a:r>
+              <a:rPr kumimoji="0" lang="en-US" sz="2400" b="0" i="0" u="none" strike="noStrike" kern="1200" cap="none" spc="0" normalizeH="0" baseline="0" noProof="0" dirty="0">
+                <a:ln>
+                  <a:noFill/>
+                </a:ln>
+                <a:solidFill>
+                  <a:srgbClr val="000000"/>
+                </a:solidFill>
+                <a:effectLst/>
+                <a:uLnTx/>
+                <a:uFillTx/>
+                <a:latin typeface="Calibri Light" panose="020F0302020204030204" pitchFamily="34" charset="0"/>
+              </a:rPr>
+              <a:t>Minimize E using nonlinear optimization techniques</a:t>
+            </a:r>
+          </a:p>
+        </p:txBody>
+      </p:sp>
+      <p:sp>
+        <p:nvSpPr>
+          <p:cNvPr id="5" name="Rectangle 4">
+            <a:extLst>
+              <a:ext uri="{FF2B5EF4-FFF2-40B4-BE49-F238E27FC236}">
+                <a16:creationId xmlns="" xmlns:a16="http://schemas.microsoft.com/office/drawing/2014/main" id="{776303A8-3F55-43F3-AD9B-BBC79925A290}"/>
+              </a:ext>
+            </a:extLst>
+          </p:cNvPr>
+          <p:cNvSpPr>
+            <a:spLocks noChangeArrowheads="1"/>
+          </p:cNvSpPr>
+          <p:nvPr>
+            <p:custDataLst>
+              <p:tags r:id="rId2"/>
+            </p:custDataLst>
+          </p:nvPr>
+        </p:nvSpPr>
+        <p:spPr bwMode="auto">
+          <a:xfrm>
+            <a:off x="259624" y="1037636"/>
+            <a:ext cx="5829300" cy="1219200"/>
+          </a:xfrm>
+          <a:prstGeom prst="rect">
+            <a:avLst/>
+          </a:prstGeom>
+          <a:noFill/>
+          <a:ln w="9525">
+            <a:noFill/>
+            <a:miter lim="800000"/>
+            <a:headEnd/>
+            <a:tailEnd/>
+          </a:ln>
+          <a:effectLst/>
+        </p:spPr>
+        <p:txBody>
+          <a:bodyPr/>
+          <a:lstStyle/>
+          <a:p>
+            <a:pPr marL="342900" marR="0" lvl="0" indent="-342900" algn="l" defTabSz="914400" rtl="0" eaLnBrk="0" fontAlgn="base" latinLnBrk="0" hangingPunct="0">
+              <a:lnSpc>
+                <a:spcPct val="90000"/>
+              </a:lnSpc>
+              <a:spcBef>
+                <a:spcPct val="20000"/>
+              </a:spcBef>
+              <a:spcAft>
+                <a:spcPct val="0"/>
+              </a:spcAft>
+              <a:buClrTx/>
+              <a:buSzTx/>
+              <a:buFontTx/>
+              <a:buNone/>
+              <a:tabLst/>
+              <a:defRPr/>
+            </a:pPr>
+            <a:r>
+              <a:rPr kumimoji="0" lang="en-US" sz="2400" b="0" i="0" u="none" strike="noStrike" kern="1200" cap="none" spc="0" normalizeH="0" baseline="0" noProof="0" dirty="0">
+                <a:ln>
+                  <a:noFill/>
+                </a:ln>
+                <a:solidFill>
+                  <a:srgbClr val="000000"/>
+                </a:solidFill>
+                <a:effectLst/>
+                <a:uLnTx/>
+                <a:uFillTx/>
+                <a:latin typeface="Calibri Light" panose="020F0302020204030204" pitchFamily="34" charset="0"/>
+              </a:rPr>
+              <a:t>Advantages:</a:t>
+            </a:r>
+          </a:p>
+          <a:p>
+            <a:pPr marL="800100" marR="0" lvl="1" indent="-342900" algn="l" defTabSz="914400" rtl="0" eaLnBrk="0" fontAlgn="base" latinLnBrk="0" hangingPunct="0">
+              <a:lnSpc>
+                <a:spcPct val="90000"/>
+              </a:lnSpc>
+              <a:spcBef>
+                <a:spcPct val="20000"/>
+              </a:spcBef>
+              <a:spcAft>
+                <a:spcPct val="0"/>
+              </a:spcAft>
+              <a:buClrTx/>
+              <a:buSzTx/>
+              <a:buFont typeface="Arial" panose="020B0604020202020204" pitchFamily="34" charset="0"/>
+              <a:buChar char="•"/>
+              <a:tabLst/>
+              <a:defRPr/>
+            </a:pPr>
+            <a:r>
+              <a:rPr kumimoji="0" lang="en-US" sz="2400" b="0" i="0" u="none" strike="noStrike" kern="1200" cap="none" spc="0" normalizeH="0" baseline="0" noProof="0" dirty="0">
+                <a:ln>
+                  <a:noFill/>
+                </a:ln>
+                <a:solidFill>
+                  <a:srgbClr val="000000"/>
+                </a:solidFill>
+                <a:effectLst/>
+                <a:uLnTx/>
+                <a:uFillTx/>
+                <a:latin typeface="Calibri Light" panose="020F0302020204030204" pitchFamily="34" charset="0"/>
+              </a:rPr>
+              <a:t>Very simple to formulate.</a:t>
+            </a:r>
+          </a:p>
+          <a:p>
+            <a:pPr marL="800100" marR="0" lvl="1" indent="-342900" algn="l" defTabSz="914400" rtl="0" eaLnBrk="0" fontAlgn="base" latinLnBrk="0" hangingPunct="0">
+              <a:lnSpc>
+                <a:spcPct val="90000"/>
+              </a:lnSpc>
+              <a:spcBef>
+                <a:spcPct val="20000"/>
+              </a:spcBef>
+              <a:spcAft>
+                <a:spcPct val="0"/>
+              </a:spcAft>
+              <a:buClrTx/>
+              <a:buSzTx/>
+              <a:buFont typeface="Arial" panose="020B0604020202020204" pitchFamily="34" charset="0"/>
+              <a:buChar char="•"/>
+              <a:tabLst/>
+              <a:defRPr/>
+            </a:pPr>
+            <a:r>
+              <a:rPr kumimoji="0" lang="en-US" sz="2400" b="0" i="0" u="none" strike="noStrike" kern="1200" cap="none" spc="0" normalizeH="0" baseline="0" noProof="0" dirty="0">
+                <a:ln>
+                  <a:noFill/>
+                </a:ln>
+                <a:solidFill>
+                  <a:srgbClr val="000000"/>
+                </a:solidFill>
+                <a:effectLst/>
+                <a:uLnTx/>
+                <a:uFillTx/>
+                <a:latin typeface="Calibri Light" panose="020F0302020204030204" pitchFamily="34" charset="0"/>
+              </a:rPr>
+              <a:t>Analytical solution.</a:t>
+            </a:r>
+          </a:p>
+          <a:p>
+            <a:pPr marL="800100" marR="0" lvl="1" indent="-342900" algn="l" defTabSz="914400" rtl="0" eaLnBrk="0" fontAlgn="base" latinLnBrk="0" hangingPunct="0">
+              <a:lnSpc>
+                <a:spcPct val="90000"/>
+              </a:lnSpc>
+              <a:spcBef>
+                <a:spcPct val="20000"/>
+              </a:spcBef>
+              <a:spcAft>
+                <a:spcPct val="0"/>
+              </a:spcAft>
+              <a:buClrTx/>
+              <a:buSzTx/>
+              <a:buFont typeface="Arial" panose="020B0604020202020204" pitchFamily="34" charset="0"/>
+              <a:buChar char="•"/>
+              <a:tabLst/>
+              <a:defRPr/>
+            </a:pPr>
+            <a:endParaRPr kumimoji="0" lang="en-US" sz="2400" b="0" i="0" u="none" strike="noStrike" kern="1200" cap="none" spc="0" normalizeH="0" baseline="0" noProof="0" dirty="0">
+              <a:ln>
+                <a:noFill/>
+              </a:ln>
+              <a:solidFill>
+                <a:srgbClr val="000000"/>
+              </a:solidFill>
+              <a:effectLst/>
+              <a:uLnTx/>
+              <a:uFillTx/>
+              <a:latin typeface="Calibri Light" panose="020F0302020204030204" pitchFamily="34" charset="0"/>
+            </a:endParaRPr>
+          </a:p>
+          <a:p>
+            <a:pPr marL="0" marR="0" lvl="0" indent="0" algn="l" defTabSz="914400" rtl="0" eaLnBrk="0" fontAlgn="base" latinLnBrk="0" hangingPunct="0">
+              <a:lnSpc>
+                <a:spcPct val="90000"/>
+              </a:lnSpc>
+              <a:spcBef>
+                <a:spcPct val="20000"/>
+              </a:spcBef>
+              <a:spcAft>
+                <a:spcPct val="0"/>
+              </a:spcAft>
+              <a:buClrTx/>
+              <a:buSzTx/>
+              <a:buFontTx/>
+              <a:buNone/>
+              <a:tabLst/>
+              <a:defRPr/>
+            </a:pPr>
+            <a:r>
+              <a:rPr kumimoji="0" lang="en-US" sz="2400" b="0" i="0" u="none" strike="noStrike" kern="1200" cap="none" spc="0" normalizeH="0" baseline="0" noProof="0" dirty="0">
+                <a:ln>
+                  <a:noFill/>
+                </a:ln>
+                <a:solidFill>
+                  <a:srgbClr val="000000"/>
+                </a:solidFill>
+                <a:effectLst/>
+                <a:uLnTx/>
+                <a:uFillTx/>
+                <a:latin typeface="Calibri Light" panose="020F0302020204030204" pitchFamily="34" charset="0"/>
+              </a:rPr>
+              <a:t>Disadvantages:</a:t>
+            </a:r>
+          </a:p>
+          <a:p>
+            <a:pPr marL="800100" marR="0" lvl="1" indent="-342900" algn="l" defTabSz="914400" rtl="0" eaLnBrk="0" fontAlgn="base" latinLnBrk="0" hangingPunct="0">
+              <a:lnSpc>
+                <a:spcPct val="90000"/>
+              </a:lnSpc>
+              <a:spcBef>
+                <a:spcPct val="20000"/>
+              </a:spcBef>
+              <a:spcAft>
+                <a:spcPct val="0"/>
+              </a:spcAft>
+              <a:buClrTx/>
+              <a:buSzTx/>
+              <a:buFont typeface="Arial" panose="020B0604020202020204" pitchFamily="34" charset="0"/>
+              <a:buChar char="•"/>
+              <a:tabLst/>
+              <a:defRPr/>
+            </a:pPr>
+            <a:r>
+              <a:rPr kumimoji="0" lang="en-US" sz="2400" b="0" i="0" u="none" strike="noStrike" kern="1200" cap="none" spc="0" normalizeH="0" baseline="0" noProof="0" dirty="0">
+                <a:ln>
+                  <a:noFill/>
+                </a:ln>
+                <a:solidFill>
+                  <a:srgbClr val="000000"/>
+                </a:solidFill>
+                <a:effectLst/>
+                <a:uLnTx/>
+                <a:uFillTx/>
+                <a:latin typeface="Calibri Light" panose="020F0302020204030204" pitchFamily="34" charset="0"/>
+              </a:rPr>
+              <a:t>Doesn’t model radial distortion.</a:t>
+            </a:r>
+          </a:p>
+          <a:p>
+            <a:pPr marL="800100" marR="0" lvl="1" indent="-342900" algn="l" defTabSz="914400" rtl="0" eaLnBrk="0" fontAlgn="base" latinLnBrk="0" hangingPunct="0">
+              <a:lnSpc>
+                <a:spcPct val="90000"/>
+              </a:lnSpc>
+              <a:spcBef>
+                <a:spcPct val="20000"/>
+              </a:spcBef>
+              <a:spcAft>
+                <a:spcPct val="0"/>
+              </a:spcAft>
+              <a:buClrTx/>
+              <a:buSzTx/>
+              <a:buFont typeface="Arial" panose="020B0604020202020204" pitchFamily="34" charset="0"/>
+              <a:buChar char="•"/>
+              <a:tabLst/>
+              <a:defRPr/>
+            </a:pPr>
+            <a:r>
+              <a:rPr kumimoji="0" lang="en-US" sz="2400" b="0" i="0" u="none" strike="noStrike" kern="1200" cap="none" spc="0" normalizeH="0" baseline="0" noProof="0" dirty="0">
+                <a:ln>
+                  <a:noFill/>
+                </a:ln>
+                <a:solidFill>
+                  <a:srgbClr val="000000"/>
+                </a:solidFill>
+                <a:effectLst/>
+                <a:uLnTx/>
+                <a:uFillTx/>
+                <a:latin typeface="Calibri Light" panose="020F0302020204030204" pitchFamily="34" charset="0"/>
+              </a:rPr>
+              <a:t>Hard to impose constraints (e.g., known </a:t>
+            </a:r>
+            <a:r>
+              <a:rPr kumimoji="0" lang="en-US" sz="2400" b="0" i="1" u="none" strike="noStrike" kern="1200" cap="none" spc="0" normalizeH="0" baseline="0" noProof="0" dirty="0">
+                <a:ln>
+                  <a:noFill/>
+                </a:ln>
+                <a:solidFill>
+                  <a:srgbClr val="000000"/>
+                </a:solidFill>
+                <a:effectLst/>
+                <a:uLnTx/>
+                <a:uFillTx/>
+                <a:latin typeface="Calibri Light" panose="020F0302020204030204" pitchFamily="34" charset="0"/>
+              </a:rPr>
+              <a:t>f</a:t>
+            </a:r>
+            <a:r>
+              <a:rPr kumimoji="0" lang="en-US" sz="2400" b="0" i="0" u="none" strike="noStrike" kern="1200" cap="none" spc="0" normalizeH="0" baseline="0" noProof="0" dirty="0">
+                <a:ln>
+                  <a:noFill/>
+                </a:ln>
+                <a:solidFill>
+                  <a:srgbClr val="000000"/>
+                </a:solidFill>
+                <a:effectLst/>
+                <a:uLnTx/>
+                <a:uFillTx/>
+                <a:latin typeface="Calibri Light" panose="020F0302020204030204" pitchFamily="34" charset="0"/>
+              </a:rPr>
+              <a:t>).</a:t>
+            </a:r>
+          </a:p>
+          <a:p>
+            <a:pPr marL="800100" marR="0" lvl="1" indent="-342900" algn="l" defTabSz="914400" rtl="0" eaLnBrk="0" fontAlgn="base" latinLnBrk="0" hangingPunct="0">
+              <a:lnSpc>
+                <a:spcPct val="90000"/>
+              </a:lnSpc>
+              <a:spcBef>
+                <a:spcPct val="20000"/>
+              </a:spcBef>
+              <a:spcAft>
+                <a:spcPct val="0"/>
+              </a:spcAft>
+              <a:buClrTx/>
+              <a:buSzTx/>
+              <a:buFont typeface="Arial" panose="020B0604020202020204" pitchFamily="34" charset="0"/>
+              <a:buChar char="•"/>
+              <a:tabLst/>
+              <a:defRPr/>
+            </a:pPr>
+            <a:r>
+              <a:rPr kumimoji="0" lang="en-US" sz="2400" b="0" i="0" u="none" strike="noStrike" kern="1200" cap="none" spc="0" normalizeH="0" baseline="0" noProof="0" dirty="0">
+                <a:ln>
+                  <a:noFill/>
+                </a:ln>
+                <a:solidFill>
+                  <a:srgbClr val="000000"/>
+                </a:solidFill>
+                <a:effectLst/>
+                <a:uLnTx/>
+                <a:uFillTx/>
+                <a:latin typeface="Calibri Light" panose="020F0302020204030204" pitchFamily="34" charset="0"/>
+              </a:rPr>
+              <a:t>Doesn’t minimize the correct error function.</a:t>
+            </a:r>
+          </a:p>
+          <a:p>
+            <a:pPr marL="742950" marR="0" lvl="1" indent="-285750" algn="l" defTabSz="914400" rtl="0" eaLnBrk="0" fontAlgn="base" latinLnBrk="0" hangingPunct="0">
+              <a:lnSpc>
+                <a:spcPct val="90000"/>
+              </a:lnSpc>
+              <a:spcBef>
+                <a:spcPct val="20000"/>
+              </a:spcBef>
+              <a:spcAft>
+                <a:spcPct val="0"/>
+              </a:spcAft>
+              <a:buClrTx/>
+              <a:buSzTx/>
+              <a:buFontTx/>
+              <a:buChar char="•"/>
+              <a:tabLst/>
+              <a:defRPr/>
+            </a:pPr>
+            <a:endParaRPr kumimoji="0" lang="en-US" sz="2400" b="0" i="0" u="none" strike="noStrike" kern="1200" cap="none" spc="0" normalizeH="0" baseline="0" noProof="0" dirty="0">
+              <a:ln>
+                <a:noFill/>
+              </a:ln>
+              <a:solidFill>
+                <a:srgbClr val="000000"/>
+              </a:solidFill>
+              <a:effectLst/>
+              <a:uLnTx/>
+              <a:uFillTx/>
+              <a:latin typeface="Calibri Light" panose="020F0302020204030204" pitchFamily="34" charset="0"/>
+            </a:endParaRPr>
+          </a:p>
+        </p:txBody>
+      </p:sp>
+      <p:sp>
+        <p:nvSpPr>
+          <p:cNvPr id="8" name="Shape 667">
+            <a:extLst>
+              <a:ext uri="{FF2B5EF4-FFF2-40B4-BE49-F238E27FC236}">
+                <a16:creationId xmlns="" xmlns:a16="http://schemas.microsoft.com/office/drawing/2014/main" id="{1C1315F1-CDA9-4688-8E5F-A693F48E3CE4}"/>
+              </a:ext>
+            </a:extLst>
+          </p:cNvPr>
+          <p:cNvSpPr txBox="1">
+            <a:spLocks/>
+          </p:cNvSpPr>
+          <p:nvPr/>
+        </p:nvSpPr>
+        <p:spPr>
+          <a:xfrm>
+            <a:off x="0" y="1"/>
+            <a:ext cx="9144000" cy="1325563"/>
+          </a:xfrm>
+          <a:prstGeom prst="rect">
+            <a:avLst/>
+          </a:prstGeom>
+        </p:spPr>
+        <p:txBody>
+          <a:bodyPr vert="horz" lIns="91440" tIns="45720" rIns="91440" bIns="45720" rtlCol="0" anchor="ctr">
+            <a:normAutofit/>
+          </a:bodyPr>
+          <a:lstStyle>
+            <a:lvl1pPr algn="l" defTabSz="914400" rtl="0" eaLnBrk="1" latinLnBrk="0" hangingPunct="1">
+              <a:lnSpc>
+                <a:spcPct val="90000"/>
+              </a:lnSpc>
+              <a:spcBef>
+                <a:spcPct val="0"/>
+              </a:spcBef>
+              <a:buNone/>
+              <a:defRPr sz="4400" kern="1200">
+                <a:solidFill>
+                  <a:schemeClr val="tx1"/>
+                </a:solidFill>
+                <a:latin typeface="+mj-lt"/>
+                <a:ea typeface="+mj-ea"/>
+                <a:cs typeface="+mj-cs"/>
+              </a:defRPr>
+            </a:lvl1pPr>
+          </a:lstStyle>
+          <a:p>
+            <a:pPr marL="0" marR="0" lvl="0" indent="0" algn="ctr" defTabSz="914400" rtl="0" eaLnBrk="1" fontAlgn="auto" latinLnBrk="0" hangingPunct="1">
+              <a:lnSpc>
+                <a:spcPct val="90000"/>
+              </a:lnSpc>
+              <a:spcBef>
+                <a:spcPct val="0"/>
+              </a:spcBef>
+              <a:spcAft>
+                <a:spcPts val="0"/>
+              </a:spcAft>
+              <a:buClrTx/>
+              <a:buSzTx/>
+              <a:buFontTx/>
+              <a:buNone/>
+              <a:tabLst/>
+              <a:defRPr/>
+            </a:pPr>
+            <a:r>
+              <a:rPr kumimoji="0" lang="en-US" sz="4400" b="0" i="0" u="none" strike="noStrike" kern="1200" cap="none" spc="0" normalizeH="0" baseline="0" noProof="0" dirty="0">
+                <a:ln>
+                  <a:noFill/>
+                </a:ln>
+                <a:solidFill>
+                  <a:sysClr val="windowText" lastClr="000000"/>
+                </a:solidFill>
+                <a:effectLst/>
+                <a:uLnTx/>
+                <a:uFillTx/>
+                <a:latin typeface="Calibri Light" panose="020F0302020204030204"/>
+                <a:ea typeface="+mj-ea"/>
+                <a:cs typeface="+mj-cs"/>
+              </a:rPr>
+              <a:t>Geometric camera calibration</a:t>
+            </a:r>
+          </a:p>
+        </p:txBody>
+      </p:sp>
+    </p:spTree>
+    <p:extLst>
+      <p:ext uri="{BB962C8B-B14F-4D97-AF65-F5344CB8AC3E}">
+        <p14:creationId xmlns:p14="http://schemas.microsoft.com/office/powerpoint/2010/main" val="1297262300"/>
+      </p:ext>
+    </p:extLst>
+  </p:cSld>
+  <p:clrMapOvr>
+    <a:masterClrMapping/>
+  </p:clrMapOvr>
+</p:sld>
+</file>
+
+<file path=ppt/slides/slide37.xml><?xml version="1.0" encoding="utf-8"?>
 <p:sld xmlns:a="http://schemas.openxmlformats.org/drawingml/2006/main" xmlns:r="http://schemas.openxmlformats.org/officeDocument/2006/relationships" xmlns:p="http://schemas.openxmlformats.org/presentationml/2006/main" show="0">
   <p:cSld>
     <p:spTree>
@@ -22838,10 +24688,18 @@
   <p:clrMapOvr>
     <a:masterClrMapping/>
   </p:clrMapOvr>
+  <mc:AlternateContent xmlns:mc="http://schemas.openxmlformats.org/markup-compatibility/2006">
+    <mc:Choice xmlns:p14="http://schemas.microsoft.com/office/powerpoint/2010/main" Requires="p14">
+      <p:transition spd="slow" p14:dur="2000"/>
+    </mc:Choice>
+    <mc:Fallback>
+      <p:transition spd="slow"/>
+    </mc:Fallback>
+  </mc:AlternateContent>
 </p:sld>
 </file>
 
-<file path=ppt/slides/slide36.xml><?xml version="1.0" encoding="utf-8"?>
+<file path=ppt/slides/slide38.xml><?xml version="1.0" encoding="utf-8"?>
 <p:sld xmlns:a="http://schemas.openxmlformats.org/drawingml/2006/main" xmlns:r="http://schemas.openxmlformats.org/officeDocument/2006/relationships" xmlns:p="http://schemas.openxmlformats.org/presentationml/2006/main">
   <p:cSld>
     <p:spTree>
@@ -22877,8 +24735,12 @@
           <a:lstStyle/>
           <a:p>
             <a:r>
-              <a:rPr lang="en-US" dirty="0"/>
-              <a:t>Correcting radial distortion</a:t>
+              <a:rPr lang="en-US" dirty="0" smtClean="0"/>
+              <a:t>Radial </a:t>
+            </a:r>
+            <a:r>
+              <a:rPr lang="en-US" dirty="0"/>
+              <a:t>distortion</a:t>
             </a:r>
           </a:p>
         </p:txBody>
@@ -23142,7 +25004,7 @@
 </p:sld>
 </file>
 
-<file path=ppt/slides/slide37.xml><?xml version="1.0" encoding="utf-8"?>
+<file path=ppt/slides/slide39.xml><?xml version="1.0" encoding="utf-8"?>
 <p:sld xmlns:a="http://schemas.openxmlformats.org/drawingml/2006/main" xmlns:r="http://schemas.openxmlformats.org/officeDocument/2006/relationships" xmlns:p="http://schemas.openxmlformats.org/presentationml/2006/main">
   <p:cSld>
     <p:spTree>
@@ -23272,8 +25134,9 @@
           <a:p>
             <a:r>
               <a:rPr lang="en-US" dirty="0"/>
-              <a:t>Correcting radial distortion</a:t>
-            </a:r>
+              <a:t>Radial distortion</a:t>
+            </a:r>
+            <a:endParaRPr lang="en-US" dirty="0"/>
           </a:p>
         </p:txBody>
       </p:sp>
@@ -23336,8 +25199,735 @@
 </p:sld>
 </file>
 
-<file path=ppt/slides/slide38.xml><?xml version="1.0" encoding="utf-8"?>
+<file path=ppt/slides/slide4.xml><?xml version="1.0" encoding="utf-8"?>
 <p:sld xmlns:a="http://schemas.openxmlformats.org/drawingml/2006/main" xmlns:r="http://schemas.openxmlformats.org/officeDocument/2006/relationships" xmlns:p="http://schemas.openxmlformats.org/presentationml/2006/main">
+  <p:cSld>
+    <p:spTree>
+      <p:nvGrpSpPr>
+        <p:cNvPr id="1" name=""/>
+        <p:cNvGrpSpPr/>
+        <p:nvPr/>
+      </p:nvGrpSpPr>
+      <p:grpSpPr>
+        <a:xfrm>
+          <a:off x="0" y="0"/>
+          <a:ext cx="0" cy="0"/>
+          <a:chOff x="0" y="0"/>
+          <a:chExt cx="0" cy="0"/>
+        </a:xfrm>
+      </p:grpSpPr>
+      <p:sp>
+        <p:nvSpPr>
+          <p:cNvPr id="2" name="Title 1"/>
+          <p:cNvSpPr>
+            <a:spLocks noGrp="1"/>
+          </p:cNvSpPr>
+          <p:nvPr>
+            <p:ph type="title"/>
+          </p:nvPr>
+        </p:nvSpPr>
+        <p:spPr/>
+        <p:txBody>
+          <a:bodyPr/>
+          <a:lstStyle/>
+          <a:p>
+            <a:r>
+              <a:rPr lang="en-US" dirty="0"/>
+              <a:t>What is camera calibration</a:t>
+            </a:r>
+          </a:p>
+        </p:txBody>
+      </p:sp>
+      <p:sp>
+        <p:nvSpPr>
+          <p:cNvPr id="3" name="Content Placeholder 2"/>
+          <p:cNvSpPr>
+            <a:spLocks noGrp="1"/>
+          </p:cNvSpPr>
+          <p:nvPr>
+            <p:ph idx="1"/>
+          </p:nvPr>
+        </p:nvSpPr>
+        <p:spPr/>
+        <p:txBody>
+          <a:bodyPr>
+            <a:normAutofit lnSpcReduction="10000"/>
+          </a:bodyPr>
+          <a:lstStyle/>
+          <a:p>
+            <a:r>
+              <a:rPr lang="en-US" b="1" dirty="0"/>
+              <a:t>Geometric camera calibration</a:t>
+            </a:r>
+            <a:r>
+              <a:rPr lang="en-US" dirty="0"/>
+              <a:t>, also referred to as </a:t>
+            </a:r>
+            <a:r>
+              <a:rPr lang="en-US" b="1" dirty="0"/>
+              <a:t>camera </a:t>
+            </a:r>
+            <a:r>
+              <a:rPr lang="en-US" b="1" dirty="0" err="1"/>
+              <a:t>resectioning</a:t>
+            </a:r>
+            <a:r>
+              <a:rPr lang="en-US" dirty="0"/>
+              <a:t>, estimates the parameters of a lens, image sensor, position and view direction of a perspective camera.</a:t>
+            </a:r>
+          </a:p>
+          <a:p>
+            <a:r>
+              <a:rPr lang="en-US" dirty="0"/>
+              <a:t>You can use these parameters to correct for lens distortion, measure the size of an object in world units, or determine the location of the camera in the scene. These tasks are used in applications such as machine vision to detect and measure objects. They are also used in robotics, for navigation systems, and 3-D scene reconstruction. </a:t>
+            </a:r>
+          </a:p>
+          <a:p>
+            <a:r>
+              <a:rPr lang="en-US" dirty="0"/>
+              <a:t>[from: </a:t>
+            </a:r>
+            <a:r>
+              <a:rPr lang="en-US" dirty="0">
+                <a:hlinkClick r:id="rId2"/>
+              </a:rPr>
+              <a:t>https://www.mathworks.com/help/vision/ug/camera-calibration.html</a:t>
+            </a:r>
+            <a:r>
+              <a:rPr lang="en-US" dirty="0"/>
+              <a:t>]</a:t>
+            </a:r>
+          </a:p>
+        </p:txBody>
+      </p:sp>
+    </p:spTree>
+    <p:extLst>
+      <p:ext uri="{BB962C8B-B14F-4D97-AF65-F5344CB8AC3E}">
+        <p14:creationId xmlns:p14="http://schemas.microsoft.com/office/powerpoint/2010/main" val="1004253289"/>
+      </p:ext>
+    </p:extLst>
+  </p:cSld>
+  <p:clrMapOvr>
+    <a:masterClrMapping/>
+  </p:clrMapOvr>
+</p:sld>
+</file>
+
+<file path=ppt/slides/slide40.xml><?xml version="1.0" encoding="utf-8"?>
+<p:sld xmlns:a="http://schemas.openxmlformats.org/drawingml/2006/main" xmlns:r="http://schemas.openxmlformats.org/officeDocument/2006/relationships" xmlns:p="http://schemas.openxmlformats.org/presentationml/2006/main">
+  <p:cSld>
+    <p:spTree>
+      <p:nvGrpSpPr>
+        <p:cNvPr id="1" name=""/>
+        <p:cNvGrpSpPr/>
+        <p:nvPr/>
+      </p:nvGrpSpPr>
+      <p:grpSpPr>
+        <a:xfrm>
+          <a:off x="0" y="0"/>
+          <a:ext cx="0" cy="0"/>
+          <a:chOff x="0" y="0"/>
+          <a:chExt cx="0" cy="0"/>
+        </a:xfrm>
+      </p:grpSpPr>
+      <p:sp>
+        <p:nvSpPr>
+          <p:cNvPr id="45" name="Shape 667">
+            <a:extLst>
+              <a:ext uri="{FF2B5EF4-FFF2-40B4-BE49-F238E27FC236}">
+                <a16:creationId xmlns="" xmlns:a16="http://schemas.microsoft.com/office/drawing/2014/main" id="{82A346BB-565A-43CF-B3D9-A2A64428A0E7}"/>
+              </a:ext>
+            </a:extLst>
+          </p:cNvPr>
+          <p:cNvSpPr txBox="1">
+            <a:spLocks/>
+          </p:cNvSpPr>
+          <p:nvPr/>
+        </p:nvSpPr>
+        <p:spPr>
+          <a:xfrm>
+            <a:off x="0" y="1"/>
+            <a:ext cx="9144000" cy="1325563"/>
+          </a:xfrm>
+          <a:prstGeom prst="rect">
+            <a:avLst/>
+          </a:prstGeom>
+        </p:spPr>
+        <p:txBody>
+          <a:bodyPr vert="horz" lIns="91440" tIns="45720" rIns="91440" bIns="45720" rtlCol="0" anchor="ctr">
+            <a:normAutofit/>
+          </a:bodyPr>
+          <a:lstStyle>
+            <a:lvl1pPr algn="l" defTabSz="914400" rtl="0" eaLnBrk="1" latinLnBrk="0" hangingPunct="1">
+              <a:lnSpc>
+                <a:spcPct val="90000"/>
+              </a:lnSpc>
+              <a:spcBef>
+                <a:spcPct val="0"/>
+              </a:spcBef>
+              <a:buNone/>
+              <a:defRPr sz="4400" kern="1200">
+                <a:solidFill>
+                  <a:schemeClr val="tx1"/>
+                </a:solidFill>
+                <a:latin typeface="+mj-lt"/>
+                <a:ea typeface="+mj-ea"/>
+                <a:cs typeface="+mj-cs"/>
+              </a:defRPr>
+            </a:lvl1pPr>
+          </a:lstStyle>
+          <a:p>
+            <a:pPr marL="0" marR="0" lvl="0" indent="0" algn="ctr" defTabSz="914400" rtl="0" eaLnBrk="1" fontAlgn="auto" latinLnBrk="0" hangingPunct="1">
+              <a:lnSpc>
+                <a:spcPct val="90000"/>
+              </a:lnSpc>
+              <a:spcBef>
+                <a:spcPct val="0"/>
+              </a:spcBef>
+              <a:spcAft>
+                <a:spcPts val="0"/>
+              </a:spcAft>
+              <a:buClrTx/>
+              <a:buSzTx/>
+              <a:buFontTx/>
+              <a:buNone/>
+              <a:tabLst/>
+              <a:defRPr/>
+            </a:pPr>
+            <a:r>
+              <a:rPr kumimoji="0" lang="en-US" sz="4400" b="0" i="0" u="none" strike="noStrike" kern="1200" cap="none" spc="0" normalizeH="0" baseline="0" noProof="0" dirty="0">
+                <a:ln>
+                  <a:noFill/>
+                </a:ln>
+                <a:solidFill>
+                  <a:sysClr val="windowText" lastClr="000000"/>
+                </a:solidFill>
+                <a:effectLst/>
+                <a:uLnTx/>
+                <a:uFillTx/>
+                <a:latin typeface="Calibri Light" panose="020F0302020204030204"/>
+                <a:ea typeface="+mj-ea"/>
+                <a:cs typeface="+mj-cs"/>
+              </a:rPr>
+              <a:t>Correcting radial distortion</a:t>
+            </a:r>
+          </a:p>
+        </p:txBody>
+      </p:sp>
+      <p:grpSp>
+        <p:nvGrpSpPr>
+          <p:cNvPr id="2" name="Group 1">
+            <a:extLst>
+              <a:ext uri="{FF2B5EF4-FFF2-40B4-BE49-F238E27FC236}">
+                <a16:creationId xmlns="" xmlns:a16="http://schemas.microsoft.com/office/drawing/2014/main" id="{C5C8FDDB-7F3B-495B-9769-7188EED5DEED}"/>
+              </a:ext>
+            </a:extLst>
+          </p:cNvPr>
+          <p:cNvGrpSpPr/>
+          <p:nvPr/>
+        </p:nvGrpSpPr>
+        <p:grpSpPr>
+          <a:xfrm>
+            <a:off x="93685" y="1554162"/>
+            <a:ext cx="8956631" cy="4393967"/>
+            <a:chOff x="384862" y="1325562"/>
+            <a:chExt cx="11942175" cy="4393967"/>
+          </a:xfrm>
+        </p:grpSpPr>
+        <p:pic>
+          <p:nvPicPr>
+            <p:cNvPr id="43" name="Picture 12">
+              <a:extLst>
+                <a:ext uri="{FF2B5EF4-FFF2-40B4-BE49-F238E27FC236}">
+                  <a16:creationId xmlns="" xmlns:a16="http://schemas.microsoft.com/office/drawing/2014/main" id="{D7A6003A-D0BA-41DF-B767-C077B1E12557}"/>
+                </a:ext>
+              </a:extLst>
+            </p:cNvPr>
+            <p:cNvPicPr>
+              <a:picLocks noChangeAspect="1" noChangeArrowheads="1"/>
+            </p:cNvPicPr>
+            <p:nvPr/>
+          </p:nvPicPr>
+          <p:blipFill>
+            <a:blip r:embed="rId3">
+              <a:extLst>
+                <a:ext uri="{28A0092B-C50C-407E-A947-70E740481C1C}">
+                  <a14:useLocalDpi xmlns:a14="http://schemas.microsoft.com/office/drawing/2010/main" val="0"/>
+                </a:ext>
+              </a:extLst>
+            </a:blip>
+            <a:srcRect/>
+            <a:stretch>
+              <a:fillRect/>
+            </a:stretch>
+          </p:blipFill>
+          <p:spPr bwMode="auto">
+            <a:xfrm>
+              <a:off x="384862" y="1325562"/>
+              <a:ext cx="5858622" cy="4393967"/>
+            </a:xfrm>
+            <a:prstGeom prst="rect">
+              <a:avLst/>
+            </a:prstGeom>
+            <a:noFill/>
+            <a:ln w="9525">
+              <a:solidFill>
+                <a:schemeClr val="tx1"/>
+              </a:solidFill>
+              <a:miter lim="800000"/>
+              <a:headEnd/>
+              <a:tailEnd/>
+            </a:ln>
+            <a:extLst>
+              <a:ext uri="{909E8E84-426E-40DD-AFC4-6F175D3DCCD1}">
+                <a14:hiddenFill xmlns:a14="http://schemas.microsoft.com/office/drawing/2010/main">
+                  <a:solidFill>
+                    <a:srgbClr val="FFFFFF"/>
+                  </a:solidFill>
+                </a14:hiddenFill>
+              </a:ext>
+            </a:extLst>
+          </p:spPr>
+        </p:pic>
+        <p:pic>
+          <p:nvPicPr>
+            <p:cNvPr id="44" name="Picture 13">
+              <a:extLst>
+                <a:ext uri="{FF2B5EF4-FFF2-40B4-BE49-F238E27FC236}">
+                  <a16:creationId xmlns="" xmlns:a16="http://schemas.microsoft.com/office/drawing/2014/main" id="{F54F7E19-145B-4DD9-ADDB-3F500C0036AD}"/>
+                </a:ext>
+              </a:extLst>
+            </p:cNvPr>
+            <p:cNvPicPr>
+              <a:picLocks noChangeAspect="1" noChangeArrowheads="1"/>
+            </p:cNvPicPr>
+            <p:nvPr/>
+          </p:nvPicPr>
+          <p:blipFill>
+            <a:blip r:embed="rId4">
+              <a:extLst>
+                <a:ext uri="{28A0092B-C50C-407E-A947-70E740481C1C}">
+                  <a14:useLocalDpi xmlns:a14="http://schemas.microsoft.com/office/drawing/2010/main" val="0"/>
+                </a:ext>
+              </a:extLst>
+            </a:blip>
+            <a:srcRect/>
+            <a:stretch>
+              <a:fillRect/>
+            </a:stretch>
+          </p:blipFill>
+          <p:spPr bwMode="auto">
+            <a:xfrm>
+              <a:off x="6440584" y="1325562"/>
+              <a:ext cx="5886453" cy="4393966"/>
+            </a:xfrm>
+            <a:prstGeom prst="rect">
+              <a:avLst/>
+            </a:prstGeom>
+            <a:noFill/>
+            <a:ln w="9525">
+              <a:solidFill>
+                <a:schemeClr val="tx1"/>
+              </a:solidFill>
+              <a:miter lim="800000"/>
+              <a:headEnd/>
+              <a:tailEnd/>
+            </a:ln>
+            <a:extLst>
+              <a:ext uri="{909E8E84-426E-40DD-AFC4-6F175D3DCCD1}">
+                <a14:hiddenFill xmlns:a14="http://schemas.microsoft.com/office/drawing/2010/main">
+                  <a:solidFill>
+                    <a:srgbClr val="FFFFFF"/>
+                  </a:solidFill>
+                </a14:hiddenFill>
+              </a:ext>
+            </a:extLst>
+          </p:spPr>
+        </p:pic>
+      </p:grpSp>
+      <p:sp>
+        <p:nvSpPr>
+          <p:cNvPr id="47" name="Text Box 14">
+            <a:extLst>
+              <a:ext uri="{FF2B5EF4-FFF2-40B4-BE49-F238E27FC236}">
+                <a16:creationId xmlns="" xmlns:a16="http://schemas.microsoft.com/office/drawing/2014/main" id="{6E02A6E0-8F76-4425-95D1-267B4F5784CF}"/>
+              </a:ext>
+            </a:extLst>
+          </p:cNvPr>
+          <p:cNvSpPr txBox="1">
+            <a:spLocks noChangeArrowheads="1"/>
+          </p:cNvSpPr>
+          <p:nvPr/>
+        </p:nvSpPr>
+        <p:spPr bwMode="auto">
+          <a:xfrm>
+            <a:off x="93685" y="5948129"/>
+            <a:ext cx="4393967" cy="461665"/>
+          </a:xfrm>
+          <a:prstGeom prst="rect">
+            <a:avLst/>
+          </a:prstGeom>
+          <a:noFill/>
+          <a:ln>
+            <a:noFill/>
+          </a:ln>
+          <a:extLst>
+            <a:ext uri="{909E8E84-426E-40DD-AFC4-6F175D3DCCD1}">
+              <a14:hiddenFill xmlns:a14="http://schemas.microsoft.com/office/drawing/2010/main">
+                <a:solidFill>
+                  <a:srgbClr val="FFFFFF"/>
+                </a:solidFill>
+              </a14:hiddenFill>
+            </a:ext>
+            <a:ext uri="{91240B29-F687-4F45-9708-019B960494DF}">
+              <a14:hiddenLine xmlns:a14="http://schemas.microsoft.com/office/drawing/2010/main" w="9525">
+                <a:solidFill>
+                  <a:srgbClr val="000000"/>
+                </a:solidFill>
+                <a:miter lim="800000"/>
+                <a:headEnd/>
+                <a:tailEnd/>
+              </a14:hiddenLine>
+            </a:ext>
+          </a:extLst>
+        </p:spPr>
+        <p:txBody>
+          <a:bodyPr wrap="square">
+            <a:spAutoFit/>
+          </a:bodyPr>
+          <a:lstStyle>
+            <a:lvl1pPr>
+              <a:defRPr sz="1400">
+                <a:solidFill>
+                  <a:schemeClr val="tx1"/>
+                </a:solidFill>
+                <a:latin typeface="Arial" charset="0"/>
+              </a:defRPr>
+            </a:lvl1pPr>
+            <a:lvl2pPr marL="742950" indent="-285750">
+              <a:defRPr sz="1400">
+                <a:solidFill>
+                  <a:schemeClr val="tx1"/>
+                </a:solidFill>
+                <a:latin typeface="Arial" charset="0"/>
+              </a:defRPr>
+            </a:lvl2pPr>
+            <a:lvl3pPr marL="1143000" indent="-228600">
+              <a:defRPr sz="1400">
+                <a:solidFill>
+                  <a:schemeClr val="tx1"/>
+                </a:solidFill>
+                <a:latin typeface="Arial" charset="0"/>
+              </a:defRPr>
+            </a:lvl3pPr>
+            <a:lvl4pPr marL="1600200" indent="-228600">
+              <a:defRPr sz="1400">
+                <a:solidFill>
+                  <a:schemeClr val="tx1"/>
+                </a:solidFill>
+                <a:latin typeface="Arial" charset="0"/>
+              </a:defRPr>
+            </a:lvl4pPr>
+            <a:lvl5pPr marL="2057400" indent="-228600">
+              <a:defRPr sz="1400">
+                <a:solidFill>
+                  <a:schemeClr val="tx1"/>
+                </a:solidFill>
+                <a:latin typeface="Arial" charset="0"/>
+              </a:defRPr>
+            </a:lvl5pPr>
+            <a:lvl6pPr marL="2514600" indent="-228600" eaLnBrk="0" fontAlgn="base" hangingPunct="0">
+              <a:spcBef>
+                <a:spcPct val="0"/>
+              </a:spcBef>
+              <a:spcAft>
+                <a:spcPct val="0"/>
+              </a:spcAft>
+              <a:defRPr sz="1400">
+                <a:solidFill>
+                  <a:schemeClr val="tx1"/>
+                </a:solidFill>
+                <a:latin typeface="Arial" charset="0"/>
+              </a:defRPr>
+            </a:lvl6pPr>
+            <a:lvl7pPr marL="2971800" indent="-228600" eaLnBrk="0" fontAlgn="base" hangingPunct="0">
+              <a:spcBef>
+                <a:spcPct val="0"/>
+              </a:spcBef>
+              <a:spcAft>
+                <a:spcPct val="0"/>
+              </a:spcAft>
+              <a:defRPr sz="1400">
+                <a:solidFill>
+                  <a:schemeClr val="tx1"/>
+                </a:solidFill>
+                <a:latin typeface="Arial" charset="0"/>
+              </a:defRPr>
+            </a:lvl7pPr>
+            <a:lvl8pPr marL="3429000" indent="-228600" eaLnBrk="0" fontAlgn="base" hangingPunct="0">
+              <a:spcBef>
+                <a:spcPct val="0"/>
+              </a:spcBef>
+              <a:spcAft>
+                <a:spcPct val="0"/>
+              </a:spcAft>
+              <a:defRPr sz="1400">
+                <a:solidFill>
+                  <a:schemeClr val="tx1"/>
+                </a:solidFill>
+                <a:latin typeface="Arial" charset="0"/>
+              </a:defRPr>
+            </a:lvl8pPr>
+            <a:lvl9pPr marL="3886200" indent="-228600" eaLnBrk="0" fontAlgn="base" hangingPunct="0">
+              <a:spcBef>
+                <a:spcPct val="0"/>
+              </a:spcBef>
+              <a:spcAft>
+                <a:spcPct val="0"/>
+              </a:spcAft>
+              <a:defRPr sz="1400">
+                <a:solidFill>
+                  <a:schemeClr val="tx1"/>
+                </a:solidFill>
+                <a:latin typeface="Arial" charset="0"/>
+              </a:defRPr>
+            </a:lvl9pPr>
+          </a:lstStyle>
+          <a:p>
+            <a:pPr marL="0" marR="0" lvl="0" indent="0" algn="ctr" defTabSz="914400" rtl="0" eaLnBrk="1" fontAlgn="auto" latinLnBrk="0" hangingPunct="1">
+              <a:lnSpc>
+                <a:spcPct val="100000"/>
+              </a:lnSpc>
+              <a:spcBef>
+                <a:spcPts val="0"/>
+              </a:spcBef>
+              <a:spcAft>
+                <a:spcPts val="0"/>
+              </a:spcAft>
+              <a:buClrTx/>
+              <a:buSzTx/>
+              <a:buFontTx/>
+              <a:buNone/>
+              <a:tabLst/>
+              <a:defRPr/>
+            </a:pPr>
+            <a:r>
+              <a:rPr kumimoji="0" lang="en-US" altLang="en-US" sz="2400" b="0" i="0" u="none" strike="noStrike" kern="1200" cap="none" spc="0" normalizeH="0" baseline="0" noProof="0" dirty="0">
+                <a:ln>
+                  <a:noFill/>
+                </a:ln>
+                <a:solidFill>
+                  <a:srgbClr val="000000"/>
+                </a:solidFill>
+                <a:effectLst/>
+                <a:uLnTx/>
+                <a:uFillTx/>
+                <a:latin typeface="Calibri Light" panose="020F0302020204030204" pitchFamily="34" charset="0"/>
+              </a:rPr>
+              <a:t>before</a:t>
+            </a:r>
+          </a:p>
+        </p:txBody>
+      </p:sp>
+      <p:sp>
+        <p:nvSpPr>
+          <p:cNvPr id="48" name="Text Box 15">
+            <a:extLst>
+              <a:ext uri="{FF2B5EF4-FFF2-40B4-BE49-F238E27FC236}">
+                <a16:creationId xmlns="" xmlns:a16="http://schemas.microsoft.com/office/drawing/2014/main" id="{3E5FF5C8-C8A1-4AF0-967B-7E13048893D5}"/>
+              </a:ext>
+            </a:extLst>
+          </p:cNvPr>
+          <p:cNvSpPr txBox="1">
+            <a:spLocks noChangeArrowheads="1"/>
+          </p:cNvSpPr>
+          <p:nvPr/>
+        </p:nvSpPr>
+        <p:spPr bwMode="auto">
+          <a:xfrm>
+            <a:off x="4635476" y="5948129"/>
+            <a:ext cx="4414840" cy="461665"/>
+          </a:xfrm>
+          <a:prstGeom prst="rect">
+            <a:avLst/>
+          </a:prstGeom>
+          <a:noFill/>
+          <a:ln>
+            <a:noFill/>
+          </a:ln>
+          <a:extLst>
+            <a:ext uri="{909E8E84-426E-40DD-AFC4-6F175D3DCCD1}">
+              <a14:hiddenFill xmlns:a14="http://schemas.microsoft.com/office/drawing/2010/main">
+                <a:solidFill>
+                  <a:srgbClr val="FFFFFF"/>
+                </a:solidFill>
+              </a14:hiddenFill>
+            </a:ext>
+            <a:ext uri="{91240B29-F687-4F45-9708-019B960494DF}">
+              <a14:hiddenLine xmlns:a14="http://schemas.microsoft.com/office/drawing/2010/main" w="9525">
+                <a:solidFill>
+                  <a:srgbClr val="000000"/>
+                </a:solidFill>
+                <a:miter lim="800000"/>
+                <a:headEnd/>
+                <a:tailEnd/>
+              </a14:hiddenLine>
+            </a:ext>
+          </a:extLst>
+        </p:spPr>
+        <p:txBody>
+          <a:bodyPr wrap="square">
+            <a:spAutoFit/>
+          </a:bodyPr>
+          <a:lstStyle>
+            <a:lvl1pPr>
+              <a:defRPr sz="1400">
+                <a:solidFill>
+                  <a:schemeClr val="tx1"/>
+                </a:solidFill>
+                <a:latin typeface="Arial" charset="0"/>
+              </a:defRPr>
+            </a:lvl1pPr>
+            <a:lvl2pPr marL="742950" indent="-285750">
+              <a:defRPr sz="1400">
+                <a:solidFill>
+                  <a:schemeClr val="tx1"/>
+                </a:solidFill>
+                <a:latin typeface="Arial" charset="0"/>
+              </a:defRPr>
+            </a:lvl2pPr>
+            <a:lvl3pPr marL="1143000" indent="-228600">
+              <a:defRPr sz="1400">
+                <a:solidFill>
+                  <a:schemeClr val="tx1"/>
+                </a:solidFill>
+                <a:latin typeface="Arial" charset="0"/>
+              </a:defRPr>
+            </a:lvl3pPr>
+            <a:lvl4pPr marL="1600200" indent="-228600">
+              <a:defRPr sz="1400">
+                <a:solidFill>
+                  <a:schemeClr val="tx1"/>
+                </a:solidFill>
+                <a:latin typeface="Arial" charset="0"/>
+              </a:defRPr>
+            </a:lvl4pPr>
+            <a:lvl5pPr marL="2057400" indent="-228600">
+              <a:defRPr sz="1400">
+                <a:solidFill>
+                  <a:schemeClr val="tx1"/>
+                </a:solidFill>
+                <a:latin typeface="Arial" charset="0"/>
+              </a:defRPr>
+            </a:lvl5pPr>
+            <a:lvl6pPr marL="2514600" indent="-228600" eaLnBrk="0" fontAlgn="base" hangingPunct="0">
+              <a:spcBef>
+                <a:spcPct val="0"/>
+              </a:spcBef>
+              <a:spcAft>
+                <a:spcPct val="0"/>
+              </a:spcAft>
+              <a:defRPr sz="1400">
+                <a:solidFill>
+                  <a:schemeClr val="tx1"/>
+                </a:solidFill>
+                <a:latin typeface="Arial" charset="0"/>
+              </a:defRPr>
+            </a:lvl6pPr>
+            <a:lvl7pPr marL="2971800" indent="-228600" eaLnBrk="0" fontAlgn="base" hangingPunct="0">
+              <a:spcBef>
+                <a:spcPct val="0"/>
+              </a:spcBef>
+              <a:spcAft>
+                <a:spcPct val="0"/>
+              </a:spcAft>
+              <a:defRPr sz="1400">
+                <a:solidFill>
+                  <a:schemeClr val="tx1"/>
+                </a:solidFill>
+                <a:latin typeface="Arial" charset="0"/>
+              </a:defRPr>
+            </a:lvl7pPr>
+            <a:lvl8pPr marL="3429000" indent="-228600" eaLnBrk="0" fontAlgn="base" hangingPunct="0">
+              <a:spcBef>
+                <a:spcPct val="0"/>
+              </a:spcBef>
+              <a:spcAft>
+                <a:spcPct val="0"/>
+              </a:spcAft>
+              <a:defRPr sz="1400">
+                <a:solidFill>
+                  <a:schemeClr val="tx1"/>
+                </a:solidFill>
+                <a:latin typeface="Arial" charset="0"/>
+              </a:defRPr>
+            </a:lvl8pPr>
+            <a:lvl9pPr marL="3886200" indent="-228600" eaLnBrk="0" fontAlgn="base" hangingPunct="0">
+              <a:spcBef>
+                <a:spcPct val="0"/>
+              </a:spcBef>
+              <a:spcAft>
+                <a:spcPct val="0"/>
+              </a:spcAft>
+              <a:defRPr sz="1400">
+                <a:solidFill>
+                  <a:schemeClr val="tx1"/>
+                </a:solidFill>
+                <a:latin typeface="Arial" charset="0"/>
+              </a:defRPr>
+            </a:lvl9pPr>
+          </a:lstStyle>
+          <a:p>
+            <a:pPr marL="0" marR="0" lvl="0" indent="0" algn="ctr" defTabSz="914400" rtl="0" eaLnBrk="1" fontAlgn="auto" latinLnBrk="0" hangingPunct="1">
+              <a:lnSpc>
+                <a:spcPct val="100000"/>
+              </a:lnSpc>
+              <a:spcBef>
+                <a:spcPts val="0"/>
+              </a:spcBef>
+              <a:spcAft>
+                <a:spcPts val="0"/>
+              </a:spcAft>
+              <a:buClrTx/>
+              <a:buSzTx/>
+              <a:buFontTx/>
+              <a:buNone/>
+              <a:tabLst/>
+              <a:defRPr/>
+            </a:pPr>
+            <a:r>
+              <a:rPr kumimoji="0" lang="en-US" altLang="en-US" sz="2400" b="0" i="0" u="none" strike="noStrike" kern="1200" cap="none" spc="0" normalizeH="0" baseline="0" noProof="0" dirty="0">
+                <a:ln>
+                  <a:noFill/>
+                </a:ln>
+                <a:solidFill>
+                  <a:srgbClr val="000000"/>
+                </a:solidFill>
+                <a:effectLst/>
+                <a:uLnTx/>
+                <a:uFillTx/>
+                <a:latin typeface="Calibri Light" panose="020F0302020204030204" pitchFamily="34" charset="0"/>
+              </a:rPr>
+              <a:t>after</a:t>
+            </a:r>
+          </a:p>
+        </p:txBody>
+      </p:sp>
+    </p:spTree>
+    <p:extLst>
+      <p:ext uri="{BB962C8B-B14F-4D97-AF65-F5344CB8AC3E}">
+        <p14:creationId xmlns:p14="http://schemas.microsoft.com/office/powerpoint/2010/main" val="748255315"/>
+      </p:ext>
+    </p:extLst>
+  </p:cSld>
+  <p:clrMapOvr>
+    <a:masterClrMapping/>
+  </p:clrMapOvr>
+</p:sld>
+</file>
+
+<file path=ppt/slides/slide41.xml><?xml version="1.0" encoding="utf-8"?>
+<p:sld xmlns:a="http://schemas.openxmlformats.org/drawingml/2006/main" xmlns:r="http://schemas.openxmlformats.org/officeDocument/2006/relationships" xmlns:p="http://schemas.openxmlformats.org/presentationml/2006/main" show="0">
   <p:cSld>
     <p:spTree>
       <p:nvGrpSpPr>
@@ -23392,28 +25982,9 @@
           </a:lstStyle>
           <a:p>
             <a:r>
-              <a:rPr lang="en-US"/>
-              <a:t>Correcting radial distortion</a:t>
-            </a:r>
-            <a:endParaRPr lang="en-US" dirty="0"/>
-          </a:p>
-        </p:txBody>
-      </p:sp>
-      <p:sp>
-        <p:nvSpPr>
-          <p:cNvPr id="7" name="Title 6"/>
-          <p:cNvSpPr>
-            <a:spLocks noGrp="1"/>
-          </p:cNvSpPr>
-          <p:nvPr>
-            <p:ph type="title"/>
-          </p:nvPr>
-        </p:nvSpPr>
-        <p:spPr/>
-        <p:txBody>
-          <a:bodyPr/>
-          <a:lstStyle/>
-          <a:p>
+              <a:rPr lang="en-US" dirty="0"/>
+              <a:t>Radial distortion</a:t>
+            </a:r>
             <a:endParaRPr lang="en-US" dirty="0"/>
           </a:p>
         </p:txBody>
@@ -23443,7 +26014,7 @@
                       <m:sSubPr>
                         <m:ctrlPr>
                           <a:rPr lang="en-US" b="0" i="1" smtClean="0">
-                            <a:latin typeface="Cambria Math" panose="02040503050406030204" pitchFamily="18" charset="0"/>
+                            <a:latin typeface="Cambria Math"/>
                           </a:rPr>
                         </m:ctrlPr>
                       </m:sSubPr>
@@ -23474,7 +26045,7 @@
                       <m:sSubPr>
                         <m:ctrlPr>
                           <a:rPr lang="en-US" b="0" i="1" smtClean="0">
-                            <a:latin typeface="Cambria Math" panose="02040503050406030204" pitchFamily="18" charset="0"/>
+                            <a:latin typeface="Cambria Math"/>
                           </a:rPr>
                         </m:ctrlPr>
                       </m:sSubPr>
@@ -23505,7 +26076,7 @@
                       <m:sSubPr>
                         <m:ctrlPr>
                           <a:rPr lang="en-US" b="0" i="1" smtClean="0">
-                            <a:latin typeface="Cambria Math" panose="02040503050406030204" pitchFamily="18" charset="0"/>
+                            <a:latin typeface="Cambria Math"/>
                           </a:rPr>
                         </m:ctrlPr>
                       </m:sSubPr>
@@ -23536,7 +26107,7 @@
                       <m:sSubPr>
                         <m:ctrlPr>
                           <a:rPr lang="en-US" b="0" i="1" smtClean="0">
-                            <a:latin typeface="Cambria Math" panose="02040503050406030204" pitchFamily="18" charset="0"/>
+                            <a:latin typeface="Cambria Math"/>
                           </a:rPr>
                         </m:ctrlPr>
                       </m:sSubPr>
@@ -23567,7 +26138,7 @@
                       <m:sSubPr>
                         <m:ctrlPr>
                           <a:rPr lang="en-US" b="0" i="1" smtClean="0">
-                            <a:latin typeface="Cambria Math" panose="02040503050406030204" pitchFamily="18" charset="0"/>
+                            <a:latin typeface="Cambria Math"/>
                           </a:rPr>
                         </m:ctrlPr>
                       </m:sSubPr>
@@ -23592,7 +26163,7 @@
                       <m:sSupPr>
                         <m:ctrlPr>
                           <a:rPr lang="en-US" b="0" i="1" smtClean="0">
-                            <a:latin typeface="Cambria Math" panose="02040503050406030204" pitchFamily="18" charset="0"/>
+                            <a:latin typeface="Cambria Math"/>
                           </a:rPr>
                         </m:ctrlPr>
                       </m:sSupPr>
@@ -23623,7 +26194,7 @@
                       <m:sSubPr>
                         <m:ctrlPr>
                           <a:rPr lang="en-US" i="1">
-                            <a:latin typeface="Cambria Math" panose="02040503050406030204" pitchFamily="18" charset="0"/>
+                            <a:latin typeface="Cambria Math"/>
                           </a:rPr>
                         </m:ctrlPr>
                       </m:sSubPr>
@@ -23648,7 +26219,7 @@
                       <m:sSupPr>
                         <m:ctrlPr>
                           <a:rPr lang="en-US" i="1">
-                            <a:latin typeface="Cambria Math" panose="02040503050406030204" pitchFamily="18" charset="0"/>
+                            <a:latin typeface="Cambria Math"/>
                           </a:rPr>
                         </m:ctrlPr>
                       </m:sSupPr>
@@ -23690,7 +26261,7 @@
                       <m:sSubPr>
                         <m:ctrlPr>
                           <a:rPr lang="en-US" i="1" smtClean="0">
-                            <a:latin typeface="Cambria Math" panose="02040503050406030204" pitchFamily="18" charset="0"/>
+                            <a:latin typeface="Cambria Math"/>
                           </a:rPr>
                         </m:ctrlPr>
                       </m:sSubPr>
@@ -23721,7 +26292,7 @@
                       <m:sSubPr>
                         <m:ctrlPr>
                           <a:rPr lang="en-US" i="1">
-                            <a:latin typeface="Cambria Math" panose="02040503050406030204" pitchFamily="18" charset="0"/>
+                            <a:latin typeface="Cambria Math"/>
                           </a:rPr>
                         </m:ctrlPr>
                       </m:sSubPr>
@@ -23752,7 +26323,7 @@
                       <m:sSubPr>
                         <m:ctrlPr>
                           <a:rPr lang="en-US" i="1">
-                            <a:latin typeface="Cambria Math" panose="02040503050406030204" pitchFamily="18" charset="0"/>
+                            <a:latin typeface="Cambria Math"/>
                           </a:rPr>
                         </m:ctrlPr>
                       </m:sSubPr>
@@ -23783,7 +26354,7 @@
                       <m:sSubPr>
                         <m:ctrlPr>
                           <a:rPr lang="en-US" i="1">
-                            <a:latin typeface="Cambria Math" panose="02040503050406030204" pitchFamily="18" charset="0"/>
+                            <a:latin typeface="Cambria Math"/>
                           </a:rPr>
                         </m:ctrlPr>
                       </m:sSubPr>
@@ -23814,7 +26385,7 @@
                       <m:sSubPr>
                         <m:ctrlPr>
                           <a:rPr lang="en-US" i="1">
-                            <a:latin typeface="Cambria Math" panose="02040503050406030204" pitchFamily="18" charset="0"/>
+                            <a:latin typeface="Cambria Math"/>
                           </a:rPr>
                         </m:ctrlPr>
                       </m:sSubPr>
@@ -23839,7 +26410,7 @@
                       <m:sSupPr>
                         <m:ctrlPr>
                           <a:rPr lang="en-US" i="1">
-                            <a:latin typeface="Cambria Math" panose="02040503050406030204" pitchFamily="18" charset="0"/>
+                            <a:latin typeface="Cambria Math"/>
                           </a:rPr>
                         </m:ctrlPr>
                       </m:sSupPr>
@@ -23870,7 +26441,7 @@
                       <m:sSubPr>
                         <m:ctrlPr>
                           <a:rPr lang="en-US" i="1">
-                            <a:latin typeface="Cambria Math" panose="02040503050406030204" pitchFamily="18" charset="0"/>
+                            <a:latin typeface="Cambria Math"/>
                           </a:rPr>
                         </m:ctrlPr>
                       </m:sSubPr>
@@ -23895,7 +26466,7 @@
                       <m:sSupPr>
                         <m:ctrlPr>
                           <a:rPr lang="en-US" i="1">
-                            <a:latin typeface="Cambria Math" panose="02040503050406030204" pitchFamily="18" charset="0"/>
+                            <a:latin typeface="Cambria Math"/>
                           </a:rPr>
                         </m:ctrlPr>
                       </m:sSupPr>
@@ -23952,7 +26523,7 @@
                       <m:sSubPr>
                         <m:ctrlPr>
                           <a:rPr lang="en-US" b="0" i="1" smtClean="0">
-                            <a:latin typeface="Cambria Math" panose="02040503050406030204" pitchFamily="18" charset="0"/>
+                            <a:latin typeface="Cambria Math"/>
                           </a:rPr>
                         </m:ctrlPr>
                       </m:sSubPr>
@@ -23983,7 +26554,7 @@
                       <m:sSubPr>
                         <m:ctrlPr>
                           <a:rPr lang="en-US" b="0" i="1" smtClean="0">
-                            <a:latin typeface="Cambria Math" panose="02040503050406030204" pitchFamily="18" charset="0"/>
+                            <a:latin typeface="Cambria Math"/>
                           </a:rPr>
                         </m:ctrlPr>
                       </m:sSubPr>
@@ -24031,7 +26602,7 @@
                       <m:sSubPr>
                         <m:ctrlPr>
                           <a:rPr lang="en-US" i="1">
-                            <a:latin typeface="Cambria Math" panose="02040503050406030204" pitchFamily="18" charset="0"/>
+                            <a:latin typeface="Cambria Math"/>
                           </a:rPr>
                         </m:ctrlPr>
                       </m:sSubPr>
@@ -24062,7 +26633,7 @@
                       <m:sSubPr>
                         <m:ctrlPr>
                           <a:rPr lang="en-US" i="1">
-                            <a:latin typeface="Cambria Math" panose="02040503050406030204" pitchFamily="18" charset="0"/>
+                            <a:latin typeface="Cambria Math"/>
                           </a:rPr>
                         </m:ctrlPr>
                       </m:sSubPr>
@@ -24101,7 +26672,7 @@
                       <m:sSubPr>
                         <m:ctrlPr>
                           <a:rPr lang="en-US" b="0" i="1" smtClean="0">
-                            <a:latin typeface="Cambria Math" panose="02040503050406030204" pitchFamily="18" charset="0"/>
+                            <a:latin typeface="Cambria Math"/>
                           </a:rPr>
                         </m:ctrlPr>
                       </m:sSubPr>
@@ -24149,7 +26720,7 @@
                       <m:sSubPr>
                         <m:ctrlPr>
                           <a:rPr lang="en-US" i="1">
-                            <a:latin typeface="Cambria Math" panose="02040503050406030204" pitchFamily="18" charset="0"/>
+                            <a:latin typeface="Cambria Math"/>
                           </a:rPr>
                         </m:ctrlPr>
                       </m:sSubPr>
@@ -24180,7 +26751,7 @@
                       <m:sSubPr>
                         <m:ctrlPr>
                           <a:rPr lang="en-US" i="1">
-                            <a:latin typeface="Cambria Math" panose="02040503050406030204" pitchFamily="18" charset="0"/>
+                            <a:latin typeface="Cambria Math"/>
                           </a:rPr>
                         </m:ctrlPr>
                       </m:sSubPr>
@@ -24235,7 +26806,7 @@
                         <m:degHide m:val="on"/>
                         <m:ctrlPr>
                           <a:rPr lang="en-US" b="0" i="1" smtClean="0">
-                            <a:latin typeface="Cambria Math" panose="02040503050406030204" pitchFamily="18" charset="0"/>
+                            <a:latin typeface="Cambria Math"/>
                             <a:ea typeface="Cambria Math"/>
                           </a:rPr>
                         </m:ctrlPr>
@@ -24246,7 +26817,7 @@
                           <m:sSupPr>
                             <m:ctrlPr>
                               <a:rPr lang="en-US" b="0" i="1" smtClean="0">
-                                <a:latin typeface="Cambria Math" panose="02040503050406030204" pitchFamily="18" charset="0"/>
+                                <a:latin typeface="Cambria Math"/>
                                 <a:ea typeface="Cambria Math"/>
                               </a:rPr>
                             </m:ctrlPr>
@@ -24256,7 +26827,7 @@
                               <m:dPr>
                                 <m:ctrlPr>
                                   <a:rPr lang="en-US" b="0" i="1" smtClean="0">
-                                    <a:latin typeface="Cambria Math" panose="02040503050406030204" pitchFamily="18" charset="0"/>
+                                    <a:latin typeface="Cambria Math"/>
                                     <a:ea typeface="Cambria Math"/>
                                   </a:rPr>
                                 </m:ctrlPr>
@@ -24266,7 +26837,7 @@
                                   <m:sSubPr>
                                     <m:ctrlPr>
                                       <a:rPr lang="en-US" b="0" i="1" smtClean="0">
-                                        <a:latin typeface="Cambria Math" panose="02040503050406030204" pitchFamily="18" charset="0"/>
+                                        <a:latin typeface="Cambria Math"/>
                                         <a:ea typeface="Cambria Math"/>
                                       </a:rPr>
                                     </m:ctrlPr>
@@ -24301,7 +26872,7 @@
                                   <m:sSubPr>
                                     <m:ctrlPr>
                                       <a:rPr lang="en-US" b="0" i="1" smtClean="0">
-                                        <a:latin typeface="Cambria Math" panose="02040503050406030204" pitchFamily="18" charset="0"/>
+                                        <a:latin typeface="Cambria Math"/>
                                         <a:ea typeface="Cambria Math"/>
                                       </a:rPr>
                                     </m:ctrlPr>
@@ -24342,7 +26913,7 @@
                           <m:sSupPr>
                             <m:ctrlPr>
                               <a:rPr lang="en-US" i="1">
-                                <a:latin typeface="Cambria Math" panose="02040503050406030204" pitchFamily="18" charset="0"/>
+                                <a:latin typeface="Cambria Math"/>
                                 <a:ea typeface="Cambria Math"/>
                               </a:rPr>
                             </m:ctrlPr>
@@ -24359,7 +26930,7 @@
                               <m:dPr>
                                 <m:ctrlPr>
                                   <a:rPr lang="en-US" i="1">
-                                    <a:latin typeface="Cambria Math" panose="02040503050406030204" pitchFamily="18" charset="0"/>
+                                    <a:latin typeface="Cambria Math"/>
                                     <a:ea typeface="Cambria Math"/>
                                   </a:rPr>
                                 </m:ctrlPr>
@@ -24369,7 +26940,7 @@
                                   <m:sSubPr>
                                     <m:ctrlPr>
                                       <a:rPr lang="en-US" i="1">
-                                        <a:latin typeface="Cambria Math" panose="02040503050406030204" pitchFamily="18" charset="0"/>
+                                        <a:latin typeface="Cambria Math"/>
                                         <a:ea typeface="Cambria Math"/>
                                       </a:rPr>
                                     </m:ctrlPr>
@@ -24404,7 +26975,7 @@
                                   <m:sSubPr>
                                     <m:ctrlPr>
                                       <a:rPr lang="en-US" i="1">
-                                        <a:latin typeface="Cambria Math" panose="02040503050406030204" pitchFamily="18" charset="0"/>
+                                        <a:latin typeface="Cambria Math"/>
                                         <a:ea typeface="Cambria Math"/>
                                       </a:rPr>
                                     </m:ctrlPr>
@@ -24458,7 +27029,7 @@
                       <m:sSubPr>
                         <m:ctrlPr>
                           <a:rPr lang="en-US" b="0" i="1" smtClean="0">
-                            <a:latin typeface="Cambria Math" panose="02040503050406030204" pitchFamily="18" charset="0"/>
+                            <a:latin typeface="Cambria Math"/>
                           </a:rPr>
                         </m:ctrlPr>
                       </m:sSubPr>
@@ -24557,10 +27128,18 @@
   <p:clrMapOvr>
     <a:masterClrMapping/>
   </p:clrMapOvr>
+  <mc:AlternateContent xmlns:mc="http://schemas.openxmlformats.org/markup-compatibility/2006">
+    <mc:Choice xmlns:p14="http://schemas.microsoft.com/office/powerpoint/2010/main" Requires="p14">
+      <p:transition spd="slow" p14:dur="2000"/>
+    </mc:Choice>
+    <mc:Fallback>
+      <p:transition spd="slow"/>
+    </mc:Fallback>
+  </mc:AlternateContent>
 </p:sld>
 </file>
 
-<file path=ppt/slides/slide39.xml><?xml version="1.0" encoding="utf-8"?>
+<file path=ppt/slides/slide42.xml><?xml version="1.0" encoding="utf-8"?>
 <p:sld xmlns:a="http://schemas.openxmlformats.org/drawingml/2006/main" xmlns:r="http://schemas.openxmlformats.org/officeDocument/2006/relationships" xmlns:p="http://schemas.openxmlformats.org/presentationml/2006/main">
   <p:cSld>
     <p:spTree>
@@ -24593,9 +27172,10 @@
           <a:lstStyle/>
           <a:p>
             <a:r>
-              <a:rPr lang="en-US" dirty="0"/>
-              <a:t>Correcting radial distortion</a:t>
-            </a:r>
+              <a:rPr lang="en-US" dirty="0" smtClean="0"/>
+              <a:t>Tangential distortion</a:t>
+            </a:r>
+            <a:endParaRPr lang="en-US" dirty="0"/>
           </a:p>
         </p:txBody>
       </p:sp>
@@ -24615,16 +27195,58 @@
           <a:lstStyle/>
           <a:p>
             <a:r>
-              <a:rPr lang="en-US" dirty="0"/>
-              <a:t>How do we solve this? We’ve seen something similar in HW5- simple LS should do the trick.</a:t>
-            </a:r>
+              <a:rPr lang="en-US" dirty="0" smtClean="0"/>
+              <a:t>Another kind of distortion caused by the camera sensor not being completely parallel to the lens and image plane.</a:t>
+            </a:r>
+            <a:endParaRPr lang="en-US" dirty="0"/>
           </a:p>
         </p:txBody>
       </p:sp>
+      <p:pic>
+        <p:nvPicPr>
+          <p:cNvPr id="1028" name="Picture 4" descr="Image result for tangential distortion"/>
+          <p:cNvPicPr>
+            <a:picLocks noChangeAspect="1" noChangeArrowheads="1"/>
+          </p:cNvPicPr>
+          <p:nvPr/>
+        </p:nvPicPr>
+        <p:blipFill>
+          <a:blip r:embed="rId2">
+            <a:extLst>
+              <a:ext uri="{28A0092B-C50C-407E-A947-70E740481C1C}">
+                <a14:useLocalDpi xmlns:a14="http://schemas.microsoft.com/office/drawing/2010/main" val="0"/>
+              </a:ext>
+            </a:extLst>
+          </a:blip>
+          <a:srcRect/>
+          <a:stretch>
+            <a:fillRect/>
+          </a:stretch>
+        </p:blipFill>
+        <p:spPr bwMode="auto">
+          <a:xfrm>
+            <a:off x="1238250" y="2438400"/>
+            <a:ext cx="6667500" cy="3562351"/>
+          </a:xfrm>
+          <a:prstGeom prst="rect">
+            <a:avLst/>
+          </a:prstGeom>
+          <a:noFill/>
+          <a:extLst>
+            <a:ext uri="{909E8E84-426E-40DD-AFC4-6F175D3DCCD1}">
+              <a14:hiddenFill xmlns:a14="http://schemas.microsoft.com/office/drawing/2010/main">
+                <a:solidFill>
+                  <a:srgbClr val="FFFFFF"/>
+                </a:solidFill>
+              </a14:hiddenFill>
+            </a:ext>
+          </a:extLst>
+        </p:spPr>
+      </p:pic>
     </p:spTree>
     <p:extLst>
       <p:ext uri="{BB962C8B-B14F-4D97-AF65-F5344CB8AC3E}">
-        <p14:creationId xmlns:p14="http://schemas.microsoft.com/office/powerpoint/2010/main" val="2289405980"/>
+        <p14:creationId xmlns:p14="http://schemas.microsoft.com/office/powerpoint/2010/main" val="427084005"/>
       </p:ext>
     </p:extLst>
   </p:cSld>
@@ -24634,7 +27256,7 @@
 </p:sld>
 </file>
 
-<file path=ppt/slides/slide4.xml><?xml version="1.0" encoding="utf-8"?>
+<file path=ppt/slides/slide43.xml><?xml version="1.0" encoding="utf-8"?>
 <p:sld xmlns:a="http://schemas.openxmlformats.org/drawingml/2006/main" xmlns:r="http://schemas.openxmlformats.org/officeDocument/2006/relationships" xmlns:p="http://schemas.openxmlformats.org/presentationml/2006/main">
   <p:cSld>
     <p:spTree>
@@ -24666,10 +27288,7 @@
           <a:bodyPr/>
           <a:lstStyle/>
           <a:p>
-            <a:r>
-              <a:rPr lang="en-US" dirty="0"/>
-              <a:t>What is camera calibration</a:t>
-            </a:r>
+            <a:endParaRPr lang="en-US"/>
           </a:p>
         </p:txBody>
       </p:sp>
@@ -24685,60 +27304,56 @@
         </p:nvSpPr>
         <p:spPr/>
         <p:txBody>
-          <a:bodyPr>
-            <a:normAutofit lnSpcReduction="10000"/>
-          </a:bodyPr>
+          <a:bodyPr/>
           <a:lstStyle/>
           <a:p>
-            <a:r>
-              <a:rPr lang="en-US" b="1" dirty="0"/>
-              <a:t>Geometric camera calibration</a:t>
-            </a:r>
-            <a:r>
-              <a:rPr lang="en-US" dirty="0"/>
-              <a:t>, also referred to as </a:t>
-            </a:r>
-            <a:r>
-              <a:rPr lang="en-US" b="1" dirty="0"/>
-              <a:t>camera </a:t>
-            </a:r>
-            <a:r>
-              <a:rPr lang="en-US" b="1" dirty="0" err="1"/>
-              <a:t>resectioning</a:t>
-            </a:r>
-            <a:r>
-              <a:rPr lang="en-US" dirty="0"/>
-              <a:t>, estimates the parameters of a lens, image sensor, position and view direction of a perspective camera.</a:t>
-            </a:r>
-          </a:p>
-          <a:p>
-            <a:r>
-              <a:rPr lang="en-US" dirty="0"/>
-              <a:t>You can use these parameters to correct for lens distortion, measure the size of an object in world units, or determine the location of the camera in the scene. These tasks are used in applications such as machine vision to detect and measure objects. They are also used in robotics, for navigation systems, and 3-D scene reconstruction. </a:t>
-            </a:r>
-          </a:p>
-          <a:p>
-            <a:r>
-              <a:rPr lang="en-US" dirty="0"/>
-              <a:t>[from: </a:t>
-            </a:r>
-            <a:r>
-              <a:rPr lang="en-US" dirty="0">
-                <a:hlinkClick r:id="rId2"/>
-              </a:rPr>
-              <a:t>https://www.mathworks.com/help/vision/ug/camera-calibration.html</a:t>
-            </a:r>
-            <a:r>
-              <a:rPr lang="en-US" dirty="0"/>
-              <a:t>]</a:t>
-            </a:r>
+            <a:endParaRPr lang="en-US"/>
           </a:p>
         </p:txBody>
       </p:sp>
+      <p:pic>
+        <p:nvPicPr>
+          <p:cNvPr id="4" name="Picture 2" descr="Image result for tangential distortion"/>
+          <p:cNvPicPr>
+            <a:picLocks noChangeAspect="1" noChangeArrowheads="1"/>
+          </p:cNvPicPr>
+          <p:nvPr/>
+        </p:nvPicPr>
+        <p:blipFill rotWithShape="1">
+          <a:blip r:embed="rId2">
+            <a:extLst>
+              <a:ext uri="{28A0092B-C50C-407E-A947-70E740481C1C}">
+                <a14:useLocalDpi xmlns:a14="http://schemas.microsoft.com/office/drawing/2010/main" val="0"/>
+              </a:ext>
+            </a:extLst>
+          </a:blip>
+          <a:srcRect l="57056"/>
+          <a:stretch/>
+        </p:blipFill>
+        <p:spPr bwMode="auto">
+          <a:xfrm>
+            <a:off x="1890712" y="1066799"/>
+            <a:ext cx="5362575" cy="5400475"/>
+          </a:xfrm>
+          <a:prstGeom prst="rect">
+            <a:avLst/>
+          </a:prstGeom>
+          <a:noFill/>
+          <a:extLst>
+            <a:ext uri="{909E8E84-426E-40DD-AFC4-6F175D3DCCD1}">
+              <a14:hiddenFill xmlns:a14="http://schemas.microsoft.com/office/drawing/2010/main">
+                <a:solidFill>
+                  <a:srgbClr val="FFFFFF"/>
+                </a:solidFill>
+              </a14:hiddenFill>
+            </a:ext>
+          </a:extLst>
+        </p:spPr>
+      </p:pic>
     </p:spTree>
     <p:extLst>
       <p:ext uri="{BB962C8B-B14F-4D97-AF65-F5344CB8AC3E}">
-        <p14:creationId xmlns:p14="http://schemas.microsoft.com/office/powerpoint/2010/main" val="1004253289"/>
+        <p14:creationId xmlns:p14="http://schemas.microsoft.com/office/powerpoint/2010/main" val="3792493717"/>
       </p:ext>
     </p:extLst>
   </p:cSld>
@@ -24748,7 +27363,737 @@
 </p:sld>
 </file>
 
-<file path=ppt/slides/slide40.xml><?xml version="1.0" encoding="utf-8"?>
+<file path=ppt/slides/slide44.xml><?xml version="1.0" encoding="utf-8"?>
+<p:sld xmlns:a="http://schemas.openxmlformats.org/drawingml/2006/main" xmlns:r="http://schemas.openxmlformats.org/officeDocument/2006/relationships" xmlns:p="http://schemas.openxmlformats.org/presentationml/2006/main">
+  <p:cSld>
+    <p:spTree>
+      <p:nvGrpSpPr>
+        <p:cNvPr id="1" name=""/>
+        <p:cNvGrpSpPr/>
+        <p:nvPr/>
+      </p:nvGrpSpPr>
+      <p:grpSpPr>
+        <a:xfrm>
+          <a:off x="0" y="0"/>
+          <a:ext cx="0" cy="0"/>
+          <a:chOff x="0" y="0"/>
+          <a:chExt cx="0" cy="0"/>
+        </a:xfrm>
+      </p:grpSpPr>
+      <p:sp>
+        <p:nvSpPr>
+          <p:cNvPr id="372739" name="Rectangle 3"/>
+          <p:cNvSpPr>
+            <a:spLocks noChangeArrowheads="1"/>
+          </p:cNvSpPr>
+          <p:nvPr>
+            <p:custDataLst>
+              <p:tags r:id="rId1"/>
+            </p:custDataLst>
+          </p:nvPr>
+        </p:nvSpPr>
+        <p:spPr bwMode="auto">
+          <a:xfrm>
+            <a:off x="1143000" y="412752"/>
+            <a:ext cx="6858000" cy="830997"/>
+          </a:xfrm>
+          <a:prstGeom prst="rect">
+            <a:avLst/>
+          </a:prstGeom>
+          <a:noFill/>
+          <a:ln w="9525">
+            <a:noFill/>
+            <a:miter lim="800000"/>
+            <a:headEnd/>
+            <a:tailEnd/>
+          </a:ln>
+          <a:effectLst/>
+        </p:spPr>
+        <p:txBody>
+          <a:bodyPr>
+            <a:spAutoFit/>
+          </a:bodyPr>
+          <a:lstStyle/>
+          <a:p>
+            <a:pPr marL="0" marR="0" lvl="0" indent="0" algn="l" defTabSz="914400" rtl="0" eaLnBrk="0" fontAlgn="base" latinLnBrk="0" hangingPunct="0">
+              <a:lnSpc>
+                <a:spcPct val="100000"/>
+              </a:lnSpc>
+              <a:spcBef>
+                <a:spcPct val="0"/>
+              </a:spcBef>
+              <a:spcAft>
+                <a:spcPct val="0"/>
+              </a:spcAft>
+              <a:buClrTx/>
+              <a:buSzTx/>
+              <a:buFontTx/>
+              <a:buNone/>
+              <a:tabLst/>
+              <a:defRPr/>
+            </a:pPr>
+            <a:endParaRPr kumimoji="0" lang="en-US" sz="2400" b="0" i="0" u="none" strike="noStrike" kern="1200" cap="none" spc="0" normalizeH="0" baseline="0" noProof="0">
+              <a:ln>
+                <a:noFill/>
+              </a:ln>
+              <a:solidFill>
+                <a:srgbClr val="000000"/>
+              </a:solidFill>
+              <a:effectLst/>
+              <a:uLnTx/>
+              <a:uFillTx/>
+              <a:latin typeface="Times New Roman" pitchFamily="18" charset="0"/>
+            </a:endParaRPr>
+          </a:p>
+          <a:p>
+            <a:pPr marL="457200" marR="0" lvl="1" indent="0" algn="l" defTabSz="914400" rtl="0" eaLnBrk="0" fontAlgn="base" latinLnBrk="0" hangingPunct="0">
+              <a:lnSpc>
+                <a:spcPct val="100000"/>
+              </a:lnSpc>
+              <a:spcBef>
+                <a:spcPct val="0"/>
+              </a:spcBef>
+              <a:spcAft>
+                <a:spcPct val="0"/>
+              </a:spcAft>
+              <a:buClrTx/>
+              <a:buSzTx/>
+              <a:buFontTx/>
+              <a:buNone/>
+              <a:tabLst/>
+              <a:defRPr/>
+            </a:pPr>
+            <a:endParaRPr kumimoji="0" lang="en-US" sz="2400" b="0" i="0" u="none" strike="noStrike" kern="1200" cap="none" spc="0" normalizeH="0" baseline="0" noProof="0">
+              <a:ln>
+                <a:noFill/>
+              </a:ln>
+              <a:solidFill>
+                <a:srgbClr val="000000"/>
+              </a:solidFill>
+              <a:effectLst/>
+              <a:uLnTx/>
+              <a:uFillTx/>
+              <a:latin typeface="Times New Roman" pitchFamily="18" charset="0"/>
+            </a:endParaRPr>
+          </a:p>
+        </p:txBody>
+      </p:sp>
+      <p:sp>
+        <p:nvSpPr>
+          <p:cNvPr id="372740" name="Rectangle 4"/>
+          <p:cNvSpPr>
+            <a:spLocks noChangeArrowheads="1"/>
+          </p:cNvSpPr>
+          <p:nvPr>
+            <p:custDataLst>
+              <p:tags r:id="rId2"/>
+            </p:custDataLst>
+          </p:nvPr>
+        </p:nvSpPr>
+        <p:spPr bwMode="auto">
+          <a:xfrm>
+            <a:off x="1143000" y="2057402"/>
+            <a:ext cx="6858000" cy="830997"/>
+          </a:xfrm>
+          <a:prstGeom prst="rect">
+            <a:avLst/>
+          </a:prstGeom>
+          <a:noFill/>
+          <a:ln w="9525">
+            <a:noFill/>
+            <a:miter lim="800000"/>
+            <a:headEnd/>
+            <a:tailEnd/>
+          </a:ln>
+          <a:effectLst/>
+        </p:spPr>
+        <p:txBody>
+          <a:bodyPr>
+            <a:spAutoFit/>
+          </a:bodyPr>
+          <a:lstStyle/>
+          <a:p>
+            <a:pPr marL="0" marR="0" lvl="0" indent="0" algn="l" defTabSz="914400" rtl="0" eaLnBrk="0" fontAlgn="base" latinLnBrk="0" hangingPunct="0">
+              <a:lnSpc>
+                <a:spcPct val="100000"/>
+              </a:lnSpc>
+              <a:spcBef>
+                <a:spcPct val="0"/>
+              </a:spcBef>
+              <a:spcAft>
+                <a:spcPct val="0"/>
+              </a:spcAft>
+              <a:buClrTx/>
+              <a:buSzTx/>
+              <a:buFontTx/>
+              <a:buNone/>
+              <a:tabLst/>
+              <a:defRPr/>
+            </a:pPr>
+            <a:endParaRPr kumimoji="0" lang="en-US" sz="2400" b="0" i="0" u="none" strike="noStrike" kern="1200" cap="none" spc="0" normalizeH="0" baseline="0" noProof="0">
+              <a:ln>
+                <a:noFill/>
+              </a:ln>
+              <a:solidFill>
+                <a:srgbClr val="000000"/>
+              </a:solidFill>
+              <a:effectLst/>
+              <a:uLnTx/>
+              <a:uFillTx/>
+              <a:latin typeface="Times New Roman" pitchFamily="18" charset="0"/>
+            </a:endParaRPr>
+          </a:p>
+          <a:p>
+            <a:pPr marL="0" marR="0" lvl="0" indent="0" algn="l" defTabSz="914400" rtl="0" eaLnBrk="0" fontAlgn="base" latinLnBrk="0" hangingPunct="0">
+              <a:lnSpc>
+                <a:spcPct val="100000"/>
+              </a:lnSpc>
+              <a:spcBef>
+                <a:spcPct val="0"/>
+              </a:spcBef>
+              <a:spcAft>
+                <a:spcPct val="0"/>
+              </a:spcAft>
+              <a:buClrTx/>
+              <a:buSzTx/>
+              <a:buFontTx/>
+              <a:buNone/>
+              <a:tabLst/>
+              <a:defRPr/>
+            </a:pPr>
+            <a:endParaRPr kumimoji="0" lang="en-US" sz="2400" b="0" i="0" u="none" strike="noStrike" kern="1200" cap="none" spc="0" normalizeH="0" baseline="0" noProof="0">
+              <a:ln>
+                <a:noFill/>
+              </a:ln>
+              <a:solidFill>
+                <a:srgbClr val="000000"/>
+              </a:solidFill>
+              <a:effectLst/>
+              <a:uLnTx/>
+              <a:uFillTx/>
+              <a:latin typeface="Times New Roman" pitchFamily="18" charset="0"/>
+            </a:endParaRPr>
+          </a:p>
+        </p:txBody>
+      </p:sp>
+      <p:pic>
+        <p:nvPicPr>
+          <p:cNvPr id="372741" name="Picture 5" descr="list_images">
+            <a:hlinkClick r:id="rId8"/>
+          </p:cNvPr>
+          <p:cNvPicPr>
+            <a:picLocks noChangeAspect="1" noChangeArrowheads="1"/>
+          </p:cNvPicPr>
+          <p:nvPr>
+            <p:custDataLst>
+              <p:tags r:id="rId3"/>
+            </p:custDataLst>
+          </p:nvPr>
+        </p:nvPicPr>
+        <p:blipFill>
+          <a:blip r:embed="rId9" cstate="print"/>
+          <a:srcRect/>
+          <a:stretch>
+            <a:fillRect/>
+          </a:stretch>
+        </p:blipFill>
+        <p:spPr bwMode="auto">
+          <a:xfrm>
+            <a:off x="1794273" y="990602"/>
+            <a:ext cx="5520928" cy="5165725"/>
+          </a:xfrm>
+          <a:prstGeom prst="rect">
+            <a:avLst/>
+          </a:prstGeom>
+          <a:noFill/>
+        </p:spPr>
+      </p:pic>
+      <p:sp>
+        <p:nvSpPr>
+          <p:cNvPr id="372742" name="Rectangle 6"/>
+          <p:cNvSpPr>
+            <a:spLocks noChangeArrowheads="1"/>
+          </p:cNvSpPr>
+          <p:nvPr>
+            <p:custDataLst>
+              <p:tags r:id="rId4"/>
+            </p:custDataLst>
+          </p:nvPr>
+        </p:nvSpPr>
+        <p:spPr bwMode="auto">
+          <a:xfrm>
+            <a:off x="1485900" y="3581400"/>
+            <a:ext cx="5943600" cy="2819400"/>
+          </a:xfrm>
+          <a:prstGeom prst="rect">
+            <a:avLst/>
+          </a:prstGeom>
+          <a:solidFill>
+            <a:schemeClr val="bg1"/>
+          </a:solidFill>
+          <a:ln w="9525">
+            <a:noFill/>
+            <a:miter lim="800000"/>
+            <a:headEnd/>
+            <a:tailEnd/>
+          </a:ln>
+          <a:effectLst/>
+        </p:spPr>
+        <p:txBody>
+          <a:bodyPr wrap="none" anchor="ctr"/>
+          <a:lstStyle/>
+          <a:p>
+            <a:pPr marL="0" marR="0" lvl="0" indent="0" algn="l" defTabSz="914400" rtl="0" eaLnBrk="0" fontAlgn="base" latinLnBrk="0" hangingPunct="0">
+              <a:lnSpc>
+                <a:spcPct val="100000"/>
+              </a:lnSpc>
+              <a:spcBef>
+                <a:spcPct val="0"/>
+              </a:spcBef>
+              <a:spcAft>
+                <a:spcPct val="0"/>
+              </a:spcAft>
+              <a:buClrTx/>
+              <a:buSzTx/>
+              <a:buFontTx/>
+              <a:buNone/>
+              <a:tabLst/>
+              <a:defRPr/>
+            </a:pPr>
+            <a:endParaRPr kumimoji="0" lang="en-US" sz="2400" b="0" i="0" u="none" strike="noStrike" kern="1200" cap="none" spc="0" normalizeH="0" baseline="0" noProof="0">
+              <a:ln>
+                <a:noFill/>
+              </a:ln>
+              <a:solidFill>
+                <a:srgbClr val="000000"/>
+              </a:solidFill>
+              <a:effectLst/>
+              <a:uLnTx/>
+              <a:uFillTx/>
+              <a:latin typeface="Times New Roman" pitchFamily="18" charset="0"/>
+            </a:endParaRPr>
+          </a:p>
+        </p:txBody>
+      </p:sp>
+      <p:sp>
+        <p:nvSpPr>
+          <p:cNvPr id="372744" name="Rectangle 8"/>
+          <p:cNvSpPr>
+            <a:spLocks noChangeArrowheads="1"/>
+          </p:cNvSpPr>
+          <p:nvPr>
+            <p:custDataLst>
+              <p:tags r:id="rId5"/>
+            </p:custDataLst>
+          </p:nvPr>
+        </p:nvSpPr>
+        <p:spPr bwMode="auto">
+          <a:xfrm>
+            <a:off x="164998" y="3600572"/>
+            <a:ext cx="8585405" cy="2590800"/>
+          </a:xfrm>
+          <a:prstGeom prst="rect">
+            <a:avLst/>
+          </a:prstGeom>
+          <a:noFill/>
+          <a:ln w="9525">
+            <a:noFill/>
+            <a:miter lim="800000"/>
+            <a:headEnd/>
+            <a:tailEnd/>
+          </a:ln>
+          <a:effectLst/>
+        </p:spPr>
+        <p:txBody>
+          <a:bodyPr/>
+          <a:lstStyle/>
+          <a:p>
+            <a:pPr marL="533400" marR="0" lvl="0" indent="-533400" algn="l" defTabSz="914400" rtl="0" eaLnBrk="0" fontAlgn="base" latinLnBrk="0" hangingPunct="0">
+              <a:lnSpc>
+                <a:spcPct val="100000"/>
+              </a:lnSpc>
+              <a:spcBef>
+                <a:spcPct val="20000"/>
+              </a:spcBef>
+              <a:spcAft>
+                <a:spcPct val="0"/>
+              </a:spcAft>
+              <a:buClrTx/>
+              <a:buSzTx/>
+              <a:buFontTx/>
+              <a:buNone/>
+              <a:tabLst/>
+              <a:defRPr/>
+            </a:pPr>
+            <a:r>
+              <a:rPr kumimoji="0" lang="en-US" sz="2400" b="0" i="0" u="none" strike="noStrike" kern="1200" cap="none" spc="0" normalizeH="0" baseline="0" noProof="0" dirty="0">
+                <a:ln>
+                  <a:noFill/>
+                </a:ln>
+                <a:solidFill>
+                  <a:srgbClr val="000000"/>
+                </a:solidFill>
+                <a:effectLst/>
+                <a:uLnTx/>
+                <a:uFillTx/>
+                <a:latin typeface="Calibri Light" panose="020F0302020204030204" pitchFamily="34" charset="0"/>
+              </a:rPr>
+              <a:t>Advantages:</a:t>
+            </a:r>
+          </a:p>
+          <a:p>
+            <a:pPr marL="838200" marR="0" lvl="1" indent="-381000" algn="l" defTabSz="914400" rtl="0" eaLnBrk="0" fontAlgn="base" latinLnBrk="0" hangingPunct="0">
+              <a:lnSpc>
+                <a:spcPct val="100000"/>
+              </a:lnSpc>
+              <a:spcBef>
+                <a:spcPct val="20000"/>
+              </a:spcBef>
+              <a:spcAft>
+                <a:spcPct val="0"/>
+              </a:spcAft>
+              <a:buClrTx/>
+              <a:buSzTx/>
+              <a:buFontTx/>
+              <a:buChar char="•"/>
+              <a:tabLst/>
+              <a:defRPr/>
+            </a:pPr>
+            <a:r>
+              <a:rPr kumimoji="0" lang="en-US" sz="2400" b="0" i="0" u="none" strike="noStrike" kern="1200" cap="none" spc="0" normalizeH="0" baseline="0" noProof="0" dirty="0">
+                <a:ln>
+                  <a:noFill/>
+                </a:ln>
+                <a:solidFill>
+                  <a:srgbClr val="000000"/>
+                </a:solidFill>
+                <a:effectLst/>
+                <a:uLnTx/>
+                <a:uFillTx/>
+                <a:latin typeface="Calibri Light" panose="020F0302020204030204" pitchFamily="34" charset="0"/>
+              </a:rPr>
+              <a:t>Only requires a plane</a:t>
+            </a:r>
+          </a:p>
+          <a:p>
+            <a:pPr marL="838200" marR="0" lvl="1" indent="-381000" algn="l" defTabSz="914400" rtl="0" eaLnBrk="0" fontAlgn="base" latinLnBrk="0" hangingPunct="0">
+              <a:lnSpc>
+                <a:spcPct val="100000"/>
+              </a:lnSpc>
+              <a:spcBef>
+                <a:spcPct val="20000"/>
+              </a:spcBef>
+              <a:spcAft>
+                <a:spcPct val="0"/>
+              </a:spcAft>
+              <a:buClrTx/>
+              <a:buSzTx/>
+              <a:buFontTx/>
+              <a:buChar char="•"/>
+              <a:tabLst/>
+              <a:defRPr/>
+            </a:pPr>
+            <a:r>
+              <a:rPr kumimoji="0" lang="en-US" sz="2400" b="0" i="0" u="none" strike="noStrike" kern="1200" cap="none" spc="0" normalizeH="0" baseline="0" noProof="0" dirty="0">
+                <a:ln>
+                  <a:noFill/>
+                </a:ln>
+                <a:solidFill>
+                  <a:srgbClr val="000000"/>
+                </a:solidFill>
+                <a:effectLst/>
+                <a:uLnTx/>
+                <a:uFillTx/>
+                <a:latin typeface="Calibri Light" panose="020F0302020204030204" pitchFamily="34" charset="0"/>
+              </a:rPr>
+              <a:t>Don’t have to know positions/orientations</a:t>
+            </a:r>
+          </a:p>
+          <a:p>
+            <a:pPr marL="838200" marR="0" lvl="1" indent="-381000" algn="l" defTabSz="914400" rtl="0" eaLnBrk="0" fontAlgn="base" latinLnBrk="0" hangingPunct="0">
+              <a:lnSpc>
+                <a:spcPct val="100000"/>
+              </a:lnSpc>
+              <a:spcBef>
+                <a:spcPct val="20000"/>
+              </a:spcBef>
+              <a:spcAft>
+                <a:spcPct val="0"/>
+              </a:spcAft>
+              <a:buClrTx/>
+              <a:buSzTx/>
+              <a:buFontTx/>
+              <a:buChar char="•"/>
+              <a:tabLst/>
+              <a:defRPr/>
+            </a:pPr>
+            <a:r>
+              <a:rPr kumimoji="0" lang="en-US" sz="2400" b="0" i="0" u="none" strike="noStrike" kern="1200" cap="none" spc="0" normalizeH="0" baseline="0" noProof="0" dirty="0">
+                <a:ln>
+                  <a:noFill/>
+                </a:ln>
+                <a:solidFill>
+                  <a:srgbClr val="000000"/>
+                </a:solidFill>
+                <a:effectLst/>
+                <a:uLnTx/>
+                <a:uFillTx/>
+                <a:latin typeface="Calibri Light" panose="020F0302020204030204" pitchFamily="34" charset="0"/>
+              </a:rPr>
+              <a:t>Great code available online!</a:t>
+            </a:r>
+          </a:p>
+          <a:p>
+            <a:pPr marL="1257300" marR="0" lvl="2" indent="-342900" algn="l" defTabSz="914400" rtl="0" eaLnBrk="0" fontAlgn="base" latinLnBrk="0" hangingPunct="0">
+              <a:lnSpc>
+                <a:spcPct val="110000"/>
+              </a:lnSpc>
+              <a:spcBef>
+                <a:spcPct val="20000"/>
+              </a:spcBef>
+              <a:spcAft>
+                <a:spcPct val="0"/>
+              </a:spcAft>
+              <a:buClrTx/>
+              <a:buSzTx/>
+              <a:buFontTx/>
+              <a:buChar char="–"/>
+              <a:tabLst/>
+              <a:defRPr/>
+            </a:pPr>
+            <a:r>
+              <a:rPr kumimoji="0" lang="en-US" sz="2400" b="0" i="0" u="none" strike="noStrike" kern="1200" cap="none" spc="0" normalizeH="0" baseline="0" noProof="0" dirty="0" err="1">
+                <a:ln>
+                  <a:noFill/>
+                </a:ln>
+                <a:solidFill>
+                  <a:srgbClr val="000000"/>
+                </a:solidFill>
+                <a:effectLst/>
+                <a:uLnTx/>
+                <a:uFillTx/>
+                <a:latin typeface="Calibri Light" panose="020F0302020204030204" pitchFamily="34" charset="0"/>
+                <a:cs typeface="Arial" charset="0"/>
+              </a:rPr>
+              <a:t>Matlab</a:t>
+            </a:r>
+            <a:r>
+              <a:rPr kumimoji="0" lang="en-US" sz="2400" b="0" i="0" u="none" strike="noStrike" kern="1200" cap="none" spc="0" normalizeH="0" baseline="0" noProof="0" dirty="0">
+                <a:ln>
+                  <a:noFill/>
+                </a:ln>
+                <a:solidFill>
+                  <a:srgbClr val="000000"/>
+                </a:solidFill>
+                <a:effectLst/>
+                <a:uLnTx/>
+                <a:uFillTx/>
+                <a:latin typeface="Calibri Light" panose="020F0302020204030204" pitchFamily="34" charset="0"/>
+                <a:cs typeface="Arial" charset="0"/>
+              </a:rPr>
+              <a:t> version:  </a:t>
+            </a:r>
+            <a:r>
+              <a:rPr kumimoji="0" lang="en-US" sz="2400" b="0" i="0" u="none" strike="noStrike" kern="1200" cap="none" spc="0" normalizeH="0" baseline="0" noProof="0" dirty="0">
+                <a:ln>
+                  <a:noFill/>
+                </a:ln>
+                <a:solidFill>
+                  <a:srgbClr val="000000"/>
+                </a:solidFill>
+                <a:effectLst/>
+                <a:uLnTx/>
+                <a:uFillTx/>
+                <a:latin typeface="Calibri Light" panose="020F0302020204030204" pitchFamily="34" charset="0"/>
+                <a:cs typeface="Arial" charset="0"/>
+                <a:hlinkClick r:id="rId10"/>
+              </a:rPr>
+              <a:t>http://www.vision.caltech.edu/bouguetj/calib_doc/index.html</a:t>
+            </a:r>
+            <a:endParaRPr kumimoji="0" lang="en-US" sz="2400" b="0" i="0" u="none" strike="noStrike" kern="1200" cap="none" spc="0" normalizeH="0" baseline="0" noProof="0" dirty="0">
+              <a:ln>
+                <a:noFill/>
+              </a:ln>
+              <a:solidFill>
+                <a:srgbClr val="000000"/>
+              </a:solidFill>
+              <a:effectLst/>
+              <a:uLnTx/>
+              <a:uFillTx/>
+              <a:latin typeface="Calibri Light" panose="020F0302020204030204" pitchFamily="34" charset="0"/>
+              <a:cs typeface="Arial" charset="0"/>
+            </a:endParaRPr>
+          </a:p>
+          <a:p>
+            <a:pPr marL="1257300" marR="0" lvl="2" indent="-342900" algn="l" defTabSz="914400" rtl="0" eaLnBrk="0" fontAlgn="base" latinLnBrk="0" hangingPunct="0">
+              <a:lnSpc>
+                <a:spcPct val="110000"/>
+              </a:lnSpc>
+              <a:spcBef>
+                <a:spcPct val="20000"/>
+              </a:spcBef>
+              <a:spcAft>
+                <a:spcPct val="0"/>
+              </a:spcAft>
+              <a:buClrTx/>
+              <a:buSzTx/>
+              <a:buFontTx/>
+              <a:buChar char="–"/>
+              <a:tabLst/>
+              <a:defRPr/>
+            </a:pPr>
+            <a:r>
+              <a:rPr kumimoji="0" lang="en-US" sz="2400" b="0" i="0" u="none" strike="noStrike" kern="1200" cap="none" spc="0" normalizeH="0" baseline="0" noProof="0" dirty="0">
+                <a:ln>
+                  <a:noFill/>
+                </a:ln>
+                <a:solidFill>
+                  <a:srgbClr val="000000"/>
+                </a:solidFill>
+                <a:effectLst/>
+                <a:uLnTx/>
+                <a:uFillTx/>
+                <a:latin typeface="Calibri Light" panose="020F0302020204030204" pitchFamily="34" charset="0"/>
+                <a:cs typeface="Arial" charset="0"/>
+              </a:rPr>
+              <a:t>Also available on OpenCV.</a:t>
+            </a:r>
+          </a:p>
+          <a:p>
+            <a:pPr marL="0" marR="0" lvl="0" indent="0" algn="l" defTabSz="914400" rtl="0" eaLnBrk="0" fontAlgn="base" latinLnBrk="0" hangingPunct="0">
+              <a:lnSpc>
+                <a:spcPct val="110000"/>
+              </a:lnSpc>
+              <a:spcBef>
+                <a:spcPct val="20000"/>
+              </a:spcBef>
+              <a:spcAft>
+                <a:spcPct val="0"/>
+              </a:spcAft>
+              <a:buClrTx/>
+              <a:buSzTx/>
+              <a:buFontTx/>
+              <a:buNone/>
+              <a:tabLst/>
+              <a:defRPr/>
+            </a:pPr>
+            <a:r>
+              <a:rPr kumimoji="0" lang="en-US" sz="2400" b="0" i="0" u="none" strike="noStrike" kern="1200" cap="none" spc="0" normalizeH="0" baseline="0" noProof="0" dirty="0">
+                <a:ln>
+                  <a:noFill/>
+                </a:ln>
+                <a:solidFill>
+                  <a:srgbClr val="000000"/>
+                </a:solidFill>
+                <a:effectLst/>
+                <a:uLnTx/>
+                <a:uFillTx/>
+                <a:latin typeface="Calibri Light" panose="020F0302020204030204" pitchFamily="34" charset="0"/>
+                <a:cs typeface="Arial" charset="0"/>
+              </a:rPr>
+              <a:t>Disadvantage: Need to solve non-linear optimization problem.</a:t>
+            </a:r>
+          </a:p>
+        </p:txBody>
+      </p:sp>
+      <p:sp>
+        <p:nvSpPr>
+          <p:cNvPr id="11" name="Shape 667">
+            <a:extLst>
+              <a:ext uri="{FF2B5EF4-FFF2-40B4-BE49-F238E27FC236}">
+                <a16:creationId xmlns="" xmlns:a16="http://schemas.microsoft.com/office/drawing/2014/main" id="{E18C6330-469F-44C4-964B-09EA70906744}"/>
+              </a:ext>
+            </a:extLst>
+          </p:cNvPr>
+          <p:cNvSpPr txBox="1">
+            <a:spLocks/>
+          </p:cNvSpPr>
+          <p:nvPr/>
+        </p:nvSpPr>
+        <p:spPr>
+          <a:xfrm>
+            <a:off x="0" y="1"/>
+            <a:ext cx="9144000" cy="1325563"/>
+          </a:xfrm>
+          <a:prstGeom prst="rect">
+            <a:avLst/>
+          </a:prstGeom>
+        </p:spPr>
+        <p:txBody>
+          <a:bodyPr vert="horz" lIns="91440" tIns="45720" rIns="91440" bIns="45720" rtlCol="0" anchor="ctr">
+            <a:normAutofit/>
+          </a:bodyPr>
+          <a:lstStyle>
+            <a:lvl1pPr algn="l" defTabSz="914400" rtl="0" eaLnBrk="1" latinLnBrk="0" hangingPunct="1">
+              <a:lnSpc>
+                <a:spcPct val="90000"/>
+              </a:lnSpc>
+              <a:spcBef>
+                <a:spcPct val="0"/>
+              </a:spcBef>
+              <a:buNone/>
+              <a:defRPr sz="4400" kern="1200">
+                <a:solidFill>
+                  <a:schemeClr val="tx1"/>
+                </a:solidFill>
+                <a:latin typeface="+mj-lt"/>
+                <a:ea typeface="+mj-ea"/>
+                <a:cs typeface="+mj-cs"/>
+              </a:defRPr>
+            </a:lvl1pPr>
+          </a:lstStyle>
+          <a:p>
+            <a:pPr marL="0" marR="0" lvl="0" indent="0" algn="ctr" defTabSz="914400" rtl="0" eaLnBrk="1" fontAlgn="auto" latinLnBrk="0" hangingPunct="1">
+              <a:lnSpc>
+                <a:spcPct val="90000"/>
+              </a:lnSpc>
+              <a:spcBef>
+                <a:spcPct val="0"/>
+              </a:spcBef>
+              <a:spcAft>
+                <a:spcPts val="0"/>
+              </a:spcAft>
+              <a:buClrTx/>
+              <a:buSzTx/>
+              <a:buFontTx/>
+              <a:buNone/>
+              <a:tabLst/>
+              <a:defRPr/>
+            </a:pPr>
+            <a:r>
+              <a:rPr kumimoji="0" lang="en-US" sz="4400" b="0" i="0" u="none" strike="noStrike" kern="1200" cap="none" spc="0" normalizeH="0" baseline="0" noProof="0" dirty="0">
+                <a:ln>
+                  <a:noFill/>
+                </a:ln>
+                <a:solidFill>
+                  <a:sysClr val="windowText" lastClr="000000"/>
+                </a:solidFill>
+                <a:effectLst/>
+                <a:uLnTx/>
+                <a:uFillTx/>
+                <a:latin typeface="Calibri Light" panose="020F0302020204030204"/>
+                <a:ea typeface="+mj-ea"/>
+                <a:cs typeface="+mj-cs"/>
+              </a:rPr>
+              <a:t>Alternative: Multi-plane calibration</a:t>
+            </a:r>
+          </a:p>
+        </p:txBody>
+      </p:sp>
+    </p:spTree>
+    <p:extLst>
+      <p:ext uri="{BB962C8B-B14F-4D97-AF65-F5344CB8AC3E}">
+        <p14:creationId xmlns:p14="http://schemas.microsoft.com/office/powerpoint/2010/main" val="2960128786"/>
+      </p:ext>
+    </p:extLst>
+  </p:cSld>
+  <p:clrMapOvr>
+    <a:masterClrMapping/>
+  </p:clrMapOvr>
+</p:sld>
+</file>
+
+<file path=ppt/slides/slide45.xml><?xml version="1.0" encoding="utf-8"?>
 <p:sld xmlns:a="http://schemas.openxmlformats.org/drawingml/2006/main" xmlns:r="http://schemas.openxmlformats.org/officeDocument/2006/relationships" xmlns:p="http://schemas.openxmlformats.org/presentationml/2006/main">
   <p:cSld>
     <p:spTree>
@@ -25043,7 +28388,7 @@
 </p:sld>
 </file>
 
-<file path=ppt/slides/slide41.xml><?xml version="1.0" encoding="utf-8"?>
+<file path=ppt/slides/slide46.xml><?xml version="1.0" encoding="utf-8"?>
 <p:sld xmlns:a="http://schemas.openxmlformats.org/drawingml/2006/main" xmlns:r="http://schemas.openxmlformats.org/officeDocument/2006/relationships" xmlns:p="http://schemas.openxmlformats.org/presentationml/2006/main">
   <p:cSld>
     <p:spTree>
@@ -25685,7 +29030,7 @@
                           <m:endChr m:val="]"/>
                           <m:ctrlPr>
                             <a:rPr lang="en-US" i="1" smtClean="0">
-                              <a:latin typeface="Cambria Math" panose="02040503050406030204" pitchFamily="18" charset="0"/>
+                              <a:latin typeface="Cambria Math"/>
                             </a:rPr>
                           </m:ctrlPr>
                         </m:dPr>
@@ -25702,7 +29047,7 @@
                               </m:mcs>
                               <m:ctrlPr>
                                 <a:rPr lang="en-US" b="0" i="1" smtClean="0">
-                                  <a:latin typeface="Cambria Math" panose="02040503050406030204" pitchFamily="18" charset="0"/>
+                                  <a:latin typeface="Cambria Math"/>
                                 </a:rPr>
                               </m:ctrlPr>
                             </m:mPr>
@@ -26469,7 +29814,7 @@
           </a:ln>
           <a:extLst>
             <a:ext uri="{C572A759-6A51-4108-AA02-DFA0A04FC94B}">
-              <ma14:wrappingTextBoxFlag xmlns:ma14="http://schemas.microsoft.com/office/mac/drawingml/2011/main" xmlns="" val="1"/>
+              <ma14:wrappingTextBoxFlag xmlns="" xmlns:ma14="http://schemas.microsoft.com/office/mac/drawingml/2011/main" val="1"/>
             </a:ext>
           </a:extLst>
         </p:spPr>
@@ -26931,7 +30276,7 @@
           </a:ln>
           <a:extLst>
             <a:ext uri="{C572A759-6A51-4108-AA02-DFA0A04FC94B}">
-              <ma14:wrappingTextBoxFlag xmlns:ma14="http://schemas.microsoft.com/office/mac/drawingml/2011/main" xmlns="" val="1"/>
+              <ma14:wrappingTextBoxFlag xmlns="" xmlns:ma14="http://schemas.microsoft.com/office/mac/drawingml/2011/main" val="1"/>
             </a:ext>
           </a:extLst>
         </p:spPr>
@@ -27210,7 +30555,7 @@
               <p:cNvPr id="28" name="image coordinate system">
                 <a:extLst>
                   <a:ext uri="{FF2B5EF4-FFF2-40B4-BE49-F238E27FC236}">
-                    <a16:creationId xmlns:a16="http://schemas.microsoft.com/office/drawing/2014/main" id="{B1C9475A-CB0A-4867-B710-686ED1934745}"/>
+                    <a16:creationId xmlns:a16="http://schemas.microsoft.com/office/drawing/2014/main" xmlns="" id="{B1C9475A-CB0A-4867-B710-686ED1934745}"/>
                   </a:ext>
                 </a:extLst>
               </p:cNvPr>
@@ -27230,7 +30575,7 @@
               </a:ln>
               <a:extLst>
                 <a:ext uri="{C572A759-6A51-4108-AA02-DFA0A04FC94B}">
-                  <ma14:wrappingTextBoxFlag xmlns:ma14="http://schemas.microsoft.com/office/mac/drawingml/2011/main" xmlns="" val="1"/>
+                  <ma14:wrappingTextBoxFlag xmlns="" xmlns:ma14="http://schemas.microsoft.com/office/mac/drawingml/2011/main" val="1"/>
                 </a:ext>
               </a:extLst>
             </p:spPr>
@@ -27280,7 +30625,7 @@
                               <a:effectLst/>
                               <a:uLnTx/>
                               <a:uFillTx/>
-                              <a:latin typeface="Cambria Math" panose="02040503050406030204" pitchFamily="18" charset="0"/>
+                              <a:latin typeface="Cambria Math"/>
                               <a:ea typeface="+mn-ea"/>
                               <a:cs typeface="+mn-cs"/>
                             </a:rPr>
@@ -27319,7 +30664,7 @@
                                   <a:effectLst/>
                                   <a:uLnTx/>
                                   <a:uFillTx/>
-                                  <a:latin typeface="Cambria Math" panose="02040503050406030204" pitchFamily="18" charset="0"/>
+                                  <a:latin typeface="Cambria Math"/>
                                   <a:ea typeface="+mn-ea"/>
                                   <a:cs typeface="+mn-cs"/>
                                 </a:rPr>
@@ -27498,7 +30843,7 @@
               <p:cNvPr id="29" name="image coordinate system">
                 <a:extLst>
                   <a:ext uri="{FF2B5EF4-FFF2-40B4-BE49-F238E27FC236}">
-                    <a16:creationId xmlns:a16="http://schemas.microsoft.com/office/drawing/2014/main" id="{B1C9475A-CB0A-4867-B710-686ED1934745}"/>
+                    <a16:creationId xmlns:a16="http://schemas.microsoft.com/office/drawing/2014/main" xmlns="" id="{B1C9475A-CB0A-4867-B710-686ED1934745}"/>
                   </a:ext>
                 </a:extLst>
               </p:cNvPr>
@@ -27518,7 +30863,7 @@
               </a:ln>
               <a:extLst>
                 <a:ext uri="{C572A759-6A51-4108-AA02-DFA0A04FC94B}">
-                  <ma14:wrappingTextBoxFlag xmlns:ma14="http://schemas.microsoft.com/office/mac/drawingml/2011/main" xmlns="" val="1"/>
+                  <ma14:wrappingTextBoxFlag xmlns="" xmlns:ma14="http://schemas.microsoft.com/office/mac/drawingml/2011/main" val="1"/>
                 </a:ext>
               </a:extLst>
             </p:spPr>
@@ -27568,7 +30913,7 @@
                               <a:effectLst/>
                               <a:uLnTx/>
                               <a:uFillTx/>
-                              <a:latin typeface="Cambria Math" panose="02040503050406030204" pitchFamily="18" charset="0"/>
+                              <a:latin typeface="Cambria Math"/>
                               <a:ea typeface="+mn-ea"/>
                               <a:cs typeface="+mn-cs"/>
                             </a:rPr>
@@ -27694,7 +31039,7 @@
               <p:cNvPr id="30" name="image coordinate system">
                 <a:extLst>
                   <a:ext uri="{FF2B5EF4-FFF2-40B4-BE49-F238E27FC236}">
-                    <a16:creationId xmlns:a16="http://schemas.microsoft.com/office/drawing/2014/main" id="{B1C9475A-CB0A-4867-B710-686ED1934745}"/>
+                    <a16:creationId xmlns:a16="http://schemas.microsoft.com/office/drawing/2014/main" xmlns="" id="{B1C9475A-CB0A-4867-B710-686ED1934745}"/>
                   </a:ext>
                 </a:extLst>
               </p:cNvPr>
@@ -27714,7 +31059,7 @@
               </a:ln>
               <a:extLst>
                 <a:ext uri="{C572A759-6A51-4108-AA02-DFA0A04FC94B}">
-                  <ma14:wrappingTextBoxFlag xmlns:ma14="http://schemas.microsoft.com/office/mac/drawingml/2011/main" xmlns="" val="1"/>
+                  <ma14:wrappingTextBoxFlag xmlns="" xmlns:ma14="http://schemas.microsoft.com/office/mac/drawingml/2011/main" val="1"/>
                 </a:ext>
               </a:extLst>
             </p:spPr>
@@ -27764,7 +31109,7 @@
                               <a:effectLst/>
                               <a:uLnTx/>
                               <a:uFillTx/>
-                              <a:latin typeface="Cambria Math" panose="02040503050406030204" pitchFamily="18" charset="0"/>
+                              <a:latin typeface="Cambria Math"/>
                               <a:ea typeface="+mn-ea"/>
                               <a:cs typeface="+mn-cs"/>
                             </a:rPr>
@@ -27890,7 +31235,7 @@
               <p:cNvPr id="31" name="image coordinate system">
                 <a:extLst>
                   <a:ext uri="{FF2B5EF4-FFF2-40B4-BE49-F238E27FC236}">
-                    <a16:creationId xmlns:a16="http://schemas.microsoft.com/office/drawing/2014/main" id="{B1C9475A-CB0A-4867-B710-686ED1934745}"/>
+                    <a16:creationId xmlns:a16="http://schemas.microsoft.com/office/drawing/2014/main" xmlns="" id="{B1C9475A-CB0A-4867-B710-686ED1934745}"/>
                   </a:ext>
                 </a:extLst>
               </p:cNvPr>
@@ -27910,7 +31255,7 @@
               </a:ln>
               <a:extLst>
                 <a:ext uri="{C572A759-6A51-4108-AA02-DFA0A04FC94B}">
-                  <ma14:wrappingTextBoxFlag xmlns:ma14="http://schemas.microsoft.com/office/mac/drawingml/2011/main" xmlns="" val="1"/>
+                  <ma14:wrappingTextBoxFlag xmlns="" xmlns:ma14="http://schemas.microsoft.com/office/mac/drawingml/2011/main" val="1"/>
                 </a:ext>
               </a:extLst>
             </p:spPr>
@@ -27960,7 +31305,7 @@
                               <a:effectLst/>
                               <a:uLnTx/>
                               <a:uFillTx/>
-                              <a:latin typeface="Cambria Math" panose="02040503050406030204" pitchFamily="18" charset="0"/>
+                              <a:latin typeface="Cambria Math"/>
                               <a:ea typeface="+mn-ea"/>
                               <a:cs typeface="+mn-cs"/>
                             </a:rPr>
@@ -28110,7 +31455,73 @@
 </p:tagLst>
 </file>
 
+<file path=ppt/tags/tag12.xml><?xml version="1.0" encoding="utf-8"?>
+<p:tagLst xmlns:a="http://schemas.openxmlformats.org/drawingml/2006/main" xmlns:r="http://schemas.openxmlformats.org/officeDocument/2006/relationships" xmlns:p="http://schemas.openxmlformats.org/presentationml/2006/main">
+  <p:tag name="_INSTRUCTOR VIEW19C14C36-AC8E-43BC-9DB6-C2AAF774C7DC|PANE__TAG" val="_"/>
+</p:tagLst>
+</file>
+
+<file path=ppt/tags/tag13.xml><?xml version="1.0" encoding="utf-8"?>
+<p:tagLst xmlns:a="http://schemas.openxmlformats.org/drawingml/2006/main" xmlns:r="http://schemas.openxmlformats.org/officeDocument/2006/relationships" xmlns:p="http://schemas.openxmlformats.org/presentationml/2006/main">
+  <p:tag name="_INSTRUCTOR VIEW19C14C36-AC8E-43BC-9DB6-C2AAF774C7DC|PANE__TAG" val="_"/>
+</p:tagLst>
+</file>
+
+<file path=ppt/tags/tag14.xml><?xml version="1.0" encoding="utf-8"?>
+<p:tagLst xmlns:a="http://schemas.openxmlformats.org/drawingml/2006/main" xmlns:r="http://schemas.openxmlformats.org/officeDocument/2006/relationships" xmlns:p="http://schemas.openxmlformats.org/presentationml/2006/main">
+  <p:tag name="_INSTRUCTOR VIEW19C14C36-AC8E-43BC-9DB6-C2AAF774C7DC|PANE__TAG" val="_"/>
+</p:tagLst>
+</file>
+
+<file path=ppt/tags/tag15.xml><?xml version="1.0" encoding="utf-8"?>
+<p:tagLst xmlns:a="http://schemas.openxmlformats.org/drawingml/2006/main" xmlns:r="http://schemas.openxmlformats.org/officeDocument/2006/relationships" xmlns:p="http://schemas.openxmlformats.org/presentationml/2006/main">
+  <p:tag name="_INSTRUCTOR VIEW19C14C36-AC8E-43BC-9DB6-C2AAF774C7DC|PANE__TAG" val="_"/>
+</p:tagLst>
+</file>
+
+<file path=ppt/tags/tag16.xml><?xml version="1.0" encoding="utf-8"?>
+<p:tagLst xmlns:a="http://schemas.openxmlformats.org/drawingml/2006/main" xmlns:r="http://schemas.openxmlformats.org/officeDocument/2006/relationships" xmlns:p="http://schemas.openxmlformats.org/presentationml/2006/main">
+  <p:tag name="_INSTRUCTOR VIEW19C14C36-AC8E-43BC-9DB6-C2AAF774C7DC|PANE__TAG" val="_"/>
+</p:tagLst>
+</file>
+
+<file path=ppt/tags/tag17.xml><?xml version="1.0" encoding="utf-8"?>
+<p:tagLst xmlns:a="http://schemas.openxmlformats.org/drawingml/2006/main" xmlns:r="http://schemas.openxmlformats.org/officeDocument/2006/relationships" xmlns:p="http://schemas.openxmlformats.org/presentationml/2006/main">
+  <p:tag name="_INSTRUCTOR VIEW19C14C36-AC8E-43BC-9DB6-C2AAF774C7DC|PANE__TAG" val="_"/>
+</p:tagLst>
+</file>
+
+<file path=ppt/tags/tag18.xml><?xml version="1.0" encoding="utf-8"?>
+<p:tagLst xmlns:a="http://schemas.openxmlformats.org/drawingml/2006/main" xmlns:r="http://schemas.openxmlformats.org/officeDocument/2006/relationships" xmlns:p="http://schemas.openxmlformats.org/presentationml/2006/main">
+  <p:tag name="_INSTRUCTOR VIEW19C14C36-AC8E-43BC-9DB6-C2AAF774C7DC|PANE__TAG" val="_"/>
+</p:tagLst>
+</file>
+
+<file path=ppt/tags/tag19.xml><?xml version="1.0" encoding="utf-8"?>
+<p:tagLst xmlns:a="http://schemas.openxmlformats.org/drawingml/2006/main" xmlns:r="http://schemas.openxmlformats.org/officeDocument/2006/relationships" xmlns:p="http://schemas.openxmlformats.org/presentationml/2006/main">
+  <p:tag name="_INSTRUCTOR VIEW19C14C36-AC8E-43BC-9DB6-C2AAF774C7DC|PANE__TAG" val="_"/>
+</p:tagLst>
+</file>
+
 <file path=ppt/tags/tag2.xml><?xml version="1.0" encoding="utf-8"?>
+<p:tagLst xmlns:a="http://schemas.openxmlformats.org/drawingml/2006/main" xmlns:r="http://schemas.openxmlformats.org/officeDocument/2006/relationships" xmlns:p="http://schemas.openxmlformats.org/presentationml/2006/main">
+  <p:tag name="_INSTRUCTOR VIEW19C14C36-AC8E-43BC-9DB6-C2AAF774C7DC|PANE__TAG" val="_"/>
+</p:tagLst>
+</file>
+
+<file path=ppt/tags/tag20.xml><?xml version="1.0" encoding="utf-8"?>
+<p:tagLst xmlns:a="http://schemas.openxmlformats.org/drawingml/2006/main" xmlns:r="http://schemas.openxmlformats.org/officeDocument/2006/relationships" xmlns:p="http://schemas.openxmlformats.org/presentationml/2006/main">
+  <p:tag name="_INSTRUCTOR VIEW19C14C36-AC8E-43BC-9DB6-C2AAF774C7DC|PANE__TAG" val="_"/>
+</p:tagLst>
+</file>
+
+<file path=ppt/tags/tag21.xml><?xml version="1.0" encoding="utf-8"?>
+<p:tagLst xmlns:a="http://schemas.openxmlformats.org/drawingml/2006/main" xmlns:r="http://schemas.openxmlformats.org/officeDocument/2006/relationships" xmlns:p="http://schemas.openxmlformats.org/presentationml/2006/main">
+  <p:tag name="_INSTRUCTOR VIEW19C14C36-AC8E-43BC-9DB6-C2AAF774C7DC|PANE__TAG" val="_"/>
+</p:tagLst>
+</file>
+
+<file path=ppt/tags/tag22.xml><?xml version="1.0" encoding="utf-8"?>
 <p:tagLst xmlns:a="http://schemas.openxmlformats.org/drawingml/2006/main" xmlns:r="http://schemas.openxmlformats.org/officeDocument/2006/relationships" xmlns:p="http://schemas.openxmlformats.org/presentationml/2006/main">
   <p:tag name="_INSTRUCTOR VIEW19C14C36-AC8E-43BC-9DB6-C2AAF774C7DC|PANE__TAG" val="_"/>
 </p:tagLst>
